--- a/static/lectures/SSA_Lecture5_DemoData.pptx
+++ b/static/lectures/SSA_Lecture5_DemoData.pptx
@@ -132,7 +132,7 @@
   </p:defaultTextStyle>
   <p:extLst>
     <p:ext uri="{EFAFB233-063F-42B5-8137-9DF3F51BA10A}">
-      <p15:sldGuideLst xmlns:p15="http://schemas.microsoft.com/office/powerpoint/2012/main">
+      <p15:sldGuideLst xmlns:p15="http://schemas.microsoft.com/office/powerpoint/2012/main" xmlns="">
         <p15:guide id="1" orient="horz" pos="1620">
           <p15:clr>
             <a:srgbClr val="A4A3A4"/>
@@ -231,7 +231,7 @@
           <a:p>
             <a:fld id="{05B76329-9BDE-43DA-A433-FD89407A2D9A}" type="datetimeFigureOut">
               <a:rPr lang="en-US" smtClean="0"/>
-              <a:t>10/23/2018</a:t>
+              <a:t>11/18/2018</a:t>
             </a:fld>
             <a:endParaRPr lang="en-US"/>
           </a:p>
@@ -1155,7 +1155,7 @@
           <p:cNvPr id="2" name="Title 1">
             <a:extLst>
               <a:ext uri="{FF2B5EF4-FFF2-40B4-BE49-F238E27FC236}">
-                <a16:creationId xmlns:a16="http://schemas.microsoft.com/office/drawing/2014/main" id="{F6BEE4D0-2948-4D8B-A6B0-A27F98C5260C}"/>
+                <a16:creationId xmlns:a16="http://schemas.microsoft.com/office/drawing/2014/main" xmlns="" id="{F6BEE4D0-2948-4D8B-A6B0-A27F98C5260C}"/>
               </a:ext>
             </a:extLst>
           </p:cNvPr>
@@ -1193,7 +1193,7 @@
           <p:cNvPr id="3" name="Subtitle 2">
             <a:extLst>
               <a:ext uri="{FF2B5EF4-FFF2-40B4-BE49-F238E27FC236}">
-                <a16:creationId xmlns:a16="http://schemas.microsoft.com/office/drawing/2014/main" id="{7F1F3275-E82E-484B-AF27-5650288E8ED2}"/>
+                <a16:creationId xmlns:a16="http://schemas.microsoft.com/office/drawing/2014/main" xmlns="" id="{7F1F3275-E82E-484B-AF27-5650288E8ED2}"/>
               </a:ext>
             </a:extLst>
           </p:cNvPr>
@@ -1266,7 +1266,7 @@
           <p:cNvPr id="9" name="Group 8">
             <a:extLst>
               <a:ext uri="{FF2B5EF4-FFF2-40B4-BE49-F238E27FC236}">
-                <a16:creationId xmlns:a16="http://schemas.microsoft.com/office/drawing/2014/main" id="{D86187BD-A9A7-4B3D-8F2C-B91567B9C326}"/>
+                <a16:creationId xmlns:a16="http://schemas.microsoft.com/office/drawing/2014/main" xmlns="" id="{D86187BD-A9A7-4B3D-8F2C-B91567B9C326}"/>
               </a:ext>
             </a:extLst>
           </p:cNvPr>
@@ -1286,7 +1286,7 @@
             <p:cNvPr id="7" name="Picture 6">
               <a:extLst>
                 <a:ext uri="{FF2B5EF4-FFF2-40B4-BE49-F238E27FC236}">
-                  <a16:creationId xmlns:a16="http://schemas.microsoft.com/office/drawing/2014/main" id="{0A3E5B43-8C12-4719-87CA-7E757457C225}"/>
+                  <a16:creationId xmlns:a16="http://schemas.microsoft.com/office/drawing/2014/main" xmlns="" id="{0A3E5B43-8C12-4719-87CA-7E757457C225}"/>
                 </a:ext>
               </a:extLst>
             </p:cNvPr>
@@ -1322,7 +1322,7 @@
             <p:cNvPr id="8" name="Picture 7">
               <a:extLst>
                 <a:ext uri="{FF2B5EF4-FFF2-40B4-BE49-F238E27FC236}">
-                  <a16:creationId xmlns:a16="http://schemas.microsoft.com/office/drawing/2014/main" id="{D1FEADCA-1EA9-45D5-8DD0-F4B44D8E1151}"/>
+                  <a16:creationId xmlns:a16="http://schemas.microsoft.com/office/drawing/2014/main" xmlns="" id="{D1FEADCA-1EA9-45D5-8DD0-F4B44D8E1151}"/>
                 </a:ext>
               </a:extLst>
             </p:cNvPr>
@@ -1389,7 +1389,7 @@
           <p:cNvPr id="2" name="Title 1">
             <a:extLst>
               <a:ext uri="{FF2B5EF4-FFF2-40B4-BE49-F238E27FC236}">
-                <a16:creationId xmlns:a16="http://schemas.microsoft.com/office/drawing/2014/main" id="{494522C5-0666-4DB7-83CE-5B6CB4D1CF9A}"/>
+                <a16:creationId xmlns:a16="http://schemas.microsoft.com/office/drawing/2014/main" xmlns="" id="{494522C5-0666-4DB7-83CE-5B6CB4D1CF9A}"/>
               </a:ext>
             </a:extLst>
           </p:cNvPr>
@@ -1417,7 +1417,7 @@
           <p:cNvPr id="3" name="Vertical Text Placeholder 2">
             <a:extLst>
               <a:ext uri="{FF2B5EF4-FFF2-40B4-BE49-F238E27FC236}">
-                <a16:creationId xmlns:a16="http://schemas.microsoft.com/office/drawing/2014/main" id="{2C129D95-7B38-4744-A706-F3D434E89EF7}"/>
+                <a16:creationId xmlns:a16="http://schemas.microsoft.com/office/drawing/2014/main" xmlns="" id="{2C129D95-7B38-4744-A706-F3D434E89EF7}"/>
               </a:ext>
             </a:extLst>
           </p:cNvPr>
@@ -1474,7 +1474,7 @@
           <p:cNvPr id="4" name="Date Placeholder 3">
             <a:extLst>
               <a:ext uri="{FF2B5EF4-FFF2-40B4-BE49-F238E27FC236}">
-                <a16:creationId xmlns:a16="http://schemas.microsoft.com/office/drawing/2014/main" id="{ADC97E7D-72AD-48B7-ABA5-B20ABBFBD7C7}"/>
+                <a16:creationId xmlns:a16="http://schemas.microsoft.com/office/drawing/2014/main" xmlns="" id="{ADC97E7D-72AD-48B7-ABA5-B20ABBFBD7C7}"/>
               </a:ext>
             </a:extLst>
           </p:cNvPr>
@@ -1500,7 +1500,7 @@
           <a:p>
             <a:fld id="{DC01BBA9-561A-4EFE-A06C-26F8206AAA61}" type="datetimeFigureOut">
               <a:rPr lang="en-US" smtClean="0"/>
-              <a:t>10/23/2018</a:t>
+              <a:t>11/18/2018</a:t>
             </a:fld>
             <a:endParaRPr lang="en-US"/>
           </a:p>
@@ -1511,7 +1511,7 @@
           <p:cNvPr id="5" name="Footer Placeholder 4">
             <a:extLst>
               <a:ext uri="{FF2B5EF4-FFF2-40B4-BE49-F238E27FC236}">
-                <a16:creationId xmlns:a16="http://schemas.microsoft.com/office/drawing/2014/main" id="{796783C9-D241-4646-AA69-5AFF6519F7EB}"/>
+                <a16:creationId xmlns:a16="http://schemas.microsoft.com/office/drawing/2014/main" xmlns="" id="{796783C9-D241-4646-AA69-5AFF6519F7EB}"/>
               </a:ext>
             </a:extLst>
           </p:cNvPr>
@@ -1536,7 +1536,7 @@
           <p:cNvPr id="6" name="Slide Number Placeholder 5">
             <a:extLst>
               <a:ext uri="{FF2B5EF4-FFF2-40B4-BE49-F238E27FC236}">
-                <a16:creationId xmlns:a16="http://schemas.microsoft.com/office/drawing/2014/main" id="{0ABA8567-0C73-4EE1-85D6-11E997D3CA11}"/>
+                <a16:creationId xmlns:a16="http://schemas.microsoft.com/office/drawing/2014/main" xmlns="" id="{0ABA8567-0C73-4EE1-85D6-11E997D3CA11}"/>
               </a:ext>
             </a:extLst>
           </p:cNvPr>
@@ -1603,7 +1603,7 @@
           <p:cNvPr id="2" name="Vertical Title 1">
             <a:extLst>
               <a:ext uri="{FF2B5EF4-FFF2-40B4-BE49-F238E27FC236}">
-                <a16:creationId xmlns:a16="http://schemas.microsoft.com/office/drawing/2014/main" id="{C034C754-EBB8-4F31-83B1-76F65241CF42}"/>
+                <a16:creationId xmlns:a16="http://schemas.microsoft.com/office/drawing/2014/main" xmlns="" id="{C034C754-EBB8-4F31-83B1-76F65241CF42}"/>
               </a:ext>
             </a:extLst>
           </p:cNvPr>
@@ -1636,7 +1636,7 @@
           <p:cNvPr id="3" name="Vertical Text Placeholder 2">
             <a:extLst>
               <a:ext uri="{FF2B5EF4-FFF2-40B4-BE49-F238E27FC236}">
-                <a16:creationId xmlns:a16="http://schemas.microsoft.com/office/drawing/2014/main" id="{F0C526F1-1446-4F44-BC5F-884564219E21}"/>
+                <a16:creationId xmlns:a16="http://schemas.microsoft.com/office/drawing/2014/main" xmlns="" id="{F0C526F1-1446-4F44-BC5F-884564219E21}"/>
               </a:ext>
             </a:extLst>
           </p:cNvPr>
@@ -1698,7 +1698,7 @@
           <p:cNvPr id="4" name="Date Placeholder 3">
             <a:extLst>
               <a:ext uri="{FF2B5EF4-FFF2-40B4-BE49-F238E27FC236}">
-                <a16:creationId xmlns:a16="http://schemas.microsoft.com/office/drawing/2014/main" id="{1DAB0D6A-501E-4400-90AE-40AD173EACB5}"/>
+                <a16:creationId xmlns:a16="http://schemas.microsoft.com/office/drawing/2014/main" xmlns="" id="{1DAB0D6A-501E-4400-90AE-40AD173EACB5}"/>
               </a:ext>
             </a:extLst>
           </p:cNvPr>
@@ -1724,7 +1724,7 @@
           <a:p>
             <a:fld id="{DC01BBA9-561A-4EFE-A06C-26F8206AAA61}" type="datetimeFigureOut">
               <a:rPr lang="en-US" smtClean="0"/>
-              <a:t>10/23/2018</a:t>
+              <a:t>11/18/2018</a:t>
             </a:fld>
             <a:endParaRPr lang="en-US"/>
           </a:p>
@@ -1735,7 +1735,7 @@
           <p:cNvPr id="5" name="Footer Placeholder 4">
             <a:extLst>
               <a:ext uri="{FF2B5EF4-FFF2-40B4-BE49-F238E27FC236}">
-                <a16:creationId xmlns:a16="http://schemas.microsoft.com/office/drawing/2014/main" id="{76F1E445-1BC8-4794-9C96-36BEAF0741B6}"/>
+                <a16:creationId xmlns:a16="http://schemas.microsoft.com/office/drawing/2014/main" xmlns="" id="{76F1E445-1BC8-4794-9C96-36BEAF0741B6}"/>
               </a:ext>
             </a:extLst>
           </p:cNvPr>
@@ -1760,7 +1760,7 @@
           <p:cNvPr id="6" name="Slide Number Placeholder 5">
             <a:extLst>
               <a:ext uri="{FF2B5EF4-FFF2-40B4-BE49-F238E27FC236}">
-                <a16:creationId xmlns:a16="http://schemas.microsoft.com/office/drawing/2014/main" id="{D28A5DE7-2691-4958-B071-BAF6637CA8BE}"/>
+                <a16:creationId xmlns:a16="http://schemas.microsoft.com/office/drawing/2014/main" xmlns="" id="{D28A5DE7-2691-4958-B071-BAF6637CA8BE}"/>
               </a:ext>
             </a:extLst>
           </p:cNvPr>
@@ -1984,7 +1984,7 @@
           <a:p>
             <a:fld id="{589E5873-CF7F-45F3-B283-E59B1D6F242C}" type="datetimeFigureOut">
               <a:rPr lang="en-US" smtClean="0"/>
-              <a:t>10/23/2018</a:t>
+              <a:t>11/18/2018</a:t>
             </a:fld>
             <a:endParaRPr lang="en-US"/>
           </a:p>
@@ -2152,7 +2152,7 @@
           <a:p>
             <a:fld id="{589E5873-CF7F-45F3-B283-E59B1D6F242C}" type="datetimeFigureOut">
               <a:rPr lang="en-US" smtClean="0"/>
-              <a:t>10/23/2018</a:t>
+              <a:t>11/18/2018</a:t>
             </a:fld>
             <a:endParaRPr lang="en-US"/>
           </a:p>
@@ -2397,7 +2397,7 @@
           <a:p>
             <a:fld id="{589E5873-CF7F-45F3-B283-E59B1D6F242C}" type="datetimeFigureOut">
               <a:rPr lang="en-US" smtClean="0"/>
-              <a:t>10/23/2018</a:t>
+              <a:t>11/18/2018</a:t>
             </a:fld>
             <a:endParaRPr lang="en-US"/>
           </a:p>
@@ -2682,7 +2682,7 @@
           <a:p>
             <a:fld id="{589E5873-CF7F-45F3-B283-E59B1D6F242C}" type="datetimeFigureOut">
               <a:rPr lang="en-US" smtClean="0"/>
-              <a:t>10/23/2018</a:t>
+              <a:t>11/18/2018</a:t>
             </a:fld>
             <a:endParaRPr lang="en-US"/>
           </a:p>
@@ -3101,7 +3101,7 @@
           <a:p>
             <a:fld id="{589E5873-CF7F-45F3-B283-E59B1D6F242C}" type="datetimeFigureOut">
               <a:rPr lang="en-US" smtClean="0"/>
-              <a:t>10/23/2018</a:t>
+              <a:t>11/18/2018</a:t>
             </a:fld>
             <a:endParaRPr lang="en-US"/>
           </a:p>
@@ -3218,7 +3218,7 @@
           <a:p>
             <a:fld id="{589E5873-CF7F-45F3-B283-E59B1D6F242C}" type="datetimeFigureOut">
               <a:rPr lang="en-US" smtClean="0"/>
-              <a:t>10/23/2018</a:t>
+              <a:t>11/18/2018</a:t>
             </a:fld>
             <a:endParaRPr lang="en-US"/>
           </a:p>
@@ -3313,7 +3313,7 @@
           <a:p>
             <a:fld id="{589E5873-CF7F-45F3-B283-E59B1D6F242C}" type="datetimeFigureOut">
               <a:rPr lang="en-US" smtClean="0"/>
-              <a:t>10/23/2018</a:t>
+              <a:t>11/18/2018</a:t>
             </a:fld>
             <a:endParaRPr lang="en-US"/>
           </a:p>
@@ -3588,7 +3588,7 @@
           <a:p>
             <a:fld id="{589E5873-CF7F-45F3-B283-E59B1D6F242C}" type="datetimeFigureOut">
               <a:rPr lang="en-US" smtClean="0"/>
-              <a:t>10/23/2018</a:t>
+              <a:t>11/18/2018</a:t>
             </a:fld>
             <a:endParaRPr lang="en-US"/>
           </a:p>
@@ -3671,7 +3671,7 @@
           <p:cNvPr id="2" name="Title 1">
             <a:extLst>
               <a:ext uri="{FF2B5EF4-FFF2-40B4-BE49-F238E27FC236}">
-                <a16:creationId xmlns:a16="http://schemas.microsoft.com/office/drawing/2014/main" id="{6C17425C-18D3-491A-B44C-33310DF00363}"/>
+                <a16:creationId xmlns:a16="http://schemas.microsoft.com/office/drawing/2014/main" xmlns="" id="{6C17425C-18D3-491A-B44C-33310DF00363}"/>
               </a:ext>
             </a:extLst>
           </p:cNvPr>
@@ -3700,7 +3700,7 @@
           <p:cNvPr id="3" name="Content Placeholder 2">
             <a:extLst>
               <a:ext uri="{FF2B5EF4-FFF2-40B4-BE49-F238E27FC236}">
-                <a16:creationId xmlns:a16="http://schemas.microsoft.com/office/drawing/2014/main" id="{690EA820-1375-49CA-A199-58675EA20385}"/>
+                <a16:creationId xmlns:a16="http://schemas.microsoft.com/office/drawing/2014/main" xmlns="" id="{690EA820-1375-49CA-A199-58675EA20385}"/>
               </a:ext>
             </a:extLst>
           </p:cNvPr>
@@ -3769,7 +3769,7 @@
           <p:cNvPr id="5" name="Footer Placeholder 4">
             <a:extLst>
               <a:ext uri="{FF2B5EF4-FFF2-40B4-BE49-F238E27FC236}">
-                <a16:creationId xmlns:a16="http://schemas.microsoft.com/office/drawing/2014/main" id="{2E02902E-6772-48E0-9C32-694AC3F38F05}"/>
+                <a16:creationId xmlns:a16="http://schemas.microsoft.com/office/drawing/2014/main" xmlns="" id="{2E02902E-6772-48E0-9C32-694AC3F38F05}"/>
               </a:ext>
             </a:extLst>
           </p:cNvPr>
@@ -3794,7 +3794,7 @@
           <p:cNvPr id="7" name="Group 6">
             <a:extLst>
               <a:ext uri="{FF2B5EF4-FFF2-40B4-BE49-F238E27FC236}">
-                <a16:creationId xmlns:a16="http://schemas.microsoft.com/office/drawing/2014/main" id="{298F834E-EBF3-46CA-A2EC-73D50440B60A}"/>
+                <a16:creationId xmlns:a16="http://schemas.microsoft.com/office/drawing/2014/main" xmlns="" id="{298F834E-EBF3-46CA-A2EC-73D50440B60A}"/>
               </a:ext>
             </a:extLst>
           </p:cNvPr>
@@ -3814,7 +3814,7 @@
             <p:cNvPr id="8" name="Picture 7">
               <a:extLst>
                 <a:ext uri="{FF2B5EF4-FFF2-40B4-BE49-F238E27FC236}">
-                  <a16:creationId xmlns:a16="http://schemas.microsoft.com/office/drawing/2014/main" id="{EB3E9659-0155-4ABB-9E67-A5BD8C5D39FB}"/>
+                  <a16:creationId xmlns:a16="http://schemas.microsoft.com/office/drawing/2014/main" xmlns="" id="{EB3E9659-0155-4ABB-9E67-A5BD8C5D39FB}"/>
                 </a:ext>
               </a:extLst>
             </p:cNvPr>
@@ -3850,7 +3850,7 @@
             <p:cNvPr id="9" name="Picture 8">
               <a:extLst>
                 <a:ext uri="{FF2B5EF4-FFF2-40B4-BE49-F238E27FC236}">
-                  <a16:creationId xmlns:a16="http://schemas.microsoft.com/office/drawing/2014/main" id="{1798BE8B-8B5E-4738-8DF7-8EF166351FDC}"/>
+                  <a16:creationId xmlns:a16="http://schemas.microsoft.com/office/drawing/2014/main" xmlns="" id="{1798BE8B-8B5E-4738-8DF7-8EF166351FDC}"/>
                 </a:ext>
               </a:extLst>
             </p:cNvPr>
@@ -4089,7 +4089,7 @@
           <a:p>
             <a:fld id="{589E5873-CF7F-45F3-B283-E59B1D6F242C}" type="datetimeFigureOut">
               <a:rPr lang="en-US" smtClean="0"/>
-              <a:t>10/23/2018</a:t>
+              <a:t>11/18/2018</a:t>
             </a:fld>
             <a:endParaRPr lang="en-US"/>
           </a:p>
@@ -4257,7 +4257,7 @@
           <a:p>
             <a:fld id="{589E5873-CF7F-45F3-B283-E59B1D6F242C}" type="datetimeFigureOut">
               <a:rPr lang="en-US" smtClean="0"/>
-              <a:t>10/23/2018</a:t>
+              <a:t>11/18/2018</a:t>
             </a:fld>
             <a:endParaRPr lang="en-US"/>
           </a:p>
@@ -4435,7 +4435,7 @@
           <a:p>
             <a:fld id="{589E5873-CF7F-45F3-B283-E59B1D6F242C}" type="datetimeFigureOut">
               <a:rPr lang="en-US" smtClean="0"/>
-              <a:t>10/23/2018</a:t>
+              <a:t>11/18/2018</a:t>
             </a:fld>
             <a:endParaRPr lang="en-US"/>
           </a:p>
@@ -4518,7 +4518,7 @@
           <p:cNvPr id="2" name="Title 1">
             <a:extLst>
               <a:ext uri="{FF2B5EF4-FFF2-40B4-BE49-F238E27FC236}">
-                <a16:creationId xmlns:a16="http://schemas.microsoft.com/office/drawing/2014/main" id="{185726EC-5590-4B3F-8B93-87BF6D6E2685}"/>
+                <a16:creationId xmlns:a16="http://schemas.microsoft.com/office/drawing/2014/main" xmlns="" id="{185726EC-5590-4B3F-8B93-87BF6D6E2685}"/>
               </a:ext>
             </a:extLst>
           </p:cNvPr>
@@ -4555,7 +4555,7 @@
           <p:cNvPr id="3" name="Text Placeholder 2">
             <a:extLst>
               <a:ext uri="{FF2B5EF4-FFF2-40B4-BE49-F238E27FC236}">
-                <a16:creationId xmlns:a16="http://schemas.microsoft.com/office/drawing/2014/main" id="{702BC31A-AFD3-475B-8FD8-2A3385AB9343}"/>
+                <a16:creationId xmlns:a16="http://schemas.microsoft.com/office/drawing/2014/main" xmlns="" id="{702BC31A-AFD3-475B-8FD8-2A3385AB9343}"/>
               </a:ext>
             </a:extLst>
           </p:cNvPr>
@@ -4680,7 +4680,7 @@
           <p:cNvPr id="4" name="Date Placeholder 3">
             <a:extLst>
               <a:ext uri="{FF2B5EF4-FFF2-40B4-BE49-F238E27FC236}">
-                <a16:creationId xmlns:a16="http://schemas.microsoft.com/office/drawing/2014/main" id="{C34470BF-A87D-49C2-A87F-81CA950634A0}"/>
+                <a16:creationId xmlns:a16="http://schemas.microsoft.com/office/drawing/2014/main" xmlns="" id="{C34470BF-A87D-49C2-A87F-81CA950634A0}"/>
               </a:ext>
             </a:extLst>
           </p:cNvPr>
@@ -4706,7 +4706,7 @@
           <a:p>
             <a:fld id="{DC01BBA9-561A-4EFE-A06C-26F8206AAA61}" type="datetimeFigureOut">
               <a:rPr lang="en-US" smtClean="0"/>
-              <a:t>10/23/2018</a:t>
+              <a:t>11/18/2018</a:t>
             </a:fld>
             <a:endParaRPr lang="en-US"/>
           </a:p>
@@ -4717,7 +4717,7 @@
           <p:cNvPr id="5" name="Footer Placeholder 4">
             <a:extLst>
               <a:ext uri="{FF2B5EF4-FFF2-40B4-BE49-F238E27FC236}">
-                <a16:creationId xmlns:a16="http://schemas.microsoft.com/office/drawing/2014/main" id="{FA92D832-4BA1-436E-9216-19CE6A5C0BFE}"/>
+                <a16:creationId xmlns:a16="http://schemas.microsoft.com/office/drawing/2014/main" xmlns="" id="{FA92D832-4BA1-436E-9216-19CE6A5C0BFE}"/>
               </a:ext>
             </a:extLst>
           </p:cNvPr>
@@ -4742,7 +4742,7 @@
           <p:cNvPr id="6" name="Slide Number Placeholder 5">
             <a:extLst>
               <a:ext uri="{FF2B5EF4-FFF2-40B4-BE49-F238E27FC236}">
-                <a16:creationId xmlns:a16="http://schemas.microsoft.com/office/drawing/2014/main" id="{F05B968E-A11B-4791-A225-DDAB8A994CFA}"/>
+                <a16:creationId xmlns:a16="http://schemas.microsoft.com/office/drawing/2014/main" xmlns="" id="{F05B968E-A11B-4791-A225-DDAB8A994CFA}"/>
               </a:ext>
             </a:extLst>
           </p:cNvPr>
@@ -4809,7 +4809,7 @@
           <p:cNvPr id="2" name="Title 1">
             <a:extLst>
               <a:ext uri="{FF2B5EF4-FFF2-40B4-BE49-F238E27FC236}">
-                <a16:creationId xmlns:a16="http://schemas.microsoft.com/office/drawing/2014/main" id="{A4669A23-3852-415D-8903-B7312F70C8CE}"/>
+                <a16:creationId xmlns:a16="http://schemas.microsoft.com/office/drawing/2014/main" xmlns="" id="{A4669A23-3852-415D-8903-B7312F70C8CE}"/>
               </a:ext>
             </a:extLst>
           </p:cNvPr>
@@ -4837,7 +4837,7 @@
           <p:cNvPr id="3" name="Content Placeholder 2">
             <a:extLst>
               <a:ext uri="{FF2B5EF4-FFF2-40B4-BE49-F238E27FC236}">
-                <a16:creationId xmlns:a16="http://schemas.microsoft.com/office/drawing/2014/main" id="{11D49E50-AD63-415E-99DA-84C92E64DE61}"/>
+                <a16:creationId xmlns:a16="http://schemas.microsoft.com/office/drawing/2014/main" xmlns="" id="{11D49E50-AD63-415E-99DA-84C92E64DE61}"/>
               </a:ext>
             </a:extLst>
           </p:cNvPr>
@@ -4899,7 +4899,7 @@
           <p:cNvPr id="4" name="Content Placeholder 3">
             <a:extLst>
               <a:ext uri="{FF2B5EF4-FFF2-40B4-BE49-F238E27FC236}">
-                <a16:creationId xmlns:a16="http://schemas.microsoft.com/office/drawing/2014/main" id="{2A4420E8-85C5-4B63-9A9C-1CC0FA16D3A1}"/>
+                <a16:creationId xmlns:a16="http://schemas.microsoft.com/office/drawing/2014/main" xmlns="" id="{2A4420E8-85C5-4B63-9A9C-1CC0FA16D3A1}"/>
               </a:ext>
             </a:extLst>
           </p:cNvPr>
@@ -4961,7 +4961,7 @@
           <p:cNvPr id="5" name="Date Placeholder 4">
             <a:extLst>
               <a:ext uri="{FF2B5EF4-FFF2-40B4-BE49-F238E27FC236}">
-                <a16:creationId xmlns:a16="http://schemas.microsoft.com/office/drawing/2014/main" id="{2CD305D2-024D-47A9-A566-3657C84A3336}"/>
+                <a16:creationId xmlns:a16="http://schemas.microsoft.com/office/drawing/2014/main" xmlns="" id="{2CD305D2-024D-47A9-A566-3657C84A3336}"/>
               </a:ext>
             </a:extLst>
           </p:cNvPr>
@@ -4987,7 +4987,7 @@
           <a:p>
             <a:fld id="{DC01BBA9-561A-4EFE-A06C-26F8206AAA61}" type="datetimeFigureOut">
               <a:rPr lang="en-US" smtClean="0"/>
-              <a:t>10/23/2018</a:t>
+              <a:t>11/18/2018</a:t>
             </a:fld>
             <a:endParaRPr lang="en-US"/>
           </a:p>
@@ -4998,7 +4998,7 @@
           <p:cNvPr id="6" name="Footer Placeholder 5">
             <a:extLst>
               <a:ext uri="{FF2B5EF4-FFF2-40B4-BE49-F238E27FC236}">
-                <a16:creationId xmlns:a16="http://schemas.microsoft.com/office/drawing/2014/main" id="{73B305F1-7C3A-47AC-B3BA-9C8569C6B7DC}"/>
+                <a16:creationId xmlns:a16="http://schemas.microsoft.com/office/drawing/2014/main" xmlns="" id="{73B305F1-7C3A-47AC-B3BA-9C8569C6B7DC}"/>
               </a:ext>
             </a:extLst>
           </p:cNvPr>
@@ -5023,7 +5023,7 @@
           <p:cNvPr id="7" name="Slide Number Placeholder 6">
             <a:extLst>
               <a:ext uri="{FF2B5EF4-FFF2-40B4-BE49-F238E27FC236}">
-                <a16:creationId xmlns:a16="http://schemas.microsoft.com/office/drawing/2014/main" id="{AAB821BD-C529-4F76-B156-490A930D2AFF}"/>
+                <a16:creationId xmlns:a16="http://schemas.microsoft.com/office/drawing/2014/main" xmlns="" id="{AAB821BD-C529-4F76-B156-490A930D2AFF}"/>
               </a:ext>
             </a:extLst>
           </p:cNvPr>
@@ -5090,7 +5090,7 @@
           <p:cNvPr id="2" name="Title 1">
             <a:extLst>
               <a:ext uri="{FF2B5EF4-FFF2-40B4-BE49-F238E27FC236}">
-                <a16:creationId xmlns:a16="http://schemas.microsoft.com/office/drawing/2014/main" id="{9C561881-86DC-4916-AE89-0AF94D9C2977}"/>
+                <a16:creationId xmlns:a16="http://schemas.microsoft.com/office/drawing/2014/main" xmlns="" id="{9C561881-86DC-4916-AE89-0AF94D9C2977}"/>
               </a:ext>
             </a:extLst>
           </p:cNvPr>
@@ -5123,7 +5123,7 @@
           <p:cNvPr id="3" name="Text Placeholder 2">
             <a:extLst>
               <a:ext uri="{FF2B5EF4-FFF2-40B4-BE49-F238E27FC236}">
-                <a16:creationId xmlns:a16="http://schemas.microsoft.com/office/drawing/2014/main" id="{B1168BAB-1836-4E96-BAD0-AAFF619D397D}"/>
+                <a16:creationId xmlns:a16="http://schemas.microsoft.com/office/drawing/2014/main" xmlns="" id="{B1168BAB-1836-4E96-BAD0-AAFF619D397D}"/>
               </a:ext>
             </a:extLst>
           </p:cNvPr>
@@ -5194,7 +5194,7 @@
           <p:cNvPr id="4" name="Content Placeholder 3">
             <a:extLst>
               <a:ext uri="{FF2B5EF4-FFF2-40B4-BE49-F238E27FC236}">
-                <a16:creationId xmlns:a16="http://schemas.microsoft.com/office/drawing/2014/main" id="{32FF6108-0262-4DA9-B7C1-67C14C5DD408}"/>
+                <a16:creationId xmlns:a16="http://schemas.microsoft.com/office/drawing/2014/main" xmlns="" id="{32FF6108-0262-4DA9-B7C1-67C14C5DD408}"/>
               </a:ext>
             </a:extLst>
           </p:cNvPr>
@@ -5256,7 +5256,7 @@
           <p:cNvPr id="5" name="Text Placeholder 4">
             <a:extLst>
               <a:ext uri="{FF2B5EF4-FFF2-40B4-BE49-F238E27FC236}">
-                <a16:creationId xmlns:a16="http://schemas.microsoft.com/office/drawing/2014/main" id="{C3435E12-9692-4AB9-8792-8753CF5F331B}"/>
+                <a16:creationId xmlns:a16="http://schemas.microsoft.com/office/drawing/2014/main" xmlns="" id="{C3435E12-9692-4AB9-8792-8753CF5F331B}"/>
               </a:ext>
             </a:extLst>
           </p:cNvPr>
@@ -5327,7 +5327,7 @@
           <p:cNvPr id="6" name="Content Placeholder 5">
             <a:extLst>
               <a:ext uri="{FF2B5EF4-FFF2-40B4-BE49-F238E27FC236}">
-                <a16:creationId xmlns:a16="http://schemas.microsoft.com/office/drawing/2014/main" id="{B354201C-5274-4011-A80E-FE3998BCD0BB}"/>
+                <a16:creationId xmlns:a16="http://schemas.microsoft.com/office/drawing/2014/main" xmlns="" id="{B354201C-5274-4011-A80E-FE3998BCD0BB}"/>
               </a:ext>
             </a:extLst>
           </p:cNvPr>
@@ -5389,7 +5389,7 @@
           <p:cNvPr id="7" name="Date Placeholder 6">
             <a:extLst>
               <a:ext uri="{FF2B5EF4-FFF2-40B4-BE49-F238E27FC236}">
-                <a16:creationId xmlns:a16="http://schemas.microsoft.com/office/drawing/2014/main" id="{DB6D68A9-CDBE-4250-BDC9-E32480670E89}"/>
+                <a16:creationId xmlns:a16="http://schemas.microsoft.com/office/drawing/2014/main" xmlns="" id="{DB6D68A9-CDBE-4250-BDC9-E32480670E89}"/>
               </a:ext>
             </a:extLst>
           </p:cNvPr>
@@ -5415,7 +5415,7 @@
           <a:p>
             <a:fld id="{DC01BBA9-561A-4EFE-A06C-26F8206AAA61}" type="datetimeFigureOut">
               <a:rPr lang="en-US" smtClean="0"/>
-              <a:t>10/23/2018</a:t>
+              <a:t>11/18/2018</a:t>
             </a:fld>
             <a:endParaRPr lang="en-US"/>
           </a:p>
@@ -5426,7 +5426,7 @@
           <p:cNvPr id="8" name="Footer Placeholder 7">
             <a:extLst>
               <a:ext uri="{FF2B5EF4-FFF2-40B4-BE49-F238E27FC236}">
-                <a16:creationId xmlns:a16="http://schemas.microsoft.com/office/drawing/2014/main" id="{9C6A8D0A-7F29-45C6-82F2-06B303437B1D}"/>
+                <a16:creationId xmlns:a16="http://schemas.microsoft.com/office/drawing/2014/main" xmlns="" id="{9C6A8D0A-7F29-45C6-82F2-06B303437B1D}"/>
               </a:ext>
             </a:extLst>
           </p:cNvPr>
@@ -5451,7 +5451,7 @@
           <p:cNvPr id="9" name="Slide Number Placeholder 8">
             <a:extLst>
               <a:ext uri="{FF2B5EF4-FFF2-40B4-BE49-F238E27FC236}">
-                <a16:creationId xmlns:a16="http://schemas.microsoft.com/office/drawing/2014/main" id="{81B1795D-5472-415B-BA30-F548D00786DF}"/>
+                <a16:creationId xmlns:a16="http://schemas.microsoft.com/office/drawing/2014/main" xmlns="" id="{81B1795D-5472-415B-BA30-F548D00786DF}"/>
               </a:ext>
             </a:extLst>
           </p:cNvPr>
@@ -5518,7 +5518,7 @@
           <p:cNvPr id="2" name="Title 1">
             <a:extLst>
               <a:ext uri="{FF2B5EF4-FFF2-40B4-BE49-F238E27FC236}">
-                <a16:creationId xmlns:a16="http://schemas.microsoft.com/office/drawing/2014/main" id="{2EB3CEBF-9D6F-47EF-9EE3-62C97B8693C7}"/>
+                <a16:creationId xmlns:a16="http://schemas.microsoft.com/office/drawing/2014/main" xmlns="" id="{2EB3CEBF-9D6F-47EF-9EE3-62C97B8693C7}"/>
               </a:ext>
             </a:extLst>
           </p:cNvPr>
@@ -5546,7 +5546,7 @@
           <p:cNvPr id="3" name="Date Placeholder 2">
             <a:extLst>
               <a:ext uri="{FF2B5EF4-FFF2-40B4-BE49-F238E27FC236}">
-                <a16:creationId xmlns:a16="http://schemas.microsoft.com/office/drawing/2014/main" id="{C6AE9C0A-FC09-4279-A12C-CF1FC4ACCE9B}"/>
+                <a16:creationId xmlns:a16="http://schemas.microsoft.com/office/drawing/2014/main" xmlns="" id="{C6AE9C0A-FC09-4279-A12C-CF1FC4ACCE9B}"/>
               </a:ext>
             </a:extLst>
           </p:cNvPr>
@@ -5572,7 +5572,7 @@
           <a:p>
             <a:fld id="{DC01BBA9-561A-4EFE-A06C-26F8206AAA61}" type="datetimeFigureOut">
               <a:rPr lang="en-US" smtClean="0"/>
-              <a:t>10/23/2018</a:t>
+              <a:t>11/18/2018</a:t>
             </a:fld>
             <a:endParaRPr lang="en-US"/>
           </a:p>
@@ -5583,7 +5583,7 @@
           <p:cNvPr id="4" name="Footer Placeholder 3">
             <a:extLst>
               <a:ext uri="{FF2B5EF4-FFF2-40B4-BE49-F238E27FC236}">
-                <a16:creationId xmlns:a16="http://schemas.microsoft.com/office/drawing/2014/main" id="{89A9F02E-BCCD-47A7-916C-5C304CA71A62}"/>
+                <a16:creationId xmlns:a16="http://schemas.microsoft.com/office/drawing/2014/main" xmlns="" id="{89A9F02E-BCCD-47A7-916C-5C304CA71A62}"/>
               </a:ext>
             </a:extLst>
           </p:cNvPr>
@@ -5608,7 +5608,7 @@
           <p:cNvPr id="5" name="Slide Number Placeholder 4">
             <a:extLst>
               <a:ext uri="{FF2B5EF4-FFF2-40B4-BE49-F238E27FC236}">
-                <a16:creationId xmlns:a16="http://schemas.microsoft.com/office/drawing/2014/main" id="{DCCA5EE6-0D3B-4C18-8759-812A322530D2}"/>
+                <a16:creationId xmlns:a16="http://schemas.microsoft.com/office/drawing/2014/main" xmlns="" id="{DCCA5EE6-0D3B-4C18-8759-812A322530D2}"/>
               </a:ext>
             </a:extLst>
           </p:cNvPr>
@@ -5675,7 +5675,7 @@
           <p:cNvPr id="2" name="Date Placeholder 1">
             <a:extLst>
               <a:ext uri="{FF2B5EF4-FFF2-40B4-BE49-F238E27FC236}">
-                <a16:creationId xmlns:a16="http://schemas.microsoft.com/office/drawing/2014/main" id="{692CB08F-9B03-4D60-8EE4-511D62AE0DA2}"/>
+                <a16:creationId xmlns:a16="http://schemas.microsoft.com/office/drawing/2014/main" xmlns="" id="{692CB08F-9B03-4D60-8EE4-511D62AE0DA2}"/>
               </a:ext>
             </a:extLst>
           </p:cNvPr>
@@ -5701,7 +5701,7 @@
           <a:p>
             <a:fld id="{DC01BBA9-561A-4EFE-A06C-26F8206AAA61}" type="datetimeFigureOut">
               <a:rPr lang="en-US" smtClean="0"/>
-              <a:t>10/23/2018</a:t>
+              <a:t>11/18/2018</a:t>
             </a:fld>
             <a:endParaRPr lang="en-US"/>
           </a:p>
@@ -5712,7 +5712,7 @@
           <p:cNvPr id="3" name="Footer Placeholder 2">
             <a:extLst>
               <a:ext uri="{FF2B5EF4-FFF2-40B4-BE49-F238E27FC236}">
-                <a16:creationId xmlns:a16="http://schemas.microsoft.com/office/drawing/2014/main" id="{02D76FC5-22C7-4DB5-A361-705C02029D6F}"/>
+                <a16:creationId xmlns:a16="http://schemas.microsoft.com/office/drawing/2014/main" xmlns="" id="{02D76FC5-22C7-4DB5-A361-705C02029D6F}"/>
               </a:ext>
             </a:extLst>
           </p:cNvPr>
@@ -5737,7 +5737,7 @@
           <p:cNvPr id="4" name="Slide Number Placeholder 3">
             <a:extLst>
               <a:ext uri="{FF2B5EF4-FFF2-40B4-BE49-F238E27FC236}">
-                <a16:creationId xmlns:a16="http://schemas.microsoft.com/office/drawing/2014/main" id="{BDE70A03-9867-43E1-A029-A3BE230783BC}"/>
+                <a16:creationId xmlns:a16="http://schemas.microsoft.com/office/drawing/2014/main" xmlns="" id="{BDE70A03-9867-43E1-A029-A3BE230783BC}"/>
               </a:ext>
             </a:extLst>
           </p:cNvPr>
@@ -5804,7 +5804,7 @@
           <p:cNvPr id="2" name="Title 1">
             <a:extLst>
               <a:ext uri="{FF2B5EF4-FFF2-40B4-BE49-F238E27FC236}">
-                <a16:creationId xmlns:a16="http://schemas.microsoft.com/office/drawing/2014/main" id="{7D92E7AC-CA20-4FC5-AA54-7B5F06D7E3DF}"/>
+                <a16:creationId xmlns:a16="http://schemas.microsoft.com/office/drawing/2014/main" xmlns="" id="{7D92E7AC-CA20-4FC5-AA54-7B5F06D7E3DF}"/>
               </a:ext>
             </a:extLst>
           </p:cNvPr>
@@ -5841,7 +5841,7 @@
           <p:cNvPr id="3" name="Content Placeholder 2">
             <a:extLst>
               <a:ext uri="{FF2B5EF4-FFF2-40B4-BE49-F238E27FC236}">
-                <a16:creationId xmlns:a16="http://schemas.microsoft.com/office/drawing/2014/main" id="{C04311B7-6590-4631-B0EA-3CE414A88DA8}"/>
+                <a16:creationId xmlns:a16="http://schemas.microsoft.com/office/drawing/2014/main" xmlns="" id="{C04311B7-6590-4631-B0EA-3CE414A88DA8}"/>
               </a:ext>
             </a:extLst>
           </p:cNvPr>
@@ -5931,7 +5931,7 @@
           <p:cNvPr id="4" name="Text Placeholder 3">
             <a:extLst>
               <a:ext uri="{FF2B5EF4-FFF2-40B4-BE49-F238E27FC236}">
-                <a16:creationId xmlns:a16="http://schemas.microsoft.com/office/drawing/2014/main" id="{B2F21C70-E3E7-4A52-B9E1-8B7E6EDF4A73}"/>
+                <a16:creationId xmlns:a16="http://schemas.microsoft.com/office/drawing/2014/main" xmlns="" id="{B2F21C70-E3E7-4A52-B9E1-8B7E6EDF4A73}"/>
               </a:ext>
             </a:extLst>
           </p:cNvPr>
@@ -6002,7 +6002,7 @@
           <p:cNvPr id="5" name="Date Placeholder 4">
             <a:extLst>
               <a:ext uri="{FF2B5EF4-FFF2-40B4-BE49-F238E27FC236}">
-                <a16:creationId xmlns:a16="http://schemas.microsoft.com/office/drawing/2014/main" id="{C3665185-E7E2-4539-B9D0-02A042196115}"/>
+                <a16:creationId xmlns:a16="http://schemas.microsoft.com/office/drawing/2014/main" xmlns="" id="{C3665185-E7E2-4539-B9D0-02A042196115}"/>
               </a:ext>
             </a:extLst>
           </p:cNvPr>
@@ -6028,7 +6028,7 @@
           <a:p>
             <a:fld id="{DC01BBA9-561A-4EFE-A06C-26F8206AAA61}" type="datetimeFigureOut">
               <a:rPr lang="en-US" smtClean="0"/>
-              <a:t>10/23/2018</a:t>
+              <a:t>11/18/2018</a:t>
             </a:fld>
             <a:endParaRPr lang="en-US"/>
           </a:p>
@@ -6039,7 +6039,7 @@
           <p:cNvPr id="6" name="Footer Placeholder 5">
             <a:extLst>
               <a:ext uri="{FF2B5EF4-FFF2-40B4-BE49-F238E27FC236}">
-                <a16:creationId xmlns:a16="http://schemas.microsoft.com/office/drawing/2014/main" id="{95F35328-35F6-4E9F-ACEA-7F6EDCE1399D}"/>
+                <a16:creationId xmlns:a16="http://schemas.microsoft.com/office/drawing/2014/main" xmlns="" id="{95F35328-35F6-4E9F-ACEA-7F6EDCE1399D}"/>
               </a:ext>
             </a:extLst>
           </p:cNvPr>
@@ -6064,7 +6064,7 @@
           <p:cNvPr id="7" name="Slide Number Placeholder 6">
             <a:extLst>
               <a:ext uri="{FF2B5EF4-FFF2-40B4-BE49-F238E27FC236}">
-                <a16:creationId xmlns:a16="http://schemas.microsoft.com/office/drawing/2014/main" id="{7D3530D7-713A-4142-865D-69F2CBB2ABC3}"/>
+                <a16:creationId xmlns:a16="http://schemas.microsoft.com/office/drawing/2014/main" xmlns="" id="{7D3530D7-713A-4142-865D-69F2CBB2ABC3}"/>
               </a:ext>
             </a:extLst>
           </p:cNvPr>
@@ -6131,7 +6131,7 @@
           <p:cNvPr id="2" name="Title 1">
             <a:extLst>
               <a:ext uri="{FF2B5EF4-FFF2-40B4-BE49-F238E27FC236}">
-                <a16:creationId xmlns:a16="http://schemas.microsoft.com/office/drawing/2014/main" id="{5858AD64-1235-487E-9A09-75012305112A}"/>
+                <a16:creationId xmlns:a16="http://schemas.microsoft.com/office/drawing/2014/main" xmlns="" id="{5858AD64-1235-487E-9A09-75012305112A}"/>
               </a:ext>
             </a:extLst>
           </p:cNvPr>
@@ -6168,7 +6168,7 @@
           <p:cNvPr id="3" name="Picture Placeholder 2">
             <a:extLst>
               <a:ext uri="{FF2B5EF4-FFF2-40B4-BE49-F238E27FC236}">
-                <a16:creationId xmlns:a16="http://schemas.microsoft.com/office/drawing/2014/main" id="{05D99B9C-611F-4220-8C96-BA83A97158DA}"/>
+                <a16:creationId xmlns:a16="http://schemas.microsoft.com/office/drawing/2014/main" xmlns="" id="{05D99B9C-611F-4220-8C96-BA83A97158DA}"/>
               </a:ext>
             </a:extLst>
           </p:cNvPr>
@@ -6238,7 +6238,7 @@
           <p:cNvPr id="4" name="Text Placeholder 3">
             <a:extLst>
               <a:ext uri="{FF2B5EF4-FFF2-40B4-BE49-F238E27FC236}">
-                <a16:creationId xmlns:a16="http://schemas.microsoft.com/office/drawing/2014/main" id="{4E0AA1A1-26F2-44A0-9322-3322B2666875}"/>
+                <a16:creationId xmlns:a16="http://schemas.microsoft.com/office/drawing/2014/main" xmlns="" id="{4E0AA1A1-26F2-44A0-9322-3322B2666875}"/>
               </a:ext>
             </a:extLst>
           </p:cNvPr>
@@ -6309,7 +6309,7 @@
           <p:cNvPr id="5" name="Date Placeholder 4">
             <a:extLst>
               <a:ext uri="{FF2B5EF4-FFF2-40B4-BE49-F238E27FC236}">
-                <a16:creationId xmlns:a16="http://schemas.microsoft.com/office/drawing/2014/main" id="{2520F382-0E56-432B-970C-3DABE5CA9ACE}"/>
+                <a16:creationId xmlns:a16="http://schemas.microsoft.com/office/drawing/2014/main" xmlns="" id="{2520F382-0E56-432B-970C-3DABE5CA9ACE}"/>
               </a:ext>
             </a:extLst>
           </p:cNvPr>
@@ -6335,7 +6335,7 @@
           <a:p>
             <a:fld id="{DC01BBA9-561A-4EFE-A06C-26F8206AAA61}" type="datetimeFigureOut">
               <a:rPr lang="en-US" smtClean="0"/>
-              <a:t>10/23/2018</a:t>
+              <a:t>11/18/2018</a:t>
             </a:fld>
             <a:endParaRPr lang="en-US"/>
           </a:p>
@@ -6346,7 +6346,7 @@
           <p:cNvPr id="6" name="Footer Placeholder 5">
             <a:extLst>
               <a:ext uri="{FF2B5EF4-FFF2-40B4-BE49-F238E27FC236}">
-                <a16:creationId xmlns:a16="http://schemas.microsoft.com/office/drawing/2014/main" id="{E62E010E-DD6F-43A1-82AC-4AAEF7E49092}"/>
+                <a16:creationId xmlns:a16="http://schemas.microsoft.com/office/drawing/2014/main" xmlns="" id="{E62E010E-DD6F-43A1-82AC-4AAEF7E49092}"/>
               </a:ext>
             </a:extLst>
           </p:cNvPr>
@@ -6371,7 +6371,7 @@
           <p:cNvPr id="7" name="Slide Number Placeholder 6">
             <a:extLst>
               <a:ext uri="{FF2B5EF4-FFF2-40B4-BE49-F238E27FC236}">
-                <a16:creationId xmlns:a16="http://schemas.microsoft.com/office/drawing/2014/main" id="{F71EA10F-0831-4A28-8DCF-F8218C7F6AF5}"/>
+                <a16:creationId xmlns:a16="http://schemas.microsoft.com/office/drawing/2014/main" xmlns="" id="{F71EA10F-0831-4A28-8DCF-F8218C7F6AF5}"/>
               </a:ext>
             </a:extLst>
           </p:cNvPr>
@@ -6443,7 +6443,7 @@
           <p:cNvPr id="2" name="Title Placeholder 1">
             <a:extLst>
               <a:ext uri="{FF2B5EF4-FFF2-40B4-BE49-F238E27FC236}">
-                <a16:creationId xmlns:a16="http://schemas.microsoft.com/office/drawing/2014/main" id="{B97A4B4B-7891-46E8-8E2C-4A43CE28BEDF}"/>
+                <a16:creationId xmlns:a16="http://schemas.microsoft.com/office/drawing/2014/main" xmlns="" id="{B97A4B4B-7891-46E8-8E2C-4A43CE28BEDF}"/>
               </a:ext>
             </a:extLst>
           </p:cNvPr>
@@ -6481,7 +6481,7 @@
           <p:cNvPr id="3" name="Text Placeholder 2">
             <a:extLst>
               <a:ext uri="{FF2B5EF4-FFF2-40B4-BE49-F238E27FC236}">
-                <a16:creationId xmlns:a16="http://schemas.microsoft.com/office/drawing/2014/main" id="{3911003D-388B-489E-B61B-028FD9516650}"/>
+                <a16:creationId xmlns:a16="http://schemas.microsoft.com/office/drawing/2014/main" xmlns="" id="{3911003D-388B-489E-B61B-028FD9516650}"/>
               </a:ext>
             </a:extLst>
           </p:cNvPr>
@@ -6548,7 +6548,7 @@
           <p:cNvPr id="5" name="Footer Placeholder 4">
             <a:extLst>
               <a:ext uri="{FF2B5EF4-FFF2-40B4-BE49-F238E27FC236}">
-                <a16:creationId xmlns:a16="http://schemas.microsoft.com/office/drawing/2014/main" id="{7FF24B16-6409-4A0B-A9E8-7BEDFCD3741B}"/>
+                <a16:creationId xmlns:a16="http://schemas.microsoft.com/office/drawing/2014/main" xmlns="" id="{7FF24B16-6409-4A0B-A9E8-7BEDFCD3741B}"/>
               </a:ext>
             </a:extLst>
           </p:cNvPr>
@@ -6591,7 +6591,7 @@
           <p:cNvPr id="8" name="Group 7">
             <a:extLst>
               <a:ext uri="{FF2B5EF4-FFF2-40B4-BE49-F238E27FC236}">
-                <a16:creationId xmlns:a16="http://schemas.microsoft.com/office/drawing/2014/main" id="{8C1E83E0-1C1D-47CB-853B-598DFFEE3018}"/>
+                <a16:creationId xmlns:a16="http://schemas.microsoft.com/office/drawing/2014/main" xmlns="" id="{8C1E83E0-1C1D-47CB-853B-598DFFEE3018}"/>
               </a:ext>
             </a:extLst>
           </p:cNvPr>
@@ -6611,7 +6611,7 @@
             <p:cNvPr id="9" name="Picture 8">
               <a:extLst>
                 <a:ext uri="{FF2B5EF4-FFF2-40B4-BE49-F238E27FC236}">
-                  <a16:creationId xmlns:a16="http://schemas.microsoft.com/office/drawing/2014/main" id="{C247AE3A-171B-4E36-8770-E111D72C8D51}"/>
+                  <a16:creationId xmlns:a16="http://schemas.microsoft.com/office/drawing/2014/main" xmlns="" id="{C247AE3A-171B-4E36-8770-E111D72C8D51}"/>
                 </a:ext>
               </a:extLst>
             </p:cNvPr>
@@ -6647,7 +6647,7 @@
             <p:cNvPr id="10" name="Picture 9">
               <a:extLst>
                 <a:ext uri="{FF2B5EF4-FFF2-40B4-BE49-F238E27FC236}">
-                  <a16:creationId xmlns:a16="http://schemas.microsoft.com/office/drawing/2014/main" id="{CB3072C0-B39B-4FDC-B4B6-E51875FEB3AC}"/>
+                  <a16:creationId xmlns:a16="http://schemas.microsoft.com/office/drawing/2014/main" xmlns="" id="{CB3072C0-B39B-4FDC-B4B6-E51875FEB3AC}"/>
                 </a:ext>
               </a:extLst>
             </p:cNvPr>
@@ -7133,7 +7133,7 @@
           <a:p>
             <a:fld id="{589E5873-CF7F-45F3-B283-E59B1D6F242C}" type="datetimeFigureOut">
               <a:rPr lang="en-US" smtClean="0"/>
-              <a:t>10/23/2018</a:t>
+              <a:t>11/18/2018</a:t>
             </a:fld>
             <a:endParaRPr lang="en-US"/>
           </a:p>
@@ -7576,7 +7576,7 @@
 </file>
 
 <file path=ppt/slides/slide10.xml><?xml version="1.0" encoding="utf-8"?>
-<p:sld xmlns:a="http://schemas.openxmlformats.org/drawingml/2006/main" xmlns:r="http://schemas.openxmlformats.org/officeDocument/2006/relationships" xmlns:p="http://schemas.openxmlformats.org/presentationml/2006/main">
+<p:sld xmlns:a="http://schemas.openxmlformats.org/drawingml/2006/main" xmlns:r="http://schemas.openxmlformats.org/officeDocument/2006/relationships" xmlns:p="http://schemas.openxmlformats.org/presentationml/2006/main" show="0">
   <p:cSld>
     <p:spTree>
       <p:nvGrpSpPr>
@@ -7866,7 +7866,7 @@
                         <m:sSubPr>
                           <m:ctrlPr>
                             <a:rPr lang="en-US" sz="2000" i="1" smtClean="0">
-                              <a:latin typeface="Cambria Math" panose="02040503050406030204" pitchFamily="18" charset="0"/>
+                              <a:latin typeface="Cambria Math"/>
                             </a:rPr>
                           </m:ctrlPr>
                         </m:sSubPr>
@@ -7969,7 +7969,7 @@
                         <m:sSubPr>
                           <m:ctrlPr>
                             <a:rPr lang="en-US" sz="2000" i="1" smtClean="0">
-                              <a:latin typeface="Cambria Math" panose="02040503050406030204" pitchFamily="18" charset="0"/>
+                              <a:latin typeface="Cambria Math"/>
                             </a:rPr>
                           </m:ctrlPr>
                         </m:sSubPr>
@@ -8072,7 +8072,7 @@
                         <m:sSubPr>
                           <m:ctrlPr>
                             <a:rPr lang="en-US" sz="2000" i="1" smtClean="0">
-                              <a:latin typeface="Cambria Math" panose="02040503050406030204" pitchFamily="18" charset="0"/>
+                              <a:latin typeface="Cambria Math"/>
                             </a:rPr>
                           </m:ctrlPr>
                         </m:sSubPr>
@@ -8170,7 +8170,7 @@
                           <m:endChr m:val="]"/>
                           <m:ctrlPr>
                             <a:rPr lang="en-US" sz="2400" i="1" smtClean="0">
-                              <a:latin typeface="Cambria Math" panose="02040503050406030204" pitchFamily="18" charset="0"/>
+                              <a:latin typeface="Cambria Math"/>
                             </a:rPr>
                           </m:ctrlPr>
                         </m:dPr>
@@ -8187,7 +8187,7 @@
                               </m:mcs>
                               <m:ctrlPr>
                                 <a:rPr lang="en-US" sz="2400" i="1" smtClean="0">
-                                  <a:latin typeface="Cambria Math" panose="02040503050406030204" pitchFamily="18" charset="0"/>
+                                  <a:latin typeface="Cambria Math"/>
                                 </a:rPr>
                               </m:ctrlPr>
                             </m:mPr>
@@ -8226,7 +8226,7 @@
                                   <m:sSubPr>
                                     <m:ctrlPr>
                                       <a:rPr lang="en-US" sz="2400" i="1">
-                                        <a:latin typeface="Cambria Math" panose="02040503050406030204" pitchFamily="18" charset="0"/>
+                                        <a:latin typeface="Cambria Math"/>
                                       </a:rPr>
                                     </m:ctrlPr>
                                   </m:sSubPr>
@@ -8279,7 +8279,7 @@
                                   <m:sSubPr>
                                     <m:ctrlPr>
                                       <a:rPr lang="en-US" sz="2400" i="1">
-                                        <a:latin typeface="Cambria Math" panose="02040503050406030204" pitchFamily="18" charset="0"/>
+                                        <a:latin typeface="Cambria Math"/>
                                       </a:rPr>
                                     </m:ctrlPr>
                                   </m:sSubPr>
@@ -8677,6 +8677,14 @@
   <p:clrMapOvr>
     <a:masterClrMapping/>
   </p:clrMapOvr>
+  <mc:AlternateContent xmlns:mc="http://schemas.openxmlformats.org/markup-compatibility/2006">
+    <mc:Choice xmlns:p14="http://schemas.microsoft.com/office/powerpoint/2010/main" Requires="p14">
+      <p:transition spd="slow" p14:dur="2000"/>
+    </mc:Choice>
+    <mc:Fallback>
+      <p:transition spd="slow"/>
+    </mc:Fallback>
+  </mc:AlternateContent>
   <p:timing>
     <p:tnLst>
       <p:par>
@@ -9034,7 +9042,7 @@
 </file>
 
 <file path=ppt/slides/slide11.xml><?xml version="1.0" encoding="utf-8"?>
-<p:sld xmlns:a="http://schemas.openxmlformats.org/drawingml/2006/main" xmlns:r="http://schemas.openxmlformats.org/officeDocument/2006/relationships" xmlns:p="http://schemas.openxmlformats.org/presentationml/2006/main">
+<p:sld xmlns:a="http://schemas.openxmlformats.org/drawingml/2006/main" xmlns:r="http://schemas.openxmlformats.org/officeDocument/2006/relationships" xmlns:p="http://schemas.openxmlformats.org/presentationml/2006/main" show="0">
   <p:cSld>
     <p:spTree>
       <p:nvGrpSpPr>
@@ -9125,11 +9133,19 @@
   <p:clrMapOvr>
     <a:masterClrMapping/>
   </p:clrMapOvr>
+  <mc:AlternateContent xmlns:mc="http://schemas.openxmlformats.org/markup-compatibility/2006">
+    <mc:Choice xmlns:p14="http://schemas.microsoft.com/office/powerpoint/2010/main" Requires="p14">
+      <p:transition spd="slow" p14:dur="2000"/>
+    </mc:Choice>
+    <mc:Fallback>
+      <p:transition spd="slow"/>
+    </mc:Fallback>
+  </mc:AlternateContent>
 </p:sld>
 </file>
 
 <file path=ppt/slides/slide12.xml><?xml version="1.0" encoding="utf-8"?>
-<p:sld xmlns:a="http://schemas.openxmlformats.org/drawingml/2006/main" xmlns:r="http://schemas.openxmlformats.org/officeDocument/2006/relationships" xmlns:p="http://schemas.openxmlformats.org/presentationml/2006/main">
+<p:sld xmlns:a="http://schemas.openxmlformats.org/drawingml/2006/main" xmlns:r="http://schemas.openxmlformats.org/officeDocument/2006/relationships" xmlns:p="http://schemas.openxmlformats.org/presentationml/2006/main" show="0">
   <p:cSld>
     <p:spTree>
       <p:nvGrpSpPr>
@@ -9229,11 +9245,19 @@
   <p:clrMapOvr>
     <a:masterClrMapping/>
   </p:clrMapOvr>
+  <mc:AlternateContent xmlns:mc="http://schemas.openxmlformats.org/markup-compatibility/2006">
+    <mc:Choice xmlns:p14="http://schemas.microsoft.com/office/powerpoint/2010/main" Requires="p14">
+      <p:transition spd="slow" p14:dur="2000"/>
+    </mc:Choice>
+    <mc:Fallback>
+      <p:transition spd="slow"/>
+    </mc:Fallback>
+  </mc:AlternateContent>
 </p:sld>
 </file>
 
 <file path=ppt/slides/slide13.xml><?xml version="1.0" encoding="utf-8"?>
-<p:sld xmlns:a="http://schemas.openxmlformats.org/drawingml/2006/main" xmlns:r="http://schemas.openxmlformats.org/officeDocument/2006/relationships" xmlns:p="http://schemas.openxmlformats.org/presentationml/2006/main">
+<p:sld xmlns:a="http://schemas.openxmlformats.org/drawingml/2006/main" xmlns:r="http://schemas.openxmlformats.org/officeDocument/2006/relationships" xmlns:p="http://schemas.openxmlformats.org/presentationml/2006/main" show="0">
   <p:cSld>
     <p:spTree>
       <p:nvGrpSpPr>
@@ -9465,11 +9489,19 @@
   <p:clrMapOvr>
     <a:masterClrMapping/>
   </p:clrMapOvr>
+  <mc:AlternateContent xmlns:mc="http://schemas.openxmlformats.org/markup-compatibility/2006">
+    <mc:Choice xmlns:p14="http://schemas.microsoft.com/office/powerpoint/2010/main" Requires="p14">
+      <p:transition spd="slow" p14:dur="2000"/>
+    </mc:Choice>
+    <mc:Fallback>
+      <p:transition spd="slow"/>
+    </mc:Fallback>
+  </mc:AlternateContent>
 </p:sld>
 </file>
 
 <file path=ppt/slides/slide14.xml><?xml version="1.0" encoding="utf-8"?>
-<p:sld xmlns:a="http://schemas.openxmlformats.org/drawingml/2006/main" xmlns:r="http://schemas.openxmlformats.org/officeDocument/2006/relationships" xmlns:p="http://schemas.openxmlformats.org/presentationml/2006/main">
+<p:sld xmlns:a="http://schemas.openxmlformats.org/drawingml/2006/main" xmlns:r="http://schemas.openxmlformats.org/officeDocument/2006/relationships" xmlns:p="http://schemas.openxmlformats.org/presentationml/2006/main" show="0">
   <p:cSld>
     <p:spTree>
       <p:nvGrpSpPr>
@@ -9551,7 +9583,7 @@
                           <m:endChr m:val="]"/>
                           <m:ctrlPr>
                             <a:rPr lang="en-US" sz="2400" b="1" i="1" smtClean="0">
-                              <a:latin typeface="Cambria Math" panose="02040503050406030204" pitchFamily="18" charset="0"/>
+                              <a:latin typeface="Cambria Math"/>
                             </a:rPr>
                           </m:ctrlPr>
                         </m:dPr>
@@ -9568,7 +9600,7 @@
                               </m:mcs>
                               <m:ctrlPr>
                                 <a:rPr lang="en-US" sz="2400" b="1" i="1" smtClean="0">
-                                  <a:latin typeface="Cambria Math" panose="02040503050406030204" pitchFamily="18" charset="0"/>
+                                  <a:latin typeface="Cambria Math"/>
                                 </a:rPr>
                               </m:ctrlPr>
                             </m:mPr>
@@ -9581,7 +9613,7 @@
                                         <a:solidFill>
                                           <a:srgbClr val="00B050"/>
                                         </a:solidFill>
-                                        <a:latin typeface="Cambria Math" panose="02040503050406030204" pitchFamily="18" charset="0"/>
+                                        <a:latin typeface="Cambria Math"/>
                                       </a:rPr>
                                     </m:ctrlPr>
                                   </m:sSubPr>
@@ -9617,7 +9649,7 @@
                                         <a:solidFill>
                                           <a:srgbClr val="0070C0"/>
                                         </a:solidFill>
-                                        <a:latin typeface="Cambria Math" panose="02040503050406030204" pitchFamily="18" charset="0"/>
+                                        <a:latin typeface="Cambria Math"/>
                                       </a:rPr>
                                     </m:ctrlPr>
                                   </m:sSubPr>
@@ -9653,7 +9685,7 @@
                                         <a:solidFill>
                                           <a:srgbClr val="0070C0"/>
                                         </a:solidFill>
-                                        <a:latin typeface="Cambria Math" panose="02040503050406030204" pitchFamily="18" charset="0"/>
+                                        <a:latin typeface="Cambria Math"/>
                                       </a:rPr>
                                     </m:ctrlPr>
                                   </m:sSubPr>
@@ -9689,7 +9721,7 @@
                                         <a:solidFill>
                                           <a:srgbClr val="0070C0"/>
                                         </a:solidFill>
-                                        <a:latin typeface="Cambria Math" panose="02040503050406030204" pitchFamily="18" charset="0"/>
+                                        <a:latin typeface="Cambria Math"/>
                                       </a:rPr>
                                     </m:ctrlPr>
                                   </m:sSubPr>
@@ -9725,7 +9757,7 @@
                                         <a:solidFill>
                                           <a:srgbClr val="0070C0"/>
                                         </a:solidFill>
-                                        <a:latin typeface="Cambria Math" panose="02040503050406030204" pitchFamily="18" charset="0"/>
+                                        <a:latin typeface="Cambria Math"/>
                                       </a:rPr>
                                     </m:ctrlPr>
                                   </m:sSubPr>
@@ -9763,7 +9795,7 @@
                                         <a:solidFill>
                                           <a:srgbClr val="7030A0"/>
                                         </a:solidFill>
-                                        <a:latin typeface="Cambria Math" panose="02040503050406030204" pitchFamily="18" charset="0"/>
+                                        <a:latin typeface="Cambria Math"/>
                                       </a:rPr>
                                     </m:ctrlPr>
                                   </m:sSubPr>
@@ -9799,7 +9831,7 @@
                                         <a:solidFill>
                                           <a:srgbClr val="00B050"/>
                                         </a:solidFill>
-                                        <a:latin typeface="Cambria Math" panose="02040503050406030204" pitchFamily="18" charset="0"/>
+                                        <a:latin typeface="Cambria Math"/>
                                       </a:rPr>
                                     </m:ctrlPr>
                                   </m:sSubPr>
@@ -9869,7 +9901,7 @@
                                         <a:solidFill>
                                           <a:srgbClr val="7030A0"/>
                                         </a:solidFill>
-                                        <a:latin typeface="Cambria Math" panose="02040503050406030204" pitchFamily="18" charset="0"/>
+                                        <a:latin typeface="Cambria Math"/>
                                       </a:rPr>
                                     </m:ctrlPr>
                                   </m:sSubPr>
@@ -9905,7 +9937,7 @@
                                         <a:solidFill>
                                           <a:srgbClr val="00B050"/>
                                         </a:solidFill>
-                                        <a:latin typeface="Cambria Math" panose="02040503050406030204" pitchFamily="18" charset="0"/>
+                                        <a:latin typeface="Cambria Math"/>
                                       </a:rPr>
                                     </m:ctrlPr>
                                   </m:sSubPr>
@@ -9975,7 +10007,7 @@
                                         <a:solidFill>
                                           <a:srgbClr val="7030A0"/>
                                         </a:solidFill>
-                                        <a:latin typeface="Cambria Math" panose="02040503050406030204" pitchFamily="18" charset="0"/>
+                                        <a:latin typeface="Cambria Math"/>
                                       </a:rPr>
                                     </m:ctrlPr>
                                   </m:sSubPr>
@@ -10011,7 +10043,7 @@
                                         <a:solidFill>
                                           <a:srgbClr val="00B050"/>
                                         </a:solidFill>
-                                        <a:latin typeface="Cambria Math" panose="02040503050406030204" pitchFamily="18" charset="0"/>
+                                        <a:latin typeface="Cambria Math"/>
                                       </a:rPr>
                                     </m:ctrlPr>
                                   </m:sSubPr>
@@ -10081,7 +10113,7 @@
                                         <a:solidFill>
                                           <a:srgbClr val="7030A0"/>
                                         </a:solidFill>
-                                        <a:latin typeface="Cambria Math" panose="02040503050406030204" pitchFamily="18" charset="0"/>
+                                        <a:latin typeface="Cambria Math"/>
                                       </a:rPr>
                                     </m:ctrlPr>
                                   </m:sSubPr>
@@ -10117,7 +10149,7 @@
                                         <a:solidFill>
                                           <a:srgbClr val="00B050"/>
                                         </a:solidFill>
-                                        <a:latin typeface="Cambria Math" panose="02040503050406030204" pitchFamily="18" charset="0"/>
+                                        <a:latin typeface="Cambria Math"/>
                                       </a:rPr>
                                     </m:ctrlPr>
                                   </m:sSubPr>
@@ -10390,7 +10422,7 @@
                           <m:endChr m:val="]"/>
                           <m:ctrlPr>
                             <a:rPr lang="en-US" sz="2000" b="1" i="1" smtClean="0">
-                              <a:latin typeface="Cambria Math" panose="02040503050406030204" pitchFamily="18" charset="0"/>
+                              <a:latin typeface="Cambria Math"/>
                             </a:rPr>
                           </m:ctrlPr>
                         </m:dPr>
@@ -10410,7 +10442,7 @@
                                   <a:solidFill>
                                     <a:srgbClr val="00B050"/>
                                   </a:solidFill>
-                                  <a:latin typeface="Cambria Math" panose="02040503050406030204" pitchFamily="18" charset="0"/>
+                                  <a:latin typeface="Cambria Math"/>
                                 </a:rPr>
                               </m:ctrlPr>
                             </m:mPr>
@@ -10946,6 +10978,14 @@
   <p:clrMapOvr>
     <a:masterClrMapping/>
   </p:clrMapOvr>
+  <mc:AlternateContent xmlns:mc="http://schemas.openxmlformats.org/markup-compatibility/2006">
+    <mc:Choice xmlns:p14="http://schemas.microsoft.com/office/powerpoint/2010/main" Requires="p14">
+      <p:transition spd="slow" p14:dur="2000"/>
+    </mc:Choice>
+    <mc:Fallback>
+      <p:transition spd="slow"/>
+    </mc:Fallback>
+  </mc:AlternateContent>
 </p:sld>
 </file>
 
@@ -12183,48 +12223,48 @@
         </p:spPr>
         <p:txBody>
           <a:bodyPr>
-            <a:normAutofit lnSpcReduction="10000"/>
+            <a:normAutofit/>
           </a:bodyPr>
           <a:lstStyle/>
           <a:p>
             <a:r>
-              <a:rPr lang="en-US" sz="2800" dirty="0"/>
+              <a:rPr lang="en-US" sz="2000" dirty="0"/>
               <a:t>Used to estimate transition probabilities among different physical sites or biological states</a:t>
             </a:r>
           </a:p>
           <a:p>
             <a:r>
-              <a:rPr lang="en-US" sz="2800" dirty="0"/>
+              <a:rPr lang="en-US" sz="2000" dirty="0"/>
               <a:t>Look similar to matrix models, but individuals can move back and forth between states</a:t>
             </a:r>
           </a:p>
           <a:p>
             <a:pPr lvl="1"/>
             <a:r>
-              <a:rPr lang="en-US" sz="2400" dirty="0"/>
+              <a:rPr lang="en-US" dirty="0"/>
               <a:t>Breeder/non-breeder status</a:t>
             </a:r>
           </a:p>
           <a:p>
             <a:pPr lvl="1"/>
             <a:r>
-              <a:rPr lang="en-US" sz="2400" dirty="0"/>
+              <a:rPr lang="en-US" dirty="0"/>
               <a:t>Disease status</a:t>
             </a:r>
           </a:p>
           <a:p>
             <a:pPr lvl="1"/>
             <a:r>
-              <a:rPr lang="en-US" sz="2400" dirty="0"/>
+              <a:rPr lang="en-US" dirty="0"/>
               <a:t>Movement among study areas</a:t>
             </a:r>
           </a:p>
           <a:p>
-            <a:endParaRPr lang="en-US" dirty="0"/>
-          </a:p>
-          <a:p>
-            <a:r>
-              <a:rPr lang="en-US" sz="2800" dirty="0"/>
+            <a:endParaRPr lang="en-US" sz="1800" dirty="0"/>
+          </a:p>
+          <a:p>
+            <a:r>
+              <a:rPr lang="en-US" sz="2000" dirty="0"/>
               <a:t>Very flexible and applicable to a range of situations</a:t>
             </a:r>
           </a:p>
@@ -12763,7 +12803,7 @@
                         <m:sSupPr>
                           <m:ctrlPr>
                             <a:rPr lang="en-US" sz="2000" i="1" smtClean="0">
-                              <a:latin typeface="Cambria Math" panose="02040503050406030204" pitchFamily="18" charset="0"/>
+                              <a:latin typeface="Cambria Math"/>
                             </a:rPr>
                           </m:ctrlPr>
                         </m:sSupPr>
@@ -12867,7 +12907,7 @@
                         <m:sSupPr>
                           <m:ctrlPr>
                             <a:rPr lang="en-US" sz="2000" i="1" smtClean="0">
-                              <a:latin typeface="Cambria Math" panose="02040503050406030204" pitchFamily="18" charset="0"/>
+                              <a:latin typeface="Cambria Math"/>
                             </a:rPr>
                           </m:ctrlPr>
                         </m:sSupPr>
@@ -12971,7 +13011,7 @@
                         <m:sSupPr>
                           <m:ctrlPr>
                             <a:rPr lang="en-US" sz="2000" i="1" smtClean="0">
-                              <a:latin typeface="Cambria Math" panose="02040503050406030204" pitchFamily="18" charset="0"/>
+                              <a:latin typeface="Cambria Math"/>
                             </a:rPr>
                           </m:ctrlPr>
                         </m:sSupPr>
@@ -13075,7 +13115,7 @@
                         <m:sSupPr>
                           <m:ctrlPr>
                             <a:rPr lang="en-US" sz="2000" i="1" smtClean="0">
-                              <a:latin typeface="Cambria Math" panose="02040503050406030204" pitchFamily="18" charset="0"/>
+                              <a:latin typeface="Cambria Math"/>
                             </a:rPr>
                           </m:ctrlPr>
                         </m:sSupPr>
@@ -13270,8 +13310,8 @@
           </a:fontRef>
         </p:style>
       </p:cxnSp>
-      <mc:AlternateContent xmlns:mc="http://schemas.openxmlformats.org/markup-compatibility/2006" xmlns:a14="http://schemas.microsoft.com/office/drawing/2010/main">
-        <mc:Choice Requires="a14">
+      <mc:AlternateContent xmlns:mc="http://schemas.openxmlformats.org/markup-compatibility/2006">
+        <mc:Choice xmlns:a14="http://schemas.microsoft.com/office/drawing/2010/main" Requires="a14">
           <p:sp>
             <p:nvSpPr>
               <p:cNvPr id="56" name="TextBox 55"/>
@@ -13280,8 +13320,8 @@
             </p:nvSpPr>
             <p:spPr>
               <a:xfrm>
-                <a:off x="5667601" y="1395657"/>
-                <a:ext cx="531940" cy="369332"/>
+                <a:off x="5441327" y="1212598"/>
+                <a:ext cx="935897" cy="369332"/>
               </a:xfrm>
               <a:prstGeom prst="rect">
                 <a:avLst/>
@@ -13305,11 +13345,17 @@
                         <m:sSupPr>
                           <m:ctrlPr>
                             <a:rPr lang="en-US" i="1" smtClean="0">
-                              <a:latin typeface="Cambria Math" panose="02040503050406030204" pitchFamily="18" charset="0"/>
+                              <a:latin typeface="Cambria Math"/>
                             </a:rPr>
                           </m:ctrlPr>
                         </m:sSupPr>
                         <m:e>
+                          <m:r>
+                            <a:rPr lang="en-US" b="0" i="1" smtClean="0">
+                              <a:latin typeface="Cambria Math"/>
+                            </a:rPr>
+                            <m:t>1−</m:t>
+                          </m:r>
                           <m:r>
                             <a:rPr lang="en-US" i="1" smtClean="0">
                               <a:latin typeface="Cambria Math"/>
@@ -13335,7 +13381,7 @@
             </p:txBody>
           </p:sp>
         </mc:Choice>
-        <mc:Fallback xmlns="">
+        <mc:Fallback>
           <p:sp>
             <p:nvSpPr>
               <p:cNvPr id="56" name="TextBox 55"/>
@@ -13346,8 +13392,8 @@
             </p:nvSpPr>
             <p:spPr>
               <a:xfrm>
-                <a:off x="5667601" y="1860876"/>
-                <a:ext cx="531940" cy="369332"/>
+                <a:off x="5441327" y="1212598"/>
+                <a:ext cx="935897" cy="369332"/>
               </a:xfrm>
               <a:prstGeom prst="rect">
                 <a:avLst/>
@@ -13374,8 +13420,8 @@
           </p:sp>
         </mc:Fallback>
       </mc:AlternateContent>
-      <mc:AlternateContent xmlns:mc="http://schemas.openxmlformats.org/markup-compatibility/2006" xmlns:a14="http://schemas.microsoft.com/office/drawing/2010/main">
-        <mc:Choice Requires="a14">
+      <mc:AlternateContent xmlns:mc="http://schemas.openxmlformats.org/markup-compatibility/2006">
+        <mc:Choice xmlns:a14="http://schemas.microsoft.com/office/drawing/2010/main" Requires="a14">
           <p:sp>
             <p:nvSpPr>
               <p:cNvPr id="57" name="TextBox 56"/>
@@ -13384,8 +13430,8 @@
             </p:nvSpPr>
             <p:spPr>
               <a:xfrm>
-                <a:off x="5572351" y="1709982"/>
-                <a:ext cx="501163" cy="369332"/>
+                <a:off x="5406682" y="1649528"/>
+                <a:ext cx="905120" cy="369332"/>
               </a:xfrm>
               <a:prstGeom prst="rect">
                 <a:avLst/>
@@ -13409,11 +13455,17 @@
                         <m:sSupPr>
                           <m:ctrlPr>
                             <a:rPr lang="en-US" i="1" smtClean="0">
-                              <a:latin typeface="Cambria Math" panose="02040503050406030204" pitchFamily="18" charset="0"/>
+                              <a:latin typeface="Cambria Math"/>
                             </a:rPr>
                           </m:ctrlPr>
                         </m:sSupPr>
                         <m:e>
+                          <m:r>
+                            <a:rPr lang="en-US" b="0" i="1" smtClean="0">
+                              <a:latin typeface="Cambria Math"/>
+                            </a:rPr>
+                            <m:t>1−</m:t>
+                          </m:r>
                           <m:r>
                             <a:rPr lang="en-US" i="1" smtClean="0">
                               <a:latin typeface="Cambria Math"/>
@@ -13439,7 +13491,7 @@
             </p:txBody>
           </p:sp>
         </mc:Choice>
-        <mc:Fallback xmlns="">
+        <mc:Fallback>
           <p:sp>
             <p:nvSpPr>
               <p:cNvPr id="57" name="TextBox 56"/>
@@ -13450,8 +13502,8 @@
             </p:nvSpPr>
             <p:spPr>
               <a:xfrm>
-                <a:off x="5572350" y="2279976"/>
-                <a:ext cx="501163" cy="369332"/>
+                <a:off x="5406682" y="1649528"/>
+                <a:ext cx="905120" cy="369332"/>
               </a:xfrm>
               <a:prstGeom prst="rect">
                 <a:avLst/>
@@ -13459,7 +13511,7 @@
               <a:blipFill rotWithShape="1">
                 <a:blip r:embed="rId8"/>
                 <a:stretch>
-                  <a:fillRect b="-11475"/>
+                  <a:fillRect b="-13333"/>
                 </a:stretch>
               </a:blipFill>
             </p:spPr>
@@ -13478,8 +13530,8 @@
           </p:sp>
         </mc:Fallback>
       </mc:AlternateContent>
-      <mc:AlternateContent xmlns:mc="http://schemas.openxmlformats.org/markup-compatibility/2006" xmlns:a14="http://schemas.microsoft.com/office/drawing/2010/main">
-        <mc:Choice Requires="a14">
+      <mc:AlternateContent xmlns:mc="http://schemas.openxmlformats.org/markup-compatibility/2006">
+        <mc:Choice xmlns:a14="http://schemas.microsoft.com/office/drawing/2010/main" Requires="a14">
           <p:sp>
             <p:nvSpPr>
               <p:cNvPr id="58" name="TextBox 57"/>
@@ -13488,8 +13540,8 @@
             </p:nvSpPr>
             <p:spPr>
               <a:xfrm>
-                <a:off x="5789737" y="2281595"/>
-                <a:ext cx="544188" cy="369332"/>
+                <a:off x="5638800" y="2376663"/>
+                <a:ext cx="948145" cy="369332"/>
               </a:xfrm>
               <a:prstGeom prst="rect">
                 <a:avLst/>
@@ -13513,11 +13565,17 @@
                         <m:sSupPr>
                           <m:ctrlPr>
                             <a:rPr lang="en-US" i="1" smtClean="0">
-                              <a:latin typeface="Cambria Math" panose="02040503050406030204" pitchFamily="18" charset="0"/>
+                              <a:latin typeface="Cambria Math"/>
                             </a:rPr>
                           </m:ctrlPr>
                         </m:sSupPr>
                         <m:e>
+                          <m:r>
+                            <a:rPr lang="en-US" b="0" i="1" smtClean="0">
+                              <a:latin typeface="Cambria Math"/>
+                            </a:rPr>
+                            <m:t>1−</m:t>
+                          </m:r>
                           <m:r>
                             <a:rPr lang="en-US" i="1" smtClean="0">
                               <a:latin typeface="Cambria Math"/>
@@ -13543,7 +13601,7 @@
             </p:txBody>
           </p:sp>
         </mc:Choice>
-        <mc:Fallback xmlns="">
+        <mc:Fallback>
           <p:sp>
             <p:nvSpPr>
               <p:cNvPr id="58" name="TextBox 57"/>
@@ -13554,8 +13612,8 @@
             </p:nvSpPr>
             <p:spPr>
               <a:xfrm>
-                <a:off x="5789737" y="3042126"/>
-                <a:ext cx="544188" cy="369332"/>
+                <a:off x="5638800" y="2376663"/>
+                <a:ext cx="948145" cy="369332"/>
               </a:xfrm>
               <a:prstGeom prst="rect">
                 <a:avLst/>
@@ -13563,7 +13621,7 @@
               <a:blipFill rotWithShape="1">
                 <a:blip r:embed="rId9"/>
                 <a:stretch>
-                  <a:fillRect b="-11475"/>
+                  <a:fillRect b="-13333"/>
                 </a:stretch>
               </a:blipFill>
             </p:spPr>
@@ -13619,7 +13677,7 @@
                           <m:endChr m:val="]"/>
                           <m:ctrlPr>
                             <a:rPr lang="en-US" sz="2000" i="1" smtClean="0">
-                              <a:latin typeface="Cambria Math" panose="02040503050406030204" pitchFamily="18" charset="0"/>
+                              <a:latin typeface="Cambria Math"/>
                             </a:rPr>
                           </m:ctrlPr>
                         </m:dPr>
@@ -13636,7 +13694,7 @@
                               </m:mcs>
                               <m:ctrlPr>
                                 <a:rPr lang="en-US" sz="2000" i="1" smtClean="0">
-                                  <a:latin typeface="Cambria Math" panose="02040503050406030204" pitchFamily="18" charset="0"/>
+                                  <a:latin typeface="Cambria Math"/>
                                 </a:rPr>
                               </m:ctrlPr>
                             </m:mPr>
@@ -13657,7 +13715,7 @@
                                   <m:sSupPr>
                                     <m:ctrlPr>
                                       <a:rPr lang="en-US" sz="2000" b="0" i="1" smtClean="0">
-                                        <a:latin typeface="Cambria Math" panose="02040503050406030204" pitchFamily="18" charset="0"/>
+                                        <a:latin typeface="Cambria Math"/>
                                       </a:rPr>
                                     </m:ctrlPr>
                                   </m:sSupPr>
@@ -13683,7 +13741,7 @@
                                   <m:sSupPr>
                                     <m:ctrlPr>
                                       <a:rPr lang="en-US" sz="2000" i="1" smtClean="0">
-                                        <a:latin typeface="Cambria Math" panose="02040503050406030204" pitchFamily="18" charset="0"/>
+                                        <a:latin typeface="Cambria Math"/>
                                         <a:ea typeface="Cambria Math"/>
                                       </a:rPr>
                                     </m:ctrlPr>
@@ -13713,7 +13771,7 @@
                                   <m:sSupPr>
                                     <m:ctrlPr>
                                       <a:rPr lang="en-US" sz="2000" i="1">
-                                        <a:latin typeface="Cambria Math" panose="02040503050406030204" pitchFamily="18" charset="0"/>
+                                        <a:latin typeface="Cambria Math"/>
                                       </a:rPr>
                                     </m:ctrlPr>
                                   </m:sSupPr>
@@ -13739,7 +13797,7 @@
                                   <m:sSupPr>
                                     <m:ctrlPr>
                                       <a:rPr lang="en-US" sz="2000" i="1">
-                                        <a:latin typeface="Cambria Math" panose="02040503050406030204" pitchFamily="18" charset="0"/>
+                                        <a:latin typeface="Cambria Math"/>
                                         <a:ea typeface="Cambria Math"/>
                                       </a:rPr>
                                     </m:ctrlPr>
@@ -13782,7 +13840,7 @@
                                   <m:sSupPr>
                                     <m:ctrlPr>
                                       <a:rPr lang="en-US" sz="2000" i="1">
-                                        <a:latin typeface="Cambria Math" panose="02040503050406030204" pitchFamily="18" charset="0"/>
+                                        <a:latin typeface="Cambria Math"/>
                                       </a:rPr>
                                     </m:ctrlPr>
                                   </m:sSupPr>
@@ -13821,7 +13879,7 @@
                                   <m:sSupPr>
                                     <m:ctrlPr>
                                       <a:rPr lang="en-US" sz="2000" i="1">
-                                        <a:latin typeface="Cambria Math" panose="02040503050406030204" pitchFamily="18" charset="0"/>
+                                        <a:latin typeface="Cambria Math"/>
                                       </a:rPr>
                                     </m:ctrlPr>
                                   </m:sSupPr>
@@ -13855,7 +13913,7 @@
                                   <m:sSupPr>
                                     <m:ctrlPr>
                                       <a:rPr lang="en-US" sz="2000" b="0" i="1" smtClean="0">
-                                        <a:latin typeface="Cambria Math" panose="02040503050406030204" pitchFamily="18" charset="0"/>
+                                        <a:latin typeface="Cambria Math"/>
                                         <a:ea typeface="Cambria Math"/>
                                       </a:rPr>
                                     </m:ctrlPr>
@@ -13892,7 +13950,7 @@
                                   <m:sSupPr>
                                     <m:ctrlPr>
                                       <a:rPr lang="en-US" sz="2000" i="1">
-                                        <a:latin typeface="Cambria Math" panose="02040503050406030204" pitchFamily="18" charset="0"/>
+                                        <a:latin typeface="Cambria Math"/>
                                       </a:rPr>
                                     </m:ctrlPr>
                                   </m:sSupPr>
@@ -13919,7 +13977,7 @@
                                   <m:sSupPr>
                                     <m:ctrlPr>
                                       <a:rPr lang="en-US" sz="2000" i="1" smtClean="0">
-                                        <a:latin typeface="Cambria Math" panose="02040503050406030204" pitchFamily="18" charset="0"/>
+                                        <a:latin typeface="Cambria Math"/>
                                         <a:ea typeface="Cambria Math"/>
                                       </a:rPr>
                                     </m:ctrlPr>
@@ -13955,7 +14013,7 @@
                                   <m:sSupPr>
                                     <m:ctrlPr>
                                       <a:rPr lang="en-US" sz="2000" i="1">
-                                        <a:latin typeface="Cambria Math" panose="02040503050406030204" pitchFamily="18" charset="0"/>
+                                        <a:latin typeface="Cambria Math"/>
                                       </a:rPr>
                                     </m:ctrlPr>
                                   </m:sSupPr>
@@ -13994,7 +14052,7 @@
                                   <m:sSupPr>
                                     <m:ctrlPr>
                                       <a:rPr lang="en-US" sz="2000" i="1">
-                                        <a:latin typeface="Cambria Math" panose="02040503050406030204" pitchFamily="18" charset="0"/>
+                                        <a:latin typeface="Cambria Math"/>
                                       </a:rPr>
                                     </m:ctrlPr>
                                   </m:sSupPr>
@@ -14021,7 +14079,7 @@
                                   <m:sSupPr>
                                     <m:ctrlPr>
                                       <a:rPr lang="en-US" sz="2000" i="1" smtClean="0">
-                                        <a:latin typeface="Cambria Math" panose="02040503050406030204" pitchFamily="18" charset="0"/>
+                                        <a:latin typeface="Cambria Math"/>
                                         <a:ea typeface="Cambria Math"/>
                                       </a:rPr>
                                     </m:ctrlPr>
@@ -14051,7 +14109,7 @@
                                   <m:sSupPr>
                                     <m:ctrlPr>
                                       <a:rPr lang="en-US" sz="2000" i="1">
-                                        <a:latin typeface="Cambria Math" panose="02040503050406030204" pitchFamily="18" charset="0"/>
+                                        <a:latin typeface="Cambria Math"/>
                                       </a:rPr>
                                     </m:ctrlPr>
                                   </m:sSupPr>
@@ -14085,7 +14143,7 @@
                                   <m:sSupPr>
                                     <m:ctrlPr>
                                       <a:rPr lang="en-US" sz="2000" b="0" i="1" smtClean="0">
-                                        <a:latin typeface="Cambria Math" panose="02040503050406030204" pitchFamily="18" charset="0"/>
+                                        <a:latin typeface="Cambria Math"/>
                                         <a:ea typeface="Cambria Math"/>
                                       </a:rPr>
                                     </m:ctrlPr>
@@ -14128,7 +14186,7 @@
                                   <m:sSupPr>
                                     <m:ctrlPr>
                                       <a:rPr lang="en-US" sz="2000" i="1">
-                                        <a:latin typeface="Cambria Math" panose="02040503050406030204" pitchFamily="18" charset="0"/>
+                                        <a:latin typeface="Cambria Math"/>
                                       </a:rPr>
                                     </m:ctrlPr>
                                   </m:sSupPr>
@@ -16854,7 +16912,6 @@
           <p:cNvPr id="13" name="Straight Arrow Connector 12"/>
           <p:cNvCxnSpPr>
             <a:stCxn id="5" idx="3"/>
-            <a:endCxn id="16" idx="1"/>
           </p:cNvCxnSpPr>
           <p:nvPr/>
         </p:nvCxnSpPr>
@@ -16893,7 +16950,6 @@
           <p:cNvPr id="15" name="Straight Arrow Connector 14"/>
           <p:cNvCxnSpPr>
             <a:stCxn id="6" idx="3"/>
-            <a:endCxn id="16" idx="1"/>
           </p:cNvCxnSpPr>
           <p:nvPr/>
         </p:nvCxnSpPr>
@@ -16932,7 +16988,6 @@
           <p:cNvPr id="18" name="Straight Arrow Connector 17"/>
           <p:cNvCxnSpPr>
             <a:stCxn id="7" idx="3"/>
-            <a:endCxn id="16" idx="1"/>
           </p:cNvCxnSpPr>
           <p:nvPr/>
         </p:nvCxnSpPr>
@@ -17123,7 +17178,6 @@
         <p:nvCxnSpPr>
           <p:cNvPr id="24" name="Straight Arrow Connector 23"/>
           <p:cNvCxnSpPr>
-            <a:stCxn id="16" idx="3"/>
             <a:endCxn id="21" idx="1"/>
           </p:cNvCxnSpPr>
           <p:nvPr/>
@@ -17162,7 +17216,6 @@
         <p:nvCxnSpPr>
           <p:cNvPr id="27" name="Straight Arrow Connector 26"/>
           <p:cNvCxnSpPr>
-            <a:stCxn id="16" idx="3"/>
             <a:endCxn id="22" idx="1"/>
           </p:cNvCxnSpPr>
           <p:nvPr/>
@@ -17201,7 +17254,6 @@
         <p:nvCxnSpPr>
           <p:cNvPr id="30" name="Straight Arrow Connector 29"/>
           <p:cNvCxnSpPr>
-            <a:stCxn id="16" idx="3"/>
             <a:endCxn id="23" idx="1"/>
           </p:cNvCxnSpPr>
           <p:nvPr/>
@@ -17240,15 +17292,15 @@
         <p:nvCxnSpPr>
           <p:cNvPr id="3" name="Straight Connector 2"/>
           <p:cNvCxnSpPr>
-            <a:stCxn id="21" idx="2"/>
-            <a:endCxn id="22" idx="0"/>
+            <a:stCxn id="28" idx="2"/>
+            <a:endCxn id="29" idx="0"/>
           </p:cNvCxnSpPr>
           <p:nvPr/>
         </p:nvCxnSpPr>
         <p:spPr>
           <a:xfrm>
-            <a:off x="7296150" y="1885950"/>
-            <a:ext cx="0" cy="457200"/>
+            <a:off x="4686300" y="1761259"/>
+            <a:ext cx="0" cy="715241"/>
           </a:xfrm>
           <a:prstGeom prst="line">
             <a:avLst/>
@@ -17316,68 +17368,6 @@
       </p:cxnSp>
       <p:sp>
         <p:nvSpPr>
-          <p:cNvPr id="16" name="Rectangle 15"/>
-          <p:cNvSpPr/>
-          <p:nvPr/>
-        </p:nvSpPr>
-        <p:spPr>
-          <a:xfrm>
-            <a:off x="3810000" y="1238250"/>
-            <a:ext cx="1752600" cy="2819400"/>
-          </a:xfrm>
-          <a:prstGeom prst="rect">
-            <a:avLst/>
-          </a:prstGeom>
-          <a:gradFill flip="none" rotWithShape="1">
-            <a:gsLst>
-              <a:gs pos="0">
-                <a:schemeClr val="accent1"/>
-              </a:gs>
-              <a:gs pos="50000">
-                <a:schemeClr val="accent4"/>
-              </a:gs>
-              <a:gs pos="100000">
-                <a:srgbClr val="C00000"/>
-              </a:gs>
-            </a:gsLst>
-            <a:lin ang="5400000" scaled="1"/>
-            <a:tileRect/>
-          </a:gradFill>
-        </p:spPr>
-        <p:style>
-          <a:lnRef idx="2">
-            <a:schemeClr val="accent1">
-              <a:shade val="50000"/>
-            </a:schemeClr>
-          </a:lnRef>
-          <a:fillRef idx="1">
-            <a:schemeClr val="accent1"/>
-          </a:fillRef>
-          <a:effectRef idx="0">
-            <a:schemeClr val="accent1"/>
-          </a:effectRef>
-          <a:fontRef idx="minor">
-            <a:schemeClr val="lt1"/>
-          </a:fontRef>
-        </p:style>
-        <p:txBody>
-          <a:bodyPr rtlCol="0" anchor="ctr"/>
-          <a:lstStyle/>
-          <a:p>
-            <a:pPr algn="ctr"/>
-            <a:r>
-              <a:rPr lang="en-US" sz="2400" dirty="0">
-                <a:solidFill>
-                  <a:schemeClr val="tx1"/>
-                </a:solidFill>
-              </a:rPr>
-              <a:t>IPM</a:t>
-            </a:r>
-          </a:p>
-        </p:txBody>
-      </p:sp>
-      <p:sp>
-        <p:nvSpPr>
           <p:cNvPr id="19" name="TextBox 18"/>
           <p:cNvSpPr txBox="1"/>
           <p:nvPr/>
@@ -17430,9 +17420,10 @@
           <a:p>
             <a:pPr algn="ctr"/>
             <a:r>
-              <a:rPr lang="en-US" dirty="0"/>
-              <a:t>Analysis</a:t>
-            </a:r>
+              <a:rPr lang="en-US" dirty="0" smtClean="0"/>
+              <a:t>IPM</a:t>
+            </a:r>
+            <a:endParaRPr lang="en-US" dirty="0"/>
           </a:p>
         </p:txBody>
       </p:sp>
@@ -17466,6 +17457,285 @@
           </a:p>
         </p:txBody>
       </p:sp>
+      <p:sp>
+        <p:nvSpPr>
+          <p:cNvPr id="28" name="Rectangle 27"/>
+          <p:cNvSpPr/>
+          <p:nvPr/>
+        </p:nvSpPr>
+        <p:spPr>
+          <a:xfrm>
+            <a:off x="3962400" y="1428750"/>
+            <a:ext cx="1447800" cy="332509"/>
+          </a:xfrm>
+          <a:prstGeom prst="rect">
+            <a:avLst/>
+          </a:prstGeom>
+        </p:spPr>
+        <p:style>
+          <a:lnRef idx="2">
+            <a:schemeClr val="accent1">
+              <a:shade val="50000"/>
+            </a:schemeClr>
+          </a:lnRef>
+          <a:fillRef idx="1">
+            <a:schemeClr val="accent1"/>
+          </a:fillRef>
+          <a:effectRef idx="0">
+            <a:schemeClr val="accent1"/>
+          </a:effectRef>
+          <a:fontRef idx="minor">
+            <a:schemeClr val="lt1"/>
+          </a:fontRef>
+        </p:style>
+        <p:txBody>
+          <a:bodyPr rtlCol="0" anchor="ctr"/>
+          <a:lstStyle/>
+          <a:p>
+            <a:pPr algn="ctr"/>
+            <a:r>
+              <a:rPr lang="en-US" sz="1400" dirty="0"/>
+              <a:t>N-mixture model</a:t>
+            </a:r>
+          </a:p>
+        </p:txBody>
+      </p:sp>
+      <p:sp>
+        <p:nvSpPr>
+          <p:cNvPr id="29" name="Rectangle 28"/>
+          <p:cNvSpPr/>
+          <p:nvPr/>
+        </p:nvSpPr>
+        <p:spPr>
+          <a:xfrm>
+            <a:off x="3962400" y="2476500"/>
+            <a:ext cx="1447800" cy="332509"/>
+          </a:xfrm>
+          <a:prstGeom prst="rect">
+            <a:avLst/>
+          </a:prstGeom>
+          <a:solidFill>
+            <a:schemeClr val="accent4"/>
+          </a:solidFill>
+          <a:ln>
+            <a:solidFill>
+              <a:schemeClr val="accent3">
+                <a:lumMod val="50000"/>
+              </a:schemeClr>
+            </a:solidFill>
+          </a:ln>
+        </p:spPr>
+        <p:style>
+          <a:lnRef idx="2">
+            <a:schemeClr val="accent1">
+              <a:shade val="50000"/>
+            </a:schemeClr>
+          </a:lnRef>
+          <a:fillRef idx="1">
+            <a:schemeClr val="accent1"/>
+          </a:fillRef>
+          <a:effectRef idx="0">
+            <a:schemeClr val="accent1"/>
+          </a:effectRef>
+          <a:fontRef idx="minor">
+            <a:schemeClr val="lt1"/>
+          </a:fontRef>
+        </p:style>
+        <p:txBody>
+          <a:bodyPr rtlCol="0" anchor="ctr"/>
+          <a:lstStyle/>
+          <a:p>
+            <a:pPr algn="ctr"/>
+            <a:r>
+              <a:rPr lang="en-US" sz="1400" dirty="0">
+                <a:solidFill>
+                  <a:schemeClr val="tx1"/>
+                </a:solidFill>
+              </a:rPr>
+              <a:t>Survival analysis</a:t>
+            </a:r>
+          </a:p>
+        </p:txBody>
+      </p:sp>
+      <p:sp>
+        <p:nvSpPr>
+          <p:cNvPr id="31" name="Rectangle 30"/>
+          <p:cNvSpPr/>
+          <p:nvPr/>
+        </p:nvSpPr>
+        <p:spPr>
+          <a:xfrm>
+            <a:off x="3962400" y="3638550"/>
+            <a:ext cx="1447800" cy="457200"/>
+          </a:xfrm>
+          <a:prstGeom prst="rect">
+            <a:avLst/>
+          </a:prstGeom>
+          <a:solidFill>
+            <a:srgbClr val="C00000"/>
+          </a:solidFill>
+          <a:ln>
+            <a:solidFill>
+              <a:schemeClr val="accent2">
+                <a:lumMod val="50000"/>
+              </a:schemeClr>
+            </a:solidFill>
+          </a:ln>
+        </p:spPr>
+        <p:style>
+          <a:lnRef idx="2">
+            <a:schemeClr val="accent1">
+              <a:shade val="50000"/>
+            </a:schemeClr>
+          </a:lnRef>
+          <a:fillRef idx="1">
+            <a:schemeClr val="accent1"/>
+          </a:fillRef>
+          <a:effectRef idx="0">
+            <a:schemeClr val="accent1"/>
+          </a:effectRef>
+          <a:fontRef idx="minor">
+            <a:schemeClr val="lt1"/>
+          </a:fontRef>
+        </p:style>
+        <p:txBody>
+          <a:bodyPr rtlCol="0" anchor="ctr"/>
+          <a:lstStyle/>
+          <a:p>
+            <a:pPr algn="ctr"/>
+            <a:r>
+              <a:rPr lang="en-US" sz="1400" dirty="0">
+                <a:solidFill>
+                  <a:schemeClr val="bg1"/>
+                </a:solidFill>
+              </a:rPr>
+              <a:t>Poisson GLM</a:t>
+            </a:r>
+          </a:p>
+        </p:txBody>
+      </p:sp>
+      <p:sp>
+        <p:nvSpPr>
+          <p:cNvPr id="2" name="Rectangle 1"/>
+          <p:cNvSpPr/>
+          <p:nvPr/>
+        </p:nvSpPr>
+        <p:spPr>
+          <a:xfrm>
+            <a:off x="3810000" y="1279437"/>
+            <a:ext cx="1742768" cy="3121113"/>
+          </a:xfrm>
+          <a:prstGeom prst="rect">
+            <a:avLst/>
+          </a:prstGeom>
+          <a:noFill/>
+          <a:ln w="38100">
+            <a:solidFill>
+              <a:schemeClr val="tx1"/>
+            </a:solidFill>
+            <a:prstDash val="lgDash"/>
+          </a:ln>
+        </p:spPr>
+        <p:style>
+          <a:lnRef idx="2">
+            <a:schemeClr val="accent1">
+              <a:shade val="50000"/>
+            </a:schemeClr>
+          </a:lnRef>
+          <a:fillRef idx="1">
+            <a:schemeClr val="accent1"/>
+          </a:fillRef>
+          <a:effectRef idx="0">
+            <a:schemeClr val="accent1"/>
+          </a:effectRef>
+          <a:fontRef idx="minor">
+            <a:schemeClr val="lt1"/>
+          </a:fontRef>
+        </p:style>
+        <p:txBody>
+          <a:bodyPr rtlCol="0" anchor="ctr"/>
+          <a:lstStyle/>
+          <a:p>
+            <a:pPr algn="ctr"/>
+            <a:endParaRPr lang="en-US"/>
+          </a:p>
+        </p:txBody>
+      </p:sp>
+      <p:cxnSp>
+        <p:nvCxnSpPr>
+          <p:cNvPr id="32" name="Straight Connector 31"/>
+          <p:cNvCxnSpPr/>
+          <p:nvPr/>
+        </p:nvCxnSpPr>
+        <p:spPr>
+          <a:xfrm>
+            <a:off x="7296150" y="1885950"/>
+            <a:ext cx="0" cy="457200"/>
+          </a:xfrm>
+          <a:prstGeom prst="line">
+            <a:avLst/>
+          </a:prstGeom>
+          <a:ln w="57150">
+            <a:solidFill>
+              <a:schemeClr val="tx1"/>
+            </a:solidFill>
+            <a:prstDash val="sysDot"/>
+          </a:ln>
+        </p:spPr>
+        <p:style>
+          <a:lnRef idx="1">
+            <a:schemeClr val="accent1"/>
+          </a:lnRef>
+          <a:fillRef idx="0">
+            <a:schemeClr val="accent1"/>
+          </a:fillRef>
+          <a:effectRef idx="0">
+            <a:schemeClr val="accent1"/>
+          </a:effectRef>
+          <a:fontRef idx="minor">
+            <a:schemeClr val="tx1"/>
+          </a:fontRef>
+        </p:style>
+      </p:cxnSp>
+      <p:cxnSp>
+        <p:nvCxnSpPr>
+          <p:cNvPr id="33" name="Straight Connector 32"/>
+          <p:cNvCxnSpPr>
+            <a:stCxn id="29" idx="2"/>
+            <a:endCxn id="31" idx="0"/>
+          </p:cNvCxnSpPr>
+          <p:nvPr/>
+        </p:nvCxnSpPr>
+        <p:spPr>
+          <a:xfrm>
+            <a:off x="4686300" y="2809009"/>
+            <a:ext cx="0" cy="829541"/>
+          </a:xfrm>
+          <a:prstGeom prst="line">
+            <a:avLst/>
+          </a:prstGeom>
+          <a:ln w="57150">
+            <a:solidFill>
+              <a:schemeClr val="tx1"/>
+            </a:solidFill>
+            <a:prstDash val="sysDot"/>
+          </a:ln>
+        </p:spPr>
+        <p:style>
+          <a:lnRef idx="1">
+            <a:schemeClr val="accent1"/>
+          </a:lnRef>
+          <a:fillRef idx="0">
+            <a:schemeClr val="accent1"/>
+          </a:fillRef>
+          <a:effectRef idx="0">
+            <a:schemeClr val="accent1"/>
+          </a:effectRef>
+          <a:fontRef idx="minor">
+            <a:schemeClr val="tx1"/>
+          </a:fontRef>
+        </p:style>
+      </p:cxnSp>
     </p:spTree>
     <p:extLst>
       <p:ext uri="{BB962C8B-B14F-4D97-AF65-F5344CB8AC3E}">
@@ -19613,7 +19883,7 @@
                 <a:gridCol w="3926776">
                   <a:extLst>
                     <a:ext uri="{9D8B030D-6E8A-4147-A177-3AD203B41FA5}">
-                      <a16:colId xmlns:a16="http://schemas.microsoft.com/office/drawing/2014/main" val="20000"/>
+                      <a16:colId xmlns:a16="http://schemas.microsoft.com/office/drawing/2014/main" xmlns="" val="20000"/>
                     </a:ext>
                   </a:extLst>
                 </a:gridCol>
@@ -19635,7 +19905,7 @@
                 </a:tc>
                 <a:extLst>
                   <a:ext uri="{0D108BD9-81ED-4DB2-BD59-A6C34878D82A}">
-                    <a16:rowId xmlns:a16="http://schemas.microsoft.com/office/drawing/2014/main" val="10000"/>
+                    <a16:rowId xmlns:a16="http://schemas.microsoft.com/office/drawing/2014/main" xmlns="" val="10000"/>
                   </a:ext>
                 </a:extLst>
               </a:tr>
@@ -19656,7 +19926,7 @@
                 </a:tc>
                 <a:extLst>
                   <a:ext uri="{0D108BD9-81ED-4DB2-BD59-A6C34878D82A}">
-                    <a16:rowId xmlns:a16="http://schemas.microsoft.com/office/drawing/2014/main" val="10001"/>
+                    <a16:rowId xmlns:a16="http://schemas.microsoft.com/office/drawing/2014/main" xmlns="" val="10001"/>
                   </a:ext>
                 </a:extLst>
               </a:tr>
@@ -19682,7 +19952,7 @@
                 </a:tc>
                 <a:extLst>
                   <a:ext uri="{0D108BD9-81ED-4DB2-BD59-A6C34878D82A}">
-                    <a16:rowId xmlns:a16="http://schemas.microsoft.com/office/drawing/2014/main" val="10002"/>
+                    <a16:rowId xmlns:a16="http://schemas.microsoft.com/office/drawing/2014/main" xmlns="" val="10002"/>
                   </a:ext>
                 </a:extLst>
               </a:tr>
@@ -19708,7 +19978,7 @@
                 </a:tc>
                 <a:extLst>
                   <a:ext uri="{0D108BD9-81ED-4DB2-BD59-A6C34878D82A}">
-                    <a16:rowId xmlns:a16="http://schemas.microsoft.com/office/drawing/2014/main" val="10003"/>
+                    <a16:rowId xmlns:a16="http://schemas.microsoft.com/office/drawing/2014/main" xmlns="" val="10003"/>
                   </a:ext>
                 </a:extLst>
               </a:tr>
@@ -19734,7 +20004,7 @@
                 </a:tc>
                 <a:extLst>
                   <a:ext uri="{0D108BD9-81ED-4DB2-BD59-A6C34878D82A}">
-                    <a16:rowId xmlns:a16="http://schemas.microsoft.com/office/drawing/2014/main" val="10004"/>
+                    <a16:rowId xmlns:a16="http://schemas.microsoft.com/office/drawing/2014/main" xmlns="" val="10004"/>
                   </a:ext>
                 </a:extLst>
               </a:tr>
@@ -19764,7 +20034,7 @@
                 </a:tc>
                 <a:extLst>
                   <a:ext uri="{0D108BD9-81ED-4DB2-BD59-A6C34878D82A}">
-                    <a16:rowId xmlns:a16="http://schemas.microsoft.com/office/drawing/2014/main" val="10005"/>
+                    <a16:rowId xmlns:a16="http://schemas.microsoft.com/office/drawing/2014/main" xmlns="" val="10005"/>
                   </a:ext>
                 </a:extLst>
               </a:tr>
@@ -19785,7 +20055,7 @@
                 </a:tc>
                 <a:extLst>
                   <a:ext uri="{0D108BD9-81ED-4DB2-BD59-A6C34878D82A}">
-                    <a16:rowId xmlns:a16="http://schemas.microsoft.com/office/drawing/2014/main" val="10006"/>
+                    <a16:rowId xmlns:a16="http://schemas.microsoft.com/office/drawing/2014/main" xmlns="" val="10006"/>
                   </a:ext>
                 </a:extLst>
               </a:tr>
@@ -19806,7 +20076,7 @@
                 </a:tc>
                 <a:extLst>
                   <a:ext uri="{0D108BD9-81ED-4DB2-BD59-A6C34878D82A}">
-                    <a16:rowId xmlns:a16="http://schemas.microsoft.com/office/drawing/2014/main" val="10007"/>
+                    <a16:rowId xmlns:a16="http://schemas.microsoft.com/office/drawing/2014/main" xmlns="" val="10007"/>
                   </a:ext>
                 </a:extLst>
               </a:tr>
@@ -19842,7 +20112,7 @@
                 <a:gridCol w="2870200">
                   <a:extLst>
                     <a:ext uri="{9D8B030D-6E8A-4147-A177-3AD203B41FA5}">
-                      <a16:colId xmlns:a16="http://schemas.microsoft.com/office/drawing/2014/main" val="20000"/>
+                      <a16:colId xmlns:a16="http://schemas.microsoft.com/office/drawing/2014/main" xmlns="" val="20000"/>
                     </a:ext>
                   </a:extLst>
                 </a:gridCol>
@@ -19864,7 +20134,7 @@
                 </a:tc>
                 <a:extLst>
                   <a:ext uri="{0D108BD9-81ED-4DB2-BD59-A6C34878D82A}">
-                    <a16:rowId xmlns:a16="http://schemas.microsoft.com/office/drawing/2014/main" val="10000"/>
+                    <a16:rowId xmlns:a16="http://schemas.microsoft.com/office/drawing/2014/main" xmlns="" val="10000"/>
                   </a:ext>
                 </a:extLst>
               </a:tr>
@@ -19885,7 +20155,7 @@
                 </a:tc>
                 <a:extLst>
                   <a:ext uri="{0D108BD9-81ED-4DB2-BD59-A6C34878D82A}">
-                    <a16:rowId xmlns:a16="http://schemas.microsoft.com/office/drawing/2014/main" val="10001"/>
+                    <a16:rowId xmlns:a16="http://schemas.microsoft.com/office/drawing/2014/main" xmlns="" val="10001"/>
                   </a:ext>
                 </a:extLst>
               </a:tr>
@@ -19906,7 +20176,7 @@
                 </a:tc>
                 <a:extLst>
                   <a:ext uri="{0D108BD9-81ED-4DB2-BD59-A6C34878D82A}">
-                    <a16:rowId xmlns:a16="http://schemas.microsoft.com/office/drawing/2014/main" val="10002"/>
+                    <a16:rowId xmlns:a16="http://schemas.microsoft.com/office/drawing/2014/main" xmlns="" val="10002"/>
                   </a:ext>
                 </a:extLst>
               </a:tr>
@@ -19928,7 +20198,7 @@
                 </a:tc>
                 <a:extLst>
                   <a:ext uri="{0D108BD9-81ED-4DB2-BD59-A6C34878D82A}">
-                    <a16:rowId xmlns:a16="http://schemas.microsoft.com/office/drawing/2014/main" val="10003"/>
+                    <a16:rowId xmlns:a16="http://schemas.microsoft.com/office/drawing/2014/main" xmlns="" val="10003"/>
                   </a:ext>
                 </a:extLst>
               </a:tr>
@@ -19949,7 +20219,7 @@
                 </a:tc>
                 <a:extLst>
                   <a:ext uri="{0D108BD9-81ED-4DB2-BD59-A6C34878D82A}">
-                    <a16:rowId xmlns:a16="http://schemas.microsoft.com/office/drawing/2014/main" val="10004"/>
+                    <a16:rowId xmlns:a16="http://schemas.microsoft.com/office/drawing/2014/main" xmlns="" val="10004"/>
                   </a:ext>
                 </a:extLst>
               </a:tr>
@@ -21452,7 +21722,7 @@
           <p:cNvPr id="2" name="Title 1">
             <a:extLst>
               <a:ext uri="{FF2B5EF4-FFF2-40B4-BE49-F238E27FC236}">
-                <a16:creationId xmlns:a16="http://schemas.microsoft.com/office/drawing/2014/main" id="{AB006400-3022-4111-825D-C54283E27CDD}"/>
+                <a16:creationId xmlns:a16="http://schemas.microsoft.com/office/drawing/2014/main" xmlns="" id="{AB006400-3022-4111-825D-C54283E27CDD}"/>
               </a:ext>
             </a:extLst>
           </p:cNvPr>
@@ -21478,384 +21748,232 @@
           </a:p>
         </p:txBody>
       </p:sp>
-      <p:sp>
-        <p:nvSpPr>
-          <p:cNvPr id="3" name="Content Placeholder 2">
-            <a:extLst>
-              <a:ext uri="{FF2B5EF4-FFF2-40B4-BE49-F238E27FC236}">
-                <a16:creationId xmlns:a16="http://schemas.microsoft.com/office/drawing/2014/main" id="{98BD5672-C4AA-4742-AA32-4657D8A92FCB}"/>
-              </a:ext>
-            </a:extLst>
-          </p:cNvPr>
-          <p:cNvSpPr>
-            <a:spLocks noGrp="1"/>
-          </p:cNvSpPr>
-          <p:nvPr>
-            <p:ph idx="1"/>
-          </p:nvPr>
-        </p:nvSpPr>
-        <p:spPr>
-          <a:xfrm>
-            <a:off x="631278" y="1123950"/>
-            <a:ext cx="7886700" cy="3394472"/>
-          </a:xfrm>
-        </p:spPr>
-        <p:txBody>
-          <a:bodyPr>
-            <a:normAutofit/>
-          </a:bodyPr>
-          <a:lstStyle/>
-          <a:p>
-            <a:r>
-              <a:rPr lang="en-US" sz="1800" b="1" dirty="0"/>
-              <a:t>Logistic regression </a:t>
-            </a:r>
-            <a:r>
-              <a:rPr lang="en-US" sz="1800" dirty="0"/>
-              <a:t>is at the heart of survival estimation</a:t>
-            </a:r>
-          </a:p>
-          <a:p>
-            <a:endParaRPr lang="en-US" sz="1800" dirty="0"/>
-          </a:p>
-          <a:p>
-            <a:endParaRPr lang="en-US" sz="1800" dirty="0"/>
-          </a:p>
-          <a:p>
-            <a:endParaRPr lang="en-US" sz="1800" dirty="0"/>
-          </a:p>
-          <a:p>
-            <a:r>
-              <a:rPr lang="en-US" sz="1800" dirty="0"/>
-              <a:t>Parameter estimates often back-transformed for interpretation</a:t>
-            </a:r>
-          </a:p>
-          <a:p>
-            <a:r>
-              <a:rPr lang="en-US" sz="1800" dirty="0"/>
-              <a:t>Odds are relative to the (use a “reference level”)</a:t>
-            </a:r>
-          </a:p>
-        </p:txBody>
-      </p:sp>
-      <p:graphicFrame>
-        <p:nvGraphicFramePr>
-          <p:cNvPr id="4" name="Table 3">
-            <a:extLst>
-              <a:ext uri="{FF2B5EF4-FFF2-40B4-BE49-F238E27FC236}">
-                <a16:creationId xmlns:a16="http://schemas.microsoft.com/office/drawing/2014/main" id="{9048C09E-3A7F-4972-A8F1-6A33937248A2}"/>
-              </a:ext>
-            </a:extLst>
-          </p:cNvPr>
-          <p:cNvGraphicFramePr>
-            <a:graphicFrameLocks noGrp="1"/>
-          </p:cNvGraphicFramePr>
-          <p:nvPr>
-            <p:extLst>
-              <p:ext uri="{D42A27DB-BD31-4B8C-83A1-F6EECF244321}">
-                <p14:modId xmlns:p14="http://schemas.microsoft.com/office/powerpoint/2010/main" val="402938139"/>
-              </p:ext>
-            </p:extLst>
-          </p:nvPr>
-        </p:nvGraphicFramePr>
-        <p:xfrm>
-          <a:off x="306111" y="3319991"/>
-          <a:ext cx="6462689" cy="1303020"/>
-        </p:xfrm>
-        <a:graphic>
-          <a:graphicData uri="http://schemas.openxmlformats.org/drawingml/2006/table">
-            <a:tbl>
-              <a:tblPr firstRow="1" bandRow="1">
-                <a:tableStyleId>{616DA210-FB5B-4158-B5E0-FEB733F419BA}</a:tableStyleId>
-              </a:tblPr>
-              <a:tblGrid>
-                <a:gridCol w="1827489">
-                  <a:extLst>
-                    <a:ext uri="{9D8B030D-6E8A-4147-A177-3AD203B41FA5}">
-                      <a16:colId xmlns:a16="http://schemas.microsoft.com/office/drawing/2014/main" val="1994016553"/>
-                    </a:ext>
-                  </a:extLst>
-                </a:gridCol>
-                <a:gridCol w="1134874">
-                  <a:extLst>
-                    <a:ext uri="{9D8B030D-6E8A-4147-A177-3AD203B41FA5}">
-                      <a16:colId xmlns:a16="http://schemas.microsoft.com/office/drawing/2014/main" val="4052906356"/>
-                    </a:ext>
-                  </a:extLst>
-                </a:gridCol>
-                <a:gridCol w="1229749">
-                  <a:extLst>
-                    <a:ext uri="{9D8B030D-6E8A-4147-A177-3AD203B41FA5}">
-                      <a16:colId xmlns:a16="http://schemas.microsoft.com/office/drawing/2014/main" val="4014107595"/>
-                    </a:ext>
-                  </a:extLst>
-                </a:gridCol>
-                <a:gridCol w="2270577">
-                  <a:extLst>
-                    <a:ext uri="{9D8B030D-6E8A-4147-A177-3AD203B41FA5}">
-                      <a16:colId xmlns:a16="http://schemas.microsoft.com/office/drawing/2014/main" val="3374785829"/>
-                    </a:ext>
-                  </a:extLst>
-                </a:gridCol>
-              </a:tblGrid>
-              <a:tr h="536510">
-                <a:tc>
-                  <a:txBody>
-                    <a:bodyPr/>
-                    <a:lstStyle/>
-                    <a:p>
-                      <a:pPr algn="ctr"/>
-                      <a:r>
-                        <a:rPr lang="en-US" sz="1800" dirty="0"/>
-                        <a:t>Parameter</a:t>
-                      </a:r>
-                    </a:p>
-                  </a:txBody>
-                  <a:tcPr marL="68580" marR="68580" marT="34290" marB="34290" anchor="ctr"/>
-                </a:tc>
-                <a:tc>
-                  <a:txBody>
-                    <a:bodyPr/>
-                    <a:lstStyle/>
-                    <a:p>
-                      <a:pPr algn="ctr"/>
-                      <a:r>
-                        <a:rPr lang="en-US" sz="1800" dirty="0"/>
-                        <a:t>Estimate (</a:t>
-                      </a:r>
-                      <a:r>
-                        <a:rPr lang="el-GR" sz="1800" dirty="0"/>
-                        <a:t>β</a:t>
-                      </a:r>
-                      <a:r>
-                        <a:rPr lang="en-US" sz="1800" dirty="0"/>
-                        <a:t>)</a:t>
-                      </a:r>
-                    </a:p>
-                  </a:txBody>
-                  <a:tcPr marL="68580" marR="68580" marT="34290" marB="34290" anchor="ctr"/>
-                </a:tc>
-                <a:tc>
-                  <a:txBody>
-                    <a:bodyPr/>
-                    <a:lstStyle/>
-                    <a:p>
-                      <a:pPr algn="ctr"/>
-                      <a:r>
-                        <a:rPr lang="en-US" sz="1800" dirty="0"/>
-                        <a:t>Odds (e</a:t>
-                      </a:r>
-                      <a:r>
-                        <a:rPr lang="el-GR" sz="1800" baseline="30000" dirty="0"/>
-                        <a:t>β</a:t>
-                      </a:r>
-                      <a:r>
-                        <a:rPr lang="en-US" sz="1800" dirty="0"/>
-                        <a:t>)</a:t>
-                      </a:r>
-                      <a:endParaRPr lang="en-US" sz="1800" baseline="30000" dirty="0"/>
-                    </a:p>
-                  </a:txBody>
-                  <a:tcPr marL="68580" marR="68580" marT="34290" marB="34290" anchor="ctr"/>
-                </a:tc>
-                <a:tc>
-                  <a:txBody>
-                    <a:bodyPr/>
-                    <a:lstStyle/>
-                    <a:p>
-                      <a:pPr algn="ctr"/>
-                      <a:r>
-                        <a:rPr lang="en-US" sz="1800" dirty="0"/>
-                        <a:t>Survival probability</a:t>
-                      </a:r>
-                    </a:p>
-                    <a:p>
-                      <a:pPr marL="0" marR="0" lvl="0" indent="0" algn="ctr" defTabSz="914400" rtl="0" eaLnBrk="1" fontAlgn="auto" latinLnBrk="0" hangingPunct="1">
-                        <a:lnSpc>
-                          <a:spcPct val="100000"/>
-                        </a:lnSpc>
-                        <a:spcBef>
-                          <a:spcPts val="0"/>
-                        </a:spcBef>
-                        <a:spcAft>
-                          <a:spcPts val="0"/>
-                        </a:spcAft>
-                        <a:buClrTx/>
-                        <a:buSzTx/>
-                        <a:buFontTx/>
-                        <a:buNone/>
-                        <a:tabLst/>
-                        <a:defRPr/>
-                      </a:pPr>
-                      <a:r>
-                        <a:rPr lang="en-US" sz="1800" dirty="0"/>
-                        <a:t>(e</a:t>
-                      </a:r>
-                      <a:r>
-                        <a:rPr lang="el-GR" sz="1800" baseline="30000" dirty="0"/>
-                        <a:t>β</a:t>
-                      </a:r>
-                      <a:r>
-                        <a:rPr lang="en-US" sz="1800" dirty="0"/>
-                        <a:t>/1+e</a:t>
-                      </a:r>
-                      <a:r>
-                        <a:rPr lang="el-GR" sz="1800" baseline="30000" dirty="0"/>
-                        <a:t>β</a:t>
-                      </a:r>
-                      <a:r>
-                        <a:rPr lang="en-US" sz="1800" dirty="0"/>
-                        <a:t>)</a:t>
-                      </a:r>
-                      <a:endParaRPr lang="en-US" sz="1800" baseline="30000" dirty="0"/>
-                    </a:p>
-                  </a:txBody>
-                  <a:tcPr marL="68580" marR="68580" marT="34290" marB="34290" anchor="ctr"/>
-                </a:tc>
+      <mc:AlternateContent xmlns:mc="http://schemas.openxmlformats.org/markup-compatibility/2006">
+        <mc:Choice xmlns:a14="http://schemas.microsoft.com/office/drawing/2010/main" Requires="a14">
+          <p:sp>
+            <p:nvSpPr>
+              <p:cNvPr id="3" name="Content Placeholder 2">
                 <a:extLst>
-                  <a:ext uri="{0D108BD9-81ED-4DB2-BD59-A6C34878D82A}">
-                    <a16:rowId xmlns:a16="http://schemas.microsoft.com/office/drawing/2014/main" val="374498280"/>
+                  <a:ext uri="{FF2B5EF4-FFF2-40B4-BE49-F238E27FC236}">
+                    <a16:creationId xmlns:a16="http://schemas.microsoft.com/office/drawing/2014/main" xmlns="" id="{98BD5672-C4AA-4742-AA32-4657D8A92FCB}"/>
                   </a:ext>
                 </a:extLst>
-              </a:tr>
-              <a:tr h="303245">
-                <a:tc>
-                  <a:txBody>
-                    <a:bodyPr/>
-                    <a:lstStyle/>
-                    <a:p>
-                      <a:pPr algn="ctr"/>
-                      <a:r>
-                        <a:rPr lang="en-US" sz="1800" dirty="0"/>
-                        <a:t>Pirate rat present</a:t>
-                      </a:r>
-                    </a:p>
-                  </a:txBody>
-                  <a:tcPr marL="68580" marR="68580" marT="34290" marB="34290" anchor="ctr"/>
-                </a:tc>
-                <a:tc>
-                  <a:txBody>
-                    <a:bodyPr/>
-                    <a:lstStyle/>
-                    <a:p>
-                      <a:pPr algn="ctr"/>
-                      <a:r>
-                        <a:rPr lang="en-US" sz="1800" dirty="0"/>
-                        <a:t>1</a:t>
-                      </a:r>
-                    </a:p>
-                  </a:txBody>
-                  <a:tcPr marL="68580" marR="68580" marT="34290" marB="34290" anchor="ctr"/>
-                </a:tc>
-                <a:tc>
-                  <a:txBody>
-                    <a:bodyPr/>
-                    <a:lstStyle/>
-                    <a:p>
-                      <a:pPr algn="ctr"/>
-                      <a:r>
-                        <a:rPr lang="en-US" sz="1800" dirty="0"/>
-                        <a:t>2.7</a:t>
-                      </a:r>
-                    </a:p>
-                  </a:txBody>
-                  <a:tcPr marL="68580" marR="68580" marT="34290" marB="34290" anchor="ctr"/>
-                </a:tc>
-                <a:tc>
-                  <a:txBody>
-                    <a:bodyPr/>
-                    <a:lstStyle/>
-                    <a:p>
-                      <a:pPr algn="ctr"/>
-                      <a:r>
-                        <a:rPr lang="en-US" sz="1800" dirty="0"/>
-                        <a:t>0.73</a:t>
-                      </a:r>
-                    </a:p>
-                  </a:txBody>
-                  <a:tcPr marL="68580" marR="68580" marT="34290" marB="34290" anchor="ctr"/>
-                </a:tc>
+              </p:cNvPr>
+              <p:cNvSpPr>
+                <a:spLocks noGrp="1"/>
+              </p:cNvSpPr>
+              <p:nvPr>
+                <p:ph idx="1"/>
+              </p:nvPr>
+            </p:nvSpPr>
+            <p:spPr>
+              <a:xfrm>
+                <a:off x="631278" y="1123950"/>
+                <a:ext cx="7886700" cy="3394472"/>
+              </a:xfrm>
+            </p:spPr>
+            <p:txBody>
+              <a:bodyPr>
+                <a:normAutofit/>
+              </a:bodyPr>
+              <a:lstStyle/>
+              <a:p>
+                <a:r>
+                  <a:rPr lang="en-US" sz="1800" b="1" dirty="0"/>
+                  <a:t>Logistic regression </a:t>
+                </a:r>
+                <a:r>
+                  <a:rPr lang="en-US" sz="1800" dirty="0"/>
+                  <a:t>is at the heart of survival estimation</a:t>
+                </a:r>
+              </a:p>
+              <a:p>
+                <a:endParaRPr lang="en-US" sz="1800" dirty="0"/>
+              </a:p>
+              <a:p>
+                <a:endParaRPr lang="en-US" sz="1800" dirty="0"/>
+              </a:p>
+              <a:p>
+                <a:endParaRPr lang="en-US" sz="1800" dirty="0"/>
+              </a:p>
+              <a:p>
+                <a:r>
+                  <a:rPr lang="en-US" sz="1800" dirty="0"/>
+                  <a:t>Parameter estimates often back-transformed for </a:t>
+                </a:r>
+                <a:r>
+                  <a:rPr lang="en-US" sz="1800" dirty="0" smtClean="0"/>
+                  <a:t>interpretation</a:t>
+                </a:r>
+              </a:p>
+              <a:p>
+                <a:endParaRPr lang="en-US" sz="1800" dirty="0"/>
+              </a:p>
+              <a:p>
+                <a:r>
+                  <a:rPr lang="en-US" sz="1800" dirty="0" smtClean="0"/>
+                  <a:t>If </a:t>
+                </a:r>
+                <a14:m>
+                  <m:oMath xmlns:m="http://schemas.openxmlformats.org/officeDocument/2006/math">
+                    <m:sSub>
+                      <m:sSubPr>
+                        <m:ctrlPr>
+                          <a:rPr lang="en-US" sz="1800" i="1">
+                            <a:latin typeface="Cambria Math"/>
+                          </a:rPr>
+                        </m:ctrlPr>
+                      </m:sSubPr>
+                      <m:e>
+                        <m:r>
+                          <a:rPr lang="en-US" sz="1800" i="1">
+                            <a:latin typeface="Cambria Math" panose="02040503050406030204" pitchFamily="18" charset="0"/>
+                            <a:ea typeface="Cambria Math" panose="02040503050406030204" pitchFamily="18" charset="0"/>
+                          </a:rPr>
+                          <m:t>𝛽</m:t>
+                        </m:r>
+                      </m:e>
+                      <m:sub>
+                        <m:r>
+                          <a:rPr lang="en-US" sz="1800" i="1">
+                            <a:latin typeface="Cambria Math" panose="02040503050406030204" pitchFamily="18" charset="0"/>
+                          </a:rPr>
+                          <m:t>1</m:t>
+                        </m:r>
+                      </m:sub>
+                    </m:sSub>
+                  </m:oMath>
+                </a14:m>
+                <a:r>
+                  <a:rPr lang="en-US" sz="1800" dirty="0" smtClean="0"/>
+                  <a:t> &gt; 0, then pirate rate presence has a </a:t>
+                </a:r>
+                <a:r>
+                  <a:rPr lang="en-US" sz="1800" b="1" dirty="0" smtClean="0"/>
+                  <a:t>positive</a:t>
+                </a:r>
+                <a:r>
+                  <a:rPr lang="en-US" sz="1800" dirty="0"/>
+                  <a:t> </a:t>
+                </a:r>
+                <a:r>
+                  <a:rPr lang="en-US" sz="1800" dirty="0" smtClean="0"/>
+                  <a:t>effect on survival</a:t>
+                </a:r>
+              </a:p>
+              <a:p>
+                <a:r>
+                  <a:rPr lang="en-US" sz="1800" dirty="0"/>
+                  <a:t>If </a:t>
+                </a:r>
+                <a14:m>
+                  <m:oMath xmlns:m="http://schemas.openxmlformats.org/officeDocument/2006/math">
+                    <m:sSub>
+                      <m:sSubPr>
+                        <m:ctrlPr>
+                          <a:rPr lang="en-US" sz="1800" i="1">
+                            <a:latin typeface="Cambria Math"/>
+                          </a:rPr>
+                        </m:ctrlPr>
+                      </m:sSubPr>
+                      <m:e>
+                        <m:r>
+                          <a:rPr lang="en-US" sz="1800" i="1">
+                            <a:latin typeface="Cambria Math" panose="02040503050406030204" pitchFamily="18" charset="0"/>
+                            <a:ea typeface="Cambria Math" panose="02040503050406030204" pitchFamily="18" charset="0"/>
+                          </a:rPr>
+                          <m:t>𝛽</m:t>
+                        </m:r>
+                      </m:e>
+                      <m:sub>
+                        <m:r>
+                          <a:rPr lang="en-US" sz="1800" i="1">
+                            <a:latin typeface="Cambria Math" panose="02040503050406030204" pitchFamily="18" charset="0"/>
+                          </a:rPr>
+                          <m:t>1</m:t>
+                        </m:r>
+                      </m:sub>
+                    </m:sSub>
+                  </m:oMath>
+                </a14:m>
+                <a:r>
+                  <a:rPr lang="en-US" sz="1800" dirty="0"/>
+                  <a:t> &lt; 0, then pirate rate presence has a </a:t>
+                </a:r>
+                <a:r>
+                  <a:rPr lang="en-US" sz="1800" b="1" dirty="0" smtClean="0"/>
+                  <a:t>negative </a:t>
+                </a:r>
+                <a:r>
+                  <a:rPr lang="en-US" sz="1800" dirty="0" smtClean="0"/>
+                  <a:t>effect </a:t>
+                </a:r>
+                <a:r>
+                  <a:rPr lang="en-US" sz="1800" dirty="0"/>
+                  <a:t>on survival</a:t>
+                </a:r>
+              </a:p>
+              <a:p>
+                <a:endParaRPr lang="en-US" sz="1800" b="1" dirty="0" smtClean="0"/>
+              </a:p>
+              <a:p>
+                <a:endParaRPr lang="en-US" sz="1800" dirty="0"/>
+              </a:p>
+            </p:txBody>
+          </p:sp>
+        </mc:Choice>
+        <mc:Fallback>
+          <p:sp>
+            <p:nvSpPr>
+              <p:cNvPr id="3" name="Content Placeholder 2">
                 <a:extLst>
-                  <a:ext uri="{0D108BD9-81ED-4DB2-BD59-A6C34878D82A}">
-                    <a16:rowId xmlns:a16="http://schemas.microsoft.com/office/drawing/2014/main" val="1460076334"/>
+                  <a:ext uri="{FF2B5EF4-FFF2-40B4-BE49-F238E27FC236}">
+                    <a16:creationId xmlns:a16="http://schemas.microsoft.com/office/drawing/2014/main" xmlns="" id="{98BD5672-C4AA-4742-AA32-4657D8A92FCB}"/>
                   </a:ext>
                 </a:extLst>
-              </a:tr>
-              <a:tr h="303245">
-                <a:tc>
-                  <a:txBody>
-                    <a:bodyPr/>
-                    <a:lstStyle/>
-                    <a:p>
-                      <a:pPr algn="ctr"/>
-                      <a:r>
-                        <a:rPr lang="en-US" sz="1800" dirty="0"/>
-                        <a:t>Pirate rat absent</a:t>
-                      </a:r>
-                    </a:p>
-                  </a:txBody>
-                  <a:tcPr marL="68580" marR="68580" marT="34290" marB="34290" anchor="ctr"/>
-                </a:tc>
-                <a:tc>
-                  <a:txBody>
-                    <a:bodyPr/>
-                    <a:lstStyle/>
-                    <a:p>
-                      <a:pPr algn="ctr"/>
-                      <a:r>
-                        <a:rPr lang="en-US" sz="1800" dirty="0"/>
-                        <a:t>2.1</a:t>
-                      </a:r>
-                    </a:p>
-                  </a:txBody>
-                  <a:tcPr marL="68580" marR="68580" marT="34290" marB="34290" anchor="ctr"/>
-                </a:tc>
-                <a:tc>
-                  <a:txBody>
-                    <a:bodyPr/>
-                    <a:lstStyle/>
-                    <a:p>
-                      <a:pPr algn="ctr"/>
-                      <a:r>
-                        <a:rPr lang="en-US" sz="1800" dirty="0"/>
-                        <a:t>8.2</a:t>
-                      </a:r>
-                    </a:p>
-                  </a:txBody>
-                  <a:tcPr marL="68580" marR="68580" marT="34290" marB="34290" anchor="ctr"/>
-                </a:tc>
-                <a:tc>
-                  <a:txBody>
-                    <a:bodyPr/>
-                    <a:lstStyle/>
-                    <a:p>
-                      <a:pPr algn="ctr"/>
-                      <a:r>
-                        <a:rPr lang="en-US" sz="1800" dirty="0"/>
-                        <a:t>0.96</a:t>
-                      </a:r>
-                    </a:p>
-                  </a:txBody>
-                  <a:tcPr marL="68580" marR="68580" marT="34290" marB="34290" anchor="ctr"/>
-                </a:tc>
-                <a:extLst>
-                  <a:ext uri="{0D108BD9-81ED-4DB2-BD59-A6C34878D82A}">
-                    <a16:rowId xmlns:a16="http://schemas.microsoft.com/office/drawing/2014/main" val="711840075"/>
-                  </a:ext>
-                </a:extLst>
-              </a:tr>
-            </a:tbl>
-          </a:graphicData>
-        </a:graphic>
-      </p:graphicFrame>
-      <mc:AlternateContent xmlns:mc="http://schemas.openxmlformats.org/markup-compatibility/2006">
-        <mc:Choice xmlns:a14="http://schemas.microsoft.com/office/drawing/2010/main" Requires="a14">
+              </p:cNvPr>
+              <p:cNvSpPr>
+                <a:spLocks noGrp="1" noRot="1" noChangeAspect="1" noMove="1" noResize="1" noEditPoints="1" noAdjustHandles="1" noChangeArrowheads="1" noChangeShapeType="1" noTextEdit="1"/>
+              </p:cNvSpPr>
+              <p:nvPr>
+                <p:ph idx="1"/>
+              </p:nvPr>
+            </p:nvSpPr>
+            <p:spPr>
+              <a:xfrm>
+                <a:off x="631278" y="1123950"/>
+                <a:ext cx="7886700" cy="3394472"/>
+              </a:xfrm>
+              <a:blipFill rotWithShape="1">
+                <a:blip r:embed="rId2"/>
+                <a:stretch>
+                  <a:fillRect l="-851" t="-1795"/>
+                </a:stretch>
+              </a:blipFill>
+            </p:spPr>
+            <p:txBody>
+              <a:bodyPr/>
+              <a:lstStyle/>
+              <a:p>
+                <a:r>
+                  <a:rPr lang="en-US">
+                    <a:noFill/>
+                  </a:rPr>
+                  <a:t> </a:t>
+                </a:r>
+              </a:p>
+            </p:txBody>
+          </p:sp>
+        </mc:Fallback>
+      </mc:AlternateContent>
+      <mc:AlternateContent xmlns:mc="http://schemas.openxmlformats.org/markup-compatibility/2006" xmlns:a14="http://schemas.microsoft.com/office/drawing/2010/main">
+        <mc:Choice Requires="a14">
           <p:sp>
             <p:nvSpPr>
               <p:cNvPr id="5" name="TextBox 4">
                 <a:extLst>
                   <a:ext uri="{FF2B5EF4-FFF2-40B4-BE49-F238E27FC236}">
-                    <a16:creationId xmlns:a16="http://schemas.microsoft.com/office/drawing/2014/main" id="{3EEE364F-D349-40F4-A1CD-84C489AA837F}"/>
+                    <a16:creationId xmlns:a16="http://schemas.microsoft.com/office/drawing/2014/main" xmlns="" id="{3EEE364F-D349-40F4-A1CD-84C489AA837F}"/>
                   </a:ext>
                 </a:extLst>
               </p:cNvPr>
@@ -21895,7 +22013,7 @@
                         <m:dPr>
                           <m:ctrlPr>
                             <a:rPr lang="en-US" sz="2100" i="1">
-                              <a:latin typeface="Cambria Math" panose="02040503050406030204" pitchFamily="18" charset="0"/>
+                              <a:latin typeface="Cambria Math"/>
                             </a:rPr>
                           </m:ctrlPr>
                         </m:dPr>
@@ -21918,7 +22036,7 @@
                         <m:sSubPr>
                           <m:ctrlPr>
                             <a:rPr lang="en-US" sz="2100" i="1">
-                              <a:latin typeface="Cambria Math" panose="02040503050406030204" pitchFamily="18" charset="0"/>
+                              <a:latin typeface="Cambria Math"/>
                             </a:rPr>
                           </m:ctrlPr>
                         </m:sSubPr>
@@ -21950,7 +22068,7 @@
                         <m:sSubPr>
                           <m:ctrlPr>
                             <a:rPr lang="en-US" sz="2100" i="1">
-                              <a:latin typeface="Cambria Math" panose="02040503050406030204" pitchFamily="18" charset="0"/>
+                              <a:latin typeface="Cambria Math"/>
                             </a:rPr>
                           </m:ctrlPr>
                         </m:sSubPr>
@@ -22016,7 +22134,7 @@
             </p:txBody>
           </p:sp>
         </mc:Choice>
-        <mc:Fallback>
+        <mc:Fallback xmlns="">
           <p:sp>
             <p:nvSpPr>
               <p:cNvPr id="5" name="TextBox 4">
@@ -22040,7 +22158,7 @@
                 <a:avLst/>
               </a:prstGeom>
               <a:blipFill>
-                <a:blip r:embed="rId2"/>
+                <a:blip r:embed="rId3"/>
                 <a:stretch>
                   <a:fillRect l="-1382" r="-754" b="-33962"/>
                 </a:stretch>
@@ -22066,7 +22184,7 @@
           <p:cNvPr id="6" name="Picture 5">
             <a:extLst>
               <a:ext uri="{FF2B5EF4-FFF2-40B4-BE49-F238E27FC236}">
-                <a16:creationId xmlns:a16="http://schemas.microsoft.com/office/drawing/2014/main" id="{69678C4E-E39A-431D-ACBB-345140D77567}"/>
+                <a16:creationId xmlns:a16="http://schemas.microsoft.com/office/drawing/2014/main" xmlns="" id="{69678C4E-E39A-431D-ACBB-345140D77567}"/>
               </a:ext>
             </a:extLst>
           </p:cNvPr>
@@ -22076,7 +22194,7 @@
           <p:nvPr/>
         </p:nvPicPr>
         <p:blipFill>
-          <a:blip r:embed="rId3"/>
+          <a:blip r:embed="rId4"/>
           <a:stretch>
             <a:fillRect/>
           </a:stretch>
@@ -22096,7 +22214,7 @@
           <p:cNvPr id="8" name="Picture 7">
             <a:extLst>
               <a:ext uri="{FF2B5EF4-FFF2-40B4-BE49-F238E27FC236}">
-                <a16:creationId xmlns:a16="http://schemas.microsoft.com/office/drawing/2014/main" id="{896BB1D4-DBAB-4412-818A-AE4D4BBB7086}"/>
+                <a16:creationId xmlns:a16="http://schemas.microsoft.com/office/drawing/2014/main" xmlns="" id="{896BB1D4-DBAB-4412-818A-AE4D4BBB7086}"/>
               </a:ext>
             </a:extLst>
           </p:cNvPr>
@@ -22106,14 +22224,14 @@
           <p:nvPr/>
         </p:nvPicPr>
         <p:blipFill>
-          <a:blip r:embed="rId4"/>
+          <a:blip r:embed="rId5"/>
           <a:stretch>
             <a:fillRect/>
           </a:stretch>
         </p:blipFill>
         <p:spPr>
           <a:xfrm>
-            <a:off x="7013852" y="2309374"/>
+            <a:off x="7144776" y="2290324"/>
             <a:ext cx="1824037" cy="2013034"/>
           </a:xfrm>
           <a:prstGeom prst="rect">
@@ -22265,7 +22383,7 @@
                                         <p:tgtEl>
                                           <p:spTgt spid="3">
                                             <p:txEl>
-                                              <p:pRg st="5" end="5"/>
+                                              <p:pRg st="6" end="6"/>
                                             </p:txEl>
                                           </p:spTgt>
                                         </p:tgtEl>
@@ -22299,7 +22417,7 @@
                             </p:stCondLst>
                             <p:childTnLst>
                               <p:par>
-                                <p:cTn id="17" presetID="1" presetClass="entr" presetSubtype="0" fill="hold" nodeType="clickEffect">
+                                <p:cTn id="17" presetID="1" presetClass="entr" presetSubtype="0" fill="hold" grpId="0" nodeType="clickEffect">
                                   <p:stCondLst>
                                     <p:cond delay="0"/>
                                   </p:stCondLst>
@@ -22312,7 +22430,11 @@
                                           </p:stCondLst>
                                         </p:cTn>
                                         <p:tgtEl>
-                                          <p:spTgt spid="4"/>
+                                          <p:spTgt spid="3">
+                                            <p:txEl>
+                                              <p:pRg st="7" end="7"/>
+                                            </p:txEl>
+                                          </p:spTgt>
                                         </p:tgtEl>
                                         <p:attrNameLst>
                                           <p:attrName>style.visibility</p:attrName>
@@ -22360,7 +22482,7 @@
 </file>
 
 <file path=ppt/slides/slide9.xml><?xml version="1.0" encoding="utf-8"?>
-<p:sld xmlns:a="http://schemas.openxmlformats.org/drawingml/2006/main" xmlns:r="http://schemas.openxmlformats.org/officeDocument/2006/relationships" xmlns:p="http://schemas.openxmlformats.org/presentationml/2006/main">
+<p:sld xmlns:a="http://schemas.openxmlformats.org/drawingml/2006/main" xmlns:r="http://schemas.openxmlformats.org/officeDocument/2006/relationships" xmlns:p="http://schemas.openxmlformats.org/presentationml/2006/main" show="0">
   <p:cSld>
     <p:spTree>
       <p:nvGrpSpPr>
@@ -22683,6 +22805,14 @@
   <p:clrMapOvr>
     <a:masterClrMapping/>
   </p:clrMapOvr>
+  <mc:AlternateContent xmlns:mc="http://schemas.openxmlformats.org/markup-compatibility/2006">
+    <mc:Choice xmlns:p14="http://schemas.microsoft.com/office/powerpoint/2010/main" Requires="p14">
+      <p:transition spd="slow" p14:dur="2000"/>
+    </mc:Choice>
+    <mc:Fallback>
+      <p:transition spd="slow"/>
+    </mc:Fallback>
+  </mc:AlternateContent>
 </p:sld>
 </file>
 
@@ -22975,7 +23105,7 @@
   <a:extraClrSchemeLst/>
   <a:extLst>
     <a:ext uri="{05A4C25C-085E-4340-85A3-A5531E510DB2}">
-      <thm15:themeFamily xmlns:thm15="http://schemas.microsoft.com/office/thememl/2012/main" name="Presentation1" id="{A72458EE-BFF9-468A-8464-DFD913327021}" vid="{7EB1F43D-0D6C-4939-8000-7D7E4F656E14}"/>
+      <thm15:themeFamily xmlns:thm15="http://schemas.microsoft.com/office/thememl/2012/main" xmlns="" name="Presentation1" id="{A72458EE-BFF9-468A-8464-DFD913327021}" vid="{7EB1F43D-0D6C-4939-8000-7D7E4F656E14}"/>
     </a:ext>
   </a:extLst>
 </a:theme>

--- a/static/lectures/SSA_Lecture5_DemoData.pptx
+++ b/static/lectures/SSA_Lecture5_DemoData.pptx
@@ -132,7 +132,7 @@
   </p:defaultTextStyle>
   <p:extLst>
     <p:ext uri="{EFAFB233-063F-42B5-8137-9DF3F51BA10A}">
-      <p15:sldGuideLst xmlns:p15="http://schemas.microsoft.com/office/powerpoint/2012/main" xmlns="">
+      <p15:sldGuideLst xmlns="" xmlns:p15="http://schemas.microsoft.com/office/powerpoint/2012/main">
         <p15:guide id="1" orient="horz" pos="1620">
           <p15:clr>
             <a:srgbClr val="A4A3A4"/>
@@ -231,7 +231,7 @@
           <a:p>
             <a:fld id="{05B76329-9BDE-43DA-A433-FD89407A2D9A}" type="datetimeFigureOut">
               <a:rPr lang="en-US" smtClean="0"/>
-              <a:t>11/18/2018</a:t>
+              <a:t>12/7/2018</a:t>
             </a:fld>
             <a:endParaRPr lang="en-US"/>
           </a:p>
@@ -1155,7 +1155,7 @@
           <p:cNvPr id="2" name="Title 1">
             <a:extLst>
               <a:ext uri="{FF2B5EF4-FFF2-40B4-BE49-F238E27FC236}">
-                <a16:creationId xmlns:a16="http://schemas.microsoft.com/office/drawing/2014/main" xmlns="" id="{F6BEE4D0-2948-4D8B-A6B0-A27F98C5260C}"/>
+                <a16:creationId xmlns="" xmlns:a16="http://schemas.microsoft.com/office/drawing/2014/main" id="{F6BEE4D0-2948-4D8B-A6B0-A27F98C5260C}"/>
               </a:ext>
             </a:extLst>
           </p:cNvPr>
@@ -1193,7 +1193,7 @@
           <p:cNvPr id="3" name="Subtitle 2">
             <a:extLst>
               <a:ext uri="{FF2B5EF4-FFF2-40B4-BE49-F238E27FC236}">
-                <a16:creationId xmlns:a16="http://schemas.microsoft.com/office/drawing/2014/main" xmlns="" id="{7F1F3275-E82E-484B-AF27-5650288E8ED2}"/>
+                <a16:creationId xmlns="" xmlns:a16="http://schemas.microsoft.com/office/drawing/2014/main" id="{7F1F3275-E82E-484B-AF27-5650288E8ED2}"/>
               </a:ext>
             </a:extLst>
           </p:cNvPr>
@@ -1266,7 +1266,7 @@
           <p:cNvPr id="9" name="Group 8">
             <a:extLst>
               <a:ext uri="{FF2B5EF4-FFF2-40B4-BE49-F238E27FC236}">
-                <a16:creationId xmlns:a16="http://schemas.microsoft.com/office/drawing/2014/main" xmlns="" id="{D86187BD-A9A7-4B3D-8F2C-B91567B9C326}"/>
+                <a16:creationId xmlns="" xmlns:a16="http://schemas.microsoft.com/office/drawing/2014/main" id="{D86187BD-A9A7-4B3D-8F2C-B91567B9C326}"/>
               </a:ext>
             </a:extLst>
           </p:cNvPr>
@@ -1286,7 +1286,7 @@
             <p:cNvPr id="7" name="Picture 6">
               <a:extLst>
                 <a:ext uri="{FF2B5EF4-FFF2-40B4-BE49-F238E27FC236}">
-                  <a16:creationId xmlns:a16="http://schemas.microsoft.com/office/drawing/2014/main" xmlns="" id="{0A3E5B43-8C12-4719-87CA-7E757457C225}"/>
+                  <a16:creationId xmlns="" xmlns:a16="http://schemas.microsoft.com/office/drawing/2014/main" id="{0A3E5B43-8C12-4719-87CA-7E757457C225}"/>
                 </a:ext>
               </a:extLst>
             </p:cNvPr>
@@ -1322,7 +1322,7 @@
             <p:cNvPr id="8" name="Picture 7">
               <a:extLst>
                 <a:ext uri="{FF2B5EF4-FFF2-40B4-BE49-F238E27FC236}">
-                  <a16:creationId xmlns:a16="http://schemas.microsoft.com/office/drawing/2014/main" xmlns="" id="{D1FEADCA-1EA9-45D5-8DD0-F4B44D8E1151}"/>
+                  <a16:creationId xmlns="" xmlns:a16="http://schemas.microsoft.com/office/drawing/2014/main" id="{D1FEADCA-1EA9-45D5-8DD0-F4B44D8E1151}"/>
                 </a:ext>
               </a:extLst>
             </p:cNvPr>
@@ -1389,7 +1389,7 @@
           <p:cNvPr id="2" name="Title 1">
             <a:extLst>
               <a:ext uri="{FF2B5EF4-FFF2-40B4-BE49-F238E27FC236}">
-                <a16:creationId xmlns:a16="http://schemas.microsoft.com/office/drawing/2014/main" xmlns="" id="{494522C5-0666-4DB7-83CE-5B6CB4D1CF9A}"/>
+                <a16:creationId xmlns="" xmlns:a16="http://schemas.microsoft.com/office/drawing/2014/main" id="{494522C5-0666-4DB7-83CE-5B6CB4D1CF9A}"/>
               </a:ext>
             </a:extLst>
           </p:cNvPr>
@@ -1417,7 +1417,7 @@
           <p:cNvPr id="3" name="Vertical Text Placeholder 2">
             <a:extLst>
               <a:ext uri="{FF2B5EF4-FFF2-40B4-BE49-F238E27FC236}">
-                <a16:creationId xmlns:a16="http://schemas.microsoft.com/office/drawing/2014/main" xmlns="" id="{2C129D95-7B38-4744-A706-F3D434E89EF7}"/>
+                <a16:creationId xmlns="" xmlns:a16="http://schemas.microsoft.com/office/drawing/2014/main" id="{2C129D95-7B38-4744-A706-F3D434E89EF7}"/>
               </a:ext>
             </a:extLst>
           </p:cNvPr>
@@ -1474,7 +1474,7 @@
           <p:cNvPr id="4" name="Date Placeholder 3">
             <a:extLst>
               <a:ext uri="{FF2B5EF4-FFF2-40B4-BE49-F238E27FC236}">
-                <a16:creationId xmlns:a16="http://schemas.microsoft.com/office/drawing/2014/main" xmlns="" id="{ADC97E7D-72AD-48B7-ABA5-B20ABBFBD7C7}"/>
+                <a16:creationId xmlns="" xmlns:a16="http://schemas.microsoft.com/office/drawing/2014/main" id="{ADC97E7D-72AD-48B7-ABA5-B20ABBFBD7C7}"/>
               </a:ext>
             </a:extLst>
           </p:cNvPr>
@@ -1500,7 +1500,7 @@
           <a:p>
             <a:fld id="{DC01BBA9-561A-4EFE-A06C-26F8206AAA61}" type="datetimeFigureOut">
               <a:rPr lang="en-US" smtClean="0"/>
-              <a:t>11/18/2018</a:t>
+              <a:t>12/7/2018</a:t>
             </a:fld>
             <a:endParaRPr lang="en-US"/>
           </a:p>
@@ -1511,7 +1511,7 @@
           <p:cNvPr id="5" name="Footer Placeholder 4">
             <a:extLst>
               <a:ext uri="{FF2B5EF4-FFF2-40B4-BE49-F238E27FC236}">
-                <a16:creationId xmlns:a16="http://schemas.microsoft.com/office/drawing/2014/main" xmlns="" id="{796783C9-D241-4646-AA69-5AFF6519F7EB}"/>
+                <a16:creationId xmlns="" xmlns:a16="http://schemas.microsoft.com/office/drawing/2014/main" id="{796783C9-D241-4646-AA69-5AFF6519F7EB}"/>
               </a:ext>
             </a:extLst>
           </p:cNvPr>
@@ -1536,7 +1536,7 @@
           <p:cNvPr id="6" name="Slide Number Placeholder 5">
             <a:extLst>
               <a:ext uri="{FF2B5EF4-FFF2-40B4-BE49-F238E27FC236}">
-                <a16:creationId xmlns:a16="http://schemas.microsoft.com/office/drawing/2014/main" xmlns="" id="{0ABA8567-0C73-4EE1-85D6-11E997D3CA11}"/>
+                <a16:creationId xmlns="" xmlns:a16="http://schemas.microsoft.com/office/drawing/2014/main" id="{0ABA8567-0C73-4EE1-85D6-11E997D3CA11}"/>
               </a:ext>
             </a:extLst>
           </p:cNvPr>
@@ -1603,7 +1603,7 @@
           <p:cNvPr id="2" name="Vertical Title 1">
             <a:extLst>
               <a:ext uri="{FF2B5EF4-FFF2-40B4-BE49-F238E27FC236}">
-                <a16:creationId xmlns:a16="http://schemas.microsoft.com/office/drawing/2014/main" xmlns="" id="{C034C754-EBB8-4F31-83B1-76F65241CF42}"/>
+                <a16:creationId xmlns="" xmlns:a16="http://schemas.microsoft.com/office/drawing/2014/main" id="{C034C754-EBB8-4F31-83B1-76F65241CF42}"/>
               </a:ext>
             </a:extLst>
           </p:cNvPr>
@@ -1636,7 +1636,7 @@
           <p:cNvPr id="3" name="Vertical Text Placeholder 2">
             <a:extLst>
               <a:ext uri="{FF2B5EF4-FFF2-40B4-BE49-F238E27FC236}">
-                <a16:creationId xmlns:a16="http://schemas.microsoft.com/office/drawing/2014/main" xmlns="" id="{F0C526F1-1446-4F44-BC5F-884564219E21}"/>
+                <a16:creationId xmlns="" xmlns:a16="http://schemas.microsoft.com/office/drawing/2014/main" id="{F0C526F1-1446-4F44-BC5F-884564219E21}"/>
               </a:ext>
             </a:extLst>
           </p:cNvPr>
@@ -1698,7 +1698,7 @@
           <p:cNvPr id="4" name="Date Placeholder 3">
             <a:extLst>
               <a:ext uri="{FF2B5EF4-FFF2-40B4-BE49-F238E27FC236}">
-                <a16:creationId xmlns:a16="http://schemas.microsoft.com/office/drawing/2014/main" xmlns="" id="{1DAB0D6A-501E-4400-90AE-40AD173EACB5}"/>
+                <a16:creationId xmlns="" xmlns:a16="http://schemas.microsoft.com/office/drawing/2014/main" id="{1DAB0D6A-501E-4400-90AE-40AD173EACB5}"/>
               </a:ext>
             </a:extLst>
           </p:cNvPr>
@@ -1724,7 +1724,7 @@
           <a:p>
             <a:fld id="{DC01BBA9-561A-4EFE-A06C-26F8206AAA61}" type="datetimeFigureOut">
               <a:rPr lang="en-US" smtClean="0"/>
-              <a:t>11/18/2018</a:t>
+              <a:t>12/7/2018</a:t>
             </a:fld>
             <a:endParaRPr lang="en-US"/>
           </a:p>
@@ -1735,7 +1735,7 @@
           <p:cNvPr id="5" name="Footer Placeholder 4">
             <a:extLst>
               <a:ext uri="{FF2B5EF4-FFF2-40B4-BE49-F238E27FC236}">
-                <a16:creationId xmlns:a16="http://schemas.microsoft.com/office/drawing/2014/main" xmlns="" id="{76F1E445-1BC8-4794-9C96-36BEAF0741B6}"/>
+                <a16:creationId xmlns="" xmlns:a16="http://schemas.microsoft.com/office/drawing/2014/main" id="{76F1E445-1BC8-4794-9C96-36BEAF0741B6}"/>
               </a:ext>
             </a:extLst>
           </p:cNvPr>
@@ -1760,7 +1760,7 @@
           <p:cNvPr id="6" name="Slide Number Placeholder 5">
             <a:extLst>
               <a:ext uri="{FF2B5EF4-FFF2-40B4-BE49-F238E27FC236}">
-                <a16:creationId xmlns:a16="http://schemas.microsoft.com/office/drawing/2014/main" xmlns="" id="{D28A5DE7-2691-4958-B071-BAF6637CA8BE}"/>
+                <a16:creationId xmlns="" xmlns:a16="http://schemas.microsoft.com/office/drawing/2014/main" id="{D28A5DE7-2691-4958-B071-BAF6637CA8BE}"/>
               </a:ext>
             </a:extLst>
           </p:cNvPr>
@@ -1984,7 +1984,7 @@
           <a:p>
             <a:fld id="{589E5873-CF7F-45F3-B283-E59B1D6F242C}" type="datetimeFigureOut">
               <a:rPr lang="en-US" smtClean="0"/>
-              <a:t>11/18/2018</a:t>
+              <a:t>12/7/2018</a:t>
             </a:fld>
             <a:endParaRPr lang="en-US"/>
           </a:p>
@@ -2152,7 +2152,7 @@
           <a:p>
             <a:fld id="{589E5873-CF7F-45F3-B283-E59B1D6F242C}" type="datetimeFigureOut">
               <a:rPr lang="en-US" smtClean="0"/>
-              <a:t>11/18/2018</a:t>
+              <a:t>12/7/2018</a:t>
             </a:fld>
             <a:endParaRPr lang="en-US"/>
           </a:p>
@@ -2397,7 +2397,7 @@
           <a:p>
             <a:fld id="{589E5873-CF7F-45F3-B283-E59B1D6F242C}" type="datetimeFigureOut">
               <a:rPr lang="en-US" smtClean="0"/>
-              <a:t>11/18/2018</a:t>
+              <a:t>12/7/2018</a:t>
             </a:fld>
             <a:endParaRPr lang="en-US"/>
           </a:p>
@@ -2682,7 +2682,7 @@
           <a:p>
             <a:fld id="{589E5873-CF7F-45F3-B283-E59B1D6F242C}" type="datetimeFigureOut">
               <a:rPr lang="en-US" smtClean="0"/>
-              <a:t>11/18/2018</a:t>
+              <a:t>12/7/2018</a:t>
             </a:fld>
             <a:endParaRPr lang="en-US"/>
           </a:p>
@@ -3101,7 +3101,7 @@
           <a:p>
             <a:fld id="{589E5873-CF7F-45F3-B283-E59B1D6F242C}" type="datetimeFigureOut">
               <a:rPr lang="en-US" smtClean="0"/>
-              <a:t>11/18/2018</a:t>
+              <a:t>12/7/2018</a:t>
             </a:fld>
             <a:endParaRPr lang="en-US"/>
           </a:p>
@@ -3218,7 +3218,7 @@
           <a:p>
             <a:fld id="{589E5873-CF7F-45F3-B283-E59B1D6F242C}" type="datetimeFigureOut">
               <a:rPr lang="en-US" smtClean="0"/>
-              <a:t>11/18/2018</a:t>
+              <a:t>12/7/2018</a:t>
             </a:fld>
             <a:endParaRPr lang="en-US"/>
           </a:p>
@@ -3313,7 +3313,7 @@
           <a:p>
             <a:fld id="{589E5873-CF7F-45F3-B283-E59B1D6F242C}" type="datetimeFigureOut">
               <a:rPr lang="en-US" smtClean="0"/>
-              <a:t>11/18/2018</a:t>
+              <a:t>12/7/2018</a:t>
             </a:fld>
             <a:endParaRPr lang="en-US"/>
           </a:p>
@@ -3588,7 +3588,7 @@
           <a:p>
             <a:fld id="{589E5873-CF7F-45F3-B283-E59B1D6F242C}" type="datetimeFigureOut">
               <a:rPr lang="en-US" smtClean="0"/>
-              <a:t>11/18/2018</a:t>
+              <a:t>12/7/2018</a:t>
             </a:fld>
             <a:endParaRPr lang="en-US"/>
           </a:p>
@@ -3671,7 +3671,7 @@
           <p:cNvPr id="2" name="Title 1">
             <a:extLst>
               <a:ext uri="{FF2B5EF4-FFF2-40B4-BE49-F238E27FC236}">
-                <a16:creationId xmlns:a16="http://schemas.microsoft.com/office/drawing/2014/main" xmlns="" id="{6C17425C-18D3-491A-B44C-33310DF00363}"/>
+                <a16:creationId xmlns="" xmlns:a16="http://schemas.microsoft.com/office/drawing/2014/main" id="{6C17425C-18D3-491A-B44C-33310DF00363}"/>
               </a:ext>
             </a:extLst>
           </p:cNvPr>
@@ -3700,7 +3700,7 @@
           <p:cNvPr id="3" name="Content Placeholder 2">
             <a:extLst>
               <a:ext uri="{FF2B5EF4-FFF2-40B4-BE49-F238E27FC236}">
-                <a16:creationId xmlns:a16="http://schemas.microsoft.com/office/drawing/2014/main" xmlns="" id="{690EA820-1375-49CA-A199-58675EA20385}"/>
+                <a16:creationId xmlns="" xmlns:a16="http://schemas.microsoft.com/office/drawing/2014/main" id="{690EA820-1375-49CA-A199-58675EA20385}"/>
               </a:ext>
             </a:extLst>
           </p:cNvPr>
@@ -3769,7 +3769,7 @@
           <p:cNvPr id="5" name="Footer Placeholder 4">
             <a:extLst>
               <a:ext uri="{FF2B5EF4-FFF2-40B4-BE49-F238E27FC236}">
-                <a16:creationId xmlns:a16="http://schemas.microsoft.com/office/drawing/2014/main" xmlns="" id="{2E02902E-6772-48E0-9C32-694AC3F38F05}"/>
+                <a16:creationId xmlns="" xmlns:a16="http://schemas.microsoft.com/office/drawing/2014/main" id="{2E02902E-6772-48E0-9C32-694AC3F38F05}"/>
               </a:ext>
             </a:extLst>
           </p:cNvPr>
@@ -3794,7 +3794,7 @@
           <p:cNvPr id="7" name="Group 6">
             <a:extLst>
               <a:ext uri="{FF2B5EF4-FFF2-40B4-BE49-F238E27FC236}">
-                <a16:creationId xmlns:a16="http://schemas.microsoft.com/office/drawing/2014/main" xmlns="" id="{298F834E-EBF3-46CA-A2EC-73D50440B60A}"/>
+                <a16:creationId xmlns="" xmlns:a16="http://schemas.microsoft.com/office/drawing/2014/main" id="{298F834E-EBF3-46CA-A2EC-73D50440B60A}"/>
               </a:ext>
             </a:extLst>
           </p:cNvPr>
@@ -3814,7 +3814,7 @@
             <p:cNvPr id="8" name="Picture 7">
               <a:extLst>
                 <a:ext uri="{FF2B5EF4-FFF2-40B4-BE49-F238E27FC236}">
-                  <a16:creationId xmlns:a16="http://schemas.microsoft.com/office/drawing/2014/main" xmlns="" id="{EB3E9659-0155-4ABB-9E67-A5BD8C5D39FB}"/>
+                  <a16:creationId xmlns="" xmlns:a16="http://schemas.microsoft.com/office/drawing/2014/main" id="{EB3E9659-0155-4ABB-9E67-A5BD8C5D39FB}"/>
                 </a:ext>
               </a:extLst>
             </p:cNvPr>
@@ -3850,7 +3850,7 @@
             <p:cNvPr id="9" name="Picture 8">
               <a:extLst>
                 <a:ext uri="{FF2B5EF4-FFF2-40B4-BE49-F238E27FC236}">
-                  <a16:creationId xmlns:a16="http://schemas.microsoft.com/office/drawing/2014/main" xmlns="" id="{1798BE8B-8B5E-4738-8DF7-8EF166351FDC}"/>
+                  <a16:creationId xmlns="" xmlns:a16="http://schemas.microsoft.com/office/drawing/2014/main" id="{1798BE8B-8B5E-4738-8DF7-8EF166351FDC}"/>
                 </a:ext>
               </a:extLst>
             </p:cNvPr>
@@ -4089,7 +4089,7 @@
           <a:p>
             <a:fld id="{589E5873-CF7F-45F3-B283-E59B1D6F242C}" type="datetimeFigureOut">
               <a:rPr lang="en-US" smtClean="0"/>
-              <a:t>11/18/2018</a:t>
+              <a:t>12/7/2018</a:t>
             </a:fld>
             <a:endParaRPr lang="en-US"/>
           </a:p>
@@ -4257,7 +4257,7 @@
           <a:p>
             <a:fld id="{589E5873-CF7F-45F3-B283-E59B1D6F242C}" type="datetimeFigureOut">
               <a:rPr lang="en-US" smtClean="0"/>
-              <a:t>11/18/2018</a:t>
+              <a:t>12/7/2018</a:t>
             </a:fld>
             <a:endParaRPr lang="en-US"/>
           </a:p>
@@ -4435,7 +4435,7 @@
           <a:p>
             <a:fld id="{589E5873-CF7F-45F3-B283-E59B1D6F242C}" type="datetimeFigureOut">
               <a:rPr lang="en-US" smtClean="0"/>
-              <a:t>11/18/2018</a:t>
+              <a:t>12/7/2018</a:t>
             </a:fld>
             <a:endParaRPr lang="en-US"/>
           </a:p>
@@ -4518,7 +4518,7 @@
           <p:cNvPr id="2" name="Title 1">
             <a:extLst>
               <a:ext uri="{FF2B5EF4-FFF2-40B4-BE49-F238E27FC236}">
-                <a16:creationId xmlns:a16="http://schemas.microsoft.com/office/drawing/2014/main" xmlns="" id="{185726EC-5590-4B3F-8B93-87BF6D6E2685}"/>
+                <a16:creationId xmlns="" xmlns:a16="http://schemas.microsoft.com/office/drawing/2014/main" id="{185726EC-5590-4B3F-8B93-87BF6D6E2685}"/>
               </a:ext>
             </a:extLst>
           </p:cNvPr>
@@ -4555,7 +4555,7 @@
           <p:cNvPr id="3" name="Text Placeholder 2">
             <a:extLst>
               <a:ext uri="{FF2B5EF4-FFF2-40B4-BE49-F238E27FC236}">
-                <a16:creationId xmlns:a16="http://schemas.microsoft.com/office/drawing/2014/main" xmlns="" id="{702BC31A-AFD3-475B-8FD8-2A3385AB9343}"/>
+                <a16:creationId xmlns="" xmlns:a16="http://schemas.microsoft.com/office/drawing/2014/main" id="{702BC31A-AFD3-475B-8FD8-2A3385AB9343}"/>
               </a:ext>
             </a:extLst>
           </p:cNvPr>
@@ -4680,7 +4680,7 @@
           <p:cNvPr id="4" name="Date Placeholder 3">
             <a:extLst>
               <a:ext uri="{FF2B5EF4-FFF2-40B4-BE49-F238E27FC236}">
-                <a16:creationId xmlns:a16="http://schemas.microsoft.com/office/drawing/2014/main" xmlns="" id="{C34470BF-A87D-49C2-A87F-81CA950634A0}"/>
+                <a16:creationId xmlns="" xmlns:a16="http://schemas.microsoft.com/office/drawing/2014/main" id="{C34470BF-A87D-49C2-A87F-81CA950634A0}"/>
               </a:ext>
             </a:extLst>
           </p:cNvPr>
@@ -4706,7 +4706,7 @@
           <a:p>
             <a:fld id="{DC01BBA9-561A-4EFE-A06C-26F8206AAA61}" type="datetimeFigureOut">
               <a:rPr lang="en-US" smtClean="0"/>
-              <a:t>11/18/2018</a:t>
+              <a:t>12/7/2018</a:t>
             </a:fld>
             <a:endParaRPr lang="en-US"/>
           </a:p>
@@ -4717,7 +4717,7 @@
           <p:cNvPr id="5" name="Footer Placeholder 4">
             <a:extLst>
               <a:ext uri="{FF2B5EF4-FFF2-40B4-BE49-F238E27FC236}">
-                <a16:creationId xmlns:a16="http://schemas.microsoft.com/office/drawing/2014/main" xmlns="" id="{FA92D832-4BA1-436E-9216-19CE6A5C0BFE}"/>
+                <a16:creationId xmlns="" xmlns:a16="http://schemas.microsoft.com/office/drawing/2014/main" id="{FA92D832-4BA1-436E-9216-19CE6A5C0BFE}"/>
               </a:ext>
             </a:extLst>
           </p:cNvPr>
@@ -4742,7 +4742,7 @@
           <p:cNvPr id="6" name="Slide Number Placeholder 5">
             <a:extLst>
               <a:ext uri="{FF2B5EF4-FFF2-40B4-BE49-F238E27FC236}">
-                <a16:creationId xmlns:a16="http://schemas.microsoft.com/office/drawing/2014/main" xmlns="" id="{F05B968E-A11B-4791-A225-DDAB8A994CFA}"/>
+                <a16:creationId xmlns="" xmlns:a16="http://schemas.microsoft.com/office/drawing/2014/main" id="{F05B968E-A11B-4791-A225-DDAB8A994CFA}"/>
               </a:ext>
             </a:extLst>
           </p:cNvPr>
@@ -4809,7 +4809,7 @@
           <p:cNvPr id="2" name="Title 1">
             <a:extLst>
               <a:ext uri="{FF2B5EF4-FFF2-40B4-BE49-F238E27FC236}">
-                <a16:creationId xmlns:a16="http://schemas.microsoft.com/office/drawing/2014/main" xmlns="" id="{A4669A23-3852-415D-8903-B7312F70C8CE}"/>
+                <a16:creationId xmlns="" xmlns:a16="http://schemas.microsoft.com/office/drawing/2014/main" id="{A4669A23-3852-415D-8903-B7312F70C8CE}"/>
               </a:ext>
             </a:extLst>
           </p:cNvPr>
@@ -4837,7 +4837,7 @@
           <p:cNvPr id="3" name="Content Placeholder 2">
             <a:extLst>
               <a:ext uri="{FF2B5EF4-FFF2-40B4-BE49-F238E27FC236}">
-                <a16:creationId xmlns:a16="http://schemas.microsoft.com/office/drawing/2014/main" xmlns="" id="{11D49E50-AD63-415E-99DA-84C92E64DE61}"/>
+                <a16:creationId xmlns="" xmlns:a16="http://schemas.microsoft.com/office/drawing/2014/main" id="{11D49E50-AD63-415E-99DA-84C92E64DE61}"/>
               </a:ext>
             </a:extLst>
           </p:cNvPr>
@@ -4899,7 +4899,7 @@
           <p:cNvPr id="4" name="Content Placeholder 3">
             <a:extLst>
               <a:ext uri="{FF2B5EF4-FFF2-40B4-BE49-F238E27FC236}">
-                <a16:creationId xmlns:a16="http://schemas.microsoft.com/office/drawing/2014/main" xmlns="" id="{2A4420E8-85C5-4B63-9A9C-1CC0FA16D3A1}"/>
+                <a16:creationId xmlns="" xmlns:a16="http://schemas.microsoft.com/office/drawing/2014/main" id="{2A4420E8-85C5-4B63-9A9C-1CC0FA16D3A1}"/>
               </a:ext>
             </a:extLst>
           </p:cNvPr>
@@ -4961,7 +4961,7 @@
           <p:cNvPr id="5" name="Date Placeholder 4">
             <a:extLst>
               <a:ext uri="{FF2B5EF4-FFF2-40B4-BE49-F238E27FC236}">
-                <a16:creationId xmlns:a16="http://schemas.microsoft.com/office/drawing/2014/main" xmlns="" id="{2CD305D2-024D-47A9-A566-3657C84A3336}"/>
+                <a16:creationId xmlns="" xmlns:a16="http://schemas.microsoft.com/office/drawing/2014/main" id="{2CD305D2-024D-47A9-A566-3657C84A3336}"/>
               </a:ext>
             </a:extLst>
           </p:cNvPr>
@@ -4987,7 +4987,7 @@
           <a:p>
             <a:fld id="{DC01BBA9-561A-4EFE-A06C-26F8206AAA61}" type="datetimeFigureOut">
               <a:rPr lang="en-US" smtClean="0"/>
-              <a:t>11/18/2018</a:t>
+              <a:t>12/7/2018</a:t>
             </a:fld>
             <a:endParaRPr lang="en-US"/>
           </a:p>
@@ -4998,7 +4998,7 @@
           <p:cNvPr id="6" name="Footer Placeholder 5">
             <a:extLst>
               <a:ext uri="{FF2B5EF4-FFF2-40B4-BE49-F238E27FC236}">
-                <a16:creationId xmlns:a16="http://schemas.microsoft.com/office/drawing/2014/main" xmlns="" id="{73B305F1-7C3A-47AC-B3BA-9C8569C6B7DC}"/>
+                <a16:creationId xmlns="" xmlns:a16="http://schemas.microsoft.com/office/drawing/2014/main" id="{73B305F1-7C3A-47AC-B3BA-9C8569C6B7DC}"/>
               </a:ext>
             </a:extLst>
           </p:cNvPr>
@@ -5023,7 +5023,7 @@
           <p:cNvPr id="7" name="Slide Number Placeholder 6">
             <a:extLst>
               <a:ext uri="{FF2B5EF4-FFF2-40B4-BE49-F238E27FC236}">
-                <a16:creationId xmlns:a16="http://schemas.microsoft.com/office/drawing/2014/main" xmlns="" id="{AAB821BD-C529-4F76-B156-490A930D2AFF}"/>
+                <a16:creationId xmlns="" xmlns:a16="http://schemas.microsoft.com/office/drawing/2014/main" id="{AAB821BD-C529-4F76-B156-490A930D2AFF}"/>
               </a:ext>
             </a:extLst>
           </p:cNvPr>
@@ -5090,7 +5090,7 @@
           <p:cNvPr id="2" name="Title 1">
             <a:extLst>
               <a:ext uri="{FF2B5EF4-FFF2-40B4-BE49-F238E27FC236}">
-                <a16:creationId xmlns:a16="http://schemas.microsoft.com/office/drawing/2014/main" xmlns="" id="{9C561881-86DC-4916-AE89-0AF94D9C2977}"/>
+                <a16:creationId xmlns="" xmlns:a16="http://schemas.microsoft.com/office/drawing/2014/main" id="{9C561881-86DC-4916-AE89-0AF94D9C2977}"/>
               </a:ext>
             </a:extLst>
           </p:cNvPr>
@@ -5123,7 +5123,7 @@
           <p:cNvPr id="3" name="Text Placeholder 2">
             <a:extLst>
               <a:ext uri="{FF2B5EF4-FFF2-40B4-BE49-F238E27FC236}">
-                <a16:creationId xmlns:a16="http://schemas.microsoft.com/office/drawing/2014/main" xmlns="" id="{B1168BAB-1836-4E96-BAD0-AAFF619D397D}"/>
+                <a16:creationId xmlns="" xmlns:a16="http://schemas.microsoft.com/office/drawing/2014/main" id="{B1168BAB-1836-4E96-BAD0-AAFF619D397D}"/>
               </a:ext>
             </a:extLst>
           </p:cNvPr>
@@ -5194,7 +5194,7 @@
           <p:cNvPr id="4" name="Content Placeholder 3">
             <a:extLst>
               <a:ext uri="{FF2B5EF4-FFF2-40B4-BE49-F238E27FC236}">
-                <a16:creationId xmlns:a16="http://schemas.microsoft.com/office/drawing/2014/main" xmlns="" id="{32FF6108-0262-4DA9-B7C1-67C14C5DD408}"/>
+                <a16:creationId xmlns="" xmlns:a16="http://schemas.microsoft.com/office/drawing/2014/main" id="{32FF6108-0262-4DA9-B7C1-67C14C5DD408}"/>
               </a:ext>
             </a:extLst>
           </p:cNvPr>
@@ -5256,7 +5256,7 @@
           <p:cNvPr id="5" name="Text Placeholder 4">
             <a:extLst>
               <a:ext uri="{FF2B5EF4-FFF2-40B4-BE49-F238E27FC236}">
-                <a16:creationId xmlns:a16="http://schemas.microsoft.com/office/drawing/2014/main" xmlns="" id="{C3435E12-9692-4AB9-8792-8753CF5F331B}"/>
+                <a16:creationId xmlns="" xmlns:a16="http://schemas.microsoft.com/office/drawing/2014/main" id="{C3435E12-9692-4AB9-8792-8753CF5F331B}"/>
               </a:ext>
             </a:extLst>
           </p:cNvPr>
@@ -5327,7 +5327,7 @@
           <p:cNvPr id="6" name="Content Placeholder 5">
             <a:extLst>
               <a:ext uri="{FF2B5EF4-FFF2-40B4-BE49-F238E27FC236}">
-                <a16:creationId xmlns:a16="http://schemas.microsoft.com/office/drawing/2014/main" xmlns="" id="{B354201C-5274-4011-A80E-FE3998BCD0BB}"/>
+                <a16:creationId xmlns="" xmlns:a16="http://schemas.microsoft.com/office/drawing/2014/main" id="{B354201C-5274-4011-A80E-FE3998BCD0BB}"/>
               </a:ext>
             </a:extLst>
           </p:cNvPr>
@@ -5389,7 +5389,7 @@
           <p:cNvPr id="7" name="Date Placeholder 6">
             <a:extLst>
               <a:ext uri="{FF2B5EF4-FFF2-40B4-BE49-F238E27FC236}">
-                <a16:creationId xmlns:a16="http://schemas.microsoft.com/office/drawing/2014/main" xmlns="" id="{DB6D68A9-CDBE-4250-BDC9-E32480670E89}"/>
+                <a16:creationId xmlns="" xmlns:a16="http://schemas.microsoft.com/office/drawing/2014/main" id="{DB6D68A9-CDBE-4250-BDC9-E32480670E89}"/>
               </a:ext>
             </a:extLst>
           </p:cNvPr>
@@ -5415,7 +5415,7 @@
           <a:p>
             <a:fld id="{DC01BBA9-561A-4EFE-A06C-26F8206AAA61}" type="datetimeFigureOut">
               <a:rPr lang="en-US" smtClean="0"/>
-              <a:t>11/18/2018</a:t>
+              <a:t>12/7/2018</a:t>
             </a:fld>
             <a:endParaRPr lang="en-US"/>
           </a:p>
@@ -5426,7 +5426,7 @@
           <p:cNvPr id="8" name="Footer Placeholder 7">
             <a:extLst>
               <a:ext uri="{FF2B5EF4-FFF2-40B4-BE49-F238E27FC236}">
-                <a16:creationId xmlns:a16="http://schemas.microsoft.com/office/drawing/2014/main" xmlns="" id="{9C6A8D0A-7F29-45C6-82F2-06B303437B1D}"/>
+                <a16:creationId xmlns="" xmlns:a16="http://schemas.microsoft.com/office/drawing/2014/main" id="{9C6A8D0A-7F29-45C6-82F2-06B303437B1D}"/>
               </a:ext>
             </a:extLst>
           </p:cNvPr>
@@ -5451,7 +5451,7 @@
           <p:cNvPr id="9" name="Slide Number Placeholder 8">
             <a:extLst>
               <a:ext uri="{FF2B5EF4-FFF2-40B4-BE49-F238E27FC236}">
-                <a16:creationId xmlns:a16="http://schemas.microsoft.com/office/drawing/2014/main" xmlns="" id="{81B1795D-5472-415B-BA30-F548D00786DF}"/>
+                <a16:creationId xmlns="" xmlns:a16="http://schemas.microsoft.com/office/drawing/2014/main" id="{81B1795D-5472-415B-BA30-F548D00786DF}"/>
               </a:ext>
             </a:extLst>
           </p:cNvPr>
@@ -5518,7 +5518,7 @@
           <p:cNvPr id="2" name="Title 1">
             <a:extLst>
               <a:ext uri="{FF2B5EF4-FFF2-40B4-BE49-F238E27FC236}">
-                <a16:creationId xmlns:a16="http://schemas.microsoft.com/office/drawing/2014/main" xmlns="" id="{2EB3CEBF-9D6F-47EF-9EE3-62C97B8693C7}"/>
+                <a16:creationId xmlns="" xmlns:a16="http://schemas.microsoft.com/office/drawing/2014/main" id="{2EB3CEBF-9D6F-47EF-9EE3-62C97B8693C7}"/>
               </a:ext>
             </a:extLst>
           </p:cNvPr>
@@ -5546,7 +5546,7 @@
           <p:cNvPr id="3" name="Date Placeholder 2">
             <a:extLst>
               <a:ext uri="{FF2B5EF4-FFF2-40B4-BE49-F238E27FC236}">
-                <a16:creationId xmlns:a16="http://schemas.microsoft.com/office/drawing/2014/main" xmlns="" id="{C6AE9C0A-FC09-4279-A12C-CF1FC4ACCE9B}"/>
+                <a16:creationId xmlns="" xmlns:a16="http://schemas.microsoft.com/office/drawing/2014/main" id="{C6AE9C0A-FC09-4279-A12C-CF1FC4ACCE9B}"/>
               </a:ext>
             </a:extLst>
           </p:cNvPr>
@@ -5572,7 +5572,7 @@
           <a:p>
             <a:fld id="{DC01BBA9-561A-4EFE-A06C-26F8206AAA61}" type="datetimeFigureOut">
               <a:rPr lang="en-US" smtClean="0"/>
-              <a:t>11/18/2018</a:t>
+              <a:t>12/7/2018</a:t>
             </a:fld>
             <a:endParaRPr lang="en-US"/>
           </a:p>
@@ -5583,7 +5583,7 @@
           <p:cNvPr id="4" name="Footer Placeholder 3">
             <a:extLst>
               <a:ext uri="{FF2B5EF4-FFF2-40B4-BE49-F238E27FC236}">
-                <a16:creationId xmlns:a16="http://schemas.microsoft.com/office/drawing/2014/main" xmlns="" id="{89A9F02E-BCCD-47A7-916C-5C304CA71A62}"/>
+                <a16:creationId xmlns="" xmlns:a16="http://schemas.microsoft.com/office/drawing/2014/main" id="{89A9F02E-BCCD-47A7-916C-5C304CA71A62}"/>
               </a:ext>
             </a:extLst>
           </p:cNvPr>
@@ -5608,7 +5608,7 @@
           <p:cNvPr id="5" name="Slide Number Placeholder 4">
             <a:extLst>
               <a:ext uri="{FF2B5EF4-FFF2-40B4-BE49-F238E27FC236}">
-                <a16:creationId xmlns:a16="http://schemas.microsoft.com/office/drawing/2014/main" xmlns="" id="{DCCA5EE6-0D3B-4C18-8759-812A322530D2}"/>
+                <a16:creationId xmlns="" xmlns:a16="http://schemas.microsoft.com/office/drawing/2014/main" id="{DCCA5EE6-0D3B-4C18-8759-812A322530D2}"/>
               </a:ext>
             </a:extLst>
           </p:cNvPr>
@@ -5675,7 +5675,7 @@
           <p:cNvPr id="2" name="Date Placeholder 1">
             <a:extLst>
               <a:ext uri="{FF2B5EF4-FFF2-40B4-BE49-F238E27FC236}">
-                <a16:creationId xmlns:a16="http://schemas.microsoft.com/office/drawing/2014/main" xmlns="" id="{692CB08F-9B03-4D60-8EE4-511D62AE0DA2}"/>
+                <a16:creationId xmlns="" xmlns:a16="http://schemas.microsoft.com/office/drawing/2014/main" id="{692CB08F-9B03-4D60-8EE4-511D62AE0DA2}"/>
               </a:ext>
             </a:extLst>
           </p:cNvPr>
@@ -5701,7 +5701,7 @@
           <a:p>
             <a:fld id="{DC01BBA9-561A-4EFE-A06C-26F8206AAA61}" type="datetimeFigureOut">
               <a:rPr lang="en-US" smtClean="0"/>
-              <a:t>11/18/2018</a:t>
+              <a:t>12/7/2018</a:t>
             </a:fld>
             <a:endParaRPr lang="en-US"/>
           </a:p>
@@ -5712,7 +5712,7 @@
           <p:cNvPr id="3" name="Footer Placeholder 2">
             <a:extLst>
               <a:ext uri="{FF2B5EF4-FFF2-40B4-BE49-F238E27FC236}">
-                <a16:creationId xmlns:a16="http://schemas.microsoft.com/office/drawing/2014/main" xmlns="" id="{02D76FC5-22C7-4DB5-A361-705C02029D6F}"/>
+                <a16:creationId xmlns="" xmlns:a16="http://schemas.microsoft.com/office/drawing/2014/main" id="{02D76FC5-22C7-4DB5-A361-705C02029D6F}"/>
               </a:ext>
             </a:extLst>
           </p:cNvPr>
@@ -5737,7 +5737,7 @@
           <p:cNvPr id="4" name="Slide Number Placeholder 3">
             <a:extLst>
               <a:ext uri="{FF2B5EF4-FFF2-40B4-BE49-F238E27FC236}">
-                <a16:creationId xmlns:a16="http://schemas.microsoft.com/office/drawing/2014/main" xmlns="" id="{BDE70A03-9867-43E1-A029-A3BE230783BC}"/>
+                <a16:creationId xmlns="" xmlns:a16="http://schemas.microsoft.com/office/drawing/2014/main" id="{BDE70A03-9867-43E1-A029-A3BE230783BC}"/>
               </a:ext>
             </a:extLst>
           </p:cNvPr>
@@ -5804,7 +5804,7 @@
           <p:cNvPr id="2" name="Title 1">
             <a:extLst>
               <a:ext uri="{FF2B5EF4-FFF2-40B4-BE49-F238E27FC236}">
-                <a16:creationId xmlns:a16="http://schemas.microsoft.com/office/drawing/2014/main" xmlns="" id="{7D92E7AC-CA20-4FC5-AA54-7B5F06D7E3DF}"/>
+                <a16:creationId xmlns="" xmlns:a16="http://schemas.microsoft.com/office/drawing/2014/main" id="{7D92E7AC-CA20-4FC5-AA54-7B5F06D7E3DF}"/>
               </a:ext>
             </a:extLst>
           </p:cNvPr>
@@ -5841,7 +5841,7 @@
           <p:cNvPr id="3" name="Content Placeholder 2">
             <a:extLst>
               <a:ext uri="{FF2B5EF4-FFF2-40B4-BE49-F238E27FC236}">
-                <a16:creationId xmlns:a16="http://schemas.microsoft.com/office/drawing/2014/main" xmlns="" id="{C04311B7-6590-4631-B0EA-3CE414A88DA8}"/>
+                <a16:creationId xmlns="" xmlns:a16="http://schemas.microsoft.com/office/drawing/2014/main" id="{C04311B7-6590-4631-B0EA-3CE414A88DA8}"/>
               </a:ext>
             </a:extLst>
           </p:cNvPr>
@@ -5931,7 +5931,7 @@
           <p:cNvPr id="4" name="Text Placeholder 3">
             <a:extLst>
               <a:ext uri="{FF2B5EF4-FFF2-40B4-BE49-F238E27FC236}">
-                <a16:creationId xmlns:a16="http://schemas.microsoft.com/office/drawing/2014/main" xmlns="" id="{B2F21C70-E3E7-4A52-B9E1-8B7E6EDF4A73}"/>
+                <a16:creationId xmlns="" xmlns:a16="http://schemas.microsoft.com/office/drawing/2014/main" id="{B2F21C70-E3E7-4A52-B9E1-8B7E6EDF4A73}"/>
               </a:ext>
             </a:extLst>
           </p:cNvPr>
@@ -6002,7 +6002,7 @@
           <p:cNvPr id="5" name="Date Placeholder 4">
             <a:extLst>
               <a:ext uri="{FF2B5EF4-FFF2-40B4-BE49-F238E27FC236}">
-                <a16:creationId xmlns:a16="http://schemas.microsoft.com/office/drawing/2014/main" xmlns="" id="{C3665185-E7E2-4539-B9D0-02A042196115}"/>
+                <a16:creationId xmlns="" xmlns:a16="http://schemas.microsoft.com/office/drawing/2014/main" id="{C3665185-E7E2-4539-B9D0-02A042196115}"/>
               </a:ext>
             </a:extLst>
           </p:cNvPr>
@@ -6028,7 +6028,7 @@
           <a:p>
             <a:fld id="{DC01BBA9-561A-4EFE-A06C-26F8206AAA61}" type="datetimeFigureOut">
               <a:rPr lang="en-US" smtClean="0"/>
-              <a:t>11/18/2018</a:t>
+              <a:t>12/7/2018</a:t>
             </a:fld>
             <a:endParaRPr lang="en-US"/>
           </a:p>
@@ -6039,7 +6039,7 @@
           <p:cNvPr id="6" name="Footer Placeholder 5">
             <a:extLst>
               <a:ext uri="{FF2B5EF4-FFF2-40B4-BE49-F238E27FC236}">
-                <a16:creationId xmlns:a16="http://schemas.microsoft.com/office/drawing/2014/main" xmlns="" id="{95F35328-35F6-4E9F-ACEA-7F6EDCE1399D}"/>
+                <a16:creationId xmlns="" xmlns:a16="http://schemas.microsoft.com/office/drawing/2014/main" id="{95F35328-35F6-4E9F-ACEA-7F6EDCE1399D}"/>
               </a:ext>
             </a:extLst>
           </p:cNvPr>
@@ -6064,7 +6064,7 @@
           <p:cNvPr id="7" name="Slide Number Placeholder 6">
             <a:extLst>
               <a:ext uri="{FF2B5EF4-FFF2-40B4-BE49-F238E27FC236}">
-                <a16:creationId xmlns:a16="http://schemas.microsoft.com/office/drawing/2014/main" xmlns="" id="{7D3530D7-713A-4142-865D-69F2CBB2ABC3}"/>
+                <a16:creationId xmlns="" xmlns:a16="http://schemas.microsoft.com/office/drawing/2014/main" id="{7D3530D7-713A-4142-865D-69F2CBB2ABC3}"/>
               </a:ext>
             </a:extLst>
           </p:cNvPr>
@@ -6131,7 +6131,7 @@
           <p:cNvPr id="2" name="Title 1">
             <a:extLst>
               <a:ext uri="{FF2B5EF4-FFF2-40B4-BE49-F238E27FC236}">
-                <a16:creationId xmlns:a16="http://schemas.microsoft.com/office/drawing/2014/main" xmlns="" id="{5858AD64-1235-487E-9A09-75012305112A}"/>
+                <a16:creationId xmlns="" xmlns:a16="http://schemas.microsoft.com/office/drawing/2014/main" id="{5858AD64-1235-487E-9A09-75012305112A}"/>
               </a:ext>
             </a:extLst>
           </p:cNvPr>
@@ -6168,7 +6168,7 @@
           <p:cNvPr id="3" name="Picture Placeholder 2">
             <a:extLst>
               <a:ext uri="{FF2B5EF4-FFF2-40B4-BE49-F238E27FC236}">
-                <a16:creationId xmlns:a16="http://schemas.microsoft.com/office/drawing/2014/main" xmlns="" id="{05D99B9C-611F-4220-8C96-BA83A97158DA}"/>
+                <a16:creationId xmlns="" xmlns:a16="http://schemas.microsoft.com/office/drawing/2014/main" id="{05D99B9C-611F-4220-8C96-BA83A97158DA}"/>
               </a:ext>
             </a:extLst>
           </p:cNvPr>
@@ -6238,7 +6238,7 @@
           <p:cNvPr id="4" name="Text Placeholder 3">
             <a:extLst>
               <a:ext uri="{FF2B5EF4-FFF2-40B4-BE49-F238E27FC236}">
-                <a16:creationId xmlns:a16="http://schemas.microsoft.com/office/drawing/2014/main" xmlns="" id="{4E0AA1A1-26F2-44A0-9322-3322B2666875}"/>
+                <a16:creationId xmlns="" xmlns:a16="http://schemas.microsoft.com/office/drawing/2014/main" id="{4E0AA1A1-26F2-44A0-9322-3322B2666875}"/>
               </a:ext>
             </a:extLst>
           </p:cNvPr>
@@ -6309,7 +6309,7 @@
           <p:cNvPr id="5" name="Date Placeholder 4">
             <a:extLst>
               <a:ext uri="{FF2B5EF4-FFF2-40B4-BE49-F238E27FC236}">
-                <a16:creationId xmlns:a16="http://schemas.microsoft.com/office/drawing/2014/main" xmlns="" id="{2520F382-0E56-432B-970C-3DABE5CA9ACE}"/>
+                <a16:creationId xmlns="" xmlns:a16="http://schemas.microsoft.com/office/drawing/2014/main" id="{2520F382-0E56-432B-970C-3DABE5CA9ACE}"/>
               </a:ext>
             </a:extLst>
           </p:cNvPr>
@@ -6335,7 +6335,7 @@
           <a:p>
             <a:fld id="{DC01BBA9-561A-4EFE-A06C-26F8206AAA61}" type="datetimeFigureOut">
               <a:rPr lang="en-US" smtClean="0"/>
-              <a:t>11/18/2018</a:t>
+              <a:t>12/7/2018</a:t>
             </a:fld>
             <a:endParaRPr lang="en-US"/>
           </a:p>
@@ -6346,7 +6346,7 @@
           <p:cNvPr id="6" name="Footer Placeholder 5">
             <a:extLst>
               <a:ext uri="{FF2B5EF4-FFF2-40B4-BE49-F238E27FC236}">
-                <a16:creationId xmlns:a16="http://schemas.microsoft.com/office/drawing/2014/main" xmlns="" id="{E62E010E-DD6F-43A1-82AC-4AAEF7E49092}"/>
+                <a16:creationId xmlns="" xmlns:a16="http://schemas.microsoft.com/office/drawing/2014/main" id="{E62E010E-DD6F-43A1-82AC-4AAEF7E49092}"/>
               </a:ext>
             </a:extLst>
           </p:cNvPr>
@@ -6371,7 +6371,7 @@
           <p:cNvPr id="7" name="Slide Number Placeholder 6">
             <a:extLst>
               <a:ext uri="{FF2B5EF4-FFF2-40B4-BE49-F238E27FC236}">
-                <a16:creationId xmlns:a16="http://schemas.microsoft.com/office/drawing/2014/main" xmlns="" id="{F71EA10F-0831-4A28-8DCF-F8218C7F6AF5}"/>
+                <a16:creationId xmlns="" xmlns:a16="http://schemas.microsoft.com/office/drawing/2014/main" id="{F71EA10F-0831-4A28-8DCF-F8218C7F6AF5}"/>
               </a:ext>
             </a:extLst>
           </p:cNvPr>
@@ -6443,7 +6443,7 @@
           <p:cNvPr id="2" name="Title Placeholder 1">
             <a:extLst>
               <a:ext uri="{FF2B5EF4-FFF2-40B4-BE49-F238E27FC236}">
-                <a16:creationId xmlns:a16="http://schemas.microsoft.com/office/drawing/2014/main" xmlns="" id="{B97A4B4B-7891-46E8-8E2C-4A43CE28BEDF}"/>
+                <a16:creationId xmlns="" xmlns:a16="http://schemas.microsoft.com/office/drawing/2014/main" id="{B97A4B4B-7891-46E8-8E2C-4A43CE28BEDF}"/>
               </a:ext>
             </a:extLst>
           </p:cNvPr>
@@ -6481,7 +6481,7 @@
           <p:cNvPr id="3" name="Text Placeholder 2">
             <a:extLst>
               <a:ext uri="{FF2B5EF4-FFF2-40B4-BE49-F238E27FC236}">
-                <a16:creationId xmlns:a16="http://schemas.microsoft.com/office/drawing/2014/main" xmlns="" id="{3911003D-388B-489E-B61B-028FD9516650}"/>
+                <a16:creationId xmlns="" xmlns:a16="http://schemas.microsoft.com/office/drawing/2014/main" id="{3911003D-388B-489E-B61B-028FD9516650}"/>
               </a:ext>
             </a:extLst>
           </p:cNvPr>
@@ -6548,7 +6548,7 @@
           <p:cNvPr id="5" name="Footer Placeholder 4">
             <a:extLst>
               <a:ext uri="{FF2B5EF4-FFF2-40B4-BE49-F238E27FC236}">
-                <a16:creationId xmlns:a16="http://schemas.microsoft.com/office/drawing/2014/main" xmlns="" id="{7FF24B16-6409-4A0B-A9E8-7BEDFCD3741B}"/>
+                <a16:creationId xmlns="" xmlns:a16="http://schemas.microsoft.com/office/drawing/2014/main" id="{7FF24B16-6409-4A0B-A9E8-7BEDFCD3741B}"/>
               </a:ext>
             </a:extLst>
           </p:cNvPr>
@@ -6591,7 +6591,7 @@
           <p:cNvPr id="8" name="Group 7">
             <a:extLst>
               <a:ext uri="{FF2B5EF4-FFF2-40B4-BE49-F238E27FC236}">
-                <a16:creationId xmlns:a16="http://schemas.microsoft.com/office/drawing/2014/main" xmlns="" id="{8C1E83E0-1C1D-47CB-853B-598DFFEE3018}"/>
+                <a16:creationId xmlns="" xmlns:a16="http://schemas.microsoft.com/office/drawing/2014/main" id="{8C1E83E0-1C1D-47CB-853B-598DFFEE3018}"/>
               </a:ext>
             </a:extLst>
           </p:cNvPr>
@@ -6611,7 +6611,7 @@
             <p:cNvPr id="9" name="Picture 8">
               <a:extLst>
                 <a:ext uri="{FF2B5EF4-FFF2-40B4-BE49-F238E27FC236}">
-                  <a16:creationId xmlns:a16="http://schemas.microsoft.com/office/drawing/2014/main" xmlns="" id="{C247AE3A-171B-4E36-8770-E111D72C8D51}"/>
+                  <a16:creationId xmlns="" xmlns:a16="http://schemas.microsoft.com/office/drawing/2014/main" id="{C247AE3A-171B-4E36-8770-E111D72C8D51}"/>
                 </a:ext>
               </a:extLst>
             </p:cNvPr>
@@ -6647,7 +6647,7 @@
             <p:cNvPr id="10" name="Picture 9">
               <a:extLst>
                 <a:ext uri="{FF2B5EF4-FFF2-40B4-BE49-F238E27FC236}">
-                  <a16:creationId xmlns:a16="http://schemas.microsoft.com/office/drawing/2014/main" xmlns="" id="{CB3072C0-B39B-4FDC-B4B6-E51875FEB3AC}"/>
+                  <a16:creationId xmlns="" xmlns:a16="http://schemas.microsoft.com/office/drawing/2014/main" id="{CB3072C0-B39B-4FDC-B4B6-E51875FEB3AC}"/>
                 </a:ext>
               </a:extLst>
             </p:cNvPr>
@@ -7133,7 +7133,7 @@
           <a:p>
             <a:fld id="{589E5873-CF7F-45F3-B283-E59B1D6F242C}" type="datetimeFigureOut">
               <a:rPr lang="en-US" smtClean="0"/>
-              <a:t>11/18/2018</a:t>
+              <a:t>12/7/2018</a:t>
             </a:fld>
             <a:endParaRPr lang="en-US"/>
           </a:p>
@@ -8677,11 +8677,11 @@
   <p:clrMapOvr>
     <a:masterClrMapping/>
   </p:clrMapOvr>
-  <mc:AlternateContent xmlns:mc="http://schemas.openxmlformats.org/markup-compatibility/2006">
-    <mc:Choice xmlns:p14="http://schemas.microsoft.com/office/powerpoint/2010/main" Requires="p14">
+  <mc:AlternateContent xmlns:mc="http://schemas.openxmlformats.org/markup-compatibility/2006" xmlns:p14="http://schemas.microsoft.com/office/powerpoint/2010/main">
+    <mc:Choice Requires="p14">
       <p:transition spd="slow" p14:dur="2000"/>
     </mc:Choice>
-    <mc:Fallback>
+    <mc:Fallback xmlns="">
       <p:transition spd="slow"/>
     </mc:Fallback>
   </mc:AlternateContent>
@@ -9133,11 +9133,11 @@
   <p:clrMapOvr>
     <a:masterClrMapping/>
   </p:clrMapOvr>
-  <mc:AlternateContent xmlns:mc="http://schemas.openxmlformats.org/markup-compatibility/2006">
-    <mc:Choice xmlns:p14="http://schemas.microsoft.com/office/powerpoint/2010/main" Requires="p14">
+  <mc:AlternateContent xmlns:mc="http://schemas.openxmlformats.org/markup-compatibility/2006" xmlns:p14="http://schemas.microsoft.com/office/powerpoint/2010/main">
+    <mc:Choice Requires="p14">
       <p:transition spd="slow" p14:dur="2000"/>
     </mc:Choice>
-    <mc:Fallback>
+    <mc:Fallback xmlns="">
       <p:transition spd="slow"/>
     </mc:Fallback>
   </mc:AlternateContent>
@@ -9245,11 +9245,11 @@
   <p:clrMapOvr>
     <a:masterClrMapping/>
   </p:clrMapOvr>
-  <mc:AlternateContent xmlns:mc="http://schemas.openxmlformats.org/markup-compatibility/2006">
-    <mc:Choice xmlns:p14="http://schemas.microsoft.com/office/powerpoint/2010/main" Requires="p14">
+  <mc:AlternateContent xmlns:mc="http://schemas.openxmlformats.org/markup-compatibility/2006" xmlns:p14="http://schemas.microsoft.com/office/powerpoint/2010/main">
+    <mc:Choice Requires="p14">
       <p:transition spd="slow" p14:dur="2000"/>
     </mc:Choice>
-    <mc:Fallback>
+    <mc:Fallback xmlns="">
       <p:transition spd="slow"/>
     </mc:Fallback>
   </mc:AlternateContent>
@@ -9489,11 +9489,11 @@
   <p:clrMapOvr>
     <a:masterClrMapping/>
   </p:clrMapOvr>
-  <mc:AlternateContent xmlns:mc="http://schemas.openxmlformats.org/markup-compatibility/2006">
-    <mc:Choice xmlns:p14="http://schemas.microsoft.com/office/powerpoint/2010/main" Requires="p14">
+  <mc:AlternateContent xmlns:mc="http://schemas.openxmlformats.org/markup-compatibility/2006" xmlns:p14="http://schemas.microsoft.com/office/powerpoint/2010/main">
+    <mc:Choice Requires="p14">
       <p:transition spd="slow" p14:dur="2000"/>
     </mc:Choice>
-    <mc:Fallback>
+    <mc:Fallback xmlns="">
       <p:transition spd="slow"/>
     </mc:Fallback>
   </mc:AlternateContent>
@@ -10978,11 +10978,11 @@
   <p:clrMapOvr>
     <a:masterClrMapping/>
   </p:clrMapOvr>
-  <mc:AlternateContent xmlns:mc="http://schemas.openxmlformats.org/markup-compatibility/2006">
-    <mc:Choice xmlns:p14="http://schemas.microsoft.com/office/powerpoint/2010/main" Requires="p14">
+  <mc:AlternateContent xmlns:mc="http://schemas.openxmlformats.org/markup-compatibility/2006" xmlns:p14="http://schemas.microsoft.com/office/powerpoint/2010/main">
+    <mc:Choice Requires="p14">
       <p:transition spd="slow" p14:dur="2000"/>
     </mc:Choice>
-    <mc:Fallback>
+    <mc:Fallback xmlns="">
       <p:transition spd="slow"/>
     </mc:Fallback>
   </mc:AlternateContent>
@@ -13310,8 +13310,8 @@
           </a:fontRef>
         </p:style>
       </p:cxnSp>
-      <mc:AlternateContent xmlns:mc="http://schemas.openxmlformats.org/markup-compatibility/2006">
-        <mc:Choice xmlns:a14="http://schemas.microsoft.com/office/drawing/2010/main" Requires="a14">
+      <mc:AlternateContent xmlns:mc="http://schemas.openxmlformats.org/markup-compatibility/2006" xmlns:a14="http://schemas.microsoft.com/office/drawing/2010/main">
+        <mc:Choice Requires="a14">
           <p:sp>
             <p:nvSpPr>
               <p:cNvPr id="56" name="TextBox 55"/>
@@ -13381,7 +13381,7 @@
             </p:txBody>
           </p:sp>
         </mc:Choice>
-        <mc:Fallback>
+        <mc:Fallback xmlns="">
           <p:sp>
             <p:nvSpPr>
               <p:cNvPr id="56" name="TextBox 55"/>
@@ -13420,8 +13420,8 @@
           </p:sp>
         </mc:Fallback>
       </mc:AlternateContent>
-      <mc:AlternateContent xmlns:mc="http://schemas.openxmlformats.org/markup-compatibility/2006">
-        <mc:Choice xmlns:a14="http://schemas.microsoft.com/office/drawing/2010/main" Requires="a14">
+      <mc:AlternateContent xmlns:mc="http://schemas.openxmlformats.org/markup-compatibility/2006" xmlns:a14="http://schemas.microsoft.com/office/drawing/2010/main">
+        <mc:Choice Requires="a14">
           <p:sp>
             <p:nvSpPr>
               <p:cNvPr id="57" name="TextBox 56"/>
@@ -13491,7 +13491,7 @@
             </p:txBody>
           </p:sp>
         </mc:Choice>
-        <mc:Fallback>
+        <mc:Fallback xmlns="">
           <p:sp>
             <p:nvSpPr>
               <p:cNvPr id="57" name="TextBox 56"/>
@@ -13530,8 +13530,8 @@
           </p:sp>
         </mc:Fallback>
       </mc:AlternateContent>
-      <mc:AlternateContent xmlns:mc="http://schemas.openxmlformats.org/markup-compatibility/2006">
-        <mc:Choice xmlns:a14="http://schemas.microsoft.com/office/drawing/2010/main" Requires="a14">
+      <mc:AlternateContent xmlns:mc="http://schemas.openxmlformats.org/markup-compatibility/2006" xmlns:a14="http://schemas.microsoft.com/office/drawing/2010/main">
+        <mc:Choice Requires="a14">
           <p:sp>
             <p:nvSpPr>
               <p:cNvPr id="58" name="TextBox 57"/>
@@ -13601,7 +13601,7 @@
             </p:txBody>
           </p:sp>
         </mc:Choice>
-        <mc:Fallback>
+        <mc:Fallback xmlns="">
           <p:sp>
             <p:nvSpPr>
               <p:cNvPr id="58" name="TextBox 57"/>
@@ -18388,7 +18388,7 @@
         </p:nvSpPr>
         <p:spPr>
           <a:xfrm>
-            <a:off x="7105646" y="1924050"/>
+            <a:off x="6999328" y="2247124"/>
             <a:ext cx="238125" cy="190500"/>
           </a:xfrm>
           <a:prstGeom prst="star5">
@@ -18436,7 +18436,7 @@
         </p:nvSpPr>
         <p:spPr>
           <a:xfrm>
-            <a:off x="6677023" y="2781300"/>
+            <a:off x="6248400" y="2576666"/>
             <a:ext cx="238125" cy="190500"/>
           </a:xfrm>
           <a:prstGeom prst="star5">
@@ -19883,7 +19883,7 @@
                 <a:gridCol w="3926776">
                   <a:extLst>
                     <a:ext uri="{9D8B030D-6E8A-4147-A177-3AD203B41FA5}">
-                      <a16:colId xmlns:a16="http://schemas.microsoft.com/office/drawing/2014/main" xmlns="" val="20000"/>
+                      <a16:colId xmlns="" xmlns:a16="http://schemas.microsoft.com/office/drawing/2014/main" val="20000"/>
                     </a:ext>
                   </a:extLst>
                 </a:gridCol>
@@ -19905,7 +19905,7 @@
                 </a:tc>
                 <a:extLst>
                   <a:ext uri="{0D108BD9-81ED-4DB2-BD59-A6C34878D82A}">
-                    <a16:rowId xmlns:a16="http://schemas.microsoft.com/office/drawing/2014/main" xmlns="" val="10000"/>
+                    <a16:rowId xmlns="" xmlns:a16="http://schemas.microsoft.com/office/drawing/2014/main" val="10000"/>
                   </a:ext>
                 </a:extLst>
               </a:tr>
@@ -19926,7 +19926,7 @@
                 </a:tc>
                 <a:extLst>
                   <a:ext uri="{0D108BD9-81ED-4DB2-BD59-A6C34878D82A}">
-                    <a16:rowId xmlns:a16="http://schemas.microsoft.com/office/drawing/2014/main" xmlns="" val="10001"/>
+                    <a16:rowId xmlns="" xmlns:a16="http://schemas.microsoft.com/office/drawing/2014/main" val="10001"/>
                   </a:ext>
                 </a:extLst>
               </a:tr>
@@ -19952,7 +19952,7 @@
                 </a:tc>
                 <a:extLst>
                   <a:ext uri="{0D108BD9-81ED-4DB2-BD59-A6C34878D82A}">
-                    <a16:rowId xmlns:a16="http://schemas.microsoft.com/office/drawing/2014/main" xmlns="" val="10002"/>
+                    <a16:rowId xmlns="" xmlns:a16="http://schemas.microsoft.com/office/drawing/2014/main" val="10002"/>
                   </a:ext>
                 </a:extLst>
               </a:tr>
@@ -19978,7 +19978,7 @@
                 </a:tc>
                 <a:extLst>
                   <a:ext uri="{0D108BD9-81ED-4DB2-BD59-A6C34878D82A}">
-                    <a16:rowId xmlns:a16="http://schemas.microsoft.com/office/drawing/2014/main" xmlns="" val="10003"/>
+                    <a16:rowId xmlns="" xmlns:a16="http://schemas.microsoft.com/office/drawing/2014/main" val="10003"/>
                   </a:ext>
                 </a:extLst>
               </a:tr>
@@ -20004,7 +20004,7 @@
                 </a:tc>
                 <a:extLst>
                   <a:ext uri="{0D108BD9-81ED-4DB2-BD59-A6C34878D82A}">
-                    <a16:rowId xmlns:a16="http://schemas.microsoft.com/office/drawing/2014/main" xmlns="" val="10004"/>
+                    <a16:rowId xmlns="" xmlns:a16="http://schemas.microsoft.com/office/drawing/2014/main" val="10004"/>
                   </a:ext>
                 </a:extLst>
               </a:tr>
@@ -20034,7 +20034,7 @@
                 </a:tc>
                 <a:extLst>
                   <a:ext uri="{0D108BD9-81ED-4DB2-BD59-A6C34878D82A}">
-                    <a16:rowId xmlns:a16="http://schemas.microsoft.com/office/drawing/2014/main" xmlns="" val="10005"/>
+                    <a16:rowId xmlns="" xmlns:a16="http://schemas.microsoft.com/office/drawing/2014/main" val="10005"/>
                   </a:ext>
                 </a:extLst>
               </a:tr>
@@ -20055,7 +20055,7 @@
                 </a:tc>
                 <a:extLst>
                   <a:ext uri="{0D108BD9-81ED-4DB2-BD59-A6C34878D82A}">
-                    <a16:rowId xmlns:a16="http://schemas.microsoft.com/office/drawing/2014/main" xmlns="" val="10006"/>
+                    <a16:rowId xmlns="" xmlns:a16="http://schemas.microsoft.com/office/drawing/2014/main" val="10006"/>
                   </a:ext>
                 </a:extLst>
               </a:tr>
@@ -20076,7 +20076,7 @@
                 </a:tc>
                 <a:extLst>
                   <a:ext uri="{0D108BD9-81ED-4DB2-BD59-A6C34878D82A}">
-                    <a16:rowId xmlns:a16="http://schemas.microsoft.com/office/drawing/2014/main" xmlns="" val="10007"/>
+                    <a16:rowId xmlns="" xmlns:a16="http://schemas.microsoft.com/office/drawing/2014/main" val="10007"/>
                   </a:ext>
                 </a:extLst>
               </a:tr>
@@ -20112,7 +20112,7 @@
                 <a:gridCol w="2870200">
                   <a:extLst>
                     <a:ext uri="{9D8B030D-6E8A-4147-A177-3AD203B41FA5}">
-                      <a16:colId xmlns:a16="http://schemas.microsoft.com/office/drawing/2014/main" xmlns="" val="20000"/>
+                      <a16:colId xmlns="" xmlns:a16="http://schemas.microsoft.com/office/drawing/2014/main" val="20000"/>
                     </a:ext>
                   </a:extLst>
                 </a:gridCol>
@@ -20134,7 +20134,7 @@
                 </a:tc>
                 <a:extLst>
                   <a:ext uri="{0D108BD9-81ED-4DB2-BD59-A6C34878D82A}">
-                    <a16:rowId xmlns:a16="http://schemas.microsoft.com/office/drawing/2014/main" xmlns="" val="10000"/>
+                    <a16:rowId xmlns="" xmlns:a16="http://schemas.microsoft.com/office/drawing/2014/main" val="10000"/>
                   </a:ext>
                 </a:extLst>
               </a:tr>
@@ -20155,7 +20155,7 @@
                 </a:tc>
                 <a:extLst>
                   <a:ext uri="{0D108BD9-81ED-4DB2-BD59-A6C34878D82A}">
-                    <a16:rowId xmlns:a16="http://schemas.microsoft.com/office/drawing/2014/main" xmlns="" val="10001"/>
+                    <a16:rowId xmlns="" xmlns:a16="http://schemas.microsoft.com/office/drawing/2014/main" val="10001"/>
                   </a:ext>
                 </a:extLst>
               </a:tr>
@@ -20176,7 +20176,7 @@
                 </a:tc>
                 <a:extLst>
                   <a:ext uri="{0D108BD9-81ED-4DB2-BD59-A6C34878D82A}">
-                    <a16:rowId xmlns:a16="http://schemas.microsoft.com/office/drawing/2014/main" xmlns="" val="10002"/>
+                    <a16:rowId xmlns="" xmlns:a16="http://schemas.microsoft.com/office/drawing/2014/main" val="10002"/>
                   </a:ext>
                 </a:extLst>
               </a:tr>
@@ -20198,7 +20198,7 @@
                 </a:tc>
                 <a:extLst>
                   <a:ext uri="{0D108BD9-81ED-4DB2-BD59-A6C34878D82A}">
-                    <a16:rowId xmlns:a16="http://schemas.microsoft.com/office/drawing/2014/main" xmlns="" val="10003"/>
+                    <a16:rowId xmlns="" xmlns:a16="http://schemas.microsoft.com/office/drawing/2014/main" val="10003"/>
                   </a:ext>
                 </a:extLst>
               </a:tr>
@@ -20219,7 +20219,7 @@
                 </a:tc>
                 <a:extLst>
                   <a:ext uri="{0D108BD9-81ED-4DB2-BD59-A6C34878D82A}">
-                    <a16:rowId xmlns:a16="http://schemas.microsoft.com/office/drawing/2014/main" xmlns="" val="10004"/>
+                    <a16:rowId xmlns="" xmlns:a16="http://schemas.microsoft.com/office/drawing/2014/main" val="10004"/>
                   </a:ext>
                 </a:extLst>
               </a:tr>
@@ -21722,7 +21722,7 @@
           <p:cNvPr id="2" name="Title 1">
             <a:extLst>
               <a:ext uri="{FF2B5EF4-FFF2-40B4-BE49-F238E27FC236}">
-                <a16:creationId xmlns:a16="http://schemas.microsoft.com/office/drawing/2014/main" xmlns="" id="{AB006400-3022-4111-825D-C54283E27CDD}"/>
+                <a16:creationId xmlns="" xmlns:a16="http://schemas.microsoft.com/office/drawing/2014/main" id="{AB006400-3022-4111-825D-C54283E27CDD}"/>
               </a:ext>
             </a:extLst>
           </p:cNvPr>
@@ -21748,14 +21748,14 @@
           </a:p>
         </p:txBody>
       </p:sp>
-      <mc:AlternateContent xmlns:mc="http://schemas.openxmlformats.org/markup-compatibility/2006">
-        <mc:Choice xmlns:a14="http://schemas.microsoft.com/office/drawing/2010/main" Requires="a14">
+      <mc:AlternateContent xmlns:mc="http://schemas.openxmlformats.org/markup-compatibility/2006" xmlns:a14="http://schemas.microsoft.com/office/drawing/2010/main">
+        <mc:Choice Requires="a14">
           <p:sp>
             <p:nvSpPr>
               <p:cNvPr id="3" name="Content Placeholder 2">
                 <a:extLst>
                   <a:ext uri="{FF2B5EF4-FFF2-40B4-BE49-F238E27FC236}">
-                    <a16:creationId xmlns:a16="http://schemas.microsoft.com/office/drawing/2014/main" xmlns="" id="{98BD5672-C4AA-4742-AA32-4657D8A92FCB}"/>
+                    <a16:creationId xmlns="" xmlns:a16="http://schemas.microsoft.com/office/drawing/2014/main" id="{98BD5672-C4AA-4742-AA32-4657D8A92FCB}"/>
                   </a:ext>
                 </a:extLst>
               </p:cNvPr>
@@ -21922,7 +21922,7 @@
             </p:txBody>
           </p:sp>
         </mc:Choice>
-        <mc:Fallback>
+        <mc:Fallback xmlns="">
           <p:sp>
             <p:nvSpPr>
               <p:cNvPr id="3" name="Content Placeholder 2">
@@ -21973,7 +21973,7 @@
               <p:cNvPr id="5" name="TextBox 4">
                 <a:extLst>
                   <a:ext uri="{FF2B5EF4-FFF2-40B4-BE49-F238E27FC236}">
-                    <a16:creationId xmlns:a16="http://schemas.microsoft.com/office/drawing/2014/main" xmlns="" id="{3EEE364F-D349-40F4-A1CD-84C489AA837F}"/>
+                    <a16:creationId xmlns="" xmlns:a16="http://schemas.microsoft.com/office/drawing/2014/main" id="{3EEE364F-D349-40F4-A1CD-84C489AA837F}"/>
                   </a:ext>
                 </a:extLst>
               </p:cNvPr>
@@ -22184,7 +22184,7 @@
           <p:cNvPr id="6" name="Picture 5">
             <a:extLst>
               <a:ext uri="{FF2B5EF4-FFF2-40B4-BE49-F238E27FC236}">
-                <a16:creationId xmlns:a16="http://schemas.microsoft.com/office/drawing/2014/main" xmlns="" id="{69678C4E-E39A-431D-ACBB-345140D77567}"/>
+                <a16:creationId xmlns="" xmlns:a16="http://schemas.microsoft.com/office/drawing/2014/main" id="{69678C4E-E39A-431D-ACBB-345140D77567}"/>
               </a:ext>
             </a:extLst>
           </p:cNvPr>
@@ -22214,7 +22214,7 @@
           <p:cNvPr id="8" name="Picture 7">
             <a:extLst>
               <a:ext uri="{FF2B5EF4-FFF2-40B4-BE49-F238E27FC236}">
-                <a16:creationId xmlns:a16="http://schemas.microsoft.com/office/drawing/2014/main" xmlns="" id="{896BB1D4-DBAB-4412-818A-AE4D4BBB7086}"/>
+                <a16:creationId xmlns="" xmlns:a16="http://schemas.microsoft.com/office/drawing/2014/main" id="{896BB1D4-DBAB-4412-818A-AE4D4BBB7086}"/>
               </a:ext>
             </a:extLst>
           </p:cNvPr>
@@ -22805,11 +22805,11 @@
   <p:clrMapOvr>
     <a:masterClrMapping/>
   </p:clrMapOvr>
-  <mc:AlternateContent xmlns:mc="http://schemas.openxmlformats.org/markup-compatibility/2006">
-    <mc:Choice xmlns:p14="http://schemas.microsoft.com/office/powerpoint/2010/main" Requires="p14">
+  <mc:AlternateContent xmlns:mc="http://schemas.openxmlformats.org/markup-compatibility/2006" xmlns:p14="http://schemas.microsoft.com/office/powerpoint/2010/main">
+    <mc:Choice Requires="p14">
       <p:transition spd="slow" p14:dur="2000"/>
     </mc:Choice>
-    <mc:Fallback>
+    <mc:Fallback xmlns="">
       <p:transition spd="slow"/>
     </mc:Fallback>
   </mc:AlternateContent>
@@ -23105,7 +23105,7 @@
   <a:extraClrSchemeLst/>
   <a:extLst>
     <a:ext uri="{05A4C25C-085E-4340-85A3-A5531E510DB2}">
-      <thm15:themeFamily xmlns:thm15="http://schemas.microsoft.com/office/thememl/2012/main" xmlns="" name="Presentation1" id="{A72458EE-BFF9-468A-8464-DFD913327021}" vid="{7EB1F43D-0D6C-4939-8000-7D7E4F656E14}"/>
+      <thm15:themeFamily xmlns="" xmlns:thm15="http://schemas.microsoft.com/office/thememl/2012/main" name="Presentation1" id="{A72458EE-BFF9-468A-8464-DFD913327021}" vid="{7EB1F43D-0D6C-4939-8000-7D7E4F656E14}"/>
     </a:ext>
   </a:extLst>
 </a:theme>

--- a/static/lectures/SSA_Lecture5_DemoData.pptx
+++ b/static/lectures/SSA_Lecture5_DemoData.pptx
@@ -132,7 +132,7 @@
   </p:defaultTextStyle>
   <p:extLst>
     <p:ext uri="{EFAFB233-063F-42B5-8137-9DF3F51BA10A}">
-      <p15:sldGuideLst xmlns="" xmlns:p15="http://schemas.microsoft.com/office/powerpoint/2012/main">
+      <p15:sldGuideLst xmlns:p15="http://schemas.microsoft.com/office/powerpoint/2012/main">
         <p15:guide id="1" orient="horz" pos="1620">
           <p15:clr>
             <a:srgbClr val="A4A3A4"/>
@@ -231,7 +231,7 @@
           <a:p>
             <a:fld id="{05B76329-9BDE-43DA-A433-FD89407A2D9A}" type="datetimeFigureOut">
               <a:rPr lang="en-US" smtClean="0"/>
-              <a:t>12/7/2018</a:t>
+              <a:t>12/11/2018</a:t>
             </a:fld>
             <a:endParaRPr lang="en-US"/>
           </a:p>
@@ -1155,7 +1155,7 @@
           <p:cNvPr id="2" name="Title 1">
             <a:extLst>
               <a:ext uri="{FF2B5EF4-FFF2-40B4-BE49-F238E27FC236}">
-                <a16:creationId xmlns="" xmlns:a16="http://schemas.microsoft.com/office/drawing/2014/main" id="{F6BEE4D0-2948-4D8B-A6B0-A27F98C5260C}"/>
+                <a16:creationId xmlns:a16="http://schemas.microsoft.com/office/drawing/2014/main" id="{F6BEE4D0-2948-4D8B-A6B0-A27F98C5260C}"/>
               </a:ext>
             </a:extLst>
           </p:cNvPr>
@@ -1193,7 +1193,7 @@
           <p:cNvPr id="3" name="Subtitle 2">
             <a:extLst>
               <a:ext uri="{FF2B5EF4-FFF2-40B4-BE49-F238E27FC236}">
-                <a16:creationId xmlns="" xmlns:a16="http://schemas.microsoft.com/office/drawing/2014/main" id="{7F1F3275-E82E-484B-AF27-5650288E8ED2}"/>
+                <a16:creationId xmlns:a16="http://schemas.microsoft.com/office/drawing/2014/main" id="{7F1F3275-E82E-484B-AF27-5650288E8ED2}"/>
               </a:ext>
             </a:extLst>
           </p:cNvPr>
@@ -1266,7 +1266,7 @@
           <p:cNvPr id="9" name="Group 8">
             <a:extLst>
               <a:ext uri="{FF2B5EF4-FFF2-40B4-BE49-F238E27FC236}">
-                <a16:creationId xmlns="" xmlns:a16="http://schemas.microsoft.com/office/drawing/2014/main" id="{D86187BD-A9A7-4B3D-8F2C-B91567B9C326}"/>
+                <a16:creationId xmlns:a16="http://schemas.microsoft.com/office/drawing/2014/main" id="{D86187BD-A9A7-4B3D-8F2C-B91567B9C326}"/>
               </a:ext>
             </a:extLst>
           </p:cNvPr>
@@ -1286,7 +1286,7 @@
             <p:cNvPr id="7" name="Picture 6">
               <a:extLst>
                 <a:ext uri="{FF2B5EF4-FFF2-40B4-BE49-F238E27FC236}">
-                  <a16:creationId xmlns="" xmlns:a16="http://schemas.microsoft.com/office/drawing/2014/main" id="{0A3E5B43-8C12-4719-87CA-7E757457C225}"/>
+                  <a16:creationId xmlns:a16="http://schemas.microsoft.com/office/drawing/2014/main" id="{0A3E5B43-8C12-4719-87CA-7E757457C225}"/>
                 </a:ext>
               </a:extLst>
             </p:cNvPr>
@@ -1322,7 +1322,7 @@
             <p:cNvPr id="8" name="Picture 7">
               <a:extLst>
                 <a:ext uri="{FF2B5EF4-FFF2-40B4-BE49-F238E27FC236}">
-                  <a16:creationId xmlns="" xmlns:a16="http://schemas.microsoft.com/office/drawing/2014/main" id="{D1FEADCA-1EA9-45D5-8DD0-F4B44D8E1151}"/>
+                  <a16:creationId xmlns:a16="http://schemas.microsoft.com/office/drawing/2014/main" id="{D1FEADCA-1EA9-45D5-8DD0-F4B44D8E1151}"/>
                 </a:ext>
               </a:extLst>
             </p:cNvPr>
@@ -1389,7 +1389,7 @@
           <p:cNvPr id="2" name="Title 1">
             <a:extLst>
               <a:ext uri="{FF2B5EF4-FFF2-40B4-BE49-F238E27FC236}">
-                <a16:creationId xmlns="" xmlns:a16="http://schemas.microsoft.com/office/drawing/2014/main" id="{494522C5-0666-4DB7-83CE-5B6CB4D1CF9A}"/>
+                <a16:creationId xmlns:a16="http://schemas.microsoft.com/office/drawing/2014/main" id="{494522C5-0666-4DB7-83CE-5B6CB4D1CF9A}"/>
               </a:ext>
             </a:extLst>
           </p:cNvPr>
@@ -1417,7 +1417,7 @@
           <p:cNvPr id="3" name="Vertical Text Placeholder 2">
             <a:extLst>
               <a:ext uri="{FF2B5EF4-FFF2-40B4-BE49-F238E27FC236}">
-                <a16:creationId xmlns="" xmlns:a16="http://schemas.microsoft.com/office/drawing/2014/main" id="{2C129D95-7B38-4744-A706-F3D434E89EF7}"/>
+                <a16:creationId xmlns:a16="http://schemas.microsoft.com/office/drawing/2014/main" id="{2C129D95-7B38-4744-A706-F3D434E89EF7}"/>
               </a:ext>
             </a:extLst>
           </p:cNvPr>
@@ -1474,7 +1474,7 @@
           <p:cNvPr id="4" name="Date Placeholder 3">
             <a:extLst>
               <a:ext uri="{FF2B5EF4-FFF2-40B4-BE49-F238E27FC236}">
-                <a16:creationId xmlns="" xmlns:a16="http://schemas.microsoft.com/office/drawing/2014/main" id="{ADC97E7D-72AD-48B7-ABA5-B20ABBFBD7C7}"/>
+                <a16:creationId xmlns:a16="http://schemas.microsoft.com/office/drawing/2014/main" id="{ADC97E7D-72AD-48B7-ABA5-B20ABBFBD7C7}"/>
               </a:ext>
             </a:extLst>
           </p:cNvPr>
@@ -1500,7 +1500,7 @@
           <a:p>
             <a:fld id="{DC01BBA9-561A-4EFE-A06C-26F8206AAA61}" type="datetimeFigureOut">
               <a:rPr lang="en-US" smtClean="0"/>
-              <a:t>12/7/2018</a:t>
+              <a:t>12/11/2018</a:t>
             </a:fld>
             <a:endParaRPr lang="en-US"/>
           </a:p>
@@ -1511,7 +1511,7 @@
           <p:cNvPr id="5" name="Footer Placeholder 4">
             <a:extLst>
               <a:ext uri="{FF2B5EF4-FFF2-40B4-BE49-F238E27FC236}">
-                <a16:creationId xmlns="" xmlns:a16="http://schemas.microsoft.com/office/drawing/2014/main" id="{796783C9-D241-4646-AA69-5AFF6519F7EB}"/>
+                <a16:creationId xmlns:a16="http://schemas.microsoft.com/office/drawing/2014/main" id="{796783C9-D241-4646-AA69-5AFF6519F7EB}"/>
               </a:ext>
             </a:extLst>
           </p:cNvPr>
@@ -1536,7 +1536,7 @@
           <p:cNvPr id="6" name="Slide Number Placeholder 5">
             <a:extLst>
               <a:ext uri="{FF2B5EF4-FFF2-40B4-BE49-F238E27FC236}">
-                <a16:creationId xmlns="" xmlns:a16="http://schemas.microsoft.com/office/drawing/2014/main" id="{0ABA8567-0C73-4EE1-85D6-11E997D3CA11}"/>
+                <a16:creationId xmlns:a16="http://schemas.microsoft.com/office/drawing/2014/main" id="{0ABA8567-0C73-4EE1-85D6-11E997D3CA11}"/>
               </a:ext>
             </a:extLst>
           </p:cNvPr>
@@ -1603,7 +1603,7 @@
           <p:cNvPr id="2" name="Vertical Title 1">
             <a:extLst>
               <a:ext uri="{FF2B5EF4-FFF2-40B4-BE49-F238E27FC236}">
-                <a16:creationId xmlns="" xmlns:a16="http://schemas.microsoft.com/office/drawing/2014/main" id="{C034C754-EBB8-4F31-83B1-76F65241CF42}"/>
+                <a16:creationId xmlns:a16="http://schemas.microsoft.com/office/drawing/2014/main" id="{C034C754-EBB8-4F31-83B1-76F65241CF42}"/>
               </a:ext>
             </a:extLst>
           </p:cNvPr>
@@ -1636,7 +1636,7 @@
           <p:cNvPr id="3" name="Vertical Text Placeholder 2">
             <a:extLst>
               <a:ext uri="{FF2B5EF4-FFF2-40B4-BE49-F238E27FC236}">
-                <a16:creationId xmlns="" xmlns:a16="http://schemas.microsoft.com/office/drawing/2014/main" id="{F0C526F1-1446-4F44-BC5F-884564219E21}"/>
+                <a16:creationId xmlns:a16="http://schemas.microsoft.com/office/drawing/2014/main" id="{F0C526F1-1446-4F44-BC5F-884564219E21}"/>
               </a:ext>
             </a:extLst>
           </p:cNvPr>
@@ -1698,7 +1698,7 @@
           <p:cNvPr id="4" name="Date Placeholder 3">
             <a:extLst>
               <a:ext uri="{FF2B5EF4-FFF2-40B4-BE49-F238E27FC236}">
-                <a16:creationId xmlns="" xmlns:a16="http://schemas.microsoft.com/office/drawing/2014/main" id="{1DAB0D6A-501E-4400-90AE-40AD173EACB5}"/>
+                <a16:creationId xmlns:a16="http://schemas.microsoft.com/office/drawing/2014/main" id="{1DAB0D6A-501E-4400-90AE-40AD173EACB5}"/>
               </a:ext>
             </a:extLst>
           </p:cNvPr>
@@ -1724,7 +1724,7 @@
           <a:p>
             <a:fld id="{DC01BBA9-561A-4EFE-A06C-26F8206AAA61}" type="datetimeFigureOut">
               <a:rPr lang="en-US" smtClean="0"/>
-              <a:t>12/7/2018</a:t>
+              <a:t>12/11/2018</a:t>
             </a:fld>
             <a:endParaRPr lang="en-US"/>
           </a:p>
@@ -1735,7 +1735,7 @@
           <p:cNvPr id="5" name="Footer Placeholder 4">
             <a:extLst>
               <a:ext uri="{FF2B5EF4-FFF2-40B4-BE49-F238E27FC236}">
-                <a16:creationId xmlns="" xmlns:a16="http://schemas.microsoft.com/office/drawing/2014/main" id="{76F1E445-1BC8-4794-9C96-36BEAF0741B6}"/>
+                <a16:creationId xmlns:a16="http://schemas.microsoft.com/office/drawing/2014/main" id="{76F1E445-1BC8-4794-9C96-36BEAF0741B6}"/>
               </a:ext>
             </a:extLst>
           </p:cNvPr>
@@ -1760,7 +1760,7 @@
           <p:cNvPr id="6" name="Slide Number Placeholder 5">
             <a:extLst>
               <a:ext uri="{FF2B5EF4-FFF2-40B4-BE49-F238E27FC236}">
-                <a16:creationId xmlns="" xmlns:a16="http://schemas.microsoft.com/office/drawing/2014/main" id="{D28A5DE7-2691-4958-B071-BAF6637CA8BE}"/>
+                <a16:creationId xmlns:a16="http://schemas.microsoft.com/office/drawing/2014/main" id="{D28A5DE7-2691-4958-B071-BAF6637CA8BE}"/>
               </a:ext>
             </a:extLst>
           </p:cNvPr>
@@ -1984,7 +1984,7 @@
           <a:p>
             <a:fld id="{589E5873-CF7F-45F3-B283-E59B1D6F242C}" type="datetimeFigureOut">
               <a:rPr lang="en-US" smtClean="0"/>
-              <a:t>12/7/2018</a:t>
+              <a:t>12/11/2018</a:t>
             </a:fld>
             <a:endParaRPr lang="en-US"/>
           </a:p>
@@ -2152,7 +2152,7 @@
           <a:p>
             <a:fld id="{589E5873-CF7F-45F3-B283-E59B1D6F242C}" type="datetimeFigureOut">
               <a:rPr lang="en-US" smtClean="0"/>
-              <a:t>12/7/2018</a:t>
+              <a:t>12/11/2018</a:t>
             </a:fld>
             <a:endParaRPr lang="en-US"/>
           </a:p>
@@ -2397,7 +2397,7 @@
           <a:p>
             <a:fld id="{589E5873-CF7F-45F3-B283-E59B1D6F242C}" type="datetimeFigureOut">
               <a:rPr lang="en-US" smtClean="0"/>
-              <a:t>12/7/2018</a:t>
+              <a:t>12/11/2018</a:t>
             </a:fld>
             <a:endParaRPr lang="en-US"/>
           </a:p>
@@ -2682,7 +2682,7 @@
           <a:p>
             <a:fld id="{589E5873-CF7F-45F3-B283-E59B1D6F242C}" type="datetimeFigureOut">
               <a:rPr lang="en-US" smtClean="0"/>
-              <a:t>12/7/2018</a:t>
+              <a:t>12/11/2018</a:t>
             </a:fld>
             <a:endParaRPr lang="en-US"/>
           </a:p>
@@ -3101,7 +3101,7 @@
           <a:p>
             <a:fld id="{589E5873-CF7F-45F3-B283-E59B1D6F242C}" type="datetimeFigureOut">
               <a:rPr lang="en-US" smtClean="0"/>
-              <a:t>12/7/2018</a:t>
+              <a:t>12/11/2018</a:t>
             </a:fld>
             <a:endParaRPr lang="en-US"/>
           </a:p>
@@ -3218,7 +3218,7 @@
           <a:p>
             <a:fld id="{589E5873-CF7F-45F3-B283-E59B1D6F242C}" type="datetimeFigureOut">
               <a:rPr lang="en-US" smtClean="0"/>
-              <a:t>12/7/2018</a:t>
+              <a:t>12/11/2018</a:t>
             </a:fld>
             <a:endParaRPr lang="en-US"/>
           </a:p>
@@ -3313,7 +3313,7 @@
           <a:p>
             <a:fld id="{589E5873-CF7F-45F3-B283-E59B1D6F242C}" type="datetimeFigureOut">
               <a:rPr lang="en-US" smtClean="0"/>
-              <a:t>12/7/2018</a:t>
+              <a:t>12/11/2018</a:t>
             </a:fld>
             <a:endParaRPr lang="en-US"/>
           </a:p>
@@ -3588,7 +3588,7 @@
           <a:p>
             <a:fld id="{589E5873-CF7F-45F3-B283-E59B1D6F242C}" type="datetimeFigureOut">
               <a:rPr lang="en-US" smtClean="0"/>
-              <a:t>12/7/2018</a:t>
+              <a:t>12/11/2018</a:t>
             </a:fld>
             <a:endParaRPr lang="en-US"/>
           </a:p>
@@ -3671,7 +3671,7 @@
           <p:cNvPr id="2" name="Title 1">
             <a:extLst>
               <a:ext uri="{FF2B5EF4-FFF2-40B4-BE49-F238E27FC236}">
-                <a16:creationId xmlns="" xmlns:a16="http://schemas.microsoft.com/office/drawing/2014/main" id="{6C17425C-18D3-491A-B44C-33310DF00363}"/>
+                <a16:creationId xmlns:a16="http://schemas.microsoft.com/office/drawing/2014/main" id="{6C17425C-18D3-491A-B44C-33310DF00363}"/>
               </a:ext>
             </a:extLst>
           </p:cNvPr>
@@ -3700,7 +3700,7 @@
           <p:cNvPr id="3" name="Content Placeholder 2">
             <a:extLst>
               <a:ext uri="{FF2B5EF4-FFF2-40B4-BE49-F238E27FC236}">
-                <a16:creationId xmlns="" xmlns:a16="http://schemas.microsoft.com/office/drawing/2014/main" id="{690EA820-1375-49CA-A199-58675EA20385}"/>
+                <a16:creationId xmlns:a16="http://schemas.microsoft.com/office/drawing/2014/main" id="{690EA820-1375-49CA-A199-58675EA20385}"/>
               </a:ext>
             </a:extLst>
           </p:cNvPr>
@@ -3769,7 +3769,7 @@
           <p:cNvPr id="5" name="Footer Placeholder 4">
             <a:extLst>
               <a:ext uri="{FF2B5EF4-FFF2-40B4-BE49-F238E27FC236}">
-                <a16:creationId xmlns="" xmlns:a16="http://schemas.microsoft.com/office/drawing/2014/main" id="{2E02902E-6772-48E0-9C32-694AC3F38F05}"/>
+                <a16:creationId xmlns:a16="http://schemas.microsoft.com/office/drawing/2014/main" id="{2E02902E-6772-48E0-9C32-694AC3F38F05}"/>
               </a:ext>
             </a:extLst>
           </p:cNvPr>
@@ -3794,7 +3794,7 @@
           <p:cNvPr id="7" name="Group 6">
             <a:extLst>
               <a:ext uri="{FF2B5EF4-FFF2-40B4-BE49-F238E27FC236}">
-                <a16:creationId xmlns="" xmlns:a16="http://schemas.microsoft.com/office/drawing/2014/main" id="{298F834E-EBF3-46CA-A2EC-73D50440B60A}"/>
+                <a16:creationId xmlns:a16="http://schemas.microsoft.com/office/drawing/2014/main" id="{298F834E-EBF3-46CA-A2EC-73D50440B60A}"/>
               </a:ext>
             </a:extLst>
           </p:cNvPr>
@@ -3814,7 +3814,7 @@
             <p:cNvPr id="8" name="Picture 7">
               <a:extLst>
                 <a:ext uri="{FF2B5EF4-FFF2-40B4-BE49-F238E27FC236}">
-                  <a16:creationId xmlns="" xmlns:a16="http://schemas.microsoft.com/office/drawing/2014/main" id="{EB3E9659-0155-4ABB-9E67-A5BD8C5D39FB}"/>
+                  <a16:creationId xmlns:a16="http://schemas.microsoft.com/office/drawing/2014/main" id="{EB3E9659-0155-4ABB-9E67-A5BD8C5D39FB}"/>
                 </a:ext>
               </a:extLst>
             </p:cNvPr>
@@ -3850,7 +3850,7 @@
             <p:cNvPr id="9" name="Picture 8">
               <a:extLst>
                 <a:ext uri="{FF2B5EF4-FFF2-40B4-BE49-F238E27FC236}">
-                  <a16:creationId xmlns="" xmlns:a16="http://schemas.microsoft.com/office/drawing/2014/main" id="{1798BE8B-8B5E-4738-8DF7-8EF166351FDC}"/>
+                  <a16:creationId xmlns:a16="http://schemas.microsoft.com/office/drawing/2014/main" id="{1798BE8B-8B5E-4738-8DF7-8EF166351FDC}"/>
                 </a:ext>
               </a:extLst>
             </p:cNvPr>
@@ -4089,7 +4089,7 @@
           <a:p>
             <a:fld id="{589E5873-CF7F-45F3-B283-E59B1D6F242C}" type="datetimeFigureOut">
               <a:rPr lang="en-US" smtClean="0"/>
-              <a:t>12/7/2018</a:t>
+              <a:t>12/11/2018</a:t>
             </a:fld>
             <a:endParaRPr lang="en-US"/>
           </a:p>
@@ -4257,7 +4257,7 @@
           <a:p>
             <a:fld id="{589E5873-CF7F-45F3-B283-E59B1D6F242C}" type="datetimeFigureOut">
               <a:rPr lang="en-US" smtClean="0"/>
-              <a:t>12/7/2018</a:t>
+              <a:t>12/11/2018</a:t>
             </a:fld>
             <a:endParaRPr lang="en-US"/>
           </a:p>
@@ -4435,7 +4435,7 @@
           <a:p>
             <a:fld id="{589E5873-CF7F-45F3-B283-E59B1D6F242C}" type="datetimeFigureOut">
               <a:rPr lang="en-US" smtClean="0"/>
-              <a:t>12/7/2018</a:t>
+              <a:t>12/11/2018</a:t>
             </a:fld>
             <a:endParaRPr lang="en-US"/>
           </a:p>
@@ -4518,7 +4518,7 @@
           <p:cNvPr id="2" name="Title 1">
             <a:extLst>
               <a:ext uri="{FF2B5EF4-FFF2-40B4-BE49-F238E27FC236}">
-                <a16:creationId xmlns="" xmlns:a16="http://schemas.microsoft.com/office/drawing/2014/main" id="{185726EC-5590-4B3F-8B93-87BF6D6E2685}"/>
+                <a16:creationId xmlns:a16="http://schemas.microsoft.com/office/drawing/2014/main" id="{185726EC-5590-4B3F-8B93-87BF6D6E2685}"/>
               </a:ext>
             </a:extLst>
           </p:cNvPr>
@@ -4555,7 +4555,7 @@
           <p:cNvPr id="3" name="Text Placeholder 2">
             <a:extLst>
               <a:ext uri="{FF2B5EF4-FFF2-40B4-BE49-F238E27FC236}">
-                <a16:creationId xmlns="" xmlns:a16="http://schemas.microsoft.com/office/drawing/2014/main" id="{702BC31A-AFD3-475B-8FD8-2A3385AB9343}"/>
+                <a16:creationId xmlns:a16="http://schemas.microsoft.com/office/drawing/2014/main" id="{702BC31A-AFD3-475B-8FD8-2A3385AB9343}"/>
               </a:ext>
             </a:extLst>
           </p:cNvPr>
@@ -4680,7 +4680,7 @@
           <p:cNvPr id="4" name="Date Placeholder 3">
             <a:extLst>
               <a:ext uri="{FF2B5EF4-FFF2-40B4-BE49-F238E27FC236}">
-                <a16:creationId xmlns="" xmlns:a16="http://schemas.microsoft.com/office/drawing/2014/main" id="{C34470BF-A87D-49C2-A87F-81CA950634A0}"/>
+                <a16:creationId xmlns:a16="http://schemas.microsoft.com/office/drawing/2014/main" id="{C34470BF-A87D-49C2-A87F-81CA950634A0}"/>
               </a:ext>
             </a:extLst>
           </p:cNvPr>
@@ -4706,7 +4706,7 @@
           <a:p>
             <a:fld id="{DC01BBA9-561A-4EFE-A06C-26F8206AAA61}" type="datetimeFigureOut">
               <a:rPr lang="en-US" smtClean="0"/>
-              <a:t>12/7/2018</a:t>
+              <a:t>12/11/2018</a:t>
             </a:fld>
             <a:endParaRPr lang="en-US"/>
           </a:p>
@@ -4717,7 +4717,7 @@
           <p:cNvPr id="5" name="Footer Placeholder 4">
             <a:extLst>
               <a:ext uri="{FF2B5EF4-FFF2-40B4-BE49-F238E27FC236}">
-                <a16:creationId xmlns="" xmlns:a16="http://schemas.microsoft.com/office/drawing/2014/main" id="{FA92D832-4BA1-436E-9216-19CE6A5C0BFE}"/>
+                <a16:creationId xmlns:a16="http://schemas.microsoft.com/office/drawing/2014/main" id="{FA92D832-4BA1-436E-9216-19CE6A5C0BFE}"/>
               </a:ext>
             </a:extLst>
           </p:cNvPr>
@@ -4742,7 +4742,7 @@
           <p:cNvPr id="6" name="Slide Number Placeholder 5">
             <a:extLst>
               <a:ext uri="{FF2B5EF4-FFF2-40B4-BE49-F238E27FC236}">
-                <a16:creationId xmlns="" xmlns:a16="http://schemas.microsoft.com/office/drawing/2014/main" id="{F05B968E-A11B-4791-A225-DDAB8A994CFA}"/>
+                <a16:creationId xmlns:a16="http://schemas.microsoft.com/office/drawing/2014/main" id="{F05B968E-A11B-4791-A225-DDAB8A994CFA}"/>
               </a:ext>
             </a:extLst>
           </p:cNvPr>
@@ -4809,7 +4809,7 @@
           <p:cNvPr id="2" name="Title 1">
             <a:extLst>
               <a:ext uri="{FF2B5EF4-FFF2-40B4-BE49-F238E27FC236}">
-                <a16:creationId xmlns="" xmlns:a16="http://schemas.microsoft.com/office/drawing/2014/main" id="{A4669A23-3852-415D-8903-B7312F70C8CE}"/>
+                <a16:creationId xmlns:a16="http://schemas.microsoft.com/office/drawing/2014/main" id="{A4669A23-3852-415D-8903-B7312F70C8CE}"/>
               </a:ext>
             </a:extLst>
           </p:cNvPr>
@@ -4837,7 +4837,7 @@
           <p:cNvPr id="3" name="Content Placeholder 2">
             <a:extLst>
               <a:ext uri="{FF2B5EF4-FFF2-40B4-BE49-F238E27FC236}">
-                <a16:creationId xmlns="" xmlns:a16="http://schemas.microsoft.com/office/drawing/2014/main" id="{11D49E50-AD63-415E-99DA-84C92E64DE61}"/>
+                <a16:creationId xmlns:a16="http://schemas.microsoft.com/office/drawing/2014/main" id="{11D49E50-AD63-415E-99DA-84C92E64DE61}"/>
               </a:ext>
             </a:extLst>
           </p:cNvPr>
@@ -4899,7 +4899,7 @@
           <p:cNvPr id="4" name="Content Placeholder 3">
             <a:extLst>
               <a:ext uri="{FF2B5EF4-FFF2-40B4-BE49-F238E27FC236}">
-                <a16:creationId xmlns="" xmlns:a16="http://schemas.microsoft.com/office/drawing/2014/main" id="{2A4420E8-85C5-4B63-9A9C-1CC0FA16D3A1}"/>
+                <a16:creationId xmlns:a16="http://schemas.microsoft.com/office/drawing/2014/main" id="{2A4420E8-85C5-4B63-9A9C-1CC0FA16D3A1}"/>
               </a:ext>
             </a:extLst>
           </p:cNvPr>
@@ -4961,7 +4961,7 @@
           <p:cNvPr id="5" name="Date Placeholder 4">
             <a:extLst>
               <a:ext uri="{FF2B5EF4-FFF2-40B4-BE49-F238E27FC236}">
-                <a16:creationId xmlns="" xmlns:a16="http://schemas.microsoft.com/office/drawing/2014/main" id="{2CD305D2-024D-47A9-A566-3657C84A3336}"/>
+                <a16:creationId xmlns:a16="http://schemas.microsoft.com/office/drawing/2014/main" id="{2CD305D2-024D-47A9-A566-3657C84A3336}"/>
               </a:ext>
             </a:extLst>
           </p:cNvPr>
@@ -4987,7 +4987,7 @@
           <a:p>
             <a:fld id="{DC01BBA9-561A-4EFE-A06C-26F8206AAA61}" type="datetimeFigureOut">
               <a:rPr lang="en-US" smtClean="0"/>
-              <a:t>12/7/2018</a:t>
+              <a:t>12/11/2018</a:t>
             </a:fld>
             <a:endParaRPr lang="en-US"/>
           </a:p>
@@ -4998,7 +4998,7 @@
           <p:cNvPr id="6" name="Footer Placeholder 5">
             <a:extLst>
               <a:ext uri="{FF2B5EF4-FFF2-40B4-BE49-F238E27FC236}">
-                <a16:creationId xmlns="" xmlns:a16="http://schemas.microsoft.com/office/drawing/2014/main" id="{73B305F1-7C3A-47AC-B3BA-9C8569C6B7DC}"/>
+                <a16:creationId xmlns:a16="http://schemas.microsoft.com/office/drawing/2014/main" id="{73B305F1-7C3A-47AC-B3BA-9C8569C6B7DC}"/>
               </a:ext>
             </a:extLst>
           </p:cNvPr>
@@ -5023,7 +5023,7 @@
           <p:cNvPr id="7" name="Slide Number Placeholder 6">
             <a:extLst>
               <a:ext uri="{FF2B5EF4-FFF2-40B4-BE49-F238E27FC236}">
-                <a16:creationId xmlns="" xmlns:a16="http://schemas.microsoft.com/office/drawing/2014/main" id="{AAB821BD-C529-4F76-B156-490A930D2AFF}"/>
+                <a16:creationId xmlns:a16="http://schemas.microsoft.com/office/drawing/2014/main" id="{AAB821BD-C529-4F76-B156-490A930D2AFF}"/>
               </a:ext>
             </a:extLst>
           </p:cNvPr>
@@ -5090,7 +5090,7 @@
           <p:cNvPr id="2" name="Title 1">
             <a:extLst>
               <a:ext uri="{FF2B5EF4-FFF2-40B4-BE49-F238E27FC236}">
-                <a16:creationId xmlns="" xmlns:a16="http://schemas.microsoft.com/office/drawing/2014/main" id="{9C561881-86DC-4916-AE89-0AF94D9C2977}"/>
+                <a16:creationId xmlns:a16="http://schemas.microsoft.com/office/drawing/2014/main" id="{9C561881-86DC-4916-AE89-0AF94D9C2977}"/>
               </a:ext>
             </a:extLst>
           </p:cNvPr>
@@ -5123,7 +5123,7 @@
           <p:cNvPr id="3" name="Text Placeholder 2">
             <a:extLst>
               <a:ext uri="{FF2B5EF4-FFF2-40B4-BE49-F238E27FC236}">
-                <a16:creationId xmlns="" xmlns:a16="http://schemas.microsoft.com/office/drawing/2014/main" id="{B1168BAB-1836-4E96-BAD0-AAFF619D397D}"/>
+                <a16:creationId xmlns:a16="http://schemas.microsoft.com/office/drawing/2014/main" id="{B1168BAB-1836-4E96-BAD0-AAFF619D397D}"/>
               </a:ext>
             </a:extLst>
           </p:cNvPr>
@@ -5194,7 +5194,7 @@
           <p:cNvPr id="4" name="Content Placeholder 3">
             <a:extLst>
               <a:ext uri="{FF2B5EF4-FFF2-40B4-BE49-F238E27FC236}">
-                <a16:creationId xmlns="" xmlns:a16="http://schemas.microsoft.com/office/drawing/2014/main" id="{32FF6108-0262-4DA9-B7C1-67C14C5DD408}"/>
+                <a16:creationId xmlns:a16="http://schemas.microsoft.com/office/drawing/2014/main" id="{32FF6108-0262-4DA9-B7C1-67C14C5DD408}"/>
               </a:ext>
             </a:extLst>
           </p:cNvPr>
@@ -5256,7 +5256,7 @@
           <p:cNvPr id="5" name="Text Placeholder 4">
             <a:extLst>
               <a:ext uri="{FF2B5EF4-FFF2-40B4-BE49-F238E27FC236}">
-                <a16:creationId xmlns="" xmlns:a16="http://schemas.microsoft.com/office/drawing/2014/main" id="{C3435E12-9692-4AB9-8792-8753CF5F331B}"/>
+                <a16:creationId xmlns:a16="http://schemas.microsoft.com/office/drawing/2014/main" id="{C3435E12-9692-4AB9-8792-8753CF5F331B}"/>
               </a:ext>
             </a:extLst>
           </p:cNvPr>
@@ -5327,7 +5327,7 @@
           <p:cNvPr id="6" name="Content Placeholder 5">
             <a:extLst>
               <a:ext uri="{FF2B5EF4-FFF2-40B4-BE49-F238E27FC236}">
-                <a16:creationId xmlns="" xmlns:a16="http://schemas.microsoft.com/office/drawing/2014/main" id="{B354201C-5274-4011-A80E-FE3998BCD0BB}"/>
+                <a16:creationId xmlns:a16="http://schemas.microsoft.com/office/drawing/2014/main" id="{B354201C-5274-4011-A80E-FE3998BCD0BB}"/>
               </a:ext>
             </a:extLst>
           </p:cNvPr>
@@ -5389,7 +5389,7 @@
           <p:cNvPr id="7" name="Date Placeholder 6">
             <a:extLst>
               <a:ext uri="{FF2B5EF4-FFF2-40B4-BE49-F238E27FC236}">
-                <a16:creationId xmlns="" xmlns:a16="http://schemas.microsoft.com/office/drawing/2014/main" id="{DB6D68A9-CDBE-4250-BDC9-E32480670E89}"/>
+                <a16:creationId xmlns:a16="http://schemas.microsoft.com/office/drawing/2014/main" id="{DB6D68A9-CDBE-4250-BDC9-E32480670E89}"/>
               </a:ext>
             </a:extLst>
           </p:cNvPr>
@@ -5415,7 +5415,7 @@
           <a:p>
             <a:fld id="{DC01BBA9-561A-4EFE-A06C-26F8206AAA61}" type="datetimeFigureOut">
               <a:rPr lang="en-US" smtClean="0"/>
-              <a:t>12/7/2018</a:t>
+              <a:t>12/11/2018</a:t>
             </a:fld>
             <a:endParaRPr lang="en-US"/>
           </a:p>
@@ -5426,7 +5426,7 @@
           <p:cNvPr id="8" name="Footer Placeholder 7">
             <a:extLst>
               <a:ext uri="{FF2B5EF4-FFF2-40B4-BE49-F238E27FC236}">
-                <a16:creationId xmlns="" xmlns:a16="http://schemas.microsoft.com/office/drawing/2014/main" id="{9C6A8D0A-7F29-45C6-82F2-06B303437B1D}"/>
+                <a16:creationId xmlns:a16="http://schemas.microsoft.com/office/drawing/2014/main" id="{9C6A8D0A-7F29-45C6-82F2-06B303437B1D}"/>
               </a:ext>
             </a:extLst>
           </p:cNvPr>
@@ -5451,7 +5451,7 @@
           <p:cNvPr id="9" name="Slide Number Placeholder 8">
             <a:extLst>
               <a:ext uri="{FF2B5EF4-FFF2-40B4-BE49-F238E27FC236}">
-                <a16:creationId xmlns="" xmlns:a16="http://schemas.microsoft.com/office/drawing/2014/main" id="{81B1795D-5472-415B-BA30-F548D00786DF}"/>
+                <a16:creationId xmlns:a16="http://schemas.microsoft.com/office/drawing/2014/main" id="{81B1795D-5472-415B-BA30-F548D00786DF}"/>
               </a:ext>
             </a:extLst>
           </p:cNvPr>
@@ -5518,7 +5518,7 @@
           <p:cNvPr id="2" name="Title 1">
             <a:extLst>
               <a:ext uri="{FF2B5EF4-FFF2-40B4-BE49-F238E27FC236}">
-                <a16:creationId xmlns="" xmlns:a16="http://schemas.microsoft.com/office/drawing/2014/main" id="{2EB3CEBF-9D6F-47EF-9EE3-62C97B8693C7}"/>
+                <a16:creationId xmlns:a16="http://schemas.microsoft.com/office/drawing/2014/main" id="{2EB3CEBF-9D6F-47EF-9EE3-62C97B8693C7}"/>
               </a:ext>
             </a:extLst>
           </p:cNvPr>
@@ -5546,7 +5546,7 @@
           <p:cNvPr id="3" name="Date Placeholder 2">
             <a:extLst>
               <a:ext uri="{FF2B5EF4-FFF2-40B4-BE49-F238E27FC236}">
-                <a16:creationId xmlns="" xmlns:a16="http://schemas.microsoft.com/office/drawing/2014/main" id="{C6AE9C0A-FC09-4279-A12C-CF1FC4ACCE9B}"/>
+                <a16:creationId xmlns:a16="http://schemas.microsoft.com/office/drawing/2014/main" id="{C6AE9C0A-FC09-4279-A12C-CF1FC4ACCE9B}"/>
               </a:ext>
             </a:extLst>
           </p:cNvPr>
@@ -5572,7 +5572,7 @@
           <a:p>
             <a:fld id="{DC01BBA9-561A-4EFE-A06C-26F8206AAA61}" type="datetimeFigureOut">
               <a:rPr lang="en-US" smtClean="0"/>
-              <a:t>12/7/2018</a:t>
+              <a:t>12/11/2018</a:t>
             </a:fld>
             <a:endParaRPr lang="en-US"/>
           </a:p>
@@ -5583,7 +5583,7 @@
           <p:cNvPr id="4" name="Footer Placeholder 3">
             <a:extLst>
               <a:ext uri="{FF2B5EF4-FFF2-40B4-BE49-F238E27FC236}">
-                <a16:creationId xmlns="" xmlns:a16="http://schemas.microsoft.com/office/drawing/2014/main" id="{89A9F02E-BCCD-47A7-916C-5C304CA71A62}"/>
+                <a16:creationId xmlns:a16="http://schemas.microsoft.com/office/drawing/2014/main" id="{89A9F02E-BCCD-47A7-916C-5C304CA71A62}"/>
               </a:ext>
             </a:extLst>
           </p:cNvPr>
@@ -5608,7 +5608,7 @@
           <p:cNvPr id="5" name="Slide Number Placeholder 4">
             <a:extLst>
               <a:ext uri="{FF2B5EF4-FFF2-40B4-BE49-F238E27FC236}">
-                <a16:creationId xmlns="" xmlns:a16="http://schemas.microsoft.com/office/drawing/2014/main" id="{DCCA5EE6-0D3B-4C18-8759-812A322530D2}"/>
+                <a16:creationId xmlns:a16="http://schemas.microsoft.com/office/drawing/2014/main" id="{DCCA5EE6-0D3B-4C18-8759-812A322530D2}"/>
               </a:ext>
             </a:extLst>
           </p:cNvPr>
@@ -5675,7 +5675,7 @@
           <p:cNvPr id="2" name="Date Placeholder 1">
             <a:extLst>
               <a:ext uri="{FF2B5EF4-FFF2-40B4-BE49-F238E27FC236}">
-                <a16:creationId xmlns="" xmlns:a16="http://schemas.microsoft.com/office/drawing/2014/main" id="{692CB08F-9B03-4D60-8EE4-511D62AE0DA2}"/>
+                <a16:creationId xmlns:a16="http://schemas.microsoft.com/office/drawing/2014/main" id="{692CB08F-9B03-4D60-8EE4-511D62AE0DA2}"/>
               </a:ext>
             </a:extLst>
           </p:cNvPr>
@@ -5701,7 +5701,7 @@
           <a:p>
             <a:fld id="{DC01BBA9-561A-4EFE-A06C-26F8206AAA61}" type="datetimeFigureOut">
               <a:rPr lang="en-US" smtClean="0"/>
-              <a:t>12/7/2018</a:t>
+              <a:t>12/11/2018</a:t>
             </a:fld>
             <a:endParaRPr lang="en-US"/>
           </a:p>
@@ -5712,7 +5712,7 @@
           <p:cNvPr id="3" name="Footer Placeholder 2">
             <a:extLst>
               <a:ext uri="{FF2B5EF4-FFF2-40B4-BE49-F238E27FC236}">
-                <a16:creationId xmlns="" xmlns:a16="http://schemas.microsoft.com/office/drawing/2014/main" id="{02D76FC5-22C7-4DB5-A361-705C02029D6F}"/>
+                <a16:creationId xmlns:a16="http://schemas.microsoft.com/office/drawing/2014/main" id="{02D76FC5-22C7-4DB5-A361-705C02029D6F}"/>
               </a:ext>
             </a:extLst>
           </p:cNvPr>
@@ -5737,7 +5737,7 @@
           <p:cNvPr id="4" name="Slide Number Placeholder 3">
             <a:extLst>
               <a:ext uri="{FF2B5EF4-FFF2-40B4-BE49-F238E27FC236}">
-                <a16:creationId xmlns="" xmlns:a16="http://schemas.microsoft.com/office/drawing/2014/main" id="{BDE70A03-9867-43E1-A029-A3BE230783BC}"/>
+                <a16:creationId xmlns:a16="http://schemas.microsoft.com/office/drawing/2014/main" id="{BDE70A03-9867-43E1-A029-A3BE230783BC}"/>
               </a:ext>
             </a:extLst>
           </p:cNvPr>
@@ -5804,7 +5804,7 @@
           <p:cNvPr id="2" name="Title 1">
             <a:extLst>
               <a:ext uri="{FF2B5EF4-FFF2-40B4-BE49-F238E27FC236}">
-                <a16:creationId xmlns="" xmlns:a16="http://schemas.microsoft.com/office/drawing/2014/main" id="{7D92E7AC-CA20-4FC5-AA54-7B5F06D7E3DF}"/>
+                <a16:creationId xmlns:a16="http://schemas.microsoft.com/office/drawing/2014/main" id="{7D92E7AC-CA20-4FC5-AA54-7B5F06D7E3DF}"/>
               </a:ext>
             </a:extLst>
           </p:cNvPr>
@@ -5841,7 +5841,7 @@
           <p:cNvPr id="3" name="Content Placeholder 2">
             <a:extLst>
               <a:ext uri="{FF2B5EF4-FFF2-40B4-BE49-F238E27FC236}">
-                <a16:creationId xmlns="" xmlns:a16="http://schemas.microsoft.com/office/drawing/2014/main" id="{C04311B7-6590-4631-B0EA-3CE414A88DA8}"/>
+                <a16:creationId xmlns:a16="http://schemas.microsoft.com/office/drawing/2014/main" id="{C04311B7-6590-4631-B0EA-3CE414A88DA8}"/>
               </a:ext>
             </a:extLst>
           </p:cNvPr>
@@ -5931,7 +5931,7 @@
           <p:cNvPr id="4" name="Text Placeholder 3">
             <a:extLst>
               <a:ext uri="{FF2B5EF4-FFF2-40B4-BE49-F238E27FC236}">
-                <a16:creationId xmlns="" xmlns:a16="http://schemas.microsoft.com/office/drawing/2014/main" id="{B2F21C70-E3E7-4A52-B9E1-8B7E6EDF4A73}"/>
+                <a16:creationId xmlns:a16="http://schemas.microsoft.com/office/drawing/2014/main" id="{B2F21C70-E3E7-4A52-B9E1-8B7E6EDF4A73}"/>
               </a:ext>
             </a:extLst>
           </p:cNvPr>
@@ -6002,7 +6002,7 @@
           <p:cNvPr id="5" name="Date Placeholder 4">
             <a:extLst>
               <a:ext uri="{FF2B5EF4-FFF2-40B4-BE49-F238E27FC236}">
-                <a16:creationId xmlns="" xmlns:a16="http://schemas.microsoft.com/office/drawing/2014/main" id="{C3665185-E7E2-4539-B9D0-02A042196115}"/>
+                <a16:creationId xmlns:a16="http://schemas.microsoft.com/office/drawing/2014/main" id="{C3665185-E7E2-4539-B9D0-02A042196115}"/>
               </a:ext>
             </a:extLst>
           </p:cNvPr>
@@ -6028,7 +6028,7 @@
           <a:p>
             <a:fld id="{DC01BBA9-561A-4EFE-A06C-26F8206AAA61}" type="datetimeFigureOut">
               <a:rPr lang="en-US" smtClean="0"/>
-              <a:t>12/7/2018</a:t>
+              <a:t>12/11/2018</a:t>
             </a:fld>
             <a:endParaRPr lang="en-US"/>
           </a:p>
@@ -6039,7 +6039,7 @@
           <p:cNvPr id="6" name="Footer Placeholder 5">
             <a:extLst>
               <a:ext uri="{FF2B5EF4-FFF2-40B4-BE49-F238E27FC236}">
-                <a16:creationId xmlns="" xmlns:a16="http://schemas.microsoft.com/office/drawing/2014/main" id="{95F35328-35F6-4E9F-ACEA-7F6EDCE1399D}"/>
+                <a16:creationId xmlns:a16="http://schemas.microsoft.com/office/drawing/2014/main" id="{95F35328-35F6-4E9F-ACEA-7F6EDCE1399D}"/>
               </a:ext>
             </a:extLst>
           </p:cNvPr>
@@ -6064,7 +6064,7 @@
           <p:cNvPr id="7" name="Slide Number Placeholder 6">
             <a:extLst>
               <a:ext uri="{FF2B5EF4-FFF2-40B4-BE49-F238E27FC236}">
-                <a16:creationId xmlns="" xmlns:a16="http://schemas.microsoft.com/office/drawing/2014/main" id="{7D3530D7-713A-4142-865D-69F2CBB2ABC3}"/>
+                <a16:creationId xmlns:a16="http://schemas.microsoft.com/office/drawing/2014/main" id="{7D3530D7-713A-4142-865D-69F2CBB2ABC3}"/>
               </a:ext>
             </a:extLst>
           </p:cNvPr>
@@ -6131,7 +6131,7 @@
           <p:cNvPr id="2" name="Title 1">
             <a:extLst>
               <a:ext uri="{FF2B5EF4-FFF2-40B4-BE49-F238E27FC236}">
-                <a16:creationId xmlns="" xmlns:a16="http://schemas.microsoft.com/office/drawing/2014/main" id="{5858AD64-1235-487E-9A09-75012305112A}"/>
+                <a16:creationId xmlns:a16="http://schemas.microsoft.com/office/drawing/2014/main" id="{5858AD64-1235-487E-9A09-75012305112A}"/>
               </a:ext>
             </a:extLst>
           </p:cNvPr>
@@ -6168,7 +6168,7 @@
           <p:cNvPr id="3" name="Picture Placeholder 2">
             <a:extLst>
               <a:ext uri="{FF2B5EF4-FFF2-40B4-BE49-F238E27FC236}">
-                <a16:creationId xmlns="" xmlns:a16="http://schemas.microsoft.com/office/drawing/2014/main" id="{05D99B9C-611F-4220-8C96-BA83A97158DA}"/>
+                <a16:creationId xmlns:a16="http://schemas.microsoft.com/office/drawing/2014/main" id="{05D99B9C-611F-4220-8C96-BA83A97158DA}"/>
               </a:ext>
             </a:extLst>
           </p:cNvPr>
@@ -6238,7 +6238,7 @@
           <p:cNvPr id="4" name="Text Placeholder 3">
             <a:extLst>
               <a:ext uri="{FF2B5EF4-FFF2-40B4-BE49-F238E27FC236}">
-                <a16:creationId xmlns="" xmlns:a16="http://schemas.microsoft.com/office/drawing/2014/main" id="{4E0AA1A1-26F2-44A0-9322-3322B2666875}"/>
+                <a16:creationId xmlns:a16="http://schemas.microsoft.com/office/drawing/2014/main" id="{4E0AA1A1-26F2-44A0-9322-3322B2666875}"/>
               </a:ext>
             </a:extLst>
           </p:cNvPr>
@@ -6309,7 +6309,7 @@
           <p:cNvPr id="5" name="Date Placeholder 4">
             <a:extLst>
               <a:ext uri="{FF2B5EF4-FFF2-40B4-BE49-F238E27FC236}">
-                <a16:creationId xmlns="" xmlns:a16="http://schemas.microsoft.com/office/drawing/2014/main" id="{2520F382-0E56-432B-970C-3DABE5CA9ACE}"/>
+                <a16:creationId xmlns:a16="http://schemas.microsoft.com/office/drawing/2014/main" id="{2520F382-0E56-432B-970C-3DABE5CA9ACE}"/>
               </a:ext>
             </a:extLst>
           </p:cNvPr>
@@ -6335,7 +6335,7 @@
           <a:p>
             <a:fld id="{DC01BBA9-561A-4EFE-A06C-26F8206AAA61}" type="datetimeFigureOut">
               <a:rPr lang="en-US" smtClean="0"/>
-              <a:t>12/7/2018</a:t>
+              <a:t>12/11/2018</a:t>
             </a:fld>
             <a:endParaRPr lang="en-US"/>
           </a:p>
@@ -6346,7 +6346,7 @@
           <p:cNvPr id="6" name="Footer Placeholder 5">
             <a:extLst>
               <a:ext uri="{FF2B5EF4-FFF2-40B4-BE49-F238E27FC236}">
-                <a16:creationId xmlns="" xmlns:a16="http://schemas.microsoft.com/office/drawing/2014/main" id="{E62E010E-DD6F-43A1-82AC-4AAEF7E49092}"/>
+                <a16:creationId xmlns:a16="http://schemas.microsoft.com/office/drawing/2014/main" id="{E62E010E-DD6F-43A1-82AC-4AAEF7E49092}"/>
               </a:ext>
             </a:extLst>
           </p:cNvPr>
@@ -6371,7 +6371,7 @@
           <p:cNvPr id="7" name="Slide Number Placeholder 6">
             <a:extLst>
               <a:ext uri="{FF2B5EF4-FFF2-40B4-BE49-F238E27FC236}">
-                <a16:creationId xmlns="" xmlns:a16="http://schemas.microsoft.com/office/drawing/2014/main" id="{F71EA10F-0831-4A28-8DCF-F8218C7F6AF5}"/>
+                <a16:creationId xmlns:a16="http://schemas.microsoft.com/office/drawing/2014/main" id="{F71EA10F-0831-4A28-8DCF-F8218C7F6AF5}"/>
               </a:ext>
             </a:extLst>
           </p:cNvPr>
@@ -6443,7 +6443,7 @@
           <p:cNvPr id="2" name="Title Placeholder 1">
             <a:extLst>
               <a:ext uri="{FF2B5EF4-FFF2-40B4-BE49-F238E27FC236}">
-                <a16:creationId xmlns="" xmlns:a16="http://schemas.microsoft.com/office/drawing/2014/main" id="{B97A4B4B-7891-46E8-8E2C-4A43CE28BEDF}"/>
+                <a16:creationId xmlns:a16="http://schemas.microsoft.com/office/drawing/2014/main" id="{B97A4B4B-7891-46E8-8E2C-4A43CE28BEDF}"/>
               </a:ext>
             </a:extLst>
           </p:cNvPr>
@@ -6481,7 +6481,7 @@
           <p:cNvPr id="3" name="Text Placeholder 2">
             <a:extLst>
               <a:ext uri="{FF2B5EF4-FFF2-40B4-BE49-F238E27FC236}">
-                <a16:creationId xmlns="" xmlns:a16="http://schemas.microsoft.com/office/drawing/2014/main" id="{3911003D-388B-489E-B61B-028FD9516650}"/>
+                <a16:creationId xmlns:a16="http://schemas.microsoft.com/office/drawing/2014/main" id="{3911003D-388B-489E-B61B-028FD9516650}"/>
               </a:ext>
             </a:extLst>
           </p:cNvPr>
@@ -6548,7 +6548,7 @@
           <p:cNvPr id="5" name="Footer Placeholder 4">
             <a:extLst>
               <a:ext uri="{FF2B5EF4-FFF2-40B4-BE49-F238E27FC236}">
-                <a16:creationId xmlns="" xmlns:a16="http://schemas.microsoft.com/office/drawing/2014/main" id="{7FF24B16-6409-4A0B-A9E8-7BEDFCD3741B}"/>
+                <a16:creationId xmlns:a16="http://schemas.microsoft.com/office/drawing/2014/main" id="{7FF24B16-6409-4A0B-A9E8-7BEDFCD3741B}"/>
               </a:ext>
             </a:extLst>
           </p:cNvPr>
@@ -6591,7 +6591,7 @@
           <p:cNvPr id="8" name="Group 7">
             <a:extLst>
               <a:ext uri="{FF2B5EF4-FFF2-40B4-BE49-F238E27FC236}">
-                <a16:creationId xmlns="" xmlns:a16="http://schemas.microsoft.com/office/drawing/2014/main" id="{8C1E83E0-1C1D-47CB-853B-598DFFEE3018}"/>
+                <a16:creationId xmlns:a16="http://schemas.microsoft.com/office/drawing/2014/main" id="{8C1E83E0-1C1D-47CB-853B-598DFFEE3018}"/>
               </a:ext>
             </a:extLst>
           </p:cNvPr>
@@ -6611,7 +6611,7 @@
             <p:cNvPr id="9" name="Picture 8">
               <a:extLst>
                 <a:ext uri="{FF2B5EF4-FFF2-40B4-BE49-F238E27FC236}">
-                  <a16:creationId xmlns="" xmlns:a16="http://schemas.microsoft.com/office/drawing/2014/main" id="{C247AE3A-171B-4E36-8770-E111D72C8D51}"/>
+                  <a16:creationId xmlns:a16="http://schemas.microsoft.com/office/drawing/2014/main" id="{C247AE3A-171B-4E36-8770-E111D72C8D51}"/>
                 </a:ext>
               </a:extLst>
             </p:cNvPr>
@@ -6647,7 +6647,7 @@
             <p:cNvPr id="10" name="Picture 9">
               <a:extLst>
                 <a:ext uri="{FF2B5EF4-FFF2-40B4-BE49-F238E27FC236}">
-                  <a16:creationId xmlns="" xmlns:a16="http://schemas.microsoft.com/office/drawing/2014/main" id="{CB3072C0-B39B-4FDC-B4B6-E51875FEB3AC}"/>
+                  <a16:creationId xmlns:a16="http://schemas.microsoft.com/office/drawing/2014/main" id="{CB3072C0-B39B-4FDC-B4B6-E51875FEB3AC}"/>
                 </a:ext>
               </a:extLst>
             </p:cNvPr>
@@ -7133,7 +7133,7 @@
           <a:p>
             <a:fld id="{589E5873-CF7F-45F3-B283-E59B1D6F242C}" type="datetimeFigureOut">
               <a:rPr lang="en-US" smtClean="0"/>
-              <a:t>12/7/2018</a:t>
+              <a:t>12/11/2018</a:t>
             </a:fld>
             <a:endParaRPr lang="en-US"/>
           </a:p>
@@ -7866,7 +7866,7 @@
                         <m:sSubPr>
                           <m:ctrlPr>
                             <a:rPr lang="en-US" sz="2000" i="1" smtClean="0">
-                              <a:latin typeface="Cambria Math"/>
+                              <a:latin typeface="Cambria Math" panose="02040503050406030204" pitchFamily="18" charset="0"/>
                             </a:rPr>
                           </m:ctrlPr>
                         </m:sSubPr>
@@ -7969,7 +7969,7 @@
                         <m:sSubPr>
                           <m:ctrlPr>
                             <a:rPr lang="en-US" sz="2000" i="1" smtClean="0">
-                              <a:latin typeface="Cambria Math"/>
+                              <a:latin typeface="Cambria Math" panose="02040503050406030204" pitchFamily="18" charset="0"/>
                             </a:rPr>
                           </m:ctrlPr>
                         </m:sSubPr>
@@ -8072,7 +8072,7 @@
                         <m:sSubPr>
                           <m:ctrlPr>
                             <a:rPr lang="en-US" sz="2000" i="1" smtClean="0">
-                              <a:latin typeface="Cambria Math"/>
+                              <a:latin typeface="Cambria Math" panose="02040503050406030204" pitchFamily="18" charset="0"/>
                             </a:rPr>
                           </m:ctrlPr>
                         </m:sSubPr>
@@ -8170,7 +8170,7 @@
                           <m:endChr m:val="]"/>
                           <m:ctrlPr>
                             <a:rPr lang="en-US" sz="2400" i="1" smtClean="0">
-                              <a:latin typeface="Cambria Math"/>
+                              <a:latin typeface="Cambria Math" panose="02040503050406030204" pitchFamily="18" charset="0"/>
                             </a:rPr>
                           </m:ctrlPr>
                         </m:dPr>
@@ -8187,7 +8187,7 @@
                               </m:mcs>
                               <m:ctrlPr>
                                 <a:rPr lang="en-US" sz="2400" i="1" smtClean="0">
-                                  <a:latin typeface="Cambria Math"/>
+                                  <a:latin typeface="Cambria Math" panose="02040503050406030204" pitchFamily="18" charset="0"/>
                                 </a:rPr>
                               </m:ctrlPr>
                             </m:mPr>
@@ -8226,7 +8226,7 @@
                                   <m:sSubPr>
                                     <m:ctrlPr>
                                       <a:rPr lang="en-US" sz="2400" i="1">
-                                        <a:latin typeface="Cambria Math"/>
+                                        <a:latin typeface="Cambria Math" panose="02040503050406030204" pitchFamily="18" charset="0"/>
                                       </a:rPr>
                                     </m:ctrlPr>
                                   </m:sSubPr>
@@ -8279,7 +8279,7 @@
                                   <m:sSubPr>
                                     <m:ctrlPr>
                                       <a:rPr lang="en-US" sz="2400" i="1">
-                                        <a:latin typeface="Cambria Math"/>
+                                        <a:latin typeface="Cambria Math" panose="02040503050406030204" pitchFamily="18" charset="0"/>
                                       </a:rPr>
                                     </m:ctrlPr>
                                   </m:sSubPr>
@@ -8677,14 +8677,6 @@
   <p:clrMapOvr>
     <a:masterClrMapping/>
   </p:clrMapOvr>
-  <mc:AlternateContent xmlns:mc="http://schemas.openxmlformats.org/markup-compatibility/2006" xmlns:p14="http://schemas.microsoft.com/office/powerpoint/2010/main">
-    <mc:Choice Requires="p14">
-      <p:transition spd="slow" p14:dur="2000"/>
-    </mc:Choice>
-    <mc:Fallback xmlns="">
-      <p:transition spd="slow"/>
-    </mc:Fallback>
-  </mc:AlternateContent>
   <p:timing>
     <p:tnLst>
       <p:par>
@@ -9133,14 +9125,6 @@
   <p:clrMapOvr>
     <a:masterClrMapping/>
   </p:clrMapOvr>
-  <mc:AlternateContent xmlns:mc="http://schemas.openxmlformats.org/markup-compatibility/2006" xmlns:p14="http://schemas.microsoft.com/office/powerpoint/2010/main">
-    <mc:Choice Requires="p14">
-      <p:transition spd="slow" p14:dur="2000"/>
-    </mc:Choice>
-    <mc:Fallback xmlns="">
-      <p:transition spd="slow"/>
-    </mc:Fallback>
-  </mc:AlternateContent>
 </p:sld>
 </file>
 
@@ -9245,14 +9229,6 @@
   <p:clrMapOvr>
     <a:masterClrMapping/>
   </p:clrMapOvr>
-  <mc:AlternateContent xmlns:mc="http://schemas.openxmlformats.org/markup-compatibility/2006" xmlns:p14="http://schemas.microsoft.com/office/powerpoint/2010/main">
-    <mc:Choice Requires="p14">
-      <p:transition spd="slow" p14:dur="2000"/>
-    </mc:Choice>
-    <mc:Fallback xmlns="">
-      <p:transition spd="slow"/>
-    </mc:Fallback>
-  </mc:AlternateContent>
 </p:sld>
 </file>
 
@@ -9489,14 +9465,6 @@
   <p:clrMapOvr>
     <a:masterClrMapping/>
   </p:clrMapOvr>
-  <mc:AlternateContent xmlns:mc="http://schemas.openxmlformats.org/markup-compatibility/2006" xmlns:p14="http://schemas.microsoft.com/office/powerpoint/2010/main">
-    <mc:Choice Requires="p14">
-      <p:transition spd="slow" p14:dur="2000"/>
-    </mc:Choice>
-    <mc:Fallback xmlns="">
-      <p:transition spd="slow"/>
-    </mc:Fallback>
-  </mc:AlternateContent>
 </p:sld>
 </file>
 
@@ -9583,7 +9551,7 @@
                           <m:endChr m:val="]"/>
                           <m:ctrlPr>
                             <a:rPr lang="en-US" sz="2400" b="1" i="1" smtClean="0">
-                              <a:latin typeface="Cambria Math"/>
+                              <a:latin typeface="Cambria Math" panose="02040503050406030204" pitchFamily="18" charset="0"/>
                             </a:rPr>
                           </m:ctrlPr>
                         </m:dPr>
@@ -9600,7 +9568,7 @@
                               </m:mcs>
                               <m:ctrlPr>
                                 <a:rPr lang="en-US" sz="2400" b="1" i="1" smtClean="0">
-                                  <a:latin typeface="Cambria Math"/>
+                                  <a:latin typeface="Cambria Math" panose="02040503050406030204" pitchFamily="18" charset="0"/>
                                 </a:rPr>
                               </m:ctrlPr>
                             </m:mPr>
@@ -9613,7 +9581,7 @@
                                         <a:solidFill>
                                           <a:srgbClr val="00B050"/>
                                         </a:solidFill>
-                                        <a:latin typeface="Cambria Math"/>
+                                        <a:latin typeface="Cambria Math" panose="02040503050406030204" pitchFamily="18" charset="0"/>
                                       </a:rPr>
                                     </m:ctrlPr>
                                   </m:sSubPr>
@@ -9649,7 +9617,7 @@
                                         <a:solidFill>
                                           <a:srgbClr val="0070C0"/>
                                         </a:solidFill>
-                                        <a:latin typeface="Cambria Math"/>
+                                        <a:latin typeface="Cambria Math" panose="02040503050406030204" pitchFamily="18" charset="0"/>
                                       </a:rPr>
                                     </m:ctrlPr>
                                   </m:sSubPr>
@@ -9685,7 +9653,7 @@
                                         <a:solidFill>
                                           <a:srgbClr val="0070C0"/>
                                         </a:solidFill>
-                                        <a:latin typeface="Cambria Math"/>
+                                        <a:latin typeface="Cambria Math" panose="02040503050406030204" pitchFamily="18" charset="0"/>
                                       </a:rPr>
                                     </m:ctrlPr>
                                   </m:sSubPr>
@@ -9721,7 +9689,7 @@
                                         <a:solidFill>
                                           <a:srgbClr val="0070C0"/>
                                         </a:solidFill>
-                                        <a:latin typeface="Cambria Math"/>
+                                        <a:latin typeface="Cambria Math" panose="02040503050406030204" pitchFamily="18" charset="0"/>
                                       </a:rPr>
                                     </m:ctrlPr>
                                   </m:sSubPr>
@@ -9757,7 +9725,7 @@
                                         <a:solidFill>
                                           <a:srgbClr val="0070C0"/>
                                         </a:solidFill>
-                                        <a:latin typeface="Cambria Math"/>
+                                        <a:latin typeface="Cambria Math" panose="02040503050406030204" pitchFamily="18" charset="0"/>
                                       </a:rPr>
                                     </m:ctrlPr>
                                   </m:sSubPr>
@@ -9795,7 +9763,7 @@
                                         <a:solidFill>
                                           <a:srgbClr val="7030A0"/>
                                         </a:solidFill>
-                                        <a:latin typeface="Cambria Math"/>
+                                        <a:latin typeface="Cambria Math" panose="02040503050406030204" pitchFamily="18" charset="0"/>
                                       </a:rPr>
                                     </m:ctrlPr>
                                   </m:sSubPr>
@@ -9831,7 +9799,7 @@
                                         <a:solidFill>
                                           <a:srgbClr val="00B050"/>
                                         </a:solidFill>
-                                        <a:latin typeface="Cambria Math"/>
+                                        <a:latin typeface="Cambria Math" panose="02040503050406030204" pitchFamily="18" charset="0"/>
                                       </a:rPr>
                                     </m:ctrlPr>
                                   </m:sSubPr>
@@ -9901,7 +9869,7 @@
                                         <a:solidFill>
                                           <a:srgbClr val="7030A0"/>
                                         </a:solidFill>
-                                        <a:latin typeface="Cambria Math"/>
+                                        <a:latin typeface="Cambria Math" panose="02040503050406030204" pitchFamily="18" charset="0"/>
                                       </a:rPr>
                                     </m:ctrlPr>
                                   </m:sSubPr>
@@ -9937,7 +9905,7 @@
                                         <a:solidFill>
                                           <a:srgbClr val="00B050"/>
                                         </a:solidFill>
-                                        <a:latin typeface="Cambria Math"/>
+                                        <a:latin typeface="Cambria Math" panose="02040503050406030204" pitchFamily="18" charset="0"/>
                                       </a:rPr>
                                     </m:ctrlPr>
                                   </m:sSubPr>
@@ -10007,7 +9975,7 @@
                                         <a:solidFill>
                                           <a:srgbClr val="7030A0"/>
                                         </a:solidFill>
-                                        <a:latin typeface="Cambria Math"/>
+                                        <a:latin typeface="Cambria Math" panose="02040503050406030204" pitchFamily="18" charset="0"/>
                                       </a:rPr>
                                     </m:ctrlPr>
                                   </m:sSubPr>
@@ -10043,7 +10011,7 @@
                                         <a:solidFill>
                                           <a:srgbClr val="00B050"/>
                                         </a:solidFill>
-                                        <a:latin typeface="Cambria Math"/>
+                                        <a:latin typeface="Cambria Math" panose="02040503050406030204" pitchFamily="18" charset="0"/>
                                       </a:rPr>
                                     </m:ctrlPr>
                                   </m:sSubPr>
@@ -10113,7 +10081,7 @@
                                         <a:solidFill>
                                           <a:srgbClr val="7030A0"/>
                                         </a:solidFill>
-                                        <a:latin typeface="Cambria Math"/>
+                                        <a:latin typeface="Cambria Math" panose="02040503050406030204" pitchFamily="18" charset="0"/>
                                       </a:rPr>
                                     </m:ctrlPr>
                                   </m:sSubPr>
@@ -10149,7 +10117,7 @@
                                         <a:solidFill>
                                           <a:srgbClr val="00B050"/>
                                         </a:solidFill>
-                                        <a:latin typeface="Cambria Math"/>
+                                        <a:latin typeface="Cambria Math" panose="02040503050406030204" pitchFamily="18" charset="0"/>
                                       </a:rPr>
                                     </m:ctrlPr>
                                   </m:sSubPr>
@@ -10422,7 +10390,7 @@
                           <m:endChr m:val="]"/>
                           <m:ctrlPr>
                             <a:rPr lang="en-US" sz="2000" b="1" i="1" smtClean="0">
-                              <a:latin typeface="Cambria Math"/>
+                              <a:latin typeface="Cambria Math" panose="02040503050406030204" pitchFamily="18" charset="0"/>
                             </a:rPr>
                           </m:ctrlPr>
                         </m:dPr>
@@ -10442,7 +10410,7 @@
                                   <a:solidFill>
                                     <a:srgbClr val="00B050"/>
                                   </a:solidFill>
-                                  <a:latin typeface="Cambria Math"/>
+                                  <a:latin typeface="Cambria Math" panose="02040503050406030204" pitchFamily="18" charset="0"/>
                                 </a:rPr>
                               </m:ctrlPr>
                             </m:mPr>
@@ -10978,19 +10946,11 @@
   <p:clrMapOvr>
     <a:masterClrMapping/>
   </p:clrMapOvr>
-  <mc:AlternateContent xmlns:mc="http://schemas.openxmlformats.org/markup-compatibility/2006" xmlns:p14="http://schemas.microsoft.com/office/powerpoint/2010/main">
-    <mc:Choice Requires="p14">
-      <p:transition spd="slow" p14:dur="2000"/>
-    </mc:Choice>
-    <mc:Fallback xmlns="">
-      <p:transition spd="slow"/>
-    </mc:Fallback>
-  </mc:AlternateContent>
 </p:sld>
 </file>
 
 <file path=ppt/slides/slide15.xml><?xml version="1.0" encoding="utf-8"?>
-<p:sld xmlns:a="http://schemas.openxmlformats.org/drawingml/2006/main" xmlns:r="http://schemas.openxmlformats.org/officeDocument/2006/relationships" xmlns:p="http://schemas.openxmlformats.org/presentationml/2006/main">
+<p:sld xmlns:a="http://schemas.openxmlformats.org/drawingml/2006/main" xmlns:r="http://schemas.openxmlformats.org/officeDocument/2006/relationships" xmlns:p="http://schemas.openxmlformats.org/presentationml/2006/main" show="0">
   <p:cSld>
     <p:spTree>
       <p:nvGrpSpPr>
@@ -12803,7 +12763,7 @@
                         <m:sSupPr>
                           <m:ctrlPr>
                             <a:rPr lang="en-US" sz="2000" i="1" smtClean="0">
-                              <a:latin typeface="Cambria Math"/>
+                              <a:latin typeface="Cambria Math" panose="02040503050406030204" pitchFamily="18" charset="0"/>
                             </a:rPr>
                           </m:ctrlPr>
                         </m:sSupPr>
@@ -12907,7 +12867,7 @@
                         <m:sSupPr>
                           <m:ctrlPr>
                             <a:rPr lang="en-US" sz="2000" i="1" smtClean="0">
-                              <a:latin typeface="Cambria Math"/>
+                              <a:latin typeface="Cambria Math" panose="02040503050406030204" pitchFamily="18" charset="0"/>
                             </a:rPr>
                           </m:ctrlPr>
                         </m:sSupPr>
@@ -13011,7 +12971,7 @@
                         <m:sSupPr>
                           <m:ctrlPr>
                             <a:rPr lang="en-US" sz="2000" i="1" smtClean="0">
-                              <a:latin typeface="Cambria Math"/>
+                              <a:latin typeface="Cambria Math" panose="02040503050406030204" pitchFamily="18" charset="0"/>
                             </a:rPr>
                           </m:ctrlPr>
                         </m:sSupPr>
@@ -13115,7 +13075,7 @@
                         <m:sSupPr>
                           <m:ctrlPr>
                             <a:rPr lang="en-US" sz="2000" i="1" smtClean="0">
-                              <a:latin typeface="Cambria Math"/>
+                              <a:latin typeface="Cambria Math" panose="02040503050406030204" pitchFamily="18" charset="0"/>
                             </a:rPr>
                           </m:ctrlPr>
                         </m:sSupPr>
@@ -13345,7 +13305,7 @@
                         <m:sSupPr>
                           <m:ctrlPr>
                             <a:rPr lang="en-US" i="1" smtClean="0">
-                              <a:latin typeface="Cambria Math"/>
+                              <a:latin typeface="Cambria Math" panose="02040503050406030204" pitchFamily="18" charset="0"/>
                             </a:rPr>
                           </m:ctrlPr>
                         </m:sSupPr>
@@ -13455,7 +13415,7 @@
                         <m:sSupPr>
                           <m:ctrlPr>
                             <a:rPr lang="en-US" i="1" smtClean="0">
-                              <a:latin typeface="Cambria Math"/>
+                              <a:latin typeface="Cambria Math" panose="02040503050406030204" pitchFamily="18" charset="0"/>
                             </a:rPr>
                           </m:ctrlPr>
                         </m:sSupPr>
@@ -13565,7 +13525,7 @@
                         <m:sSupPr>
                           <m:ctrlPr>
                             <a:rPr lang="en-US" i="1" smtClean="0">
-                              <a:latin typeface="Cambria Math"/>
+                              <a:latin typeface="Cambria Math" panose="02040503050406030204" pitchFamily="18" charset="0"/>
                             </a:rPr>
                           </m:ctrlPr>
                         </m:sSupPr>
@@ -13677,7 +13637,7 @@
                           <m:endChr m:val="]"/>
                           <m:ctrlPr>
                             <a:rPr lang="en-US" sz="2000" i="1" smtClean="0">
-                              <a:latin typeface="Cambria Math"/>
+                              <a:latin typeface="Cambria Math" panose="02040503050406030204" pitchFamily="18" charset="0"/>
                             </a:rPr>
                           </m:ctrlPr>
                         </m:dPr>
@@ -13694,7 +13654,7 @@
                               </m:mcs>
                               <m:ctrlPr>
                                 <a:rPr lang="en-US" sz="2000" i="1" smtClean="0">
-                                  <a:latin typeface="Cambria Math"/>
+                                  <a:latin typeface="Cambria Math" panose="02040503050406030204" pitchFamily="18" charset="0"/>
                                 </a:rPr>
                               </m:ctrlPr>
                             </m:mPr>
@@ -13715,7 +13675,7 @@
                                   <m:sSupPr>
                                     <m:ctrlPr>
                                       <a:rPr lang="en-US" sz="2000" b="0" i="1" smtClean="0">
-                                        <a:latin typeface="Cambria Math"/>
+                                        <a:latin typeface="Cambria Math" panose="02040503050406030204" pitchFamily="18" charset="0"/>
                                       </a:rPr>
                                     </m:ctrlPr>
                                   </m:sSupPr>
@@ -13741,7 +13701,7 @@
                                   <m:sSupPr>
                                     <m:ctrlPr>
                                       <a:rPr lang="en-US" sz="2000" i="1" smtClean="0">
-                                        <a:latin typeface="Cambria Math"/>
+                                        <a:latin typeface="Cambria Math" panose="02040503050406030204" pitchFamily="18" charset="0"/>
                                         <a:ea typeface="Cambria Math"/>
                                       </a:rPr>
                                     </m:ctrlPr>
@@ -13771,7 +13731,7 @@
                                   <m:sSupPr>
                                     <m:ctrlPr>
                                       <a:rPr lang="en-US" sz="2000" i="1">
-                                        <a:latin typeface="Cambria Math"/>
+                                        <a:latin typeface="Cambria Math" panose="02040503050406030204" pitchFamily="18" charset="0"/>
                                       </a:rPr>
                                     </m:ctrlPr>
                                   </m:sSupPr>
@@ -13797,7 +13757,7 @@
                                   <m:sSupPr>
                                     <m:ctrlPr>
                                       <a:rPr lang="en-US" sz="2000" i="1">
-                                        <a:latin typeface="Cambria Math"/>
+                                        <a:latin typeface="Cambria Math" panose="02040503050406030204" pitchFamily="18" charset="0"/>
                                         <a:ea typeface="Cambria Math"/>
                                       </a:rPr>
                                     </m:ctrlPr>
@@ -13840,7 +13800,7 @@
                                   <m:sSupPr>
                                     <m:ctrlPr>
                                       <a:rPr lang="en-US" sz="2000" i="1">
-                                        <a:latin typeface="Cambria Math"/>
+                                        <a:latin typeface="Cambria Math" panose="02040503050406030204" pitchFamily="18" charset="0"/>
                                       </a:rPr>
                                     </m:ctrlPr>
                                   </m:sSupPr>
@@ -13879,7 +13839,7 @@
                                   <m:sSupPr>
                                     <m:ctrlPr>
                                       <a:rPr lang="en-US" sz="2000" i="1">
-                                        <a:latin typeface="Cambria Math"/>
+                                        <a:latin typeface="Cambria Math" panose="02040503050406030204" pitchFamily="18" charset="0"/>
                                       </a:rPr>
                                     </m:ctrlPr>
                                   </m:sSupPr>
@@ -13913,7 +13873,7 @@
                                   <m:sSupPr>
                                     <m:ctrlPr>
                                       <a:rPr lang="en-US" sz="2000" b="0" i="1" smtClean="0">
-                                        <a:latin typeface="Cambria Math"/>
+                                        <a:latin typeface="Cambria Math" panose="02040503050406030204" pitchFamily="18" charset="0"/>
                                         <a:ea typeface="Cambria Math"/>
                                       </a:rPr>
                                     </m:ctrlPr>
@@ -13950,7 +13910,7 @@
                                   <m:sSupPr>
                                     <m:ctrlPr>
                                       <a:rPr lang="en-US" sz="2000" i="1">
-                                        <a:latin typeface="Cambria Math"/>
+                                        <a:latin typeface="Cambria Math" panose="02040503050406030204" pitchFamily="18" charset="0"/>
                                       </a:rPr>
                                     </m:ctrlPr>
                                   </m:sSupPr>
@@ -13977,7 +13937,7 @@
                                   <m:sSupPr>
                                     <m:ctrlPr>
                                       <a:rPr lang="en-US" sz="2000" i="1" smtClean="0">
-                                        <a:latin typeface="Cambria Math"/>
+                                        <a:latin typeface="Cambria Math" panose="02040503050406030204" pitchFamily="18" charset="0"/>
                                         <a:ea typeface="Cambria Math"/>
                                       </a:rPr>
                                     </m:ctrlPr>
@@ -14013,7 +13973,7 @@
                                   <m:sSupPr>
                                     <m:ctrlPr>
                                       <a:rPr lang="en-US" sz="2000" i="1">
-                                        <a:latin typeface="Cambria Math"/>
+                                        <a:latin typeface="Cambria Math" panose="02040503050406030204" pitchFamily="18" charset="0"/>
                                       </a:rPr>
                                     </m:ctrlPr>
                                   </m:sSupPr>
@@ -14052,7 +14012,7 @@
                                   <m:sSupPr>
                                     <m:ctrlPr>
                                       <a:rPr lang="en-US" sz="2000" i="1">
-                                        <a:latin typeface="Cambria Math"/>
+                                        <a:latin typeface="Cambria Math" panose="02040503050406030204" pitchFamily="18" charset="0"/>
                                       </a:rPr>
                                     </m:ctrlPr>
                                   </m:sSupPr>
@@ -14079,7 +14039,7 @@
                                   <m:sSupPr>
                                     <m:ctrlPr>
                                       <a:rPr lang="en-US" sz="2000" i="1" smtClean="0">
-                                        <a:latin typeface="Cambria Math"/>
+                                        <a:latin typeface="Cambria Math" panose="02040503050406030204" pitchFamily="18" charset="0"/>
                                         <a:ea typeface="Cambria Math"/>
                                       </a:rPr>
                                     </m:ctrlPr>
@@ -14109,7 +14069,7 @@
                                   <m:sSupPr>
                                     <m:ctrlPr>
                                       <a:rPr lang="en-US" sz="2000" i="1">
-                                        <a:latin typeface="Cambria Math"/>
+                                        <a:latin typeface="Cambria Math" panose="02040503050406030204" pitchFamily="18" charset="0"/>
                                       </a:rPr>
                                     </m:ctrlPr>
                                   </m:sSupPr>
@@ -14143,7 +14103,7 @@
                                   <m:sSupPr>
                                     <m:ctrlPr>
                                       <a:rPr lang="en-US" sz="2000" b="0" i="1" smtClean="0">
-                                        <a:latin typeface="Cambria Math"/>
+                                        <a:latin typeface="Cambria Math" panose="02040503050406030204" pitchFamily="18" charset="0"/>
                                         <a:ea typeface="Cambria Math"/>
                                       </a:rPr>
                                     </m:ctrlPr>
@@ -14186,7 +14146,7 @@
                                   <m:sSupPr>
                                     <m:ctrlPr>
                                       <a:rPr lang="en-US" sz="2000" i="1">
-                                        <a:latin typeface="Cambria Math"/>
+                                        <a:latin typeface="Cambria Math" panose="02040503050406030204" pitchFamily="18" charset="0"/>
                                       </a:rPr>
                                     </m:ctrlPr>
                                   </m:sSupPr>
@@ -17420,10 +17380,9 @@
           <a:p>
             <a:pPr algn="ctr"/>
             <a:r>
-              <a:rPr lang="en-US" dirty="0" smtClean="0"/>
+              <a:rPr lang="en-US" dirty="0"/>
               <a:t>IPM</a:t>
             </a:r>
-            <a:endParaRPr lang="en-US" dirty="0"/>
           </a:p>
         </p:txBody>
       </p:sp>
@@ -19883,7 +19842,7 @@
                 <a:gridCol w="3926776">
                   <a:extLst>
                     <a:ext uri="{9D8B030D-6E8A-4147-A177-3AD203B41FA5}">
-                      <a16:colId xmlns="" xmlns:a16="http://schemas.microsoft.com/office/drawing/2014/main" val="20000"/>
+                      <a16:colId xmlns:a16="http://schemas.microsoft.com/office/drawing/2014/main" val="20000"/>
                     </a:ext>
                   </a:extLst>
                 </a:gridCol>
@@ -19905,7 +19864,7 @@
                 </a:tc>
                 <a:extLst>
                   <a:ext uri="{0D108BD9-81ED-4DB2-BD59-A6C34878D82A}">
-                    <a16:rowId xmlns="" xmlns:a16="http://schemas.microsoft.com/office/drawing/2014/main" val="10000"/>
+                    <a16:rowId xmlns:a16="http://schemas.microsoft.com/office/drawing/2014/main" val="10000"/>
                   </a:ext>
                 </a:extLst>
               </a:tr>
@@ -19926,7 +19885,7 @@
                 </a:tc>
                 <a:extLst>
                   <a:ext uri="{0D108BD9-81ED-4DB2-BD59-A6C34878D82A}">
-                    <a16:rowId xmlns="" xmlns:a16="http://schemas.microsoft.com/office/drawing/2014/main" val="10001"/>
+                    <a16:rowId xmlns:a16="http://schemas.microsoft.com/office/drawing/2014/main" val="10001"/>
                   </a:ext>
                 </a:extLst>
               </a:tr>
@@ -19952,7 +19911,7 @@
                 </a:tc>
                 <a:extLst>
                   <a:ext uri="{0D108BD9-81ED-4DB2-BD59-A6C34878D82A}">
-                    <a16:rowId xmlns="" xmlns:a16="http://schemas.microsoft.com/office/drawing/2014/main" val="10002"/>
+                    <a16:rowId xmlns:a16="http://schemas.microsoft.com/office/drawing/2014/main" val="10002"/>
                   </a:ext>
                 </a:extLst>
               </a:tr>
@@ -19978,7 +19937,7 @@
                 </a:tc>
                 <a:extLst>
                   <a:ext uri="{0D108BD9-81ED-4DB2-BD59-A6C34878D82A}">
-                    <a16:rowId xmlns="" xmlns:a16="http://schemas.microsoft.com/office/drawing/2014/main" val="10003"/>
+                    <a16:rowId xmlns:a16="http://schemas.microsoft.com/office/drawing/2014/main" val="10003"/>
                   </a:ext>
                 </a:extLst>
               </a:tr>
@@ -20004,7 +19963,7 @@
                 </a:tc>
                 <a:extLst>
                   <a:ext uri="{0D108BD9-81ED-4DB2-BD59-A6C34878D82A}">
-                    <a16:rowId xmlns="" xmlns:a16="http://schemas.microsoft.com/office/drawing/2014/main" val="10004"/>
+                    <a16:rowId xmlns:a16="http://schemas.microsoft.com/office/drawing/2014/main" val="10004"/>
                   </a:ext>
                 </a:extLst>
               </a:tr>
@@ -20034,7 +19993,7 @@
                 </a:tc>
                 <a:extLst>
                   <a:ext uri="{0D108BD9-81ED-4DB2-BD59-A6C34878D82A}">
-                    <a16:rowId xmlns="" xmlns:a16="http://schemas.microsoft.com/office/drawing/2014/main" val="10005"/>
+                    <a16:rowId xmlns:a16="http://schemas.microsoft.com/office/drawing/2014/main" val="10005"/>
                   </a:ext>
                 </a:extLst>
               </a:tr>
@@ -20055,7 +20014,7 @@
                 </a:tc>
                 <a:extLst>
                   <a:ext uri="{0D108BD9-81ED-4DB2-BD59-A6C34878D82A}">
-                    <a16:rowId xmlns="" xmlns:a16="http://schemas.microsoft.com/office/drawing/2014/main" val="10006"/>
+                    <a16:rowId xmlns:a16="http://schemas.microsoft.com/office/drawing/2014/main" val="10006"/>
                   </a:ext>
                 </a:extLst>
               </a:tr>
@@ -20076,7 +20035,7 @@
                 </a:tc>
                 <a:extLst>
                   <a:ext uri="{0D108BD9-81ED-4DB2-BD59-A6C34878D82A}">
-                    <a16:rowId xmlns="" xmlns:a16="http://schemas.microsoft.com/office/drawing/2014/main" val="10007"/>
+                    <a16:rowId xmlns:a16="http://schemas.microsoft.com/office/drawing/2014/main" val="10007"/>
                   </a:ext>
                 </a:extLst>
               </a:tr>
@@ -20112,7 +20071,7 @@
                 <a:gridCol w="2870200">
                   <a:extLst>
                     <a:ext uri="{9D8B030D-6E8A-4147-A177-3AD203B41FA5}">
-                      <a16:colId xmlns="" xmlns:a16="http://schemas.microsoft.com/office/drawing/2014/main" val="20000"/>
+                      <a16:colId xmlns:a16="http://schemas.microsoft.com/office/drawing/2014/main" val="20000"/>
                     </a:ext>
                   </a:extLst>
                 </a:gridCol>
@@ -20134,7 +20093,7 @@
                 </a:tc>
                 <a:extLst>
                   <a:ext uri="{0D108BD9-81ED-4DB2-BD59-A6C34878D82A}">
-                    <a16:rowId xmlns="" xmlns:a16="http://schemas.microsoft.com/office/drawing/2014/main" val="10000"/>
+                    <a16:rowId xmlns:a16="http://schemas.microsoft.com/office/drawing/2014/main" val="10000"/>
                   </a:ext>
                 </a:extLst>
               </a:tr>
@@ -20155,7 +20114,7 @@
                 </a:tc>
                 <a:extLst>
                   <a:ext uri="{0D108BD9-81ED-4DB2-BD59-A6C34878D82A}">
-                    <a16:rowId xmlns="" xmlns:a16="http://schemas.microsoft.com/office/drawing/2014/main" val="10001"/>
+                    <a16:rowId xmlns:a16="http://schemas.microsoft.com/office/drawing/2014/main" val="10001"/>
                   </a:ext>
                 </a:extLst>
               </a:tr>
@@ -20176,7 +20135,7 @@
                 </a:tc>
                 <a:extLst>
                   <a:ext uri="{0D108BD9-81ED-4DB2-BD59-A6C34878D82A}">
-                    <a16:rowId xmlns="" xmlns:a16="http://schemas.microsoft.com/office/drawing/2014/main" val="10002"/>
+                    <a16:rowId xmlns:a16="http://schemas.microsoft.com/office/drawing/2014/main" val="10002"/>
                   </a:ext>
                 </a:extLst>
               </a:tr>
@@ -20198,7 +20157,7 @@
                 </a:tc>
                 <a:extLst>
                   <a:ext uri="{0D108BD9-81ED-4DB2-BD59-A6C34878D82A}">
-                    <a16:rowId xmlns="" xmlns:a16="http://schemas.microsoft.com/office/drawing/2014/main" val="10003"/>
+                    <a16:rowId xmlns:a16="http://schemas.microsoft.com/office/drawing/2014/main" val="10003"/>
                   </a:ext>
                 </a:extLst>
               </a:tr>
@@ -20219,7 +20178,7 @@
                 </a:tc>
                 <a:extLst>
                   <a:ext uri="{0D108BD9-81ED-4DB2-BD59-A6C34878D82A}">
-                    <a16:rowId xmlns="" xmlns:a16="http://schemas.microsoft.com/office/drawing/2014/main" val="10004"/>
+                    <a16:rowId xmlns:a16="http://schemas.microsoft.com/office/drawing/2014/main" val="10004"/>
                   </a:ext>
                 </a:extLst>
               </a:tr>
@@ -20634,33 +20593,260 @@
                                   </p:childTnLst>
                                 </p:cTn>
                               </p:par>
-                            </p:childTnLst>
-                          </p:cTn>
-                        </p:par>
-                      </p:childTnLst>
-                    </p:cTn>
-                  </p:par>
-                  <p:par>
-                    <p:cTn id="8" fill="hold">
-                      <p:stCondLst>
-                        <p:cond delay="indefinite"/>
-                      </p:stCondLst>
-                      <p:childTnLst>
-                        <p:par>
-                          <p:cTn id="9" fill="hold">
-                            <p:stCondLst>
-                              <p:cond delay="0"/>
-                            </p:stCondLst>
-                            <p:childTnLst>
                               <p:par>
-                                <p:cTn id="10" presetID="10" presetClass="entr" presetSubtype="0" fill="hold" nodeType="clickEffect">
+                                <p:cTn id="8" presetID="10" presetClass="entr" presetSubtype="0" fill="hold" nodeType="withEffect">
                                   <p:stCondLst>
                                     <p:cond delay="0"/>
                                   </p:stCondLst>
                                   <p:childTnLst>
                                     <p:set>
                                       <p:cBhvr>
-                                        <p:cTn id="11" dur="1" fill="hold">
+                                        <p:cTn id="9" dur="1" fill="hold">
+                                          <p:stCondLst>
+                                            <p:cond delay="0"/>
+                                          </p:stCondLst>
+                                        </p:cTn>
+                                        <p:tgtEl>
+                                          <p:spTgt spid="13"/>
+                                        </p:tgtEl>
+                                        <p:attrNameLst>
+                                          <p:attrName>style.visibility</p:attrName>
+                                        </p:attrNameLst>
+                                      </p:cBhvr>
+                                      <p:to>
+                                        <p:strVal val="visible"/>
+                                      </p:to>
+                                    </p:set>
+                                    <p:animEffect transition="in" filter="fade">
+                                      <p:cBhvr>
+                                        <p:cTn id="10" dur="500"/>
+                                        <p:tgtEl>
+                                          <p:spTgt spid="13"/>
+                                        </p:tgtEl>
+                                      </p:cBhvr>
+                                    </p:animEffect>
+                                  </p:childTnLst>
+                                </p:cTn>
+                              </p:par>
+                              <p:par>
+                                <p:cTn id="11" presetID="10" presetClass="entr" presetSubtype="0" fill="hold" nodeType="withEffect">
+                                  <p:stCondLst>
+                                    <p:cond delay="0"/>
+                                  </p:stCondLst>
+                                  <p:childTnLst>
+                                    <p:set>
+                                      <p:cBhvr>
+                                        <p:cTn id="12" dur="1" fill="hold">
+                                          <p:stCondLst>
+                                            <p:cond delay="0"/>
+                                          </p:stCondLst>
+                                        </p:cTn>
+                                        <p:tgtEl>
+                                          <p:spTgt spid="18"/>
+                                        </p:tgtEl>
+                                        <p:attrNameLst>
+                                          <p:attrName>style.visibility</p:attrName>
+                                        </p:attrNameLst>
+                                      </p:cBhvr>
+                                      <p:to>
+                                        <p:strVal val="visible"/>
+                                      </p:to>
+                                    </p:set>
+                                    <p:animEffect transition="in" filter="fade">
+                                      <p:cBhvr>
+                                        <p:cTn id="13" dur="500"/>
+                                        <p:tgtEl>
+                                          <p:spTgt spid="18"/>
+                                        </p:tgtEl>
+                                      </p:cBhvr>
+                                    </p:animEffect>
+                                  </p:childTnLst>
+                                </p:cTn>
+                              </p:par>
+                              <p:par>
+                                <p:cTn id="14" presetID="10" presetClass="entr" presetSubtype="0" fill="hold" nodeType="withEffect">
+                                  <p:stCondLst>
+                                    <p:cond delay="0"/>
+                                  </p:stCondLst>
+                                  <p:childTnLst>
+                                    <p:set>
+                                      <p:cBhvr>
+                                        <p:cTn id="15" dur="1" fill="hold">
+                                          <p:stCondLst>
+                                            <p:cond delay="0"/>
+                                          </p:stCondLst>
+                                        </p:cTn>
+                                        <p:tgtEl>
+                                          <p:spTgt spid="17"/>
+                                        </p:tgtEl>
+                                        <p:attrNameLst>
+                                          <p:attrName>style.visibility</p:attrName>
+                                        </p:attrNameLst>
+                                      </p:cBhvr>
+                                      <p:to>
+                                        <p:strVal val="visible"/>
+                                      </p:to>
+                                    </p:set>
+                                    <p:animEffect transition="in" filter="fade">
+                                      <p:cBhvr>
+                                        <p:cTn id="16" dur="500"/>
+                                        <p:tgtEl>
+                                          <p:spTgt spid="17"/>
+                                        </p:tgtEl>
+                                      </p:cBhvr>
+                                    </p:animEffect>
+                                  </p:childTnLst>
+                                </p:cTn>
+                              </p:par>
+                              <p:par>
+                                <p:cTn id="17" presetID="10" presetClass="entr" presetSubtype="0" fill="hold" nodeType="withEffect">
+                                  <p:stCondLst>
+                                    <p:cond delay="0"/>
+                                  </p:stCondLst>
+                                  <p:childTnLst>
+                                    <p:set>
+                                      <p:cBhvr>
+                                        <p:cTn id="18" dur="1" fill="hold">
+                                          <p:stCondLst>
+                                            <p:cond delay="0"/>
+                                          </p:stCondLst>
+                                        </p:cTn>
+                                        <p:tgtEl>
+                                          <p:spTgt spid="19"/>
+                                        </p:tgtEl>
+                                        <p:attrNameLst>
+                                          <p:attrName>style.visibility</p:attrName>
+                                        </p:attrNameLst>
+                                      </p:cBhvr>
+                                      <p:to>
+                                        <p:strVal val="visible"/>
+                                      </p:to>
+                                    </p:set>
+                                    <p:animEffect transition="in" filter="fade">
+                                      <p:cBhvr>
+                                        <p:cTn id="19" dur="500"/>
+                                        <p:tgtEl>
+                                          <p:spTgt spid="19"/>
+                                        </p:tgtEl>
+                                      </p:cBhvr>
+                                    </p:animEffect>
+                                  </p:childTnLst>
+                                </p:cTn>
+                              </p:par>
+                              <p:par>
+                                <p:cTn id="20" presetID="10" presetClass="entr" presetSubtype="0" fill="hold" nodeType="withEffect">
+                                  <p:stCondLst>
+                                    <p:cond delay="0"/>
+                                  </p:stCondLst>
+                                  <p:childTnLst>
+                                    <p:set>
+                                      <p:cBhvr>
+                                        <p:cTn id="21" dur="1" fill="hold">
+                                          <p:stCondLst>
+                                            <p:cond delay="0"/>
+                                          </p:stCondLst>
+                                        </p:cTn>
+                                        <p:tgtEl>
+                                          <p:spTgt spid="21"/>
+                                        </p:tgtEl>
+                                        <p:attrNameLst>
+                                          <p:attrName>style.visibility</p:attrName>
+                                        </p:attrNameLst>
+                                      </p:cBhvr>
+                                      <p:to>
+                                        <p:strVal val="visible"/>
+                                      </p:to>
+                                    </p:set>
+                                    <p:animEffect transition="in" filter="fade">
+                                      <p:cBhvr>
+                                        <p:cTn id="22" dur="500"/>
+                                        <p:tgtEl>
+                                          <p:spTgt spid="21"/>
+                                        </p:tgtEl>
+                                      </p:cBhvr>
+                                    </p:animEffect>
+                                  </p:childTnLst>
+                                </p:cTn>
+                              </p:par>
+                              <p:par>
+                                <p:cTn id="23" presetID="10" presetClass="entr" presetSubtype="0" fill="hold" nodeType="withEffect">
+                                  <p:stCondLst>
+                                    <p:cond delay="0"/>
+                                  </p:stCondLst>
+                                  <p:childTnLst>
+                                    <p:set>
+                                      <p:cBhvr>
+                                        <p:cTn id="24" dur="1" fill="hold">
+                                          <p:stCondLst>
+                                            <p:cond delay="0"/>
+                                          </p:stCondLst>
+                                        </p:cTn>
+                                        <p:tgtEl>
+                                          <p:spTgt spid="25"/>
+                                        </p:tgtEl>
+                                        <p:attrNameLst>
+                                          <p:attrName>style.visibility</p:attrName>
+                                        </p:attrNameLst>
+                                      </p:cBhvr>
+                                      <p:to>
+                                        <p:strVal val="visible"/>
+                                      </p:to>
+                                    </p:set>
+                                    <p:animEffect transition="in" filter="fade">
+                                      <p:cBhvr>
+                                        <p:cTn id="25" dur="500"/>
+                                        <p:tgtEl>
+                                          <p:spTgt spid="25"/>
+                                        </p:tgtEl>
+                                      </p:cBhvr>
+                                    </p:animEffect>
+                                  </p:childTnLst>
+                                </p:cTn>
+                              </p:par>
+                              <p:par>
+                                <p:cTn id="26" presetID="10" presetClass="entr" presetSubtype="0" fill="hold" nodeType="withEffect">
+                                  <p:stCondLst>
+                                    <p:cond delay="0"/>
+                                  </p:stCondLst>
+                                  <p:childTnLst>
+                                    <p:set>
+                                      <p:cBhvr>
+                                        <p:cTn id="27" dur="1" fill="hold">
+                                          <p:stCondLst>
+                                            <p:cond delay="0"/>
+                                          </p:stCondLst>
+                                        </p:cTn>
+                                        <p:tgtEl>
+                                          <p:spTgt spid="15"/>
+                                        </p:tgtEl>
+                                        <p:attrNameLst>
+                                          <p:attrName>style.visibility</p:attrName>
+                                        </p:attrNameLst>
+                                      </p:cBhvr>
+                                      <p:to>
+                                        <p:strVal val="visible"/>
+                                      </p:to>
+                                    </p:set>
+                                    <p:animEffect transition="in" filter="fade">
+                                      <p:cBhvr>
+                                        <p:cTn id="28" dur="500"/>
+                                        <p:tgtEl>
+                                          <p:spTgt spid="15"/>
+                                        </p:tgtEl>
+                                      </p:cBhvr>
+                                    </p:animEffect>
+                                  </p:childTnLst>
+                                </p:cTn>
+                              </p:par>
+                              <p:par>
+                                <p:cTn id="29" presetID="10" presetClass="entr" presetSubtype="0" fill="hold" nodeType="withEffect">
+                                  <p:stCondLst>
+                                    <p:cond delay="0"/>
+                                  </p:stCondLst>
+                                  <p:childTnLst>
+                                    <p:set>
+                                      <p:cBhvr>
+                                        <p:cTn id="30" dur="1" fill="hold">
                                           <p:stCondLst>
                                             <p:cond delay="0"/>
                                           </p:stCondLst>
@@ -20678,380 +20864,9 @@
                                     </p:set>
                                     <p:animEffect transition="in" filter="fade">
                                       <p:cBhvr>
-                                        <p:cTn id="12" dur="500"/>
+                                        <p:cTn id="31" dur="500"/>
                                         <p:tgtEl>
                                           <p:spTgt spid="9"/>
-                                        </p:tgtEl>
-                                      </p:cBhvr>
-                                    </p:animEffect>
-                                  </p:childTnLst>
-                                </p:cTn>
-                              </p:par>
-                            </p:childTnLst>
-                          </p:cTn>
-                        </p:par>
-                      </p:childTnLst>
-                    </p:cTn>
-                  </p:par>
-                  <p:par>
-                    <p:cTn id="13" fill="hold">
-                      <p:stCondLst>
-                        <p:cond delay="indefinite"/>
-                      </p:stCondLst>
-                      <p:childTnLst>
-                        <p:par>
-                          <p:cTn id="14" fill="hold">
-                            <p:stCondLst>
-                              <p:cond delay="0"/>
-                            </p:stCondLst>
-                            <p:childTnLst>
-                              <p:par>
-                                <p:cTn id="15" presetID="10" presetClass="entr" presetSubtype="0" fill="hold" nodeType="clickEffect">
-                                  <p:stCondLst>
-                                    <p:cond delay="0"/>
-                                  </p:stCondLst>
-                                  <p:childTnLst>
-                                    <p:set>
-                                      <p:cBhvr>
-                                        <p:cTn id="16" dur="1" fill="hold">
-                                          <p:stCondLst>
-                                            <p:cond delay="0"/>
-                                          </p:stCondLst>
-                                        </p:cTn>
-                                        <p:tgtEl>
-                                          <p:spTgt spid="13"/>
-                                        </p:tgtEl>
-                                        <p:attrNameLst>
-                                          <p:attrName>style.visibility</p:attrName>
-                                        </p:attrNameLst>
-                                      </p:cBhvr>
-                                      <p:to>
-                                        <p:strVal val="visible"/>
-                                      </p:to>
-                                    </p:set>
-                                    <p:animEffect transition="in" filter="fade">
-                                      <p:cBhvr>
-                                        <p:cTn id="17" dur="500"/>
-                                        <p:tgtEl>
-                                          <p:spTgt spid="13"/>
-                                        </p:tgtEl>
-                                      </p:cBhvr>
-                                    </p:animEffect>
-                                  </p:childTnLst>
-                                </p:cTn>
-                              </p:par>
-                            </p:childTnLst>
-                          </p:cTn>
-                        </p:par>
-                      </p:childTnLst>
-                    </p:cTn>
-                  </p:par>
-                  <p:par>
-                    <p:cTn id="18" fill="hold">
-                      <p:stCondLst>
-                        <p:cond delay="indefinite"/>
-                      </p:stCondLst>
-                      <p:childTnLst>
-                        <p:par>
-                          <p:cTn id="19" fill="hold">
-                            <p:stCondLst>
-                              <p:cond delay="0"/>
-                            </p:stCondLst>
-                            <p:childTnLst>
-                              <p:par>
-                                <p:cTn id="20" presetID="10" presetClass="entr" presetSubtype="0" fill="hold" nodeType="clickEffect">
-                                  <p:stCondLst>
-                                    <p:cond delay="0"/>
-                                  </p:stCondLst>
-                                  <p:childTnLst>
-                                    <p:set>
-                                      <p:cBhvr>
-                                        <p:cTn id="21" dur="1" fill="hold">
-                                          <p:stCondLst>
-                                            <p:cond delay="0"/>
-                                          </p:stCondLst>
-                                        </p:cTn>
-                                        <p:tgtEl>
-                                          <p:spTgt spid="15"/>
-                                        </p:tgtEl>
-                                        <p:attrNameLst>
-                                          <p:attrName>style.visibility</p:attrName>
-                                        </p:attrNameLst>
-                                      </p:cBhvr>
-                                      <p:to>
-                                        <p:strVal val="visible"/>
-                                      </p:to>
-                                    </p:set>
-                                    <p:animEffect transition="in" filter="fade">
-                                      <p:cBhvr>
-                                        <p:cTn id="22" dur="500"/>
-                                        <p:tgtEl>
-                                          <p:spTgt spid="15"/>
-                                        </p:tgtEl>
-                                      </p:cBhvr>
-                                    </p:animEffect>
-                                  </p:childTnLst>
-                                </p:cTn>
-                              </p:par>
-                            </p:childTnLst>
-                          </p:cTn>
-                        </p:par>
-                      </p:childTnLst>
-                    </p:cTn>
-                  </p:par>
-                  <p:par>
-                    <p:cTn id="23" fill="hold">
-                      <p:stCondLst>
-                        <p:cond delay="indefinite"/>
-                      </p:stCondLst>
-                      <p:childTnLst>
-                        <p:par>
-                          <p:cTn id="24" fill="hold">
-                            <p:stCondLst>
-                              <p:cond delay="0"/>
-                            </p:stCondLst>
-                            <p:childTnLst>
-                              <p:par>
-                                <p:cTn id="25" presetID="10" presetClass="entr" presetSubtype="0" fill="hold" nodeType="clickEffect">
-                                  <p:stCondLst>
-                                    <p:cond delay="0"/>
-                                  </p:stCondLst>
-                                  <p:childTnLst>
-                                    <p:set>
-                                      <p:cBhvr>
-                                        <p:cTn id="26" dur="1" fill="hold">
-                                          <p:stCondLst>
-                                            <p:cond delay="0"/>
-                                          </p:stCondLst>
-                                        </p:cTn>
-                                        <p:tgtEl>
-                                          <p:spTgt spid="17"/>
-                                        </p:tgtEl>
-                                        <p:attrNameLst>
-                                          <p:attrName>style.visibility</p:attrName>
-                                        </p:attrNameLst>
-                                      </p:cBhvr>
-                                      <p:to>
-                                        <p:strVal val="visible"/>
-                                      </p:to>
-                                    </p:set>
-                                    <p:animEffect transition="in" filter="fade">
-                                      <p:cBhvr>
-                                        <p:cTn id="27" dur="500"/>
-                                        <p:tgtEl>
-                                          <p:spTgt spid="17"/>
-                                        </p:tgtEl>
-                                      </p:cBhvr>
-                                    </p:animEffect>
-                                  </p:childTnLst>
-                                </p:cTn>
-                              </p:par>
-                            </p:childTnLst>
-                          </p:cTn>
-                        </p:par>
-                      </p:childTnLst>
-                    </p:cTn>
-                  </p:par>
-                  <p:par>
-                    <p:cTn id="28" fill="hold">
-                      <p:stCondLst>
-                        <p:cond delay="indefinite"/>
-                      </p:stCondLst>
-                      <p:childTnLst>
-                        <p:par>
-                          <p:cTn id="29" fill="hold">
-                            <p:stCondLst>
-                              <p:cond delay="0"/>
-                            </p:stCondLst>
-                            <p:childTnLst>
-                              <p:par>
-                                <p:cTn id="30" presetID="10" presetClass="entr" presetSubtype="0" fill="hold" nodeType="clickEffect">
-                                  <p:stCondLst>
-                                    <p:cond delay="0"/>
-                                  </p:stCondLst>
-                                  <p:childTnLst>
-                                    <p:set>
-                                      <p:cBhvr>
-                                        <p:cTn id="31" dur="1" fill="hold">
-                                          <p:stCondLst>
-                                            <p:cond delay="0"/>
-                                          </p:stCondLst>
-                                        </p:cTn>
-                                        <p:tgtEl>
-                                          <p:spTgt spid="19"/>
-                                        </p:tgtEl>
-                                        <p:attrNameLst>
-                                          <p:attrName>style.visibility</p:attrName>
-                                        </p:attrNameLst>
-                                      </p:cBhvr>
-                                      <p:to>
-                                        <p:strVal val="visible"/>
-                                      </p:to>
-                                    </p:set>
-                                    <p:animEffect transition="in" filter="fade">
-                                      <p:cBhvr>
-                                        <p:cTn id="32" dur="500"/>
-                                        <p:tgtEl>
-                                          <p:spTgt spid="19"/>
-                                        </p:tgtEl>
-                                      </p:cBhvr>
-                                    </p:animEffect>
-                                  </p:childTnLst>
-                                </p:cTn>
-                              </p:par>
-                            </p:childTnLst>
-                          </p:cTn>
-                        </p:par>
-                      </p:childTnLst>
-                    </p:cTn>
-                  </p:par>
-                  <p:par>
-                    <p:cTn id="33" fill="hold">
-                      <p:stCondLst>
-                        <p:cond delay="indefinite"/>
-                      </p:stCondLst>
-                      <p:childTnLst>
-                        <p:par>
-                          <p:cTn id="34" fill="hold">
-                            <p:stCondLst>
-                              <p:cond delay="0"/>
-                            </p:stCondLst>
-                            <p:childTnLst>
-                              <p:par>
-                                <p:cTn id="35" presetID="10" presetClass="entr" presetSubtype="0" fill="hold" nodeType="clickEffect">
-                                  <p:stCondLst>
-                                    <p:cond delay="0"/>
-                                  </p:stCondLst>
-                                  <p:childTnLst>
-                                    <p:set>
-                                      <p:cBhvr>
-                                        <p:cTn id="36" dur="1" fill="hold">
-                                          <p:stCondLst>
-                                            <p:cond delay="0"/>
-                                          </p:stCondLst>
-                                        </p:cTn>
-                                        <p:tgtEl>
-                                          <p:spTgt spid="21"/>
-                                        </p:tgtEl>
-                                        <p:attrNameLst>
-                                          <p:attrName>style.visibility</p:attrName>
-                                        </p:attrNameLst>
-                                      </p:cBhvr>
-                                      <p:to>
-                                        <p:strVal val="visible"/>
-                                      </p:to>
-                                    </p:set>
-                                    <p:animEffect transition="in" filter="fade">
-                                      <p:cBhvr>
-                                        <p:cTn id="37" dur="500"/>
-                                        <p:tgtEl>
-                                          <p:spTgt spid="21"/>
-                                        </p:tgtEl>
-                                      </p:cBhvr>
-                                    </p:animEffect>
-                                  </p:childTnLst>
-                                </p:cTn>
-                              </p:par>
-                            </p:childTnLst>
-                          </p:cTn>
-                        </p:par>
-                      </p:childTnLst>
-                    </p:cTn>
-                  </p:par>
-                  <p:par>
-                    <p:cTn id="38" fill="hold">
-                      <p:stCondLst>
-                        <p:cond delay="indefinite"/>
-                      </p:stCondLst>
-                      <p:childTnLst>
-                        <p:par>
-                          <p:cTn id="39" fill="hold">
-                            <p:stCondLst>
-                              <p:cond delay="0"/>
-                            </p:stCondLst>
-                            <p:childTnLst>
-                              <p:par>
-                                <p:cTn id="40" presetID="10" presetClass="entr" presetSubtype="0" fill="hold" nodeType="clickEffect">
-                                  <p:stCondLst>
-                                    <p:cond delay="0"/>
-                                  </p:stCondLst>
-                                  <p:childTnLst>
-                                    <p:set>
-                                      <p:cBhvr>
-                                        <p:cTn id="41" dur="1" fill="hold">
-                                          <p:stCondLst>
-                                            <p:cond delay="0"/>
-                                          </p:stCondLst>
-                                        </p:cTn>
-                                        <p:tgtEl>
-                                          <p:spTgt spid="25"/>
-                                        </p:tgtEl>
-                                        <p:attrNameLst>
-                                          <p:attrName>style.visibility</p:attrName>
-                                        </p:attrNameLst>
-                                      </p:cBhvr>
-                                      <p:to>
-                                        <p:strVal val="visible"/>
-                                      </p:to>
-                                    </p:set>
-                                    <p:animEffect transition="in" filter="fade">
-                                      <p:cBhvr>
-                                        <p:cTn id="42" dur="500"/>
-                                        <p:tgtEl>
-                                          <p:spTgt spid="25"/>
-                                        </p:tgtEl>
-                                      </p:cBhvr>
-                                    </p:animEffect>
-                                  </p:childTnLst>
-                                </p:cTn>
-                              </p:par>
-                            </p:childTnLst>
-                          </p:cTn>
-                        </p:par>
-                      </p:childTnLst>
-                    </p:cTn>
-                  </p:par>
-                  <p:par>
-                    <p:cTn id="43" fill="hold">
-                      <p:stCondLst>
-                        <p:cond delay="indefinite"/>
-                      </p:stCondLst>
-                      <p:childTnLst>
-                        <p:par>
-                          <p:cTn id="44" fill="hold">
-                            <p:stCondLst>
-                              <p:cond delay="0"/>
-                            </p:stCondLst>
-                            <p:childTnLst>
-                              <p:par>
-                                <p:cTn id="45" presetID="10" presetClass="entr" presetSubtype="0" fill="hold" nodeType="clickEffect">
-                                  <p:stCondLst>
-                                    <p:cond delay="0"/>
-                                  </p:stCondLst>
-                                  <p:childTnLst>
-                                    <p:set>
-                                      <p:cBhvr>
-                                        <p:cTn id="46" dur="1" fill="hold">
-                                          <p:stCondLst>
-                                            <p:cond delay="0"/>
-                                          </p:stCondLst>
-                                        </p:cTn>
-                                        <p:tgtEl>
-                                          <p:spTgt spid="18"/>
-                                        </p:tgtEl>
-                                        <p:attrNameLst>
-                                          <p:attrName>style.visibility</p:attrName>
-                                        </p:attrNameLst>
-                                      </p:cBhvr>
-                                      <p:to>
-                                        <p:strVal val="visible"/>
-                                      </p:to>
-                                    </p:set>
-                                    <p:animEffect transition="in" filter="fade">
-                                      <p:cBhvr>
-                                        <p:cTn id="47" dur="500"/>
-                                        <p:tgtEl>
-                                          <p:spTgt spid="18"/>
                                         </p:tgtEl>
                                       </p:cBhvr>
                                     </p:animEffect>
@@ -21722,7 +21537,7 @@
           <p:cNvPr id="2" name="Title 1">
             <a:extLst>
               <a:ext uri="{FF2B5EF4-FFF2-40B4-BE49-F238E27FC236}">
-                <a16:creationId xmlns="" xmlns:a16="http://schemas.microsoft.com/office/drawing/2014/main" id="{AB006400-3022-4111-825D-C54283E27CDD}"/>
+                <a16:creationId xmlns:a16="http://schemas.microsoft.com/office/drawing/2014/main" id="{AB006400-3022-4111-825D-C54283E27CDD}"/>
               </a:ext>
             </a:extLst>
           </p:cNvPr>
@@ -21733,7 +21548,12 @@
             <p:ph type="title"/>
           </p:nvPr>
         </p:nvSpPr>
-        <p:spPr/>
+        <p:spPr>
+          <a:xfrm>
+            <a:off x="304800" y="129778"/>
+            <a:ext cx="7886700" cy="994172"/>
+          </a:xfrm>
+        </p:spPr>
         <p:txBody>
           <a:bodyPr>
             <a:noAutofit/>
@@ -21748,14 +21568,14 @@
           </a:p>
         </p:txBody>
       </p:sp>
-      <mc:AlternateContent xmlns:mc="http://schemas.openxmlformats.org/markup-compatibility/2006" xmlns:a14="http://schemas.microsoft.com/office/drawing/2010/main">
-        <mc:Choice Requires="a14">
+      <mc:AlternateContent xmlns:mc="http://schemas.openxmlformats.org/markup-compatibility/2006">
+        <mc:Choice xmlns:a14="http://schemas.microsoft.com/office/drawing/2010/main" Requires="a14">
           <p:sp>
             <p:nvSpPr>
               <p:cNvPr id="3" name="Content Placeholder 2">
                 <a:extLst>
                   <a:ext uri="{FF2B5EF4-FFF2-40B4-BE49-F238E27FC236}">
-                    <a16:creationId xmlns="" xmlns:a16="http://schemas.microsoft.com/office/drawing/2014/main" id="{98BD5672-C4AA-4742-AA32-4657D8A92FCB}"/>
+                    <a16:creationId xmlns:a16="http://schemas.microsoft.com/office/drawing/2014/main" id="{98BD5672-C4AA-4742-AA32-4657D8A92FCB}"/>
                   </a:ext>
                 </a:extLst>
               </p:cNvPr>
@@ -21768,7 +21588,7 @@
             </p:nvSpPr>
             <p:spPr>
               <a:xfrm>
-                <a:off x="631278" y="1123950"/>
+                <a:off x="190500" y="1006078"/>
                 <a:ext cx="7886700" cy="3394472"/>
               </a:xfrm>
             </p:spPr>
@@ -21791,75 +21611,10 @@
                 <a:endParaRPr lang="en-US" sz="1800" dirty="0"/>
               </a:p>
               <a:p>
+                <a:pPr marL="0" indent="0">
+                  <a:buNone/>
+                </a:pPr>
                 <a:endParaRPr lang="en-US" sz="1800" dirty="0"/>
-              </a:p>
-              <a:p>
-                <a:endParaRPr lang="en-US" sz="1800" dirty="0"/>
-              </a:p>
-              <a:p>
-                <a:r>
-                  <a:rPr lang="en-US" sz="1800" dirty="0"/>
-                  <a:t>Parameter estimates often back-transformed for </a:t>
-                </a:r>
-                <a:r>
-                  <a:rPr lang="en-US" sz="1800" dirty="0" smtClean="0"/>
-                  <a:t>interpretation</a:t>
-                </a:r>
-              </a:p>
-              <a:p>
-                <a:endParaRPr lang="en-US" sz="1800" dirty="0"/>
-              </a:p>
-              <a:p>
-                <a:r>
-                  <a:rPr lang="en-US" sz="1800" dirty="0" smtClean="0"/>
-                  <a:t>If </a:t>
-                </a:r>
-                <a14:m>
-                  <m:oMath xmlns:m="http://schemas.openxmlformats.org/officeDocument/2006/math">
-                    <m:sSub>
-                      <m:sSubPr>
-                        <m:ctrlPr>
-                          <a:rPr lang="en-US" sz="1800" i="1">
-                            <a:latin typeface="Cambria Math"/>
-                          </a:rPr>
-                        </m:ctrlPr>
-                      </m:sSubPr>
-                      <m:e>
-                        <m:r>
-                          <a:rPr lang="en-US" sz="1800" i="1">
-                            <a:latin typeface="Cambria Math" panose="02040503050406030204" pitchFamily="18" charset="0"/>
-                            <a:ea typeface="Cambria Math" panose="02040503050406030204" pitchFamily="18" charset="0"/>
-                          </a:rPr>
-                          <m:t>𝛽</m:t>
-                        </m:r>
-                      </m:e>
-                      <m:sub>
-                        <m:r>
-                          <a:rPr lang="en-US" sz="1800" i="1">
-                            <a:latin typeface="Cambria Math" panose="02040503050406030204" pitchFamily="18" charset="0"/>
-                          </a:rPr>
-                          <m:t>1</m:t>
-                        </m:r>
-                      </m:sub>
-                    </m:sSub>
-                  </m:oMath>
-                </a14:m>
-                <a:r>
-                  <a:rPr lang="en-US" sz="1800" dirty="0" smtClean="0"/>
-                  <a:t> &gt; 0, then pirate rate presence has a </a:t>
-                </a:r>
-                <a:r>
-                  <a:rPr lang="en-US" sz="1800" b="1" dirty="0" smtClean="0"/>
-                  <a:t>positive</a:t>
-                </a:r>
-                <a:r>
-                  <a:rPr lang="en-US" sz="1800" dirty="0"/>
-                  <a:t> </a:t>
-                </a:r>
-                <a:r>
-                  <a:rPr lang="en-US" sz="1800" dirty="0" smtClean="0"/>
-                  <a:t>effect on survival</a:t>
-                </a:r>
               </a:p>
               <a:p>
                 <a:r>
@@ -21872,7 +21627,7 @@
                       <m:sSubPr>
                         <m:ctrlPr>
                           <a:rPr lang="en-US" sz="1800" i="1">
-                            <a:latin typeface="Cambria Math"/>
+                            <a:latin typeface="Cambria Math" panose="02040503050406030204" pitchFamily="18" charset="0"/>
                           </a:rPr>
                         </m:ctrlPr>
                       </m:sSubPr>
@@ -21898,23 +21653,67 @@
                 </a14:m>
                 <a:r>
                   <a:rPr lang="en-US" sz="1800" dirty="0"/>
-                  <a:t> &lt; 0, then pirate rate presence has a </a:t>
+                  <a:t> &gt; 0, then pirate rate abundance has a </a:t>
                 </a:r>
                 <a:r>
-                  <a:rPr lang="en-US" sz="1800" b="1" dirty="0" smtClean="0"/>
+                  <a:rPr lang="en-US" sz="1800" b="1" dirty="0"/>
+                  <a:t>positive</a:t>
+                </a:r>
+                <a:r>
+                  <a:rPr lang="en-US" sz="1800" dirty="0"/>
+                  <a:t> effect on survival</a:t>
+                </a:r>
+              </a:p>
+              <a:p>
+                <a:r>
+                  <a:rPr lang="en-US" sz="1800" dirty="0"/>
+                  <a:t>If </a:t>
+                </a:r>
+                <a14:m>
+                  <m:oMath xmlns:m="http://schemas.openxmlformats.org/officeDocument/2006/math">
+                    <m:sSub>
+                      <m:sSubPr>
+                        <m:ctrlPr>
+                          <a:rPr lang="en-US" sz="1800" i="1">
+                            <a:latin typeface="Cambria Math" panose="02040503050406030204" pitchFamily="18" charset="0"/>
+                          </a:rPr>
+                        </m:ctrlPr>
+                      </m:sSubPr>
+                      <m:e>
+                        <m:r>
+                          <a:rPr lang="en-US" sz="1800" i="1">
+                            <a:latin typeface="Cambria Math" panose="02040503050406030204" pitchFamily="18" charset="0"/>
+                            <a:ea typeface="Cambria Math" panose="02040503050406030204" pitchFamily="18" charset="0"/>
+                          </a:rPr>
+                          <m:t>𝛽</m:t>
+                        </m:r>
+                      </m:e>
+                      <m:sub>
+                        <m:r>
+                          <a:rPr lang="en-US" sz="1800" i="1">
+                            <a:latin typeface="Cambria Math" panose="02040503050406030204" pitchFamily="18" charset="0"/>
+                          </a:rPr>
+                          <m:t>1</m:t>
+                        </m:r>
+                      </m:sub>
+                    </m:sSub>
+                  </m:oMath>
+                </a14:m>
+                <a:r>
+                  <a:rPr lang="en-US" sz="1800" dirty="0"/>
+                  <a:t> &lt; 0, then pirate rate abundance has a </a:t>
+                </a:r>
+                <a:r>
+                  <a:rPr lang="en-US" sz="1800" b="1" dirty="0"/>
                   <a:t>negative </a:t>
                 </a:r>
                 <a:r>
-                  <a:rPr lang="en-US" sz="1800" dirty="0" smtClean="0"/>
-                  <a:t>effect </a:t>
-                </a:r>
-                <a:r>
                   <a:rPr lang="en-US" sz="1800" dirty="0"/>
-                  <a:t>on survival</a:t>
+                  <a:t>effect on survival</a:t>
                 </a:r>
               </a:p>
               <a:p>
-                <a:endParaRPr lang="en-US" sz="1800" b="1" dirty="0" smtClean="0"/>
+                <a:endParaRPr lang="en-US" sz="1800" b="1" dirty="0"/>
               </a:p>
               <a:p>
                 <a:endParaRPr lang="en-US" sz="1800" dirty="0"/>
@@ -21922,13 +21721,13 @@
             </p:txBody>
           </p:sp>
         </mc:Choice>
-        <mc:Fallback xmlns="">
+        <mc:Fallback>
           <p:sp>
             <p:nvSpPr>
               <p:cNvPr id="3" name="Content Placeholder 2">
                 <a:extLst>
                   <a:ext uri="{FF2B5EF4-FFF2-40B4-BE49-F238E27FC236}">
-                    <a16:creationId xmlns:a16="http://schemas.microsoft.com/office/drawing/2014/main" xmlns="" id="{98BD5672-C4AA-4742-AA32-4657D8A92FCB}"/>
+                    <a16:creationId xmlns:a16="http://schemas.microsoft.com/office/drawing/2014/main" id="{98BD5672-C4AA-4742-AA32-4657D8A92FCB}"/>
                   </a:ext>
                 </a:extLst>
               </p:cNvPr>
@@ -21941,13 +21740,13 @@
             </p:nvSpPr>
             <p:spPr>
               <a:xfrm>
-                <a:off x="631278" y="1123950"/>
+                <a:off x="190500" y="1006078"/>
                 <a:ext cx="7886700" cy="3394472"/>
               </a:xfrm>
-              <a:blipFill rotWithShape="1">
+              <a:blipFill>
                 <a:blip r:embed="rId2"/>
                 <a:stretch>
-                  <a:fillRect l="-851" t="-1795"/>
+                  <a:fillRect l="-773" t="-1975"/>
                 </a:stretch>
               </a:blipFill>
             </p:spPr>
@@ -21966,14 +21765,14 @@
           </p:sp>
         </mc:Fallback>
       </mc:AlternateContent>
-      <mc:AlternateContent xmlns:mc="http://schemas.openxmlformats.org/markup-compatibility/2006" xmlns:a14="http://schemas.microsoft.com/office/drawing/2010/main">
-        <mc:Choice Requires="a14">
+      <mc:AlternateContent xmlns:mc="http://schemas.openxmlformats.org/markup-compatibility/2006">
+        <mc:Choice xmlns:a14="http://schemas.microsoft.com/office/drawing/2010/main" Requires="a14">
           <p:sp>
             <p:nvSpPr>
               <p:cNvPr id="5" name="TextBox 4">
                 <a:extLst>
                   <a:ext uri="{FF2B5EF4-FFF2-40B4-BE49-F238E27FC236}">
-                    <a16:creationId xmlns="" xmlns:a16="http://schemas.microsoft.com/office/drawing/2014/main" id="{3EEE364F-D349-40F4-A1CD-84C489AA837F}"/>
+                    <a16:creationId xmlns:a16="http://schemas.microsoft.com/office/drawing/2014/main" id="{3EEE364F-D349-40F4-A1CD-84C489AA837F}"/>
                   </a:ext>
                 </a:extLst>
               </p:cNvPr>
@@ -21982,8 +21781,8 @@
             </p:nvSpPr>
             <p:spPr>
               <a:xfrm>
-                <a:off x="1066800" y="1860098"/>
-                <a:ext cx="4853316" cy="323165"/>
+                <a:off x="1066800" y="1504950"/>
+                <a:ext cx="5093767" cy="323165"/>
               </a:xfrm>
               <a:prstGeom prst="rect">
                 <a:avLst/>
@@ -22013,7 +21812,7 @@
                         <m:dPr>
                           <m:ctrlPr>
                             <a:rPr lang="en-US" sz="2100" i="1">
-                              <a:latin typeface="Cambria Math"/>
+                              <a:latin typeface="Cambria Math" panose="02040503050406030204" pitchFamily="18" charset="0"/>
                             </a:rPr>
                           </m:ctrlPr>
                         </m:dPr>
@@ -22036,7 +21835,7 @@
                         <m:sSubPr>
                           <m:ctrlPr>
                             <a:rPr lang="en-US" sz="2100" i="1">
-                              <a:latin typeface="Cambria Math"/>
+                              <a:latin typeface="Cambria Math" panose="02040503050406030204" pitchFamily="18" charset="0"/>
                             </a:rPr>
                           </m:ctrlPr>
                         </m:sSubPr>
@@ -22068,7 +21867,7 @@
                         <m:sSubPr>
                           <m:ctrlPr>
                             <a:rPr lang="en-US" sz="2100" i="1">
-                              <a:latin typeface="Cambria Math"/>
+                              <a:latin typeface="Cambria Math" panose="02040503050406030204" pitchFamily="18" charset="0"/>
                             </a:rPr>
                           </m:ctrlPr>
                         </m:sSubPr>
@@ -22124,7 +21923,7 @@
                         <a:rPr lang="en-US" sz="2100" b="0" i="1" smtClean="0">
                           <a:latin typeface="Cambria Math" panose="02040503050406030204" pitchFamily="18" charset="0"/>
                         </a:rPr>
-                        <m:t>𝑝𝑟𝑒𝑠𝑒𝑛𝑐𝑒</m:t>
+                        <m:t>𝑎𝑏𝑢𝑛𝑑𝑎𝑛𝑐𝑒</m:t>
                       </m:r>
                     </m:oMath>
                   </m:oMathPara>
@@ -22134,7 +21933,7 @@
             </p:txBody>
           </p:sp>
         </mc:Choice>
-        <mc:Fallback xmlns="">
+        <mc:Fallback>
           <p:sp>
             <p:nvSpPr>
               <p:cNvPr id="5" name="TextBox 4">
@@ -22151,8 +21950,8 @@
             </p:nvSpPr>
             <p:spPr>
               <a:xfrm>
-                <a:off x="1066800" y="1860098"/>
-                <a:ext cx="4853316" cy="323165"/>
+                <a:off x="1066800" y="1504950"/>
+                <a:ext cx="5093767" cy="323165"/>
               </a:xfrm>
               <a:prstGeom prst="rect">
                 <a:avLst/>
@@ -22160,7 +21959,7 @@
               <a:blipFill>
                 <a:blip r:embed="rId3"/>
                 <a:stretch>
-                  <a:fillRect l="-1382" r="-754" b="-33962"/>
+                  <a:fillRect l="-1316" t="-1887" r="-837" b="-32075"/>
                 </a:stretch>
               </a:blipFill>
             </p:spPr>
@@ -22184,7 +21983,7 @@
           <p:cNvPr id="6" name="Picture 5">
             <a:extLst>
               <a:ext uri="{FF2B5EF4-FFF2-40B4-BE49-F238E27FC236}">
-                <a16:creationId xmlns="" xmlns:a16="http://schemas.microsoft.com/office/drawing/2014/main" id="{69678C4E-E39A-431D-ACBB-345140D77567}"/>
+                <a16:creationId xmlns:a16="http://schemas.microsoft.com/office/drawing/2014/main" id="{69678C4E-E39A-431D-ACBB-345140D77567}"/>
               </a:ext>
             </a:extLst>
           </p:cNvPr>
@@ -22214,7 +22013,7 @@
           <p:cNvPr id="8" name="Picture 7">
             <a:extLst>
               <a:ext uri="{FF2B5EF4-FFF2-40B4-BE49-F238E27FC236}">
-                <a16:creationId xmlns="" xmlns:a16="http://schemas.microsoft.com/office/drawing/2014/main" id="{896BB1D4-DBAB-4412-818A-AE4D4BBB7086}"/>
+                <a16:creationId xmlns:a16="http://schemas.microsoft.com/office/drawing/2014/main" id="{896BB1D4-DBAB-4412-818A-AE4D4BBB7086}"/>
               </a:ext>
             </a:extLst>
           </p:cNvPr>
@@ -22233,6 +22032,36 @@
           <a:xfrm>
             <a:off x="7144776" y="2290324"/>
             <a:ext cx="1824037" cy="2013034"/>
+          </a:xfrm>
+          <a:prstGeom prst="rect">
+            <a:avLst/>
+          </a:prstGeom>
+        </p:spPr>
+      </p:pic>
+      <p:pic>
+        <p:nvPicPr>
+          <p:cNvPr id="4" name="Picture 3">
+            <a:extLst>
+              <a:ext uri="{FF2B5EF4-FFF2-40B4-BE49-F238E27FC236}">
+                <a16:creationId xmlns:a16="http://schemas.microsoft.com/office/drawing/2014/main" id="{D261BC87-B511-4A60-BEC1-CF0DF88EB5EF}"/>
+              </a:ext>
+            </a:extLst>
+          </p:cNvPr>
+          <p:cNvPicPr>
+            <a:picLocks noChangeAspect="1"/>
+          </p:cNvPicPr>
+          <p:nvPr/>
+        </p:nvPicPr>
+        <p:blipFill>
+          <a:blip r:embed="rId6"/>
+          <a:stretch>
+            <a:fillRect/>
+          </a:stretch>
+        </p:blipFill>
+        <p:spPr>
+          <a:xfrm>
+            <a:off x="1828800" y="2800350"/>
+            <a:ext cx="3807678" cy="2244798"/>
           </a:xfrm>
           <a:prstGeom prst="rect">
             <a:avLst/>
@@ -22334,7 +22163,7 @@
                                         <p:tgtEl>
                                           <p:spTgt spid="3">
                                             <p:txEl>
-                                              <p:pRg st="4" end="4"/>
+                                              <p:pRg st="3" end="3"/>
                                             </p:txEl>
                                           </p:spTgt>
                                         </p:tgtEl>
@@ -22383,56 +22212,7 @@
                                         <p:tgtEl>
                                           <p:spTgt spid="3">
                                             <p:txEl>
-                                              <p:pRg st="6" end="6"/>
-                                            </p:txEl>
-                                          </p:spTgt>
-                                        </p:tgtEl>
-                                        <p:attrNameLst>
-                                          <p:attrName>style.visibility</p:attrName>
-                                        </p:attrNameLst>
-                                      </p:cBhvr>
-                                      <p:to>
-                                        <p:strVal val="visible"/>
-                                      </p:to>
-                                    </p:set>
-                                  </p:childTnLst>
-                                </p:cTn>
-                              </p:par>
-                            </p:childTnLst>
-                          </p:cTn>
-                        </p:par>
-                      </p:childTnLst>
-                    </p:cTn>
-                  </p:par>
-                  <p:par>
-                    <p:cTn id="15" fill="hold">
-                      <p:stCondLst>
-                        <p:cond delay="indefinite"/>
-                      </p:stCondLst>
-                      <p:childTnLst>
-                        <p:par>
-                          <p:cTn id="16" fill="hold">
-                            <p:stCondLst>
-                              <p:cond delay="0"/>
-                            </p:stCondLst>
-                            <p:childTnLst>
-                              <p:par>
-                                <p:cTn id="17" presetID="1" presetClass="entr" presetSubtype="0" fill="hold" grpId="0" nodeType="clickEffect">
-                                  <p:stCondLst>
-                                    <p:cond delay="0"/>
-                                  </p:stCondLst>
-                                  <p:childTnLst>
-                                    <p:set>
-                                      <p:cBhvr>
-                                        <p:cTn id="18" dur="1" fill="hold">
-                                          <p:stCondLst>
-                                            <p:cond delay="0"/>
-                                          </p:stCondLst>
-                                        </p:cTn>
-                                        <p:tgtEl>
-                                          <p:spTgt spid="3">
-                                            <p:txEl>
-                                              <p:pRg st="7" end="7"/>
+                                              <p:pRg st="4" end="4"/>
                                             </p:txEl>
                                           </p:spTgt>
                                         </p:tgtEl>
@@ -22805,14 +22585,6 @@
   <p:clrMapOvr>
     <a:masterClrMapping/>
   </p:clrMapOvr>
-  <mc:AlternateContent xmlns:mc="http://schemas.openxmlformats.org/markup-compatibility/2006" xmlns:p14="http://schemas.microsoft.com/office/powerpoint/2010/main">
-    <mc:Choice Requires="p14">
-      <p:transition spd="slow" p14:dur="2000"/>
-    </mc:Choice>
-    <mc:Fallback xmlns="">
-      <p:transition spd="slow"/>
-    </mc:Fallback>
-  </mc:AlternateContent>
 </p:sld>
 </file>
 
@@ -23105,7 +22877,7 @@
   <a:extraClrSchemeLst/>
   <a:extLst>
     <a:ext uri="{05A4C25C-085E-4340-85A3-A5531E510DB2}">
-      <thm15:themeFamily xmlns="" xmlns:thm15="http://schemas.microsoft.com/office/thememl/2012/main" name="Presentation1" id="{A72458EE-BFF9-468A-8464-DFD913327021}" vid="{7EB1F43D-0D6C-4939-8000-7D7E4F656E14}"/>
+      <thm15:themeFamily xmlns:thm15="http://schemas.microsoft.com/office/thememl/2012/main" name="Presentation1" id="{A72458EE-BFF9-468A-8464-DFD913327021}" vid="{7EB1F43D-0D6C-4939-8000-7D7E4F656E14}"/>
     </a:ext>
   </a:extLst>
 </a:theme>

--- a/static/lectures/SSA_Lecture5_DemoData.pptx
+++ b/static/lectures/SSA_Lecture5_DemoData.pptx
@@ -231,7 +231,7 @@
           <a:p>
             <a:fld id="{05B76329-9BDE-43DA-A433-FD89407A2D9A}" type="datetimeFigureOut">
               <a:rPr lang="en-US" smtClean="0"/>
-              <a:t>12/11/2018</a:t>
+              <a:t>12/12/2018</a:t>
             </a:fld>
             <a:endParaRPr lang="en-US"/>
           </a:p>
@@ -1500,7 +1500,7 @@
           <a:p>
             <a:fld id="{DC01BBA9-561A-4EFE-A06C-26F8206AAA61}" type="datetimeFigureOut">
               <a:rPr lang="en-US" smtClean="0"/>
-              <a:t>12/11/2018</a:t>
+              <a:t>12/12/2018</a:t>
             </a:fld>
             <a:endParaRPr lang="en-US"/>
           </a:p>
@@ -1724,7 +1724,7 @@
           <a:p>
             <a:fld id="{DC01BBA9-561A-4EFE-A06C-26F8206AAA61}" type="datetimeFigureOut">
               <a:rPr lang="en-US" smtClean="0"/>
-              <a:t>12/11/2018</a:t>
+              <a:t>12/12/2018</a:t>
             </a:fld>
             <a:endParaRPr lang="en-US"/>
           </a:p>
@@ -1984,7 +1984,7 @@
           <a:p>
             <a:fld id="{589E5873-CF7F-45F3-B283-E59B1D6F242C}" type="datetimeFigureOut">
               <a:rPr lang="en-US" smtClean="0"/>
-              <a:t>12/11/2018</a:t>
+              <a:t>12/12/2018</a:t>
             </a:fld>
             <a:endParaRPr lang="en-US"/>
           </a:p>
@@ -2152,7 +2152,7 @@
           <a:p>
             <a:fld id="{589E5873-CF7F-45F3-B283-E59B1D6F242C}" type="datetimeFigureOut">
               <a:rPr lang="en-US" smtClean="0"/>
-              <a:t>12/11/2018</a:t>
+              <a:t>12/12/2018</a:t>
             </a:fld>
             <a:endParaRPr lang="en-US"/>
           </a:p>
@@ -2397,7 +2397,7 @@
           <a:p>
             <a:fld id="{589E5873-CF7F-45F3-B283-E59B1D6F242C}" type="datetimeFigureOut">
               <a:rPr lang="en-US" smtClean="0"/>
-              <a:t>12/11/2018</a:t>
+              <a:t>12/12/2018</a:t>
             </a:fld>
             <a:endParaRPr lang="en-US"/>
           </a:p>
@@ -2682,7 +2682,7 @@
           <a:p>
             <a:fld id="{589E5873-CF7F-45F3-B283-E59B1D6F242C}" type="datetimeFigureOut">
               <a:rPr lang="en-US" smtClean="0"/>
-              <a:t>12/11/2018</a:t>
+              <a:t>12/12/2018</a:t>
             </a:fld>
             <a:endParaRPr lang="en-US"/>
           </a:p>
@@ -3101,7 +3101,7 @@
           <a:p>
             <a:fld id="{589E5873-CF7F-45F3-B283-E59B1D6F242C}" type="datetimeFigureOut">
               <a:rPr lang="en-US" smtClean="0"/>
-              <a:t>12/11/2018</a:t>
+              <a:t>12/12/2018</a:t>
             </a:fld>
             <a:endParaRPr lang="en-US"/>
           </a:p>
@@ -3218,7 +3218,7 @@
           <a:p>
             <a:fld id="{589E5873-CF7F-45F3-B283-E59B1D6F242C}" type="datetimeFigureOut">
               <a:rPr lang="en-US" smtClean="0"/>
-              <a:t>12/11/2018</a:t>
+              <a:t>12/12/2018</a:t>
             </a:fld>
             <a:endParaRPr lang="en-US"/>
           </a:p>
@@ -3313,7 +3313,7 @@
           <a:p>
             <a:fld id="{589E5873-CF7F-45F3-B283-E59B1D6F242C}" type="datetimeFigureOut">
               <a:rPr lang="en-US" smtClean="0"/>
-              <a:t>12/11/2018</a:t>
+              <a:t>12/12/2018</a:t>
             </a:fld>
             <a:endParaRPr lang="en-US"/>
           </a:p>
@@ -3588,7 +3588,7 @@
           <a:p>
             <a:fld id="{589E5873-CF7F-45F3-B283-E59B1D6F242C}" type="datetimeFigureOut">
               <a:rPr lang="en-US" smtClean="0"/>
-              <a:t>12/11/2018</a:t>
+              <a:t>12/12/2018</a:t>
             </a:fld>
             <a:endParaRPr lang="en-US"/>
           </a:p>
@@ -4089,7 +4089,7 @@
           <a:p>
             <a:fld id="{589E5873-CF7F-45F3-B283-E59B1D6F242C}" type="datetimeFigureOut">
               <a:rPr lang="en-US" smtClean="0"/>
-              <a:t>12/11/2018</a:t>
+              <a:t>12/12/2018</a:t>
             </a:fld>
             <a:endParaRPr lang="en-US"/>
           </a:p>
@@ -4257,7 +4257,7 @@
           <a:p>
             <a:fld id="{589E5873-CF7F-45F3-B283-E59B1D6F242C}" type="datetimeFigureOut">
               <a:rPr lang="en-US" smtClean="0"/>
-              <a:t>12/11/2018</a:t>
+              <a:t>12/12/2018</a:t>
             </a:fld>
             <a:endParaRPr lang="en-US"/>
           </a:p>
@@ -4435,7 +4435,7 @@
           <a:p>
             <a:fld id="{589E5873-CF7F-45F3-B283-E59B1D6F242C}" type="datetimeFigureOut">
               <a:rPr lang="en-US" smtClean="0"/>
-              <a:t>12/11/2018</a:t>
+              <a:t>12/12/2018</a:t>
             </a:fld>
             <a:endParaRPr lang="en-US"/>
           </a:p>
@@ -4706,7 +4706,7 @@
           <a:p>
             <a:fld id="{DC01BBA9-561A-4EFE-A06C-26F8206AAA61}" type="datetimeFigureOut">
               <a:rPr lang="en-US" smtClean="0"/>
-              <a:t>12/11/2018</a:t>
+              <a:t>12/12/2018</a:t>
             </a:fld>
             <a:endParaRPr lang="en-US"/>
           </a:p>
@@ -4987,7 +4987,7 @@
           <a:p>
             <a:fld id="{DC01BBA9-561A-4EFE-A06C-26F8206AAA61}" type="datetimeFigureOut">
               <a:rPr lang="en-US" smtClean="0"/>
-              <a:t>12/11/2018</a:t>
+              <a:t>12/12/2018</a:t>
             </a:fld>
             <a:endParaRPr lang="en-US"/>
           </a:p>
@@ -5415,7 +5415,7 @@
           <a:p>
             <a:fld id="{DC01BBA9-561A-4EFE-A06C-26F8206AAA61}" type="datetimeFigureOut">
               <a:rPr lang="en-US" smtClean="0"/>
-              <a:t>12/11/2018</a:t>
+              <a:t>12/12/2018</a:t>
             </a:fld>
             <a:endParaRPr lang="en-US"/>
           </a:p>
@@ -5572,7 +5572,7 @@
           <a:p>
             <a:fld id="{DC01BBA9-561A-4EFE-A06C-26F8206AAA61}" type="datetimeFigureOut">
               <a:rPr lang="en-US" smtClean="0"/>
-              <a:t>12/11/2018</a:t>
+              <a:t>12/12/2018</a:t>
             </a:fld>
             <a:endParaRPr lang="en-US"/>
           </a:p>
@@ -5701,7 +5701,7 @@
           <a:p>
             <a:fld id="{DC01BBA9-561A-4EFE-A06C-26F8206AAA61}" type="datetimeFigureOut">
               <a:rPr lang="en-US" smtClean="0"/>
-              <a:t>12/11/2018</a:t>
+              <a:t>12/12/2018</a:t>
             </a:fld>
             <a:endParaRPr lang="en-US"/>
           </a:p>
@@ -6028,7 +6028,7 @@
           <a:p>
             <a:fld id="{DC01BBA9-561A-4EFE-A06C-26F8206AAA61}" type="datetimeFigureOut">
               <a:rPr lang="en-US" smtClean="0"/>
-              <a:t>12/11/2018</a:t>
+              <a:t>12/12/2018</a:t>
             </a:fld>
             <a:endParaRPr lang="en-US"/>
           </a:p>
@@ -6335,7 +6335,7 @@
           <a:p>
             <a:fld id="{DC01BBA9-561A-4EFE-A06C-26F8206AAA61}" type="datetimeFigureOut">
               <a:rPr lang="en-US" smtClean="0"/>
-              <a:t>12/11/2018</a:t>
+              <a:t>12/12/2018</a:t>
             </a:fld>
             <a:endParaRPr lang="en-US"/>
           </a:p>
@@ -7133,7 +7133,7 @@
           <a:p>
             <a:fld id="{589E5873-CF7F-45F3-B283-E59B1D6F242C}" type="datetimeFigureOut">
               <a:rPr lang="en-US" smtClean="0"/>
-              <a:t>12/11/2018</a:t>
+              <a:t>12/12/2018</a:t>
             </a:fld>
             <a:endParaRPr lang="en-US"/>
           </a:p>
@@ -21568,8 +21568,8 @@
           </a:p>
         </p:txBody>
       </p:sp>
-      <mc:AlternateContent xmlns:mc="http://schemas.openxmlformats.org/markup-compatibility/2006">
-        <mc:Choice xmlns:a14="http://schemas.microsoft.com/office/drawing/2010/main" Requires="a14">
+      <mc:AlternateContent xmlns:mc="http://schemas.openxmlformats.org/markup-compatibility/2006" xmlns:a14="http://schemas.microsoft.com/office/drawing/2010/main">
+        <mc:Choice Requires="a14">
           <p:sp>
             <p:nvSpPr>
               <p:cNvPr id="3" name="Content Placeholder 2">
@@ -21721,7 +21721,7 @@
             </p:txBody>
           </p:sp>
         </mc:Choice>
-        <mc:Fallback>
+        <mc:Fallback xmlns="">
           <p:sp>
             <p:nvSpPr>
               <p:cNvPr id="3" name="Content Placeholder 2">
@@ -21765,8 +21765,8 @@
           </p:sp>
         </mc:Fallback>
       </mc:AlternateContent>
-      <mc:AlternateContent xmlns:mc="http://schemas.openxmlformats.org/markup-compatibility/2006">
-        <mc:Choice xmlns:a14="http://schemas.microsoft.com/office/drawing/2010/main" Requires="a14">
+      <mc:AlternateContent xmlns:mc="http://schemas.openxmlformats.org/markup-compatibility/2006" xmlns:a14="http://schemas.microsoft.com/office/drawing/2010/main">
+        <mc:Choice Requires="a14">
           <p:sp>
             <p:nvSpPr>
               <p:cNvPr id="5" name="TextBox 4">
@@ -21933,7 +21933,7 @@
             </p:txBody>
           </p:sp>
         </mc:Choice>
-        <mc:Fallback>
+        <mc:Fallback xmlns="">
           <p:sp>
             <p:nvSpPr>
               <p:cNvPr id="5" name="TextBox 4">

--- a/static/lectures/SSA_Lecture5_DemoData.pptx
+++ b/static/lectures/SSA_Lecture5_DemoData.pptx
@@ -231,7 +231,7 @@
           <a:p>
             <a:fld id="{05B76329-9BDE-43DA-A433-FD89407A2D9A}" type="datetimeFigureOut">
               <a:rPr lang="en-US" smtClean="0"/>
-              <a:t>12/12/2018</a:t>
+              <a:t>10/6/2019</a:t>
             </a:fld>
             <a:endParaRPr lang="en-US"/>
           </a:p>
@@ -1500,7 +1500,7 @@
           <a:p>
             <a:fld id="{DC01BBA9-561A-4EFE-A06C-26F8206AAA61}" type="datetimeFigureOut">
               <a:rPr lang="en-US" smtClean="0"/>
-              <a:t>12/12/2018</a:t>
+              <a:t>10/6/2019</a:t>
             </a:fld>
             <a:endParaRPr lang="en-US"/>
           </a:p>
@@ -1724,7 +1724,7 @@
           <a:p>
             <a:fld id="{DC01BBA9-561A-4EFE-A06C-26F8206AAA61}" type="datetimeFigureOut">
               <a:rPr lang="en-US" smtClean="0"/>
-              <a:t>12/12/2018</a:t>
+              <a:t>10/6/2019</a:t>
             </a:fld>
             <a:endParaRPr lang="en-US"/>
           </a:p>
@@ -1984,7 +1984,7 @@
           <a:p>
             <a:fld id="{589E5873-CF7F-45F3-B283-E59B1D6F242C}" type="datetimeFigureOut">
               <a:rPr lang="en-US" smtClean="0"/>
-              <a:t>12/12/2018</a:t>
+              <a:t>10/6/2019</a:t>
             </a:fld>
             <a:endParaRPr lang="en-US"/>
           </a:p>
@@ -2152,7 +2152,7 @@
           <a:p>
             <a:fld id="{589E5873-CF7F-45F3-B283-E59B1D6F242C}" type="datetimeFigureOut">
               <a:rPr lang="en-US" smtClean="0"/>
-              <a:t>12/12/2018</a:t>
+              <a:t>10/6/2019</a:t>
             </a:fld>
             <a:endParaRPr lang="en-US"/>
           </a:p>
@@ -2397,7 +2397,7 @@
           <a:p>
             <a:fld id="{589E5873-CF7F-45F3-B283-E59B1D6F242C}" type="datetimeFigureOut">
               <a:rPr lang="en-US" smtClean="0"/>
-              <a:t>12/12/2018</a:t>
+              <a:t>10/6/2019</a:t>
             </a:fld>
             <a:endParaRPr lang="en-US"/>
           </a:p>
@@ -2682,7 +2682,7 @@
           <a:p>
             <a:fld id="{589E5873-CF7F-45F3-B283-E59B1D6F242C}" type="datetimeFigureOut">
               <a:rPr lang="en-US" smtClean="0"/>
-              <a:t>12/12/2018</a:t>
+              <a:t>10/6/2019</a:t>
             </a:fld>
             <a:endParaRPr lang="en-US"/>
           </a:p>
@@ -3101,7 +3101,7 @@
           <a:p>
             <a:fld id="{589E5873-CF7F-45F3-B283-E59B1D6F242C}" type="datetimeFigureOut">
               <a:rPr lang="en-US" smtClean="0"/>
-              <a:t>12/12/2018</a:t>
+              <a:t>10/6/2019</a:t>
             </a:fld>
             <a:endParaRPr lang="en-US"/>
           </a:p>
@@ -3218,7 +3218,7 @@
           <a:p>
             <a:fld id="{589E5873-CF7F-45F3-B283-E59B1D6F242C}" type="datetimeFigureOut">
               <a:rPr lang="en-US" smtClean="0"/>
-              <a:t>12/12/2018</a:t>
+              <a:t>10/6/2019</a:t>
             </a:fld>
             <a:endParaRPr lang="en-US"/>
           </a:p>
@@ -3313,7 +3313,7 @@
           <a:p>
             <a:fld id="{589E5873-CF7F-45F3-B283-E59B1D6F242C}" type="datetimeFigureOut">
               <a:rPr lang="en-US" smtClean="0"/>
-              <a:t>12/12/2018</a:t>
+              <a:t>10/6/2019</a:t>
             </a:fld>
             <a:endParaRPr lang="en-US"/>
           </a:p>
@@ -3588,7 +3588,7 @@
           <a:p>
             <a:fld id="{589E5873-CF7F-45F3-B283-E59B1D6F242C}" type="datetimeFigureOut">
               <a:rPr lang="en-US" smtClean="0"/>
-              <a:t>12/12/2018</a:t>
+              <a:t>10/6/2019</a:t>
             </a:fld>
             <a:endParaRPr lang="en-US"/>
           </a:p>
@@ -4089,7 +4089,7 @@
           <a:p>
             <a:fld id="{589E5873-CF7F-45F3-B283-E59B1D6F242C}" type="datetimeFigureOut">
               <a:rPr lang="en-US" smtClean="0"/>
-              <a:t>12/12/2018</a:t>
+              <a:t>10/6/2019</a:t>
             </a:fld>
             <a:endParaRPr lang="en-US"/>
           </a:p>
@@ -4257,7 +4257,7 @@
           <a:p>
             <a:fld id="{589E5873-CF7F-45F3-B283-E59B1D6F242C}" type="datetimeFigureOut">
               <a:rPr lang="en-US" smtClean="0"/>
-              <a:t>12/12/2018</a:t>
+              <a:t>10/6/2019</a:t>
             </a:fld>
             <a:endParaRPr lang="en-US"/>
           </a:p>
@@ -4435,7 +4435,7 @@
           <a:p>
             <a:fld id="{589E5873-CF7F-45F3-B283-E59B1D6F242C}" type="datetimeFigureOut">
               <a:rPr lang="en-US" smtClean="0"/>
-              <a:t>12/12/2018</a:t>
+              <a:t>10/6/2019</a:t>
             </a:fld>
             <a:endParaRPr lang="en-US"/>
           </a:p>
@@ -4706,7 +4706,7 @@
           <a:p>
             <a:fld id="{DC01BBA9-561A-4EFE-A06C-26F8206AAA61}" type="datetimeFigureOut">
               <a:rPr lang="en-US" smtClean="0"/>
-              <a:t>12/12/2018</a:t>
+              <a:t>10/6/2019</a:t>
             </a:fld>
             <a:endParaRPr lang="en-US"/>
           </a:p>
@@ -4987,7 +4987,7 @@
           <a:p>
             <a:fld id="{DC01BBA9-561A-4EFE-A06C-26F8206AAA61}" type="datetimeFigureOut">
               <a:rPr lang="en-US" smtClean="0"/>
-              <a:t>12/12/2018</a:t>
+              <a:t>10/6/2019</a:t>
             </a:fld>
             <a:endParaRPr lang="en-US"/>
           </a:p>
@@ -5415,7 +5415,7 @@
           <a:p>
             <a:fld id="{DC01BBA9-561A-4EFE-A06C-26F8206AAA61}" type="datetimeFigureOut">
               <a:rPr lang="en-US" smtClean="0"/>
-              <a:t>12/12/2018</a:t>
+              <a:t>10/6/2019</a:t>
             </a:fld>
             <a:endParaRPr lang="en-US"/>
           </a:p>
@@ -5572,7 +5572,7 @@
           <a:p>
             <a:fld id="{DC01BBA9-561A-4EFE-A06C-26F8206AAA61}" type="datetimeFigureOut">
               <a:rPr lang="en-US" smtClean="0"/>
-              <a:t>12/12/2018</a:t>
+              <a:t>10/6/2019</a:t>
             </a:fld>
             <a:endParaRPr lang="en-US"/>
           </a:p>
@@ -5701,7 +5701,7 @@
           <a:p>
             <a:fld id="{DC01BBA9-561A-4EFE-A06C-26F8206AAA61}" type="datetimeFigureOut">
               <a:rPr lang="en-US" smtClean="0"/>
-              <a:t>12/12/2018</a:t>
+              <a:t>10/6/2019</a:t>
             </a:fld>
             <a:endParaRPr lang="en-US"/>
           </a:p>
@@ -6028,7 +6028,7 @@
           <a:p>
             <a:fld id="{DC01BBA9-561A-4EFE-A06C-26F8206AAA61}" type="datetimeFigureOut">
               <a:rPr lang="en-US" smtClean="0"/>
-              <a:t>12/12/2018</a:t>
+              <a:t>10/6/2019</a:t>
             </a:fld>
             <a:endParaRPr lang="en-US"/>
           </a:p>
@@ -6335,7 +6335,7 @@
           <a:p>
             <a:fld id="{DC01BBA9-561A-4EFE-A06C-26F8206AAA61}" type="datetimeFigureOut">
               <a:rPr lang="en-US" smtClean="0"/>
-              <a:t>12/12/2018</a:t>
+              <a:t>10/6/2019</a:t>
             </a:fld>
             <a:endParaRPr lang="en-US"/>
           </a:p>
@@ -7133,7 +7133,7 @@
           <a:p>
             <a:fld id="{589E5873-CF7F-45F3-B283-E59B1D6F242C}" type="datetimeFigureOut">
               <a:rPr lang="en-US" smtClean="0"/>
-              <a:t>12/12/2018</a:t>
+              <a:t>10/6/2019</a:t>
             </a:fld>
             <a:endParaRPr lang="en-US"/>
           </a:p>
@@ -12193,12 +12193,6 @@
             </a:r>
           </a:p>
           <a:p>
-            <a:r>
-              <a:rPr lang="en-US" sz="2000" dirty="0"/>
-              <a:t>Look similar to matrix models, but individuals can move back and forth between states</a:t>
-            </a:r>
-          </a:p>
-          <a:p>
             <a:pPr lvl="1"/>
             <a:r>
               <a:rPr lang="en-US" dirty="0"/>
@@ -12289,102 +12283,6 @@
           </a:p>
         </p:txBody>
       </p:sp>
-      <p:sp>
-        <p:nvSpPr>
-          <p:cNvPr id="32" name="TextBox 31"/>
-          <p:cNvSpPr txBox="1"/>
-          <p:nvPr/>
-        </p:nvSpPr>
-        <p:spPr>
-          <a:xfrm>
-            <a:off x="1859928" y="3486150"/>
-            <a:ext cx="349872" cy="1569660"/>
-          </a:xfrm>
-          <a:prstGeom prst="rect">
-            <a:avLst/>
-          </a:prstGeom>
-          <a:noFill/>
-        </p:spPr>
-        <p:txBody>
-          <a:bodyPr wrap="square" rtlCol="0">
-            <a:spAutoFit/>
-          </a:bodyPr>
-          <a:lstStyle/>
-          <a:p>
-            <a:pPr algn="r">
-              <a:lnSpc>
-                <a:spcPct val="150000"/>
-              </a:lnSpc>
-            </a:pPr>
-            <a:r>
-              <a:rPr lang="en-US" sz="1600" b="1" dirty="0"/>
-              <a:t>J</a:t>
-            </a:r>
-          </a:p>
-          <a:p>
-            <a:pPr algn="r">
-              <a:lnSpc>
-                <a:spcPct val="150000"/>
-              </a:lnSpc>
-            </a:pPr>
-            <a:r>
-              <a:rPr lang="en-US" sz="1600" b="1" dirty="0"/>
-              <a:t>B</a:t>
-            </a:r>
-          </a:p>
-          <a:p>
-            <a:pPr algn="r">
-              <a:lnSpc>
-                <a:spcPct val="150000"/>
-              </a:lnSpc>
-            </a:pPr>
-            <a:r>
-              <a:rPr lang="en-US" sz="1600" b="1" dirty="0"/>
-              <a:t>N</a:t>
-            </a:r>
-          </a:p>
-          <a:p>
-            <a:pPr algn="r">
-              <a:lnSpc>
-                <a:spcPct val="150000"/>
-              </a:lnSpc>
-            </a:pPr>
-            <a:r>
-              <a:rPr lang="en-US" sz="1600" b="1" dirty="0"/>
-              <a:t>D</a:t>
-            </a:r>
-          </a:p>
-        </p:txBody>
-      </p:sp>
-      <p:sp>
-        <p:nvSpPr>
-          <p:cNvPr id="34" name="TextBox 33"/>
-          <p:cNvSpPr txBox="1"/>
-          <p:nvPr/>
-        </p:nvSpPr>
-        <p:spPr>
-          <a:xfrm>
-            <a:off x="2286000" y="3257550"/>
-            <a:ext cx="4648200" cy="338554"/>
-          </a:xfrm>
-          <a:prstGeom prst="rect">
-            <a:avLst/>
-          </a:prstGeom>
-          <a:noFill/>
-        </p:spPr>
-        <p:txBody>
-          <a:bodyPr wrap="square" rtlCol="0">
-            <a:spAutoFit/>
-          </a:bodyPr>
-          <a:lstStyle/>
-          <a:p>
-            <a:r>
-              <a:rPr lang="en-US" sz="1600" b="1" dirty="0"/>
-              <a:t> J                  B                          N                     D</a:t>
-            </a:r>
-          </a:p>
-        </p:txBody>
-      </p:sp>
       <p:cxnSp>
         <p:nvCxnSpPr>
           <p:cNvPr id="37" name="Straight Arrow Connector 36"/>
@@ -12395,9 +12293,9 @@
           <p:nvPr/>
         </p:nvCxnSpPr>
         <p:spPr>
-          <a:xfrm>
-            <a:off x="2667000" y="1971675"/>
-            <a:ext cx="3810000" cy="0"/>
+          <a:xfrm flipV="1">
+            <a:off x="2377764" y="2742866"/>
+            <a:ext cx="4251637" cy="334"/>
           </a:xfrm>
           <a:prstGeom prst="straightConnector1">
             <a:avLst/>
@@ -12432,7 +12330,7 @@
         </p:nvSpPr>
         <p:spPr>
           <a:xfrm>
-            <a:off x="1143000" y="1571625"/>
+            <a:off x="853764" y="2343150"/>
             <a:ext cx="1524000" cy="800100"/>
           </a:xfrm>
           <a:prstGeom prst="rect">
@@ -12480,7 +12378,7 @@
         </p:nvSpPr>
         <p:spPr>
           <a:xfrm>
-            <a:off x="3733800" y="2343150"/>
+            <a:off x="3733800" y="3562350"/>
             <a:ext cx="1524000" cy="800100"/>
           </a:xfrm>
           <a:prstGeom prst="rect">
@@ -12528,7 +12426,7 @@
         </p:nvSpPr>
         <p:spPr>
           <a:xfrm>
-            <a:off x="3733800" y="1028700"/>
+            <a:off x="3702674" y="1020286"/>
             <a:ext cx="1524000" cy="800100"/>
           </a:xfrm>
           <a:prstGeom prst="rect">
@@ -12579,8 +12477,8 @@
         </p:nvCxnSpPr>
         <p:spPr>
           <a:xfrm>
-            <a:off x="2667000" y="1971675"/>
-            <a:ext cx="1066800" cy="771525"/>
+            <a:off x="2377764" y="2743200"/>
+            <a:ext cx="1356036" cy="1219200"/>
           </a:xfrm>
           <a:prstGeom prst="straightConnector1">
             <a:avLst/>
@@ -12612,13 +12510,15 @@
       <p:cxnSp>
         <p:nvCxnSpPr>
           <p:cNvPr id="10" name="Straight Arrow Connector 9"/>
-          <p:cNvCxnSpPr/>
+          <p:cNvCxnSpPr>
+            <a:cxnSpLocks/>
+          </p:cNvCxnSpPr>
           <p:nvPr/>
         </p:nvCxnSpPr>
         <p:spPr>
           <a:xfrm flipV="1">
             <a:off x="4267200" y="1828800"/>
-            <a:ext cx="0" cy="514350"/>
+            <a:ext cx="0" cy="1733550"/>
           </a:xfrm>
           <a:prstGeom prst="straightConnector1">
             <a:avLst/>
@@ -12659,8 +12559,8 @@
         </p:nvCxnSpPr>
         <p:spPr>
           <a:xfrm flipV="1">
-            <a:off x="2667000" y="1428750"/>
-            <a:ext cx="1066800" cy="542925"/>
+            <a:off x="2377764" y="1420336"/>
+            <a:ext cx="1324910" cy="1322864"/>
           </a:xfrm>
           <a:prstGeom prst="straightConnector1">
             <a:avLst/>
@@ -12692,13 +12592,15 @@
       <p:cxnSp>
         <p:nvCxnSpPr>
           <p:cNvPr id="22" name="Straight Arrow Connector 21"/>
-          <p:cNvCxnSpPr/>
+          <p:cNvCxnSpPr>
+            <a:cxnSpLocks/>
+          </p:cNvCxnSpPr>
           <p:nvPr/>
         </p:nvCxnSpPr>
         <p:spPr>
           <a:xfrm flipV="1">
             <a:off x="4724400" y="1828800"/>
-            <a:ext cx="0" cy="514350"/>
+            <a:ext cx="0" cy="1733550"/>
           </a:xfrm>
           <a:prstGeom prst="straightConnector1">
             <a:avLst/>
@@ -12728,8 +12630,8 @@
           </a:fontRef>
         </p:style>
       </p:cxnSp>
-      <mc:AlternateContent xmlns:mc="http://schemas.openxmlformats.org/markup-compatibility/2006" xmlns:a14="http://schemas.microsoft.com/office/drawing/2010/main">
-        <mc:Choice Requires="a14">
+      <mc:AlternateContent xmlns:mc="http://schemas.openxmlformats.org/markup-compatibility/2006">
+        <mc:Choice xmlns:a14="http://schemas.microsoft.com/office/drawing/2010/main" Requires="a14">
           <p:sp>
             <p:nvSpPr>
               <p:cNvPr id="27" name="TextBox 26"/>
@@ -12738,7 +12640,7 @@
             </p:nvSpPr>
             <p:spPr>
               <a:xfrm>
-                <a:off x="2859640" y="1397264"/>
+                <a:off x="2547058" y="1722110"/>
                 <a:ext cx="672941" cy="400110"/>
               </a:xfrm>
               <a:prstGeom prst="rect">
@@ -12793,7 +12695,7 @@
             </p:txBody>
           </p:sp>
         </mc:Choice>
-        <mc:Fallback xmlns="">
+        <mc:Fallback>
           <p:sp>
             <p:nvSpPr>
               <p:cNvPr id="27" name="TextBox 26"/>
@@ -12804,16 +12706,16 @@
             </p:nvSpPr>
             <p:spPr>
               <a:xfrm>
-                <a:off x="2859639" y="1863019"/>
+                <a:off x="2547058" y="1722110"/>
                 <a:ext cx="672941" cy="400110"/>
               </a:xfrm>
               <a:prstGeom prst="rect">
                 <a:avLst/>
               </a:prstGeom>
-              <a:blipFill rotWithShape="1">
+              <a:blipFill>
                 <a:blip r:embed="rId3"/>
                 <a:stretch>
-                  <a:fillRect b="-15385"/>
+                  <a:fillRect b="-13636"/>
                 </a:stretch>
               </a:blipFill>
             </p:spPr>
@@ -12832,8 +12734,8 @@
           </p:sp>
         </mc:Fallback>
       </mc:AlternateContent>
-      <mc:AlternateContent xmlns:mc="http://schemas.openxmlformats.org/markup-compatibility/2006" xmlns:a14="http://schemas.microsoft.com/office/drawing/2010/main">
-        <mc:Choice Requires="a14">
+      <mc:AlternateContent xmlns:mc="http://schemas.openxmlformats.org/markup-compatibility/2006">
+        <mc:Choice xmlns:a14="http://schemas.microsoft.com/office/drawing/2010/main" Requires="a14">
           <p:sp>
             <p:nvSpPr>
               <p:cNvPr id="28" name="TextBox 27"/>
@@ -12842,7 +12744,7 @@
             </p:nvSpPr>
             <p:spPr>
               <a:xfrm>
-                <a:off x="2675568" y="2457450"/>
+                <a:off x="2448335" y="3292983"/>
                 <a:ext cx="686726" cy="400110"/>
               </a:xfrm>
               <a:prstGeom prst="rect">
@@ -12897,7 +12799,7 @@
             </p:txBody>
           </p:sp>
         </mc:Choice>
-        <mc:Fallback xmlns="">
+        <mc:Fallback>
           <p:sp>
             <p:nvSpPr>
               <p:cNvPr id="28" name="TextBox 27"/>
@@ -12908,16 +12810,16 @@
             </p:nvSpPr>
             <p:spPr>
               <a:xfrm>
-                <a:off x="2675568" y="3276600"/>
+                <a:off x="2448335" y="3292983"/>
                 <a:ext cx="686726" cy="400110"/>
               </a:xfrm>
               <a:prstGeom prst="rect">
                 <a:avLst/>
               </a:prstGeom>
-              <a:blipFill rotWithShape="1">
+              <a:blipFill>
                 <a:blip r:embed="rId4"/>
                 <a:stretch>
-                  <a:fillRect b="-13846"/>
+                  <a:fillRect b="-13636"/>
                 </a:stretch>
               </a:blipFill>
             </p:spPr>
@@ -12936,8 +12838,8 @@
           </p:sp>
         </mc:Fallback>
       </mc:AlternateContent>
-      <mc:AlternateContent xmlns:mc="http://schemas.openxmlformats.org/markup-compatibility/2006" xmlns:a14="http://schemas.microsoft.com/office/drawing/2010/main">
-        <mc:Choice Requires="a14">
+      <mc:AlternateContent xmlns:mc="http://schemas.openxmlformats.org/markup-compatibility/2006">
+        <mc:Choice xmlns:a14="http://schemas.microsoft.com/office/drawing/2010/main" Requires="a14">
           <p:sp>
             <p:nvSpPr>
               <p:cNvPr id="29" name="TextBox 28"/>
@@ -12946,7 +12848,7 @@
             </p:nvSpPr>
             <p:spPr>
               <a:xfrm>
-                <a:off x="3657600" y="1985917"/>
+                <a:off x="3642335" y="2164794"/>
                 <a:ext cx="716286" cy="400110"/>
               </a:xfrm>
               <a:prstGeom prst="rect">
@@ -13001,7 +12903,7 @@
             </p:txBody>
           </p:sp>
         </mc:Choice>
-        <mc:Fallback xmlns="">
+        <mc:Fallback>
           <p:sp>
             <p:nvSpPr>
               <p:cNvPr id="29" name="TextBox 28"/>
@@ -13012,13 +12914,13 @@
             </p:nvSpPr>
             <p:spPr>
               <a:xfrm>
-                <a:off x="3657600" y="2647890"/>
+                <a:off x="3642335" y="2164794"/>
                 <a:ext cx="716286" cy="400110"/>
               </a:xfrm>
               <a:prstGeom prst="rect">
                 <a:avLst/>
               </a:prstGeom>
-              <a:blipFill rotWithShape="1">
+              <a:blipFill>
                 <a:blip r:embed="rId5"/>
                 <a:stretch>
                   <a:fillRect b="-13636"/>
@@ -13040,8 +12942,8 @@
           </p:sp>
         </mc:Fallback>
       </mc:AlternateContent>
-      <mc:AlternateContent xmlns:mc="http://schemas.openxmlformats.org/markup-compatibility/2006" xmlns:a14="http://schemas.microsoft.com/office/drawing/2010/main">
-        <mc:Choice Requires="a14">
+      <mc:AlternateContent xmlns:mc="http://schemas.openxmlformats.org/markup-compatibility/2006">
+        <mc:Choice xmlns:a14="http://schemas.microsoft.com/office/drawing/2010/main" Requires="a14">
           <p:sp>
             <p:nvSpPr>
               <p:cNvPr id="30" name="TextBox 29"/>
@@ -13050,7 +12952,7 @@
             </p:nvSpPr>
             <p:spPr>
               <a:xfrm>
-                <a:off x="4724400" y="2011694"/>
+                <a:off x="4653840" y="2144051"/>
                 <a:ext cx="716927" cy="400110"/>
               </a:xfrm>
               <a:prstGeom prst="rect">
@@ -13105,7 +13007,7 @@
             </p:txBody>
           </p:sp>
         </mc:Choice>
-        <mc:Fallback xmlns="">
+        <mc:Fallback>
           <p:sp>
             <p:nvSpPr>
               <p:cNvPr id="30" name="TextBox 29"/>
@@ -13116,16 +13018,16 @@
             </p:nvSpPr>
             <p:spPr>
               <a:xfrm>
-                <a:off x="4724400" y="2682259"/>
-                <a:ext cx="716928" cy="400110"/>
+                <a:off x="4653840" y="2144051"/>
+                <a:ext cx="716927" cy="400110"/>
               </a:xfrm>
               <a:prstGeom prst="rect">
                 <a:avLst/>
               </a:prstGeom>
-              <a:blipFill rotWithShape="1">
+              <a:blipFill>
                 <a:blip r:embed="rId6"/>
                 <a:stretch>
-                  <a:fillRect b="-13636"/>
+                  <a:fillRect b="-15385"/>
                 </a:stretch>
               </a:blipFill>
             </p:spPr>
@@ -13152,7 +13054,7 @@
         </p:nvSpPr>
         <p:spPr>
           <a:xfrm>
-            <a:off x="6477000" y="1571625"/>
+            <a:off x="6629401" y="2342816"/>
             <a:ext cx="1524000" cy="800100"/>
           </a:xfrm>
           <a:prstGeom prst="rect">
@@ -13203,8 +13105,8 @@
         </p:nvCxnSpPr>
         <p:spPr>
           <a:xfrm>
-            <a:off x="5257800" y="1428750"/>
-            <a:ext cx="1219200" cy="542925"/>
+            <a:off x="5226674" y="1420336"/>
+            <a:ext cx="1402727" cy="1322530"/>
           </a:xfrm>
           <a:prstGeom prst="straightConnector1">
             <a:avLst/>
@@ -13242,8 +13144,8 @@
         </p:nvCxnSpPr>
         <p:spPr>
           <a:xfrm flipV="1">
-            <a:off x="5257800" y="1971675"/>
-            <a:ext cx="1219200" cy="771525"/>
+            <a:off x="5257800" y="2742866"/>
+            <a:ext cx="1371601" cy="1219534"/>
           </a:xfrm>
           <a:prstGeom prst="straightConnector1">
             <a:avLst/>
@@ -13270,8 +13172,8 @@
           </a:fontRef>
         </p:style>
       </p:cxnSp>
-      <mc:AlternateContent xmlns:mc="http://schemas.openxmlformats.org/markup-compatibility/2006" xmlns:a14="http://schemas.microsoft.com/office/drawing/2010/main">
-        <mc:Choice Requires="a14">
+      <mc:AlternateContent xmlns:mc="http://schemas.openxmlformats.org/markup-compatibility/2006">
+        <mc:Choice xmlns:a14="http://schemas.microsoft.com/office/drawing/2010/main" Requires="a14">
           <p:sp>
             <p:nvSpPr>
               <p:cNvPr id="56" name="TextBox 55"/>
@@ -13280,7 +13182,7 @@
             </p:nvSpPr>
             <p:spPr>
               <a:xfrm>
-                <a:off x="5441327" y="1212598"/>
+                <a:off x="5580987" y="1552026"/>
                 <a:ext cx="935897" cy="369332"/>
               </a:xfrm>
               <a:prstGeom prst="rect">
@@ -13341,7 +13243,7 @@
             </p:txBody>
           </p:sp>
         </mc:Choice>
-        <mc:Fallback xmlns="">
+        <mc:Fallback>
           <p:sp>
             <p:nvSpPr>
               <p:cNvPr id="56" name="TextBox 55"/>
@@ -13352,16 +13254,16 @@
             </p:nvSpPr>
             <p:spPr>
               <a:xfrm>
-                <a:off x="5441327" y="1212598"/>
+                <a:off x="5580987" y="1552026"/>
                 <a:ext cx="935897" cy="369332"/>
               </a:xfrm>
               <a:prstGeom prst="rect">
                 <a:avLst/>
               </a:prstGeom>
-              <a:blipFill rotWithShape="1">
+              <a:blipFill>
                 <a:blip r:embed="rId7"/>
                 <a:stretch>
-                  <a:fillRect b="-11475"/>
+                  <a:fillRect b="-13333"/>
                 </a:stretch>
               </a:blipFill>
             </p:spPr>
@@ -13380,8 +13282,8 @@
           </p:sp>
         </mc:Fallback>
       </mc:AlternateContent>
-      <mc:AlternateContent xmlns:mc="http://schemas.openxmlformats.org/markup-compatibility/2006" xmlns:a14="http://schemas.microsoft.com/office/drawing/2010/main">
-        <mc:Choice Requires="a14">
+      <mc:AlternateContent xmlns:mc="http://schemas.openxmlformats.org/markup-compatibility/2006">
+        <mc:Choice xmlns:a14="http://schemas.microsoft.com/office/drawing/2010/main" Requires="a14">
           <p:sp>
             <p:nvSpPr>
               <p:cNvPr id="57" name="TextBox 56"/>
@@ -13390,7 +13292,7 @@
             </p:nvSpPr>
             <p:spPr>
               <a:xfrm>
-                <a:off x="5406682" y="1649528"/>
+                <a:off x="5319690" y="2398458"/>
                 <a:ext cx="905120" cy="369332"/>
               </a:xfrm>
               <a:prstGeom prst="rect">
@@ -13451,7 +13353,7 @@
             </p:txBody>
           </p:sp>
         </mc:Choice>
-        <mc:Fallback xmlns="">
+        <mc:Fallback>
           <p:sp>
             <p:nvSpPr>
               <p:cNvPr id="57" name="TextBox 56"/>
@@ -13462,16 +13364,16 @@
             </p:nvSpPr>
             <p:spPr>
               <a:xfrm>
-                <a:off x="5406682" y="1649528"/>
+                <a:off x="5319690" y="2398458"/>
                 <a:ext cx="905120" cy="369332"/>
               </a:xfrm>
               <a:prstGeom prst="rect">
                 <a:avLst/>
               </a:prstGeom>
-              <a:blipFill rotWithShape="1">
+              <a:blipFill>
                 <a:blip r:embed="rId8"/>
                 <a:stretch>
-                  <a:fillRect b="-13333"/>
+                  <a:fillRect b="-11475"/>
                 </a:stretch>
               </a:blipFill>
             </p:spPr>
@@ -13490,8 +13392,8 @@
           </p:sp>
         </mc:Fallback>
       </mc:AlternateContent>
-      <mc:AlternateContent xmlns:mc="http://schemas.openxmlformats.org/markup-compatibility/2006" xmlns:a14="http://schemas.microsoft.com/office/drawing/2010/main">
-        <mc:Choice Requires="a14">
+      <mc:AlternateContent xmlns:mc="http://schemas.openxmlformats.org/markup-compatibility/2006">
+        <mc:Choice xmlns:a14="http://schemas.microsoft.com/office/drawing/2010/main" Requires="a14">
           <p:sp>
             <p:nvSpPr>
               <p:cNvPr id="58" name="TextBox 57"/>
@@ -13500,7 +13402,7 @@
             </p:nvSpPr>
             <p:spPr>
               <a:xfrm>
-                <a:off x="5638800" y="2376663"/>
+                <a:off x="5591041" y="3563901"/>
                 <a:ext cx="948145" cy="369332"/>
               </a:xfrm>
               <a:prstGeom prst="rect">
@@ -13561,7 +13463,7 @@
             </p:txBody>
           </p:sp>
         </mc:Choice>
-        <mc:Fallback xmlns="">
+        <mc:Fallback>
           <p:sp>
             <p:nvSpPr>
               <p:cNvPr id="58" name="TextBox 57"/>
@@ -13572,671 +13474,16 @@
             </p:nvSpPr>
             <p:spPr>
               <a:xfrm>
-                <a:off x="5638800" y="2376663"/>
+                <a:off x="5591041" y="3563901"/>
                 <a:ext cx="948145" cy="369332"/>
               </a:xfrm>
               <a:prstGeom prst="rect">
                 <a:avLst/>
               </a:prstGeom>
-              <a:blipFill rotWithShape="1">
+              <a:blipFill>
                 <a:blip r:embed="rId9"/>
                 <a:stretch>
                   <a:fillRect b="-13333"/>
-                </a:stretch>
-              </a:blipFill>
-            </p:spPr>
-            <p:txBody>
-              <a:bodyPr/>
-              <a:lstStyle/>
-              <a:p>
-                <a:r>
-                  <a:rPr lang="en-US">
-                    <a:noFill/>
-                  </a:rPr>
-                  <a:t> </a:t>
-                </a:r>
-              </a:p>
-            </p:txBody>
-          </p:sp>
-        </mc:Fallback>
-      </mc:AlternateContent>
-      <mc:AlternateContent xmlns:mc="http://schemas.openxmlformats.org/markup-compatibility/2006" xmlns:a14="http://schemas.microsoft.com/office/drawing/2010/main">
-        <mc:Choice Requires="a14">
-          <p:sp>
-            <p:nvSpPr>
-              <p:cNvPr id="24" name="TextBox 23"/>
-              <p:cNvSpPr txBox="1"/>
-              <p:nvPr/>
-            </p:nvSpPr>
-            <p:spPr>
-              <a:xfrm>
-                <a:off x="2170589" y="3564660"/>
-                <a:ext cx="5005216" cy="1381789"/>
-              </a:xfrm>
-              <a:prstGeom prst="rect">
-                <a:avLst/>
-              </a:prstGeom>
-              <a:noFill/>
-            </p:spPr>
-            <p:txBody>
-              <a:bodyPr wrap="none" rtlCol="0">
-                <a:spAutoFit/>
-              </a:bodyPr>
-              <a:lstStyle/>
-              <a:p>
-                <a:pPr/>
-                <a14:m>
-                  <m:oMathPara xmlns:m="http://schemas.openxmlformats.org/officeDocument/2006/math">
-                    <m:oMathParaPr>
-                      <m:jc m:val="centerGroup"/>
-                    </m:oMathParaPr>
-                    <m:oMath xmlns:m="http://schemas.openxmlformats.org/officeDocument/2006/math">
-                      <m:d>
-                        <m:dPr>
-                          <m:begChr m:val="["/>
-                          <m:endChr m:val="]"/>
-                          <m:ctrlPr>
-                            <a:rPr lang="en-US" sz="2000" i="1" smtClean="0">
-                              <a:latin typeface="Cambria Math" panose="02040503050406030204" pitchFamily="18" charset="0"/>
-                            </a:rPr>
-                          </m:ctrlPr>
-                        </m:dPr>
-                        <m:e>
-                          <m:m>
-                            <m:mPr>
-                              <m:mcs>
-                                <m:mc>
-                                  <m:mcPr>
-                                    <m:count m:val="4"/>
-                                    <m:mcJc m:val="center"/>
-                                  </m:mcPr>
-                                </m:mc>
-                              </m:mcs>
-                              <m:ctrlPr>
-                                <a:rPr lang="en-US" sz="2000" i="1" smtClean="0">
-                                  <a:latin typeface="Cambria Math" panose="02040503050406030204" pitchFamily="18" charset="0"/>
-                                </a:rPr>
-                              </m:ctrlPr>
-                            </m:mPr>
-                            <m:mr>
-                              <m:e>
-                                <m:r>
-                                  <m:rPr>
-                                    <m:brk m:alnAt="7"/>
-                                  </m:rPr>
-                                  <a:rPr lang="en-US" sz="2000" b="0" i="1" smtClean="0">
-                                    <a:latin typeface="Cambria Math"/>
-                                  </a:rPr>
-                                  <m:t>0</m:t>
-                                </m:r>
-                              </m:e>
-                              <m:e>
-                                <m:sSup>
-                                  <m:sSupPr>
-                                    <m:ctrlPr>
-                                      <a:rPr lang="en-US" sz="2000" b="0" i="1" smtClean="0">
-                                        <a:latin typeface="Cambria Math" panose="02040503050406030204" pitchFamily="18" charset="0"/>
-                                      </a:rPr>
-                                    </m:ctrlPr>
-                                  </m:sSupPr>
-                                  <m:e>
-                                    <m:r>
-                                      <a:rPr lang="en-US" sz="2000" b="0" i="1" smtClean="0">
-                                        <a:latin typeface="Cambria Math"/>
-                                        <a:ea typeface="Cambria Math"/>
-                                      </a:rPr>
-                                      <m:t>𝜙</m:t>
-                                    </m:r>
-                                  </m:e>
-                                  <m:sup>
-                                    <m:r>
-                                      <a:rPr lang="en-US" sz="2000" b="0" i="1" smtClean="0">
-                                        <a:latin typeface="Cambria Math"/>
-                                      </a:rPr>
-                                      <m:t>𝐽</m:t>
-                                    </m:r>
-                                  </m:sup>
-                                </m:sSup>
-                                <m:sSup>
-                                  <m:sSupPr>
-                                    <m:ctrlPr>
-                                      <a:rPr lang="en-US" sz="2000" i="1" smtClean="0">
-                                        <a:latin typeface="Cambria Math" panose="02040503050406030204" pitchFamily="18" charset="0"/>
-                                        <a:ea typeface="Cambria Math"/>
-                                      </a:rPr>
-                                    </m:ctrlPr>
-                                  </m:sSupPr>
-                                  <m:e>
-                                    <m:r>
-                                      <a:rPr lang="en-US" sz="2000" i="1" smtClean="0">
-                                        <a:latin typeface="Cambria Math"/>
-                                        <a:ea typeface="Cambria Math"/>
-                                      </a:rPr>
-                                      <m:t>𝜓</m:t>
-                                    </m:r>
-                                  </m:e>
-                                  <m:sup>
-                                    <m:r>
-                                      <a:rPr lang="en-US" sz="2000" b="0" i="1" smtClean="0">
-                                        <a:latin typeface="Cambria Math"/>
-                                        <a:ea typeface="Cambria Math"/>
-                                      </a:rPr>
-                                      <m:t>𝐽𝐵</m:t>
-                                    </m:r>
-                                  </m:sup>
-                                </m:sSup>
-                              </m:e>
-                              <m:e>
-                                <m:sSup>
-                                  <m:sSupPr>
-                                    <m:ctrlPr>
-                                      <a:rPr lang="en-US" sz="2000" i="1">
-                                        <a:latin typeface="Cambria Math" panose="02040503050406030204" pitchFamily="18" charset="0"/>
-                                      </a:rPr>
-                                    </m:ctrlPr>
-                                  </m:sSupPr>
-                                  <m:e>
-                                    <m:r>
-                                      <a:rPr lang="en-US" sz="2000" i="1">
-                                        <a:latin typeface="Cambria Math"/>
-                                        <a:ea typeface="Cambria Math"/>
-                                      </a:rPr>
-                                      <m:t>𝜙</m:t>
-                                    </m:r>
-                                  </m:e>
-                                  <m:sup>
-                                    <m:r>
-                                      <a:rPr lang="en-US" sz="2000" i="1">
-                                        <a:latin typeface="Cambria Math"/>
-                                      </a:rPr>
-                                      <m:t>𝐽</m:t>
-                                    </m:r>
-                                  </m:sup>
-                                </m:sSup>
-                                <m:sSup>
-                                  <m:sSupPr>
-                                    <m:ctrlPr>
-                                      <a:rPr lang="en-US" sz="2000" i="1">
-                                        <a:latin typeface="Cambria Math" panose="02040503050406030204" pitchFamily="18" charset="0"/>
-                                        <a:ea typeface="Cambria Math"/>
-                                      </a:rPr>
-                                    </m:ctrlPr>
-                                  </m:sSupPr>
-                                  <m:e>
-                                    <m:r>
-                                      <a:rPr lang="en-US" sz="2000" i="1">
-                                        <a:latin typeface="Cambria Math"/>
-                                        <a:ea typeface="Cambria Math"/>
-                                      </a:rPr>
-                                      <m:t>𝜓</m:t>
-                                    </m:r>
-                                  </m:e>
-                                  <m:sup>
-                                    <m:r>
-                                      <a:rPr lang="en-US" sz="2000" i="1">
-                                        <a:latin typeface="Cambria Math"/>
-                                        <a:ea typeface="Cambria Math"/>
-                                      </a:rPr>
-                                      <m:t>𝐽</m:t>
-                                    </m:r>
-                                    <m:r>
-                                      <a:rPr lang="en-US" sz="2000" b="0" i="1" smtClean="0">
-                                        <a:latin typeface="Cambria Math"/>
-                                        <a:ea typeface="Cambria Math"/>
-                                      </a:rPr>
-                                      <m:t>𝑁</m:t>
-                                    </m:r>
-                                  </m:sup>
-                                </m:sSup>
-                              </m:e>
-                              <m:e>
-                                <m:r>
-                                  <a:rPr lang="en-US" sz="2000" b="0" i="1" smtClean="0">
-                                    <a:latin typeface="Cambria Math"/>
-                                  </a:rPr>
-                                  <m:t>1−</m:t>
-                                </m:r>
-                                <m:sSup>
-                                  <m:sSupPr>
-                                    <m:ctrlPr>
-                                      <a:rPr lang="en-US" sz="2000" i="1">
-                                        <a:latin typeface="Cambria Math" panose="02040503050406030204" pitchFamily="18" charset="0"/>
-                                      </a:rPr>
-                                    </m:ctrlPr>
-                                  </m:sSupPr>
-                                  <m:e>
-                                    <m:r>
-                                      <a:rPr lang="en-US" sz="2000" i="1">
-                                        <a:latin typeface="Cambria Math"/>
-                                        <a:ea typeface="Cambria Math"/>
-                                      </a:rPr>
-                                      <m:t>𝜙</m:t>
-                                    </m:r>
-                                  </m:e>
-                                  <m:sup>
-                                    <m:r>
-                                      <a:rPr lang="en-US" sz="2000" b="0" i="1" smtClean="0">
-                                        <a:latin typeface="Cambria Math"/>
-                                        <a:ea typeface="Cambria Math"/>
-                                      </a:rPr>
-                                      <m:t>𝐽</m:t>
-                                    </m:r>
-                                  </m:sup>
-                                </m:sSup>
-                              </m:e>
-                            </m:mr>
-                            <m:mr>
-                              <m:e>
-                                <m:r>
-                                  <a:rPr lang="en-US" sz="2000" b="0" i="1" smtClean="0">
-                                    <a:latin typeface="Cambria Math"/>
-                                  </a:rPr>
-                                  <m:t>0</m:t>
-                                </m:r>
-                              </m:e>
-                              <m:e>
-                                <m:sSup>
-                                  <m:sSupPr>
-                                    <m:ctrlPr>
-                                      <a:rPr lang="en-US" sz="2000" i="1">
-                                        <a:latin typeface="Cambria Math" panose="02040503050406030204" pitchFamily="18" charset="0"/>
-                                      </a:rPr>
-                                    </m:ctrlPr>
-                                  </m:sSupPr>
-                                  <m:e>
-                                    <m:r>
-                                      <a:rPr lang="en-US" sz="2000" i="1">
-                                        <a:latin typeface="Cambria Math"/>
-                                        <a:ea typeface="Cambria Math"/>
-                                      </a:rPr>
-                                      <m:t>𝜙</m:t>
-                                    </m:r>
-                                  </m:e>
-                                  <m:sup>
-                                    <m:r>
-                                      <a:rPr lang="en-US" sz="2000" b="0" i="1" smtClean="0">
-                                        <a:latin typeface="Cambria Math"/>
-                                        <a:ea typeface="Cambria Math"/>
-                                      </a:rPr>
-                                      <m:t>𝐵</m:t>
-                                    </m:r>
-                                  </m:sup>
-                                </m:sSup>
-                                <m:r>
-                                  <a:rPr lang="en-US" sz="2000" b="0" i="1" smtClean="0">
-                                    <a:latin typeface="Cambria Math"/>
-                                    <a:ea typeface="Cambria Math"/>
-                                  </a:rPr>
-                                  <m:t>(1−</m:t>
-                                </m:r>
-                                <m:sSup>
-                                  <m:sSupPr>
-                                    <m:ctrlPr>
-                                      <a:rPr lang="en-US" sz="2000" b="0" i="1" smtClean="0">
-                                        <a:latin typeface="Cambria Math" panose="02040503050406030204" pitchFamily="18" charset="0"/>
-                                        <a:ea typeface="Cambria Math"/>
-                                      </a:rPr>
-                                    </m:ctrlPr>
-                                  </m:sSupPr>
-                                  <m:e>
-                                    <m:r>
-                                      <a:rPr lang="en-US" sz="2000" b="0" i="1" smtClean="0">
-                                        <a:latin typeface="Cambria Math"/>
-                                        <a:ea typeface="Cambria Math"/>
-                                      </a:rPr>
-                                      <m:t>𝜓</m:t>
-                                    </m:r>
-                                  </m:e>
-                                  <m:sup>
-                                    <m:r>
-                                      <a:rPr lang="en-US" sz="2000" b="0" i="1" smtClean="0">
-                                        <a:latin typeface="Cambria Math"/>
-                                        <a:ea typeface="Cambria Math"/>
-                                      </a:rPr>
-                                      <m:t>𝐵𝑁</m:t>
-                                    </m:r>
-                                    <m:r>
-                                      <a:rPr lang="en-US" sz="2000" b="0" i="1" smtClean="0">
-                                        <a:latin typeface="Cambria Math"/>
-                                        <a:ea typeface="Cambria Math"/>
-                                      </a:rPr>
-                                      <m:t>)</m:t>
-                                    </m:r>
-                                  </m:sup>
-                                </m:sSup>
-                              </m:e>
-                              <m:e>
-                                <m:sSup>
-                                  <m:sSupPr>
-                                    <m:ctrlPr>
-                                      <a:rPr lang="en-US" sz="2000" i="1">
-                                        <a:latin typeface="Cambria Math" panose="02040503050406030204" pitchFamily="18" charset="0"/>
-                                      </a:rPr>
-                                    </m:ctrlPr>
-                                  </m:sSupPr>
-                                  <m:e>
-                                    <m:r>
-                                      <a:rPr lang="en-US" sz="2000" i="1">
-                                        <a:latin typeface="Cambria Math"/>
-                                        <a:ea typeface="Cambria Math"/>
-                                      </a:rPr>
-                                      <m:t>𝜙</m:t>
-                                    </m:r>
-                                  </m:e>
-                                  <m:sup>
-                                    <m:r>
-                                      <a:rPr lang="en-US" sz="2000" i="1">
-                                        <a:latin typeface="Cambria Math"/>
-                                        <a:ea typeface="Cambria Math"/>
-                                      </a:rPr>
-                                      <m:t>𝐵</m:t>
-                                    </m:r>
-                                  </m:sup>
-                                </m:sSup>
-                                <m:sSup>
-                                  <m:sSupPr>
-                                    <m:ctrlPr>
-                                      <a:rPr lang="en-US" sz="2000" i="1" smtClean="0">
-                                        <a:latin typeface="Cambria Math" panose="02040503050406030204" pitchFamily="18" charset="0"/>
-                                        <a:ea typeface="Cambria Math"/>
-                                      </a:rPr>
-                                    </m:ctrlPr>
-                                  </m:sSupPr>
-                                  <m:e>
-                                    <m:r>
-                                      <a:rPr lang="en-US" sz="2000" i="1" smtClean="0">
-                                        <a:latin typeface="Cambria Math"/>
-                                        <a:ea typeface="Cambria Math"/>
-                                      </a:rPr>
-                                      <m:t>𝜓</m:t>
-                                    </m:r>
-                                  </m:e>
-                                  <m:sup>
-                                    <m:r>
-                                      <a:rPr lang="en-US" sz="2000" b="0" i="1" smtClean="0">
-                                        <a:latin typeface="Cambria Math"/>
-                                        <a:ea typeface="Cambria Math"/>
-                                      </a:rPr>
-                                      <m:t>𝐵𝑁</m:t>
-                                    </m:r>
-                                  </m:sup>
-                                </m:sSup>
-                              </m:e>
-                              <m:e>
-                                <m:r>
-                                  <a:rPr lang="en-US" sz="2000" b="0" i="1" smtClean="0">
-                                    <a:latin typeface="Cambria Math"/>
-                                  </a:rPr>
-                                  <m:t>1−</m:t>
-                                </m:r>
-                                <m:sSup>
-                                  <m:sSupPr>
-                                    <m:ctrlPr>
-                                      <a:rPr lang="en-US" sz="2000" i="1">
-                                        <a:latin typeface="Cambria Math" panose="02040503050406030204" pitchFamily="18" charset="0"/>
-                                      </a:rPr>
-                                    </m:ctrlPr>
-                                  </m:sSupPr>
-                                  <m:e>
-                                    <m:r>
-                                      <a:rPr lang="en-US" sz="2000" i="1">
-                                        <a:latin typeface="Cambria Math"/>
-                                        <a:ea typeface="Cambria Math"/>
-                                      </a:rPr>
-                                      <m:t>𝜙</m:t>
-                                    </m:r>
-                                  </m:e>
-                                  <m:sup>
-                                    <m:r>
-                                      <a:rPr lang="en-US" sz="2000" i="1">
-                                        <a:latin typeface="Cambria Math"/>
-                                        <a:ea typeface="Cambria Math"/>
-                                      </a:rPr>
-                                      <m:t>𝐵</m:t>
-                                    </m:r>
-                                  </m:sup>
-                                </m:sSup>
-                              </m:e>
-                            </m:mr>
-                            <m:mr>
-                              <m:e>
-                                <m:r>
-                                  <a:rPr lang="en-US" sz="2000" b="0" i="1" smtClean="0">
-                                    <a:latin typeface="Cambria Math"/>
-                                  </a:rPr>
-                                  <m:t>0</m:t>
-                                </m:r>
-                              </m:e>
-                              <m:e>
-                                <m:sSup>
-                                  <m:sSupPr>
-                                    <m:ctrlPr>
-                                      <a:rPr lang="en-US" sz="2000" i="1">
-                                        <a:latin typeface="Cambria Math" panose="02040503050406030204" pitchFamily="18" charset="0"/>
-                                      </a:rPr>
-                                    </m:ctrlPr>
-                                  </m:sSupPr>
-                                  <m:e>
-                                    <m:r>
-                                      <a:rPr lang="en-US" sz="2000" i="1">
-                                        <a:latin typeface="Cambria Math"/>
-                                        <a:ea typeface="Cambria Math"/>
-                                      </a:rPr>
-                                      <m:t>𝜙</m:t>
-                                    </m:r>
-                                  </m:e>
-                                  <m:sup>
-                                    <m:r>
-                                      <a:rPr lang="en-US" sz="2000" b="0" i="1" smtClean="0">
-                                        <a:latin typeface="Cambria Math"/>
-                                        <a:ea typeface="Cambria Math"/>
-                                      </a:rPr>
-                                      <m:t>𝑁</m:t>
-                                    </m:r>
-                                  </m:sup>
-                                </m:sSup>
-                                <m:sSup>
-                                  <m:sSupPr>
-                                    <m:ctrlPr>
-                                      <a:rPr lang="en-US" sz="2000" i="1" smtClean="0">
-                                        <a:latin typeface="Cambria Math" panose="02040503050406030204" pitchFamily="18" charset="0"/>
-                                        <a:ea typeface="Cambria Math"/>
-                                      </a:rPr>
-                                    </m:ctrlPr>
-                                  </m:sSupPr>
-                                  <m:e>
-                                    <m:r>
-                                      <a:rPr lang="en-US" sz="2000" i="1" smtClean="0">
-                                        <a:latin typeface="Cambria Math"/>
-                                        <a:ea typeface="Cambria Math"/>
-                                      </a:rPr>
-                                      <m:t>𝜓</m:t>
-                                    </m:r>
-                                  </m:e>
-                                  <m:sup>
-                                    <m:r>
-                                      <a:rPr lang="en-US" sz="2000" b="0" i="1" smtClean="0">
-                                        <a:latin typeface="Cambria Math"/>
-                                        <a:ea typeface="Cambria Math"/>
-                                      </a:rPr>
-                                      <m:t>𝑁𝐵</m:t>
-                                    </m:r>
-                                  </m:sup>
-                                </m:sSup>
-                              </m:e>
-                              <m:e>
-                                <m:sSup>
-                                  <m:sSupPr>
-                                    <m:ctrlPr>
-                                      <a:rPr lang="en-US" sz="2000" i="1">
-                                        <a:latin typeface="Cambria Math" panose="02040503050406030204" pitchFamily="18" charset="0"/>
-                                      </a:rPr>
-                                    </m:ctrlPr>
-                                  </m:sSupPr>
-                                  <m:e>
-                                    <m:r>
-                                      <a:rPr lang="en-US" sz="2000" i="1">
-                                        <a:latin typeface="Cambria Math"/>
-                                        <a:ea typeface="Cambria Math"/>
-                                      </a:rPr>
-                                      <m:t>𝜙</m:t>
-                                    </m:r>
-                                  </m:e>
-                                  <m:sup>
-                                    <m:r>
-                                      <a:rPr lang="en-US" sz="2000" i="1">
-                                        <a:latin typeface="Cambria Math"/>
-                                        <a:ea typeface="Cambria Math"/>
-                                      </a:rPr>
-                                      <m:t>𝑁</m:t>
-                                    </m:r>
-                                  </m:sup>
-                                </m:sSup>
-                                <m:r>
-                                  <a:rPr lang="en-US" sz="2000" b="0" i="1" smtClean="0">
-                                    <a:latin typeface="Cambria Math"/>
-                                    <a:ea typeface="Cambria Math"/>
-                                  </a:rPr>
-                                  <m:t>(1−</m:t>
-                                </m:r>
-                                <m:sSup>
-                                  <m:sSupPr>
-                                    <m:ctrlPr>
-                                      <a:rPr lang="en-US" sz="2000" b="0" i="1" smtClean="0">
-                                        <a:latin typeface="Cambria Math" panose="02040503050406030204" pitchFamily="18" charset="0"/>
-                                        <a:ea typeface="Cambria Math"/>
-                                      </a:rPr>
-                                    </m:ctrlPr>
-                                  </m:sSupPr>
-                                  <m:e>
-                                    <m:r>
-                                      <a:rPr lang="en-US" sz="2000" b="0" i="1" smtClean="0">
-                                        <a:latin typeface="Cambria Math"/>
-                                        <a:ea typeface="Cambria Math"/>
-                                      </a:rPr>
-                                      <m:t>𝜓</m:t>
-                                    </m:r>
-                                  </m:e>
-                                  <m:sup>
-                                    <m:r>
-                                      <a:rPr lang="en-US" sz="2000" b="0" i="1" smtClean="0">
-                                        <a:latin typeface="Cambria Math"/>
-                                        <a:ea typeface="Cambria Math"/>
-                                      </a:rPr>
-                                      <m:t>𝑁𝐵</m:t>
-                                    </m:r>
-                                    <m:r>
-                                      <a:rPr lang="en-US" sz="2000" b="0" i="1" smtClean="0">
-                                        <a:latin typeface="Cambria Math"/>
-                                        <a:ea typeface="Cambria Math"/>
-                                      </a:rPr>
-                                      <m:t>)</m:t>
-                                    </m:r>
-                                  </m:sup>
-                                </m:sSup>
-                              </m:e>
-                              <m:e>
-                                <m:r>
-                                  <a:rPr lang="en-US" sz="2000" b="0" i="1" smtClean="0">
-                                    <a:latin typeface="Cambria Math"/>
-                                  </a:rPr>
-                                  <m:t>1−</m:t>
-                                </m:r>
-                                <m:sSup>
-                                  <m:sSupPr>
-                                    <m:ctrlPr>
-                                      <a:rPr lang="en-US" sz="2000" i="1">
-                                        <a:latin typeface="Cambria Math" panose="02040503050406030204" pitchFamily="18" charset="0"/>
-                                      </a:rPr>
-                                    </m:ctrlPr>
-                                  </m:sSupPr>
-                                  <m:e>
-                                    <m:r>
-                                      <a:rPr lang="en-US" sz="2000" i="1">
-                                        <a:latin typeface="Cambria Math"/>
-                                        <a:ea typeface="Cambria Math"/>
-                                      </a:rPr>
-                                      <m:t>𝜙</m:t>
-                                    </m:r>
-                                  </m:e>
-                                  <m:sup>
-                                    <m:r>
-                                      <a:rPr lang="en-US" sz="2000" i="1">
-                                        <a:latin typeface="Cambria Math"/>
-                                        <a:ea typeface="Cambria Math"/>
-                                      </a:rPr>
-                                      <m:t>𝑁</m:t>
-                                    </m:r>
-                                  </m:sup>
-                                </m:sSup>
-                              </m:e>
-                            </m:mr>
-                            <m:mr>
-                              <m:e>
-                                <m:r>
-                                  <a:rPr lang="en-US" sz="2000" b="0" i="1" smtClean="0">
-                                    <a:latin typeface="Cambria Math"/>
-                                  </a:rPr>
-                                  <m:t>0</m:t>
-                                </m:r>
-                              </m:e>
-                              <m:e>
-                                <m:r>
-                                  <a:rPr lang="en-US" sz="2000" b="0" i="1" smtClean="0">
-                                    <a:latin typeface="Cambria Math"/>
-                                  </a:rPr>
-                                  <m:t>0</m:t>
-                                </m:r>
-                              </m:e>
-                              <m:e>
-                                <m:r>
-                                  <a:rPr lang="en-US" sz="2000" b="0" i="1" smtClean="0">
-                                    <a:latin typeface="Cambria Math"/>
-                                  </a:rPr>
-                                  <m:t>0</m:t>
-                                </m:r>
-                              </m:e>
-                              <m:e>
-                                <m:r>
-                                  <a:rPr lang="en-US" sz="2000" b="0" i="1" smtClean="0">
-                                    <a:latin typeface="Cambria Math"/>
-                                  </a:rPr>
-                                  <m:t>1</m:t>
-                                </m:r>
-                              </m:e>
-                            </m:mr>
-                          </m:m>
-                        </m:e>
-                      </m:d>
-                    </m:oMath>
-                  </m:oMathPara>
-                </a14:m>
-                <a:endParaRPr lang="en-US" sz="2400" dirty="0"/>
-              </a:p>
-            </p:txBody>
-          </p:sp>
-        </mc:Choice>
-        <mc:Fallback xmlns="">
-          <p:sp>
-            <p:nvSpPr>
-              <p:cNvPr id="24" name="TextBox 23"/>
-              <p:cNvSpPr txBox="1">
-                <a:spLocks noRot="1" noChangeAspect="1" noMove="1" noResize="1" noEditPoints="1" noAdjustHandles="1" noChangeArrowheads="1" noChangeShapeType="1" noTextEdit="1"/>
-              </p:cNvSpPr>
-              <p:nvPr/>
-            </p:nvSpPr>
-            <p:spPr>
-              <a:xfrm>
-                <a:off x="2170588" y="4752880"/>
-                <a:ext cx="4991431" cy="1381789"/>
-              </a:xfrm>
-              <a:prstGeom prst="rect">
-                <a:avLst/>
-              </a:prstGeom>
-              <a:blipFill rotWithShape="1">
-                <a:blip r:embed="rId10"/>
-                <a:stretch>
-                  <a:fillRect/>
                 </a:stretch>
               </a:blipFill>
             </p:spPr>
@@ -14852,129 +14099,6 @@
                       </p:childTnLst>
                     </p:cTn>
                   </p:par>
-                  <p:par>
-                    <p:cTn id="54" fill="hold">
-                      <p:stCondLst>
-                        <p:cond delay="indefinite"/>
-                      </p:stCondLst>
-                      <p:childTnLst>
-                        <p:par>
-                          <p:cTn id="55" fill="hold">
-                            <p:stCondLst>
-                              <p:cond delay="0"/>
-                            </p:stCondLst>
-                            <p:childTnLst>
-                              <p:par>
-                                <p:cTn id="56" presetID="10" presetClass="entr" presetSubtype="0" fill="hold" grpId="0" nodeType="clickEffect">
-                                  <p:stCondLst>
-                                    <p:cond delay="0"/>
-                                  </p:stCondLst>
-                                  <p:childTnLst>
-                                    <p:set>
-                                      <p:cBhvr>
-                                        <p:cTn id="57" dur="1" fill="hold">
-                                          <p:stCondLst>
-                                            <p:cond delay="0"/>
-                                          </p:stCondLst>
-                                        </p:cTn>
-                                        <p:tgtEl>
-                                          <p:spTgt spid="24"/>
-                                        </p:tgtEl>
-                                        <p:attrNameLst>
-                                          <p:attrName>style.visibility</p:attrName>
-                                        </p:attrNameLst>
-                                      </p:cBhvr>
-                                      <p:to>
-                                        <p:strVal val="visible"/>
-                                      </p:to>
-                                    </p:set>
-                                    <p:animEffect transition="in" filter="fade">
-                                      <p:cBhvr>
-                                        <p:cTn id="58" dur="500"/>
-                                        <p:tgtEl>
-                                          <p:spTgt spid="24"/>
-                                        </p:tgtEl>
-                                      </p:cBhvr>
-                                    </p:animEffect>
-                                  </p:childTnLst>
-                                </p:cTn>
-                              </p:par>
-                              <p:par>
-                                <p:cTn id="59" presetID="10" presetClass="entr" presetSubtype="0" fill="hold" grpId="0" nodeType="withEffect">
-                                  <p:stCondLst>
-                                    <p:cond delay="0"/>
-                                  </p:stCondLst>
-                                  <p:childTnLst>
-                                    <p:set>
-                                      <p:cBhvr>
-                                        <p:cTn id="60" dur="1" fill="hold">
-                                          <p:stCondLst>
-                                            <p:cond delay="0"/>
-                                          </p:stCondLst>
-                                        </p:cTn>
-                                        <p:tgtEl>
-                                          <p:spTgt spid="32"/>
-                                        </p:tgtEl>
-                                        <p:attrNameLst>
-                                          <p:attrName>style.visibility</p:attrName>
-                                        </p:attrNameLst>
-                                      </p:cBhvr>
-                                      <p:to>
-                                        <p:strVal val="visible"/>
-                                      </p:to>
-                                    </p:set>
-                                    <p:animEffect transition="in" filter="fade">
-                                      <p:cBhvr>
-                                        <p:cTn id="61" dur="500"/>
-                                        <p:tgtEl>
-                                          <p:spTgt spid="32"/>
-                                        </p:tgtEl>
-                                      </p:cBhvr>
-                                    </p:animEffect>
-                                  </p:childTnLst>
-                                </p:cTn>
-                              </p:par>
-                              <p:par>
-                                <p:cTn id="62" presetID="10" presetClass="entr" presetSubtype="0" fill="hold" grpId="0" nodeType="withEffect">
-                                  <p:stCondLst>
-                                    <p:cond delay="0"/>
-                                  </p:stCondLst>
-                                  <p:childTnLst>
-                                    <p:set>
-                                      <p:cBhvr>
-                                        <p:cTn id="63" dur="1" fill="hold">
-                                          <p:stCondLst>
-                                            <p:cond delay="0"/>
-                                          </p:stCondLst>
-                                        </p:cTn>
-                                        <p:tgtEl>
-                                          <p:spTgt spid="34"/>
-                                        </p:tgtEl>
-                                        <p:attrNameLst>
-                                          <p:attrName>style.visibility</p:attrName>
-                                        </p:attrNameLst>
-                                      </p:cBhvr>
-                                      <p:to>
-                                        <p:strVal val="visible"/>
-                                      </p:to>
-                                    </p:set>
-                                    <p:animEffect transition="in" filter="fade">
-                                      <p:cBhvr>
-                                        <p:cTn id="64" dur="500"/>
-                                        <p:tgtEl>
-                                          <p:spTgt spid="34"/>
-                                        </p:tgtEl>
-                                      </p:cBhvr>
-                                    </p:animEffect>
-                                  </p:childTnLst>
-                                </p:cTn>
-                              </p:par>
-                            </p:childTnLst>
-                          </p:cTn>
-                        </p:par>
-                      </p:childTnLst>
-                    </p:cTn>
-                  </p:par>
                 </p:childTnLst>
               </p:cTn>
               <p:prevCondLst>
@@ -14997,8 +14121,6 @@
       </p:par>
     </p:tnLst>
     <p:bldLst>
-      <p:bldP spid="32" grpId="0"/>
-      <p:bldP spid="34" grpId="0"/>
       <p:bldP spid="27" grpId="0"/>
       <p:bldP spid="28" grpId="0"/>
       <p:bldP spid="29" grpId="0"/>
@@ -15007,7 +14129,6 @@
       <p:bldP spid="56" grpId="0"/>
       <p:bldP spid="57" grpId="0"/>
       <p:bldP spid="58" grpId="0"/>
-      <p:bldP spid="24" grpId="0"/>
     </p:bldLst>
   </p:timing>
 </p:sld>

--- a/static/lectures/SSA_Lecture5_DemoData.pptx
+++ b/static/lectures/SSA_Lecture5_DemoData.pptx
@@ -231,7 +231,7 @@
           <a:p>
             <a:fld id="{05B76329-9BDE-43DA-A433-FD89407A2D9A}" type="datetimeFigureOut">
               <a:rPr lang="en-US" smtClean="0"/>
-              <a:t>10/6/2019</a:t>
+              <a:t>11/25/19</a:t>
             </a:fld>
             <a:endParaRPr lang="en-US"/>
           </a:p>
@@ -1500,7 +1500,7 @@
           <a:p>
             <a:fld id="{DC01BBA9-561A-4EFE-A06C-26F8206AAA61}" type="datetimeFigureOut">
               <a:rPr lang="en-US" smtClean="0"/>
-              <a:t>10/6/2019</a:t>
+              <a:t>11/25/19</a:t>
             </a:fld>
             <a:endParaRPr lang="en-US"/>
           </a:p>
@@ -1724,7 +1724,7 @@
           <a:p>
             <a:fld id="{DC01BBA9-561A-4EFE-A06C-26F8206AAA61}" type="datetimeFigureOut">
               <a:rPr lang="en-US" smtClean="0"/>
-              <a:t>10/6/2019</a:t>
+              <a:t>11/25/19</a:t>
             </a:fld>
             <a:endParaRPr lang="en-US"/>
           </a:p>
@@ -1984,7 +1984,7 @@
           <a:p>
             <a:fld id="{589E5873-CF7F-45F3-B283-E59B1D6F242C}" type="datetimeFigureOut">
               <a:rPr lang="en-US" smtClean="0"/>
-              <a:t>10/6/2019</a:t>
+              <a:t>11/25/19</a:t>
             </a:fld>
             <a:endParaRPr lang="en-US"/>
           </a:p>
@@ -2152,7 +2152,7 @@
           <a:p>
             <a:fld id="{589E5873-CF7F-45F3-B283-E59B1D6F242C}" type="datetimeFigureOut">
               <a:rPr lang="en-US" smtClean="0"/>
-              <a:t>10/6/2019</a:t>
+              <a:t>11/25/19</a:t>
             </a:fld>
             <a:endParaRPr lang="en-US"/>
           </a:p>
@@ -2397,7 +2397,7 @@
           <a:p>
             <a:fld id="{589E5873-CF7F-45F3-B283-E59B1D6F242C}" type="datetimeFigureOut">
               <a:rPr lang="en-US" smtClean="0"/>
-              <a:t>10/6/2019</a:t>
+              <a:t>11/25/19</a:t>
             </a:fld>
             <a:endParaRPr lang="en-US"/>
           </a:p>
@@ -2682,7 +2682,7 @@
           <a:p>
             <a:fld id="{589E5873-CF7F-45F3-B283-E59B1D6F242C}" type="datetimeFigureOut">
               <a:rPr lang="en-US" smtClean="0"/>
-              <a:t>10/6/2019</a:t>
+              <a:t>11/25/19</a:t>
             </a:fld>
             <a:endParaRPr lang="en-US"/>
           </a:p>
@@ -3101,7 +3101,7 @@
           <a:p>
             <a:fld id="{589E5873-CF7F-45F3-B283-E59B1D6F242C}" type="datetimeFigureOut">
               <a:rPr lang="en-US" smtClean="0"/>
-              <a:t>10/6/2019</a:t>
+              <a:t>11/25/19</a:t>
             </a:fld>
             <a:endParaRPr lang="en-US"/>
           </a:p>
@@ -3218,7 +3218,7 @@
           <a:p>
             <a:fld id="{589E5873-CF7F-45F3-B283-E59B1D6F242C}" type="datetimeFigureOut">
               <a:rPr lang="en-US" smtClean="0"/>
-              <a:t>10/6/2019</a:t>
+              <a:t>11/25/19</a:t>
             </a:fld>
             <a:endParaRPr lang="en-US"/>
           </a:p>
@@ -3313,7 +3313,7 @@
           <a:p>
             <a:fld id="{589E5873-CF7F-45F3-B283-E59B1D6F242C}" type="datetimeFigureOut">
               <a:rPr lang="en-US" smtClean="0"/>
-              <a:t>10/6/2019</a:t>
+              <a:t>11/25/19</a:t>
             </a:fld>
             <a:endParaRPr lang="en-US"/>
           </a:p>
@@ -3588,7 +3588,7 @@
           <a:p>
             <a:fld id="{589E5873-CF7F-45F3-B283-E59B1D6F242C}" type="datetimeFigureOut">
               <a:rPr lang="en-US" smtClean="0"/>
-              <a:t>10/6/2019</a:t>
+              <a:t>11/25/19</a:t>
             </a:fld>
             <a:endParaRPr lang="en-US"/>
           </a:p>
@@ -4089,7 +4089,7 @@
           <a:p>
             <a:fld id="{589E5873-CF7F-45F3-B283-E59B1D6F242C}" type="datetimeFigureOut">
               <a:rPr lang="en-US" smtClean="0"/>
-              <a:t>10/6/2019</a:t>
+              <a:t>11/25/19</a:t>
             </a:fld>
             <a:endParaRPr lang="en-US"/>
           </a:p>
@@ -4257,7 +4257,7 @@
           <a:p>
             <a:fld id="{589E5873-CF7F-45F3-B283-E59B1D6F242C}" type="datetimeFigureOut">
               <a:rPr lang="en-US" smtClean="0"/>
-              <a:t>10/6/2019</a:t>
+              <a:t>11/25/19</a:t>
             </a:fld>
             <a:endParaRPr lang="en-US"/>
           </a:p>
@@ -4435,7 +4435,7 @@
           <a:p>
             <a:fld id="{589E5873-CF7F-45F3-B283-E59B1D6F242C}" type="datetimeFigureOut">
               <a:rPr lang="en-US" smtClean="0"/>
-              <a:t>10/6/2019</a:t>
+              <a:t>11/25/19</a:t>
             </a:fld>
             <a:endParaRPr lang="en-US"/>
           </a:p>
@@ -4706,7 +4706,7 @@
           <a:p>
             <a:fld id="{DC01BBA9-561A-4EFE-A06C-26F8206AAA61}" type="datetimeFigureOut">
               <a:rPr lang="en-US" smtClean="0"/>
-              <a:t>10/6/2019</a:t>
+              <a:t>11/25/19</a:t>
             </a:fld>
             <a:endParaRPr lang="en-US"/>
           </a:p>
@@ -4987,7 +4987,7 @@
           <a:p>
             <a:fld id="{DC01BBA9-561A-4EFE-A06C-26F8206AAA61}" type="datetimeFigureOut">
               <a:rPr lang="en-US" smtClean="0"/>
-              <a:t>10/6/2019</a:t>
+              <a:t>11/25/19</a:t>
             </a:fld>
             <a:endParaRPr lang="en-US"/>
           </a:p>
@@ -5415,7 +5415,7 @@
           <a:p>
             <a:fld id="{DC01BBA9-561A-4EFE-A06C-26F8206AAA61}" type="datetimeFigureOut">
               <a:rPr lang="en-US" smtClean="0"/>
-              <a:t>10/6/2019</a:t>
+              <a:t>11/25/19</a:t>
             </a:fld>
             <a:endParaRPr lang="en-US"/>
           </a:p>
@@ -5572,7 +5572,7 @@
           <a:p>
             <a:fld id="{DC01BBA9-561A-4EFE-A06C-26F8206AAA61}" type="datetimeFigureOut">
               <a:rPr lang="en-US" smtClean="0"/>
-              <a:t>10/6/2019</a:t>
+              <a:t>11/25/19</a:t>
             </a:fld>
             <a:endParaRPr lang="en-US"/>
           </a:p>
@@ -5701,7 +5701,7 @@
           <a:p>
             <a:fld id="{DC01BBA9-561A-4EFE-A06C-26F8206AAA61}" type="datetimeFigureOut">
               <a:rPr lang="en-US" smtClean="0"/>
-              <a:t>10/6/2019</a:t>
+              <a:t>11/25/19</a:t>
             </a:fld>
             <a:endParaRPr lang="en-US"/>
           </a:p>
@@ -6028,7 +6028,7 @@
           <a:p>
             <a:fld id="{DC01BBA9-561A-4EFE-A06C-26F8206AAA61}" type="datetimeFigureOut">
               <a:rPr lang="en-US" smtClean="0"/>
-              <a:t>10/6/2019</a:t>
+              <a:t>11/25/19</a:t>
             </a:fld>
             <a:endParaRPr lang="en-US"/>
           </a:p>
@@ -6335,7 +6335,7 @@
           <a:p>
             <a:fld id="{DC01BBA9-561A-4EFE-A06C-26F8206AAA61}" type="datetimeFigureOut">
               <a:rPr lang="en-US" smtClean="0"/>
-              <a:t>10/6/2019</a:t>
+              <a:t>11/25/19</a:t>
             </a:fld>
             <a:endParaRPr lang="en-US"/>
           </a:p>
@@ -7133,7 +7133,7 @@
           <a:p>
             <a:fld id="{589E5873-CF7F-45F3-B283-E59B1D6F242C}" type="datetimeFigureOut">
               <a:rPr lang="en-US" smtClean="0"/>
-              <a:t>10/6/2019</a:t>
+              <a:t>11/25/19</a:t>
             </a:fld>
             <a:endParaRPr lang="en-US"/>
           </a:p>
@@ -12193,6 +12193,12 @@
             </a:r>
           </a:p>
           <a:p>
+            <a:r>
+              <a:rPr lang="en-US" sz="2000" dirty="0"/>
+              <a:t>Look similar to matrix models, but individuals can move back and forth between states</a:t>
+            </a:r>
+          </a:p>
+          <a:p>
             <a:pPr lvl="1"/>
             <a:r>
               <a:rPr lang="en-US" dirty="0"/>
@@ -12283,6 +12289,102 @@
           </a:p>
         </p:txBody>
       </p:sp>
+      <p:sp>
+        <p:nvSpPr>
+          <p:cNvPr id="32" name="TextBox 31"/>
+          <p:cNvSpPr txBox="1"/>
+          <p:nvPr/>
+        </p:nvSpPr>
+        <p:spPr>
+          <a:xfrm>
+            <a:off x="1859928" y="3486150"/>
+            <a:ext cx="349872" cy="1569660"/>
+          </a:xfrm>
+          <a:prstGeom prst="rect">
+            <a:avLst/>
+          </a:prstGeom>
+          <a:noFill/>
+        </p:spPr>
+        <p:txBody>
+          <a:bodyPr wrap="square" rtlCol="0">
+            <a:spAutoFit/>
+          </a:bodyPr>
+          <a:lstStyle/>
+          <a:p>
+            <a:pPr algn="r">
+              <a:lnSpc>
+                <a:spcPct val="150000"/>
+              </a:lnSpc>
+            </a:pPr>
+            <a:r>
+              <a:rPr lang="en-US" sz="1600" b="1" dirty="0"/>
+              <a:t>J</a:t>
+            </a:r>
+          </a:p>
+          <a:p>
+            <a:pPr algn="r">
+              <a:lnSpc>
+                <a:spcPct val="150000"/>
+              </a:lnSpc>
+            </a:pPr>
+            <a:r>
+              <a:rPr lang="en-US" sz="1600" b="1" dirty="0"/>
+              <a:t>B</a:t>
+            </a:r>
+          </a:p>
+          <a:p>
+            <a:pPr algn="r">
+              <a:lnSpc>
+                <a:spcPct val="150000"/>
+              </a:lnSpc>
+            </a:pPr>
+            <a:r>
+              <a:rPr lang="en-US" sz="1600" b="1" dirty="0"/>
+              <a:t>N</a:t>
+            </a:r>
+          </a:p>
+          <a:p>
+            <a:pPr algn="r">
+              <a:lnSpc>
+                <a:spcPct val="150000"/>
+              </a:lnSpc>
+            </a:pPr>
+            <a:r>
+              <a:rPr lang="en-US" sz="1600" b="1" dirty="0"/>
+              <a:t>D</a:t>
+            </a:r>
+          </a:p>
+        </p:txBody>
+      </p:sp>
+      <p:sp>
+        <p:nvSpPr>
+          <p:cNvPr id="34" name="TextBox 33"/>
+          <p:cNvSpPr txBox="1"/>
+          <p:nvPr/>
+        </p:nvSpPr>
+        <p:spPr>
+          <a:xfrm>
+            <a:off x="2286000" y="3257550"/>
+            <a:ext cx="4648200" cy="338554"/>
+          </a:xfrm>
+          <a:prstGeom prst="rect">
+            <a:avLst/>
+          </a:prstGeom>
+          <a:noFill/>
+        </p:spPr>
+        <p:txBody>
+          <a:bodyPr wrap="square" rtlCol="0">
+            <a:spAutoFit/>
+          </a:bodyPr>
+          <a:lstStyle/>
+          <a:p>
+            <a:r>
+              <a:rPr lang="en-US" sz="1600" b="1" dirty="0"/>
+              <a:t> J                  B                          N                     D</a:t>
+            </a:r>
+          </a:p>
+        </p:txBody>
+      </p:sp>
       <p:cxnSp>
         <p:nvCxnSpPr>
           <p:cNvPr id="37" name="Straight Arrow Connector 36"/>
@@ -12293,9 +12395,9 @@
           <p:nvPr/>
         </p:nvCxnSpPr>
         <p:spPr>
-          <a:xfrm flipV="1">
-            <a:off x="2377764" y="2742866"/>
-            <a:ext cx="4251637" cy="334"/>
+          <a:xfrm>
+            <a:off x="2667000" y="1971675"/>
+            <a:ext cx="3810000" cy="0"/>
           </a:xfrm>
           <a:prstGeom prst="straightConnector1">
             <a:avLst/>
@@ -12330,7 +12432,7 @@
         </p:nvSpPr>
         <p:spPr>
           <a:xfrm>
-            <a:off x="853764" y="2343150"/>
+            <a:off x="1143000" y="1571625"/>
             <a:ext cx="1524000" cy="800100"/>
           </a:xfrm>
           <a:prstGeom prst="rect">
@@ -12378,7 +12480,7 @@
         </p:nvSpPr>
         <p:spPr>
           <a:xfrm>
-            <a:off x="3733800" y="3562350"/>
+            <a:off x="3733800" y="2343150"/>
             <a:ext cx="1524000" cy="800100"/>
           </a:xfrm>
           <a:prstGeom prst="rect">
@@ -12426,7 +12528,7 @@
         </p:nvSpPr>
         <p:spPr>
           <a:xfrm>
-            <a:off x="3702674" y="1020286"/>
+            <a:off x="3733800" y="1028700"/>
             <a:ext cx="1524000" cy="800100"/>
           </a:xfrm>
           <a:prstGeom prst="rect">
@@ -12477,8 +12579,8 @@
         </p:nvCxnSpPr>
         <p:spPr>
           <a:xfrm>
-            <a:off x="2377764" y="2743200"/>
-            <a:ext cx="1356036" cy="1219200"/>
+            <a:off x="2667000" y="1971675"/>
+            <a:ext cx="1066800" cy="771525"/>
           </a:xfrm>
           <a:prstGeom prst="straightConnector1">
             <a:avLst/>
@@ -12510,15 +12612,13 @@
       <p:cxnSp>
         <p:nvCxnSpPr>
           <p:cNvPr id="10" name="Straight Arrow Connector 9"/>
-          <p:cNvCxnSpPr>
-            <a:cxnSpLocks/>
-          </p:cNvCxnSpPr>
+          <p:cNvCxnSpPr/>
           <p:nvPr/>
         </p:nvCxnSpPr>
         <p:spPr>
           <a:xfrm flipV="1">
             <a:off x="4267200" y="1828800"/>
-            <a:ext cx="0" cy="1733550"/>
+            <a:ext cx="0" cy="514350"/>
           </a:xfrm>
           <a:prstGeom prst="straightConnector1">
             <a:avLst/>
@@ -12559,8 +12659,8 @@
         </p:nvCxnSpPr>
         <p:spPr>
           <a:xfrm flipV="1">
-            <a:off x="2377764" y="1420336"/>
-            <a:ext cx="1324910" cy="1322864"/>
+            <a:off x="2667000" y="1428750"/>
+            <a:ext cx="1066800" cy="542925"/>
           </a:xfrm>
           <a:prstGeom prst="straightConnector1">
             <a:avLst/>
@@ -12592,15 +12692,13 @@
       <p:cxnSp>
         <p:nvCxnSpPr>
           <p:cNvPr id="22" name="Straight Arrow Connector 21"/>
-          <p:cNvCxnSpPr>
-            <a:cxnSpLocks/>
-          </p:cNvCxnSpPr>
+          <p:cNvCxnSpPr/>
           <p:nvPr/>
         </p:nvCxnSpPr>
         <p:spPr>
           <a:xfrm flipV="1">
             <a:off x="4724400" y="1828800"/>
-            <a:ext cx="0" cy="1733550"/>
+            <a:ext cx="0" cy="514350"/>
           </a:xfrm>
           <a:prstGeom prst="straightConnector1">
             <a:avLst/>
@@ -12630,8 +12728,8 @@
           </a:fontRef>
         </p:style>
       </p:cxnSp>
-      <mc:AlternateContent xmlns:mc="http://schemas.openxmlformats.org/markup-compatibility/2006">
-        <mc:Choice xmlns:a14="http://schemas.microsoft.com/office/drawing/2010/main" Requires="a14">
+      <mc:AlternateContent xmlns:mc="http://schemas.openxmlformats.org/markup-compatibility/2006" xmlns:a14="http://schemas.microsoft.com/office/drawing/2010/main">
+        <mc:Choice Requires="a14">
           <p:sp>
             <p:nvSpPr>
               <p:cNvPr id="27" name="TextBox 26"/>
@@ -12640,7 +12738,7 @@
             </p:nvSpPr>
             <p:spPr>
               <a:xfrm>
-                <a:off x="2547058" y="1722110"/>
+                <a:off x="2859640" y="1397264"/>
                 <a:ext cx="672941" cy="400110"/>
               </a:xfrm>
               <a:prstGeom prst="rect">
@@ -12695,7 +12793,7 @@
             </p:txBody>
           </p:sp>
         </mc:Choice>
-        <mc:Fallback>
+        <mc:Fallback xmlns="">
           <p:sp>
             <p:nvSpPr>
               <p:cNvPr id="27" name="TextBox 26"/>
@@ -12706,16 +12804,16 @@
             </p:nvSpPr>
             <p:spPr>
               <a:xfrm>
-                <a:off x="2547058" y="1722110"/>
+                <a:off x="2859639" y="1863019"/>
                 <a:ext cx="672941" cy="400110"/>
               </a:xfrm>
               <a:prstGeom prst="rect">
                 <a:avLst/>
               </a:prstGeom>
-              <a:blipFill>
+              <a:blipFill rotWithShape="1">
                 <a:blip r:embed="rId3"/>
                 <a:stretch>
-                  <a:fillRect b="-13636"/>
+                  <a:fillRect b="-15385"/>
                 </a:stretch>
               </a:blipFill>
             </p:spPr>
@@ -12734,8 +12832,8 @@
           </p:sp>
         </mc:Fallback>
       </mc:AlternateContent>
-      <mc:AlternateContent xmlns:mc="http://schemas.openxmlformats.org/markup-compatibility/2006">
-        <mc:Choice xmlns:a14="http://schemas.microsoft.com/office/drawing/2010/main" Requires="a14">
+      <mc:AlternateContent xmlns:mc="http://schemas.openxmlformats.org/markup-compatibility/2006" xmlns:a14="http://schemas.microsoft.com/office/drawing/2010/main">
+        <mc:Choice Requires="a14">
           <p:sp>
             <p:nvSpPr>
               <p:cNvPr id="28" name="TextBox 27"/>
@@ -12744,7 +12842,7 @@
             </p:nvSpPr>
             <p:spPr>
               <a:xfrm>
-                <a:off x="2448335" y="3292983"/>
+                <a:off x="2675568" y="2457450"/>
                 <a:ext cx="686726" cy="400110"/>
               </a:xfrm>
               <a:prstGeom prst="rect">
@@ -12799,7 +12897,7 @@
             </p:txBody>
           </p:sp>
         </mc:Choice>
-        <mc:Fallback>
+        <mc:Fallback xmlns="">
           <p:sp>
             <p:nvSpPr>
               <p:cNvPr id="28" name="TextBox 27"/>
@@ -12810,16 +12908,16 @@
             </p:nvSpPr>
             <p:spPr>
               <a:xfrm>
-                <a:off x="2448335" y="3292983"/>
+                <a:off x="2675568" y="3276600"/>
                 <a:ext cx="686726" cy="400110"/>
               </a:xfrm>
               <a:prstGeom prst="rect">
                 <a:avLst/>
               </a:prstGeom>
-              <a:blipFill>
+              <a:blipFill rotWithShape="1">
                 <a:blip r:embed="rId4"/>
                 <a:stretch>
-                  <a:fillRect b="-13636"/>
+                  <a:fillRect b="-13846"/>
                 </a:stretch>
               </a:blipFill>
             </p:spPr>
@@ -12838,8 +12936,8 @@
           </p:sp>
         </mc:Fallback>
       </mc:AlternateContent>
-      <mc:AlternateContent xmlns:mc="http://schemas.openxmlformats.org/markup-compatibility/2006">
-        <mc:Choice xmlns:a14="http://schemas.microsoft.com/office/drawing/2010/main" Requires="a14">
+      <mc:AlternateContent xmlns:mc="http://schemas.openxmlformats.org/markup-compatibility/2006" xmlns:a14="http://schemas.microsoft.com/office/drawing/2010/main">
+        <mc:Choice Requires="a14">
           <p:sp>
             <p:nvSpPr>
               <p:cNvPr id="29" name="TextBox 28"/>
@@ -12848,7 +12946,7 @@
             </p:nvSpPr>
             <p:spPr>
               <a:xfrm>
-                <a:off x="3642335" y="2164794"/>
+                <a:off x="3657600" y="1985917"/>
                 <a:ext cx="716286" cy="400110"/>
               </a:xfrm>
               <a:prstGeom prst="rect">
@@ -12903,7 +13001,7 @@
             </p:txBody>
           </p:sp>
         </mc:Choice>
-        <mc:Fallback>
+        <mc:Fallback xmlns="">
           <p:sp>
             <p:nvSpPr>
               <p:cNvPr id="29" name="TextBox 28"/>
@@ -12914,13 +13012,13 @@
             </p:nvSpPr>
             <p:spPr>
               <a:xfrm>
-                <a:off x="3642335" y="2164794"/>
+                <a:off x="3657600" y="2647890"/>
                 <a:ext cx="716286" cy="400110"/>
               </a:xfrm>
               <a:prstGeom prst="rect">
                 <a:avLst/>
               </a:prstGeom>
-              <a:blipFill>
+              <a:blipFill rotWithShape="1">
                 <a:blip r:embed="rId5"/>
                 <a:stretch>
                   <a:fillRect b="-13636"/>
@@ -12942,8 +13040,8 @@
           </p:sp>
         </mc:Fallback>
       </mc:AlternateContent>
-      <mc:AlternateContent xmlns:mc="http://schemas.openxmlformats.org/markup-compatibility/2006">
-        <mc:Choice xmlns:a14="http://schemas.microsoft.com/office/drawing/2010/main" Requires="a14">
+      <mc:AlternateContent xmlns:mc="http://schemas.openxmlformats.org/markup-compatibility/2006" xmlns:a14="http://schemas.microsoft.com/office/drawing/2010/main">
+        <mc:Choice Requires="a14">
           <p:sp>
             <p:nvSpPr>
               <p:cNvPr id="30" name="TextBox 29"/>
@@ -12952,7 +13050,7 @@
             </p:nvSpPr>
             <p:spPr>
               <a:xfrm>
-                <a:off x="4653840" y="2144051"/>
+                <a:off x="4724400" y="2011694"/>
                 <a:ext cx="716927" cy="400110"/>
               </a:xfrm>
               <a:prstGeom prst="rect">
@@ -13007,7 +13105,7 @@
             </p:txBody>
           </p:sp>
         </mc:Choice>
-        <mc:Fallback>
+        <mc:Fallback xmlns="">
           <p:sp>
             <p:nvSpPr>
               <p:cNvPr id="30" name="TextBox 29"/>
@@ -13018,16 +13116,16 @@
             </p:nvSpPr>
             <p:spPr>
               <a:xfrm>
-                <a:off x="4653840" y="2144051"/>
-                <a:ext cx="716927" cy="400110"/>
+                <a:off x="4724400" y="2682259"/>
+                <a:ext cx="716928" cy="400110"/>
               </a:xfrm>
               <a:prstGeom prst="rect">
                 <a:avLst/>
               </a:prstGeom>
-              <a:blipFill>
+              <a:blipFill rotWithShape="1">
                 <a:blip r:embed="rId6"/>
                 <a:stretch>
-                  <a:fillRect b="-15385"/>
+                  <a:fillRect b="-13636"/>
                 </a:stretch>
               </a:blipFill>
             </p:spPr>
@@ -13054,7 +13152,7 @@
         </p:nvSpPr>
         <p:spPr>
           <a:xfrm>
-            <a:off x="6629401" y="2342816"/>
+            <a:off x="6477000" y="1571625"/>
             <a:ext cx="1524000" cy="800100"/>
           </a:xfrm>
           <a:prstGeom prst="rect">
@@ -13105,8 +13203,8 @@
         </p:nvCxnSpPr>
         <p:spPr>
           <a:xfrm>
-            <a:off x="5226674" y="1420336"/>
-            <a:ext cx="1402727" cy="1322530"/>
+            <a:off x="5257800" y="1428750"/>
+            <a:ext cx="1219200" cy="542925"/>
           </a:xfrm>
           <a:prstGeom prst="straightConnector1">
             <a:avLst/>
@@ -13144,8 +13242,8 @@
         </p:nvCxnSpPr>
         <p:spPr>
           <a:xfrm flipV="1">
-            <a:off x="5257800" y="2742866"/>
-            <a:ext cx="1371601" cy="1219534"/>
+            <a:off x="5257800" y="1971675"/>
+            <a:ext cx="1219200" cy="771525"/>
           </a:xfrm>
           <a:prstGeom prst="straightConnector1">
             <a:avLst/>
@@ -13172,8 +13270,8 @@
           </a:fontRef>
         </p:style>
       </p:cxnSp>
-      <mc:AlternateContent xmlns:mc="http://schemas.openxmlformats.org/markup-compatibility/2006">
-        <mc:Choice xmlns:a14="http://schemas.microsoft.com/office/drawing/2010/main" Requires="a14">
+      <mc:AlternateContent xmlns:mc="http://schemas.openxmlformats.org/markup-compatibility/2006" xmlns:a14="http://schemas.microsoft.com/office/drawing/2010/main">
+        <mc:Choice Requires="a14">
           <p:sp>
             <p:nvSpPr>
               <p:cNvPr id="56" name="TextBox 55"/>
@@ -13182,7 +13280,7 @@
             </p:nvSpPr>
             <p:spPr>
               <a:xfrm>
-                <a:off x="5580987" y="1552026"/>
+                <a:off x="5441327" y="1212598"/>
                 <a:ext cx="935897" cy="369332"/>
               </a:xfrm>
               <a:prstGeom prst="rect">
@@ -13243,7 +13341,7 @@
             </p:txBody>
           </p:sp>
         </mc:Choice>
-        <mc:Fallback>
+        <mc:Fallback xmlns="">
           <p:sp>
             <p:nvSpPr>
               <p:cNvPr id="56" name="TextBox 55"/>
@@ -13254,16 +13352,16 @@
             </p:nvSpPr>
             <p:spPr>
               <a:xfrm>
-                <a:off x="5580987" y="1552026"/>
+                <a:off x="5441327" y="1212598"/>
                 <a:ext cx="935897" cy="369332"/>
               </a:xfrm>
               <a:prstGeom prst="rect">
                 <a:avLst/>
               </a:prstGeom>
-              <a:blipFill>
+              <a:blipFill rotWithShape="1">
                 <a:blip r:embed="rId7"/>
                 <a:stretch>
-                  <a:fillRect b="-13333"/>
+                  <a:fillRect b="-11475"/>
                 </a:stretch>
               </a:blipFill>
             </p:spPr>
@@ -13282,8 +13380,8 @@
           </p:sp>
         </mc:Fallback>
       </mc:AlternateContent>
-      <mc:AlternateContent xmlns:mc="http://schemas.openxmlformats.org/markup-compatibility/2006">
-        <mc:Choice xmlns:a14="http://schemas.microsoft.com/office/drawing/2010/main" Requires="a14">
+      <mc:AlternateContent xmlns:mc="http://schemas.openxmlformats.org/markup-compatibility/2006" xmlns:a14="http://schemas.microsoft.com/office/drawing/2010/main">
+        <mc:Choice Requires="a14">
           <p:sp>
             <p:nvSpPr>
               <p:cNvPr id="57" name="TextBox 56"/>
@@ -13292,7 +13390,7 @@
             </p:nvSpPr>
             <p:spPr>
               <a:xfrm>
-                <a:off x="5319690" y="2398458"/>
+                <a:off x="5406682" y="1649528"/>
                 <a:ext cx="905120" cy="369332"/>
               </a:xfrm>
               <a:prstGeom prst="rect">
@@ -13353,7 +13451,7 @@
             </p:txBody>
           </p:sp>
         </mc:Choice>
-        <mc:Fallback>
+        <mc:Fallback xmlns="">
           <p:sp>
             <p:nvSpPr>
               <p:cNvPr id="57" name="TextBox 56"/>
@@ -13364,16 +13462,16 @@
             </p:nvSpPr>
             <p:spPr>
               <a:xfrm>
-                <a:off x="5319690" y="2398458"/>
+                <a:off x="5406682" y="1649528"/>
                 <a:ext cx="905120" cy="369332"/>
               </a:xfrm>
               <a:prstGeom prst="rect">
                 <a:avLst/>
               </a:prstGeom>
-              <a:blipFill>
+              <a:blipFill rotWithShape="1">
                 <a:blip r:embed="rId8"/>
                 <a:stretch>
-                  <a:fillRect b="-11475"/>
+                  <a:fillRect b="-13333"/>
                 </a:stretch>
               </a:blipFill>
             </p:spPr>
@@ -13392,8 +13490,8 @@
           </p:sp>
         </mc:Fallback>
       </mc:AlternateContent>
-      <mc:AlternateContent xmlns:mc="http://schemas.openxmlformats.org/markup-compatibility/2006">
-        <mc:Choice xmlns:a14="http://schemas.microsoft.com/office/drawing/2010/main" Requires="a14">
+      <mc:AlternateContent xmlns:mc="http://schemas.openxmlformats.org/markup-compatibility/2006" xmlns:a14="http://schemas.microsoft.com/office/drawing/2010/main">
+        <mc:Choice Requires="a14">
           <p:sp>
             <p:nvSpPr>
               <p:cNvPr id="58" name="TextBox 57"/>
@@ -13402,7 +13500,7 @@
             </p:nvSpPr>
             <p:spPr>
               <a:xfrm>
-                <a:off x="5591041" y="3563901"/>
+                <a:off x="5638800" y="2376663"/>
                 <a:ext cx="948145" cy="369332"/>
               </a:xfrm>
               <a:prstGeom prst="rect">
@@ -13463,7 +13561,7 @@
             </p:txBody>
           </p:sp>
         </mc:Choice>
-        <mc:Fallback>
+        <mc:Fallback xmlns="">
           <p:sp>
             <p:nvSpPr>
               <p:cNvPr id="58" name="TextBox 57"/>
@@ -13474,16 +13572,671 @@
             </p:nvSpPr>
             <p:spPr>
               <a:xfrm>
-                <a:off x="5591041" y="3563901"/>
+                <a:off x="5638800" y="2376663"/>
                 <a:ext cx="948145" cy="369332"/>
               </a:xfrm>
               <a:prstGeom prst="rect">
                 <a:avLst/>
               </a:prstGeom>
-              <a:blipFill>
+              <a:blipFill rotWithShape="1">
                 <a:blip r:embed="rId9"/>
                 <a:stretch>
                   <a:fillRect b="-13333"/>
+                </a:stretch>
+              </a:blipFill>
+            </p:spPr>
+            <p:txBody>
+              <a:bodyPr/>
+              <a:lstStyle/>
+              <a:p>
+                <a:r>
+                  <a:rPr lang="en-US">
+                    <a:noFill/>
+                  </a:rPr>
+                  <a:t> </a:t>
+                </a:r>
+              </a:p>
+            </p:txBody>
+          </p:sp>
+        </mc:Fallback>
+      </mc:AlternateContent>
+      <mc:AlternateContent xmlns:mc="http://schemas.openxmlformats.org/markup-compatibility/2006" xmlns:a14="http://schemas.microsoft.com/office/drawing/2010/main">
+        <mc:Choice Requires="a14">
+          <p:sp>
+            <p:nvSpPr>
+              <p:cNvPr id="24" name="TextBox 23"/>
+              <p:cNvSpPr txBox="1"/>
+              <p:nvPr/>
+            </p:nvSpPr>
+            <p:spPr>
+              <a:xfrm>
+                <a:off x="2170589" y="3564660"/>
+                <a:ext cx="5005216" cy="1381789"/>
+              </a:xfrm>
+              <a:prstGeom prst="rect">
+                <a:avLst/>
+              </a:prstGeom>
+              <a:noFill/>
+            </p:spPr>
+            <p:txBody>
+              <a:bodyPr wrap="none" rtlCol="0">
+                <a:spAutoFit/>
+              </a:bodyPr>
+              <a:lstStyle/>
+              <a:p>
+                <a:pPr/>
+                <a14:m>
+                  <m:oMathPara xmlns:m="http://schemas.openxmlformats.org/officeDocument/2006/math">
+                    <m:oMathParaPr>
+                      <m:jc m:val="centerGroup"/>
+                    </m:oMathParaPr>
+                    <m:oMath xmlns:m="http://schemas.openxmlformats.org/officeDocument/2006/math">
+                      <m:d>
+                        <m:dPr>
+                          <m:begChr m:val="["/>
+                          <m:endChr m:val="]"/>
+                          <m:ctrlPr>
+                            <a:rPr lang="en-US" sz="2000" i="1" smtClean="0">
+                              <a:latin typeface="Cambria Math" panose="02040503050406030204" pitchFamily="18" charset="0"/>
+                            </a:rPr>
+                          </m:ctrlPr>
+                        </m:dPr>
+                        <m:e>
+                          <m:m>
+                            <m:mPr>
+                              <m:mcs>
+                                <m:mc>
+                                  <m:mcPr>
+                                    <m:count m:val="4"/>
+                                    <m:mcJc m:val="center"/>
+                                  </m:mcPr>
+                                </m:mc>
+                              </m:mcs>
+                              <m:ctrlPr>
+                                <a:rPr lang="en-US" sz="2000" i="1" smtClean="0">
+                                  <a:latin typeface="Cambria Math" panose="02040503050406030204" pitchFamily="18" charset="0"/>
+                                </a:rPr>
+                              </m:ctrlPr>
+                            </m:mPr>
+                            <m:mr>
+                              <m:e>
+                                <m:r>
+                                  <m:rPr>
+                                    <m:brk m:alnAt="7"/>
+                                  </m:rPr>
+                                  <a:rPr lang="en-US" sz="2000" b="0" i="1" smtClean="0">
+                                    <a:latin typeface="Cambria Math"/>
+                                  </a:rPr>
+                                  <m:t>0</m:t>
+                                </m:r>
+                              </m:e>
+                              <m:e>
+                                <m:sSup>
+                                  <m:sSupPr>
+                                    <m:ctrlPr>
+                                      <a:rPr lang="en-US" sz="2000" b="0" i="1" smtClean="0">
+                                        <a:latin typeface="Cambria Math" panose="02040503050406030204" pitchFamily="18" charset="0"/>
+                                      </a:rPr>
+                                    </m:ctrlPr>
+                                  </m:sSupPr>
+                                  <m:e>
+                                    <m:r>
+                                      <a:rPr lang="en-US" sz="2000" b="0" i="1" smtClean="0">
+                                        <a:latin typeface="Cambria Math"/>
+                                        <a:ea typeface="Cambria Math"/>
+                                      </a:rPr>
+                                      <m:t>𝜙</m:t>
+                                    </m:r>
+                                  </m:e>
+                                  <m:sup>
+                                    <m:r>
+                                      <a:rPr lang="en-US" sz="2000" b="0" i="1" smtClean="0">
+                                        <a:latin typeface="Cambria Math"/>
+                                      </a:rPr>
+                                      <m:t>𝐽</m:t>
+                                    </m:r>
+                                  </m:sup>
+                                </m:sSup>
+                                <m:sSup>
+                                  <m:sSupPr>
+                                    <m:ctrlPr>
+                                      <a:rPr lang="en-US" sz="2000" i="1" smtClean="0">
+                                        <a:latin typeface="Cambria Math" panose="02040503050406030204" pitchFamily="18" charset="0"/>
+                                        <a:ea typeface="Cambria Math"/>
+                                      </a:rPr>
+                                    </m:ctrlPr>
+                                  </m:sSupPr>
+                                  <m:e>
+                                    <m:r>
+                                      <a:rPr lang="en-US" sz="2000" i="1" smtClean="0">
+                                        <a:latin typeface="Cambria Math"/>
+                                        <a:ea typeface="Cambria Math"/>
+                                      </a:rPr>
+                                      <m:t>𝜓</m:t>
+                                    </m:r>
+                                  </m:e>
+                                  <m:sup>
+                                    <m:r>
+                                      <a:rPr lang="en-US" sz="2000" b="0" i="1" smtClean="0">
+                                        <a:latin typeface="Cambria Math"/>
+                                        <a:ea typeface="Cambria Math"/>
+                                      </a:rPr>
+                                      <m:t>𝐽𝐵</m:t>
+                                    </m:r>
+                                  </m:sup>
+                                </m:sSup>
+                              </m:e>
+                              <m:e>
+                                <m:sSup>
+                                  <m:sSupPr>
+                                    <m:ctrlPr>
+                                      <a:rPr lang="en-US" sz="2000" i="1">
+                                        <a:latin typeface="Cambria Math" panose="02040503050406030204" pitchFamily="18" charset="0"/>
+                                      </a:rPr>
+                                    </m:ctrlPr>
+                                  </m:sSupPr>
+                                  <m:e>
+                                    <m:r>
+                                      <a:rPr lang="en-US" sz="2000" i="1">
+                                        <a:latin typeface="Cambria Math"/>
+                                        <a:ea typeface="Cambria Math"/>
+                                      </a:rPr>
+                                      <m:t>𝜙</m:t>
+                                    </m:r>
+                                  </m:e>
+                                  <m:sup>
+                                    <m:r>
+                                      <a:rPr lang="en-US" sz="2000" i="1">
+                                        <a:latin typeface="Cambria Math"/>
+                                      </a:rPr>
+                                      <m:t>𝐽</m:t>
+                                    </m:r>
+                                  </m:sup>
+                                </m:sSup>
+                                <m:sSup>
+                                  <m:sSupPr>
+                                    <m:ctrlPr>
+                                      <a:rPr lang="en-US" sz="2000" i="1">
+                                        <a:latin typeface="Cambria Math" panose="02040503050406030204" pitchFamily="18" charset="0"/>
+                                        <a:ea typeface="Cambria Math"/>
+                                      </a:rPr>
+                                    </m:ctrlPr>
+                                  </m:sSupPr>
+                                  <m:e>
+                                    <m:r>
+                                      <a:rPr lang="en-US" sz="2000" i="1">
+                                        <a:latin typeface="Cambria Math"/>
+                                        <a:ea typeface="Cambria Math"/>
+                                      </a:rPr>
+                                      <m:t>𝜓</m:t>
+                                    </m:r>
+                                  </m:e>
+                                  <m:sup>
+                                    <m:r>
+                                      <a:rPr lang="en-US" sz="2000" i="1">
+                                        <a:latin typeface="Cambria Math"/>
+                                        <a:ea typeface="Cambria Math"/>
+                                      </a:rPr>
+                                      <m:t>𝐽</m:t>
+                                    </m:r>
+                                    <m:r>
+                                      <a:rPr lang="en-US" sz="2000" b="0" i="1" smtClean="0">
+                                        <a:latin typeface="Cambria Math"/>
+                                        <a:ea typeface="Cambria Math"/>
+                                      </a:rPr>
+                                      <m:t>𝑁</m:t>
+                                    </m:r>
+                                  </m:sup>
+                                </m:sSup>
+                              </m:e>
+                              <m:e>
+                                <m:r>
+                                  <a:rPr lang="en-US" sz="2000" b="0" i="1" smtClean="0">
+                                    <a:latin typeface="Cambria Math"/>
+                                  </a:rPr>
+                                  <m:t>1−</m:t>
+                                </m:r>
+                                <m:sSup>
+                                  <m:sSupPr>
+                                    <m:ctrlPr>
+                                      <a:rPr lang="en-US" sz="2000" i="1">
+                                        <a:latin typeface="Cambria Math" panose="02040503050406030204" pitchFamily="18" charset="0"/>
+                                      </a:rPr>
+                                    </m:ctrlPr>
+                                  </m:sSupPr>
+                                  <m:e>
+                                    <m:r>
+                                      <a:rPr lang="en-US" sz="2000" i="1">
+                                        <a:latin typeface="Cambria Math"/>
+                                        <a:ea typeface="Cambria Math"/>
+                                      </a:rPr>
+                                      <m:t>𝜙</m:t>
+                                    </m:r>
+                                  </m:e>
+                                  <m:sup>
+                                    <m:r>
+                                      <a:rPr lang="en-US" sz="2000" b="0" i="1" smtClean="0">
+                                        <a:latin typeface="Cambria Math"/>
+                                        <a:ea typeface="Cambria Math"/>
+                                      </a:rPr>
+                                      <m:t>𝐽</m:t>
+                                    </m:r>
+                                  </m:sup>
+                                </m:sSup>
+                              </m:e>
+                            </m:mr>
+                            <m:mr>
+                              <m:e>
+                                <m:r>
+                                  <a:rPr lang="en-US" sz="2000" b="0" i="1" smtClean="0">
+                                    <a:latin typeface="Cambria Math"/>
+                                  </a:rPr>
+                                  <m:t>0</m:t>
+                                </m:r>
+                              </m:e>
+                              <m:e>
+                                <m:sSup>
+                                  <m:sSupPr>
+                                    <m:ctrlPr>
+                                      <a:rPr lang="en-US" sz="2000" i="1">
+                                        <a:latin typeface="Cambria Math" panose="02040503050406030204" pitchFamily="18" charset="0"/>
+                                      </a:rPr>
+                                    </m:ctrlPr>
+                                  </m:sSupPr>
+                                  <m:e>
+                                    <m:r>
+                                      <a:rPr lang="en-US" sz="2000" i="1">
+                                        <a:latin typeface="Cambria Math"/>
+                                        <a:ea typeface="Cambria Math"/>
+                                      </a:rPr>
+                                      <m:t>𝜙</m:t>
+                                    </m:r>
+                                  </m:e>
+                                  <m:sup>
+                                    <m:r>
+                                      <a:rPr lang="en-US" sz="2000" b="0" i="1" smtClean="0">
+                                        <a:latin typeface="Cambria Math"/>
+                                        <a:ea typeface="Cambria Math"/>
+                                      </a:rPr>
+                                      <m:t>𝐵</m:t>
+                                    </m:r>
+                                  </m:sup>
+                                </m:sSup>
+                                <m:r>
+                                  <a:rPr lang="en-US" sz="2000" b="0" i="1" smtClean="0">
+                                    <a:latin typeface="Cambria Math"/>
+                                    <a:ea typeface="Cambria Math"/>
+                                  </a:rPr>
+                                  <m:t>(1−</m:t>
+                                </m:r>
+                                <m:sSup>
+                                  <m:sSupPr>
+                                    <m:ctrlPr>
+                                      <a:rPr lang="en-US" sz="2000" b="0" i="1" smtClean="0">
+                                        <a:latin typeface="Cambria Math" panose="02040503050406030204" pitchFamily="18" charset="0"/>
+                                        <a:ea typeface="Cambria Math"/>
+                                      </a:rPr>
+                                    </m:ctrlPr>
+                                  </m:sSupPr>
+                                  <m:e>
+                                    <m:r>
+                                      <a:rPr lang="en-US" sz="2000" b="0" i="1" smtClean="0">
+                                        <a:latin typeface="Cambria Math"/>
+                                        <a:ea typeface="Cambria Math"/>
+                                      </a:rPr>
+                                      <m:t>𝜓</m:t>
+                                    </m:r>
+                                  </m:e>
+                                  <m:sup>
+                                    <m:r>
+                                      <a:rPr lang="en-US" sz="2000" b="0" i="1" smtClean="0">
+                                        <a:latin typeface="Cambria Math"/>
+                                        <a:ea typeface="Cambria Math"/>
+                                      </a:rPr>
+                                      <m:t>𝐵𝑁</m:t>
+                                    </m:r>
+                                    <m:r>
+                                      <a:rPr lang="en-US" sz="2000" b="0" i="1" smtClean="0">
+                                        <a:latin typeface="Cambria Math"/>
+                                        <a:ea typeface="Cambria Math"/>
+                                      </a:rPr>
+                                      <m:t>)</m:t>
+                                    </m:r>
+                                  </m:sup>
+                                </m:sSup>
+                              </m:e>
+                              <m:e>
+                                <m:sSup>
+                                  <m:sSupPr>
+                                    <m:ctrlPr>
+                                      <a:rPr lang="en-US" sz="2000" i="1">
+                                        <a:latin typeface="Cambria Math" panose="02040503050406030204" pitchFamily="18" charset="0"/>
+                                      </a:rPr>
+                                    </m:ctrlPr>
+                                  </m:sSupPr>
+                                  <m:e>
+                                    <m:r>
+                                      <a:rPr lang="en-US" sz="2000" i="1">
+                                        <a:latin typeface="Cambria Math"/>
+                                        <a:ea typeface="Cambria Math"/>
+                                      </a:rPr>
+                                      <m:t>𝜙</m:t>
+                                    </m:r>
+                                  </m:e>
+                                  <m:sup>
+                                    <m:r>
+                                      <a:rPr lang="en-US" sz="2000" i="1">
+                                        <a:latin typeface="Cambria Math"/>
+                                        <a:ea typeface="Cambria Math"/>
+                                      </a:rPr>
+                                      <m:t>𝐵</m:t>
+                                    </m:r>
+                                  </m:sup>
+                                </m:sSup>
+                                <m:sSup>
+                                  <m:sSupPr>
+                                    <m:ctrlPr>
+                                      <a:rPr lang="en-US" sz="2000" i="1" smtClean="0">
+                                        <a:latin typeface="Cambria Math" panose="02040503050406030204" pitchFamily="18" charset="0"/>
+                                        <a:ea typeface="Cambria Math"/>
+                                      </a:rPr>
+                                    </m:ctrlPr>
+                                  </m:sSupPr>
+                                  <m:e>
+                                    <m:r>
+                                      <a:rPr lang="en-US" sz="2000" i="1" smtClean="0">
+                                        <a:latin typeface="Cambria Math"/>
+                                        <a:ea typeface="Cambria Math"/>
+                                      </a:rPr>
+                                      <m:t>𝜓</m:t>
+                                    </m:r>
+                                  </m:e>
+                                  <m:sup>
+                                    <m:r>
+                                      <a:rPr lang="en-US" sz="2000" b="0" i="1" smtClean="0">
+                                        <a:latin typeface="Cambria Math"/>
+                                        <a:ea typeface="Cambria Math"/>
+                                      </a:rPr>
+                                      <m:t>𝐵𝑁</m:t>
+                                    </m:r>
+                                  </m:sup>
+                                </m:sSup>
+                              </m:e>
+                              <m:e>
+                                <m:r>
+                                  <a:rPr lang="en-US" sz="2000" b="0" i="1" smtClean="0">
+                                    <a:latin typeface="Cambria Math"/>
+                                  </a:rPr>
+                                  <m:t>1−</m:t>
+                                </m:r>
+                                <m:sSup>
+                                  <m:sSupPr>
+                                    <m:ctrlPr>
+                                      <a:rPr lang="en-US" sz="2000" i="1">
+                                        <a:latin typeface="Cambria Math" panose="02040503050406030204" pitchFamily="18" charset="0"/>
+                                      </a:rPr>
+                                    </m:ctrlPr>
+                                  </m:sSupPr>
+                                  <m:e>
+                                    <m:r>
+                                      <a:rPr lang="en-US" sz="2000" i="1">
+                                        <a:latin typeface="Cambria Math"/>
+                                        <a:ea typeface="Cambria Math"/>
+                                      </a:rPr>
+                                      <m:t>𝜙</m:t>
+                                    </m:r>
+                                  </m:e>
+                                  <m:sup>
+                                    <m:r>
+                                      <a:rPr lang="en-US" sz="2000" i="1">
+                                        <a:latin typeface="Cambria Math"/>
+                                        <a:ea typeface="Cambria Math"/>
+                                      </a:rPr>
+                                      <m:t>𝐵</m:t>
+                                    </m:r>
+                                  </m:sup>
+                                </m:sSup>
+                              </m:e>
+                            </m:mr>
+                            <m:mr>
+                              <m:e>
+                                <m:r>
+                                  <a:rPr lang="en-US" sz="2000" b="0" i="1" smtClean="0">
+                                    <a:latin typeface="Cambria Math"/>
+                                  </a:rPr>
+                                  <m:t>0</m:t>
+                                </m:r>
+                              </m:e>
+                              <m:e>
+                                <m:sSup>
+                                  <m:sSupPr>
+                                    <m:ctrlPr>
+                                      <a:rPr lang="en-US" sz="2000" i="1">
+                                        <a:latin typeface="Cambria Math" panose="02040503050406030204" pitchFamily="18" charset="0"/>
+                                      </a:rPr>
+                                    </m:ctrlPr>
+                                  </m:sSupPr>
+                                  <m:e>
+                                    <m:r>
+                                      <a:rPr lang="en-US" sz="2000" i="1">
+                                        <a:latin typeface="Cambria Math"/>
+                                        <a:ea typeface="Cambria Math"/>
+                                      </a:rPr>
+                                      <m:t>𝜙</m:t>
+                                    </m:r>
+                                  </m:e>
+                                  <m:sup>
+                                    <m:r>
+                                      <a:rPr lang="en-US" sz="2000" b="0" i="1" smtClean="0">
+                                        <a:latin typeface="Cambria Math"/>
+                                        <a:ea typeface="Cambria Math"/>
+                                      </a:rPr>
+                                      <m:t>𝑁</m:t>
+                                    </m:r>
+                                  </m:sup>
+                                </m:sSup>
+                                <m:sSup>
+                                  <m:sSupPr>
+                                    <m:ctrlPr>
+                                      <a:rPr lang="en-US" sz="2000" i="1" smtClean="0">
+                                        <a:latin typeface="Cambria Math" panose="02040503050406030204" pitchFamily="18" charset="0"/>
+                                        <a:ea typeface="Cambria Math"/>
+                                      </a:rPr>
+                                    </m:ctrlPr>
+                                  </m:sSupPr>
+                                  <m:e>
+                                    <m:r>
+                                      <a:rPr lang="en-US" sz="2000" i="1" smtClean="0">
+                                        <a:latin typeface="Cambria Math"/>
+                                        <a:ea typeface="Cambria Math"/>
+                                      </a:rPr>
+                                      <m:t>𝜓</m:t>
+                                    </m:r>
+                                  </m:e>
+                                  <m:sup>
+                                    <m:r>
+                                      <a:rPr lang="en-US" sz="2000" b="0" i="1" smtClean="0">
+                                        <a:latin typeface="Cambria Math"/>
+                                        <a:ea typeface="Cambria Math"/>
+                                      </a:rPr>
+                                      <m:t>𝑁𝐵</m:t>
+                                    </m:r>
+                                  </m:sup>
+                                </m:sSup>
+                              </m:e>
+                              <m:e>
+                                <m:sSup>
+                                  <m:sSupPr>
+                                    <m:ctrlPr>
+                                      <a:rPr lang="en-US" sz="2000" i="1">
+                                        <a:latin typeface="Cambria Math" panose="02040503050406030204" pitchFamily="18" charset="0"/>
+                                      </a:rPr>
+                                    </m:ctrlPr>
+                                  </m:sSupPr>
+                                  <m:e>
+                                    <m:r>
+                                      <a:rPr lang="en-US" sz="2000" i="1">
+                                        <a:latin typeface="Cambria Math"/>
+                                        <a:ea typeface="Cambria Math"/>
+                                      </a:rPr>
+                                      <m:t>𝜙</m:t>
+                                    </m:r>
+                                  </m:e>
+                                  <m:sup>
+                                    <m:r>
+                                      <a:rPr lang="en-US" sz="2000" i="1">
+                                        <a:latin typeface="Cambria Math"/>
+                                        <a:ea typeface="Cambria Math"/>
+                                      </a:rPr>
+                                      <m:t>𝑁</m:t>
+                                    </m:r>
+                                  </m:sup>
+                                </m:sSup>
+                                <m:r>
+                                  <a:rPr lang="en-US" sz="2000" b="0" i="1" smtClean="0">
+                                    <a:latin typeface="Cambria Math"/>
+                                    <a:ea typeface="Cambria Math"/>
+                                  </a:rPr>
+                                  <m:t>(1−</m:t>
+                                </m:r>
+                                <m:sSup>
+                                  <m:sSupPr>
+                                    <m:ctrlPr>
+                                      <a:rPr lang="en-US" sz="2000" b="0" i="1" smtClean="0">
+                                        <a:latin typeface="Cambria Math" panose="02040503050406030204" pitchFamily="18" charset="0"/>
+                                        <a:ea typeface="Cambria Math"/>
+                                      </a:rPr>
+                                    </m:ctrlPr>
+                                  </m:sSupPr>
+                                  <m:e>
+                                    <m:r>
+                                      <a:rPr lang="en-US" sz="2000" b="0" i="1" smtClean="0">
+                                        <a:latin typeface="Cambria Math"/>
+                                        <a:ea typeface="Cambria Math"/>
+                                      </a:rPr>
+                                      <m:t>𝜓</m:t>
+                                    </m:r>
+                                  </m:e>
+                                  <m:sup>
+                                    <m:r>
+                                      <a:rPr lang="en-US" sz="2000" b="0" i="1" smtClean="0">
+                                        <a:latin typeface="Cambria Math"/>
+                                        <a:ea typeface="Cambria Math"/>
+                                      </a:rPr>
+                                      <m:t>𝑁𝐵</m:t>
+                                    </m:r>
+                                    <m:r>
+                                      <a:rPr lang="en-US" sz="2000" b="0" i="1" smtClean="0">
+                                        <a:latin typeface="Cambria Math"/>
+                                        <a:ea typeface="Cambria Math"/>
+                                      </a:rPr>
+                                      <m:t>)</m:t>
+                                    </m:r>
+                                  </m:sup>
+                                </m:sSup>
+                              </m:e>
+                              <m:e>
+                                <m:r>
+                                  <a:rPr lang="en-US" sz="2000" b="0" i="1" smtClean="0">
+                                    <a:latin typeface="Cambria Math"/>
+                                  </a:rPr>
+                                  <m:t>1−</m:t>
+                                </m:r>
+                                <m:sSup>
+                                  <m:sSupPr>
+                                    <m:ctrlPr>
+                                      <a:rPr lang="en-US" sz="2000" i="1">
+                                        <a:latin typeface="Cambria Math" panose="02040503050406030204" pitchFamily="18" charset="0"/>
+                                      </a:rPr>
+                                    </m:ctrlPr>
+                                  </m:sSupPr>
+                                  <m:e>
+                                    <m:r>
+                                      <a:rPr lang="en-US" sz="2000" i="1">
+                                        <a:latin typeface="Cambria Math"/>
+                                        <a:ea typeface="Cambria Math"/>
+                                      </a:rPr>
+                                      <m:t>𝜙</m:t>
+                                    </m:r>
+                                  </m:e>
+                                  <m:sup>
+                                    <m:r>
+                                      <a:rPr lang="en-US" sz="2000" i="1">
+                                        <a:latin typeface="Cambria Math"/>
+                                        <a:ea typeface="Cambria Math"/>
+                                      </a:rPr>
+                                      <m:t>𝑁</m:t>
+                                    </m:r>
+                                  </m:sup>
+                                </m:sSup>
+                              </m:e>
+                            </m:mr>
+                            <m:mr>
+                              <m:e>
+                                <m:r>
+                                  <a:rPr lang="en-US" sz="2000" b="0" i="1" smtClean="0">
+                                    <a:latin typeface="Cambria Math"/>
+                                  </a:rPr>
+                                  <m:t>0</m:t>
+                                </m:r>
+                              </m:e>
+                              <m:e>
+                                <m:r>
+                                  <a:rPr lang="en-US" sz="2000" b="0" i="1" smtClean="0">
+                                    <a:latin typeface="Cambria Math"/>
+                                  </a:rPr>
+                                  <m:t>0</m:t>
+                                </m:r>
+                              </m:e>
+                              <m:e>
+                                <m:r>
+                                  <a:rPr lang="en-US" sz="2000" b="0" i="1" smtClean="0">
+                                    <a:latin typeface="Cambria Math"/>
+                                  </a:rPr>
+                                  <m:t>0</m:t>
+                                </m:r>
+                              </m:e>
+                              <m:e>
+                                <m:r>
+                                  <a:rPr lang="en-US" sz="2000" b="0" i="1" smtClean="0">
+                                    <a:latin typeface="Cambria Math"/>
+                                  </a:rPr>
+                                  <m:t>1</m:t>
+                                </m:r>
+                              </m:e>
+                            </m:mr>
+                          </m:m>
+                        </m:e>
+                      </m:d>
+                    </m:oMath>
+                  </m:oMathPara>
+                </a14:m>
+                <a:endParaRPr lang="en-US" sz="2400" dirty="0"/>
+              </a:p>
+            </p:txBody>
+          </p:sp>
+        </mc:Choice>
+        <mc:Fallback xmlns="">
+          <p:sp>
+            <p:nvSpPr>
+              <p:cNvPr id="24" name="TextBox 23"/>
+              <p:cNvSpPr txBox="1">
+                <a:spLocks noRot="1" noChangeAspect="1" noMove="1" noResize="1" noEditPoints="1" noAdjustHandles="1" noChangeArrowheads="1" noChangeShapeType="1" noTextEdit="1"/>
+              </p:cNvSpPr>
+              <p:nvPr/>
+            </p:nvSpPr>
+            <p:spPr>
+              <a:xfrm>
+                <a:off x="2170588" y="4752880"/>
+                <a:ext cx="4991431" cy="1381789"/>
+              </a:xfrm>
+              <a:prstGeom prst="rect">
+                <a:avLst/>
+              </a:prstGeom>
+              <a:blipFill rotWithShape="1">
+                <a:blip r:embed="rId10"/>
+                <a:stretch>
+                  <a:fillRect/>
                 </a:stretch>
               </a:blipFill>
             </p:spPr>
@@ -14099,6 +14852,129 @@
                       </p:childTnLst>
                     </p:cTn>
                   </p:par>
+                  <p:par>
+                    <p:cTn id="54" fill="hold">
+                      <p:stCondLst>
+                        <p:cond delay="indefinite"/>
+                      </p:stCondLst>
+                      <p:childTnLst>
+                        <p:par>
+                          <p:cTn id="55" fill="hold">
+                            <p:stCondLst>
+                              <p:cond delay="0"/>
+                            </p:stCondLst>
+                            <p:childTnLst>
+                              <p:par>
+                                <p:cTn id="56" presetID="10" presetClass="entr" presetSubtype="0" fill="hold" grpId="0" nodeType="clickEffect">
+                                  <p:stCondLst>
+                                    <p:cond delay="0"/>
+                                  </p:stCondLst>
+                                  <p:childTnLst>
+                                    <p:set>
+                                      <p:cBhvr>
+                                        <p:cTn id="57" dur="1" fill="hold">
+                                          <p:stCondLst>
+                                            <p:cond delay="0"/>
+                                          </p:stCondLst>
+                                        </p:cTn>
+                                        <p:tgtEl>
+                                          <p:spTgt spid="24"/>
+                                        </p:tgtEl>
+                                        <p:attrNameLst>
+                                          <p:attrName>style.visibility</p:attrName>
+                                        </p:attrNameLst>
+                                      </p:cBhvr>
+                                      <p:to>
+                                        <p:strVal val="visible"/>
+                                      </p:to>
+                                    </p:set>
+                                    <p:animEffect transition="in" filter="fade">
+                                      <p:cBhvr>
+                                        <p:cTn id="58" dur="500"/>
+                                        <p:tgtEl>
+                                          <p:spTgt spid="24"/>
+                                        </p:tgtEl>
+                                      </p:cBhvr>
+                                    </p:animEffect>
+                                  </p:childTnLst>
+                                </p:cTn>
+                              </p:par>
+                              <p:par>
+                                <p:cTn id="59" presetID="10" presetClass="entr" presetSubtype="0" fill="hold" grpId="0" nodeType="withEffect">
+                                  <p:stCondLst>
+                                    <p:cond delay="0"/>
+                                  </p:stCondLst>
+                                  <p:childTnLst>
+                                    <p:set>
+                                      <p:cBhvr>
+                                        <p:cTn id="60" dur="1" fill="hold">
+                                          <p:stCondLst>
+                                            <p:cond delay="0"/>
+                                          </p:stCondLst>
+                                        </p:cTn>
+                                        <p:tgtEl>
+                                          <p:spTgt spid="32"/>
+                                        </p:tgtEl>
+                                        <p:attrNameLst>
+                                          <p:attrName>style.visibility</p:attrName>
+                                        </p:attrNameLst>
+                                      </p:cBhvr>
+                                      <p:to>
+                                        <p:strVal val="visible"/>
+                                      </p:to>
+                                    </p:set>
+                                    <p:animEffect transition="in" filter="fade">
+                                      <p:cBhvr>
+                                        <p:cTn id="61" dur="500"/>
+                                        <p:tgtEl>
+                                          <p:spTgt spid="32"/>
+                                        </p:tgtEl>
+                                      </p:cBhvr>
+                                    </p:animEffect>
+                                  </p:childTnLst>
+                                </p:cTn>
+                              </p:par>
+                              <p:par>
+                                <p:cTn id="62" presetID="10" presetClass="entr" presetSubtype="0" fill="hold" grpId="0" nodeType="withEffect">
+                                  <p:stCondLst>
+                                    <p:cond delay="0"/>
+                                  </p:stCondLst>
+                                  <p:childTnLst>
+                                    <p:set>
+                                      <p:cBhvr>
+                                        <p:cTn id="63" dur="1" fill="hold">
+                                          <p:stCondLst>
+                                            <p:cond delay="0"/>
+                                          </p:stCondLst>
+                                        </p:cTn>
+                                        <p:tgtEl>
+                                          <p:spTgt spid="34"/>
+                                        </p:tgtEl>
+                                        <p:attrNameLst>
+                                          <p:attrName>style.visibility</p:attrName>
+                                        </p:attrNameLst>
+                                      </p:cBhvr>
+                                      <p:to>
+                                        <p:strVal val="visible"/>
+                                      </p:to>
+                                    </p:set>
+                                    <p:animEffect transition="in" filter="fade">
+                                      <p:cBhvr>
+                                        <p:cTn id="64" dur="500"/>
+                                        <p:tgtEl>
+                                          <p:spTgt spid="34"/>
+                                        </p:tgtEl>
+                                      </p:cBhvr>
+                                    </p:animEffect>
+                                  </p:childTnLst>
+                                </p:cTn>
+                              </p:par>
+                            </p:childTnLst>
+                          </p:cTn>
+                        </p:par>
+                      </p:childTnLst>
+                    </p:cTn>
+                  </p:par>
                 </p:childTnLst>
               </p:cTn>
               <p:prevCondLst>
@@ -14121,6 +14997,8 @@
       </p:par>
     </p:tnLst>
     <p:bldLst>
+      <p:bldP spid="32" grpId="0"/>
+      <p:bldP spid="34" grpId="0"/>
       <p:bldP spid="27" grpId="0"/>
       <p:bldP spid="28" grpId="0"/>
       <p:bldP spid="29" grpId="0"/>
@@ -14129,6 +15007,7 @@
       <p:bldP spid="56" grpId="0"/>
       <p:bldP spid="57" grpId="0"/>
       <p:bldP spid="58" grpId="0"/>
+      <p:bldP spid="24" grpId="0"/>
     </p:bldLst>
   </p:timing>
 </p:sld>
@@ -16899,7 +17778,7 @@
           <p:spPr>
             <a:xfrm>
               <a:off x="2041558" y="2090299"/>
-              <a:ext cx="1676400" cy="533480"/>
+              <a:ext cx="1676400" cy="636072"/>
             </a:xfrm>
             <a:prstGeom prst="rect">
               <a:avLst/>
@@ -16914,18 +17793,13 @@
             <a:p>
               <a:pPr algn="ctr"/>
               <a:r>
-                <a:rPr lang="en-US" sz="2000" b="1" dirty="0">
+                <a:rPr lang="en-US" sz="2500" b="1" dirty="0">
                   <a:solidFill>
                     <a:srgbClr val="9C0E63"/>
                   </a:solidFill>
                 </a:rPr>
                 <a:t>births</a:t>
               </a:r>
-              <a:endParaRPr lang="en-US" sz="2400" b="1" dirty="0">
-                <a:solidFill>
-                  <a:srgbClr val="9C0E63"/>
-                </a:solidFill>
-              </a:endParaRPr>
             </a:p>
           </p:txBody>
         </p:sp>
@@ -16938,7 +17812,7 @@
           <p:spPr>
             <a:xfrm>
               <a:off x="5730840" y="2090299"/>
-              <a:ext cx="1676400" cy="533480"/>
+              <a:ext cx="1676400" cy="636072"/>
             </a:xfrm>
             <a:prstGeom prst="rect">
               <a:avLst/>
@@ -16953,18 +17827,13 @@
             <a:p>
               <a:pPr algn="ctr"/>
               <a:r>
-                <a:rPr lang="en-US" sz="2000" b="1" dirty="0">
+                <a:rPr lang="en-US" sz="2500" b="1" dirty="0">
                   <a:solidFill>
                     <a:srgbClr val="00B0F0"/>
                   </a:solidFill>
                 </a:rPr>
                 <a:t>deaths</a:t>
               </a:r>
-              <a:endParaRPr lang="en-US" sz="2400" b="1" dirty="0">
-                <a:solidFill>
-                  <a:srgbClr val="00B0F0"/>
-                </a:solidFill>
-              </a:endParaRPr>
             </a:p>
           </p:txBody>
         </p:sp>
@@ -16977,7 +17846,7 @@
           <p:spPr>
             <a:xfrm>
               <a:off x="3778316" y="2090299"/>
-              <a:ext cx="1892166" cy="533480"/>
+              <a:ext cx="1892166" cy="636072"/>
             </a:xfrm>
             <a:prstGeom prst="rect">
               <a:avLst/>
@@ -16992,7 +17861,7 @@
             <a:p>
               <a:pPr algn="ctr"/>
               <a:r>
-                <a:rPr lang="en-US" sz="2000" b="1" dirty="0">
+                <a:rPr lang="en-US" sz="2500" b="1" dirty="0">
                   <a:solidFill>
                     <a:srgbClr val="F2700E"/>
                   </a:solidFill>
@@ -17011,7 +17880,7 @@
           <p:spPr>
             <a:xfrm>
               <a:off x="7467600" y="2090299"/>
-              <a:ext cx="1676400" cy="533480"/>
+              <a:ext cx="1676400" cy="636072"/>
             </a:xfrm>
             <a:prstGeom prst="rect">
               <a:avLst/>
@@ -17026,7 +17895,7 @@
             <a:p>
               <a:pPr algn="ctr"/>
               <a:r>
-                <a:rPr lang="en-US" sz="2000" b="1" dirty="0">
+                <a:rPr lang="en-US" sz="2500" b="1" dirty="0">
                   <a:solidFill>
                     <a:srgbClr val="00B050"/>
                   </a:solidFill>
@@ -17134,7 +18003,7 @@
           </p:nvSpPr>
           <p:spPr>
             <a:xfrm>
-              <a:off x="7239000" y="2102347"/>
+              <a:off x="7162800" y="2102347"/>
               <a:ext cx="304800" cy="615553"/>
             </a:xfrm>
             <a:prstGeom prst="rect">
@@ -17157,8 +18026,8 @@
           </p:txBody>
         </p:sp>
       </p:grpSp>
-      <mc:AlternateContent xmlns:mc="http://schemas.openxmlformats.org/markup-compatibility/2006" xmlns:a14="http://schemas.microsoft.com/office/drawing/2010/main">
-        <mc:Choice Requires="a14">
+      <mc:AlternateContent xmlns:mc="http://schemas.openxmlformats.org/markup-compatibility/2006">
+        <mc:Choice xmlns:a14="http://schemas.microsoft.com/office/drawing/2010/main" Requires="a14">
           <p:sp>
             <p:nvSpPr>
               <p:cNvPr id="15" name="TextBox 14"/>
@@ -17167,7 +18036,7 @@
             </p:nvSpPr>
             <p:spPr>
               <a:xfrm>
-                <a:off x="1242131" y="2155746"/>
+                <a:off x="1242131" y="2209621"/>
                 <a:ext cx="1880387" cy="1200329"/>
               </a:xfrm>
               <a:prstGeom prst="rect">
@@ -17210,7 +18079,7 @@
             </p:txBody>
           </p:sp>
         </mc:Choice>
-        <mc:Fallback xmlns="">
+        <mc:Fallback>
           <p:sp>
             <p:nvSpPr>
               <p:cNvPr id="15" name="TextBox 14"/>
@@ -17221,16 +18090,16 @@
             </p:nvSpPr>
             <p:spPr>
               <a:xfrm>
-                <a:off x="1242131" y="2155746"/>
+                <a:off x="1242131" y="2209621"/>
                 <a:ext cx="1880387" cy="1200329"/>
               </a:xfrm>
               <a:prstGeom prst="rect">
                 <a:avLst/>
               </a:prstGeom>
-              <a:blipFill rotWithShape="1">
+              <a:blipFill>
                 <a:blip r:embed="rId2"/>
                 <a:stretch>
-                  <a:fillRect/>
+                  <a:fillRect l="-5369" b="-3125"/>
                 </a:stretch>
               </a:blipFill>
             </p:spPr>
@@ -17272,7 +18141,7 @@
         </p:blipFill>
         <p:spPr bwMode="auto">
           <a:xfrm>
-            <a:off x="3132043" y="956081"/>
+            <a:off x="3048000" y="1063171"/>
             <a:ext cx="4013121" cy="4023179"/>
           </a:xfrm>
           <a:prstGeom prst="rect">
@@ -17290,6 +18159,103 @@
           </a:extLst>
         </p:spPr>
       </p:pic>
+      <mc:AlternateContent xmlns:mc="http://schemas.openxmlformats.org/markup-compatibility/2006">
+        <mc:Choice xmlns:a14="http://schemas.microsoft.com/office/drawing/2010/main" Requires="a14">
+          <p:sp>
+            <p:nvSpPr>
+              <p:cNvPr id="14" name="TextBox 13">
+                <a:extLst>
+                  <a:ext uri="{FF2B5EF4-FFF2-40B4-BE49-F238E27FC236}">
+                    <a16:creationId xmlns:a16="http://schemas.microsoft.com/office/drawing/2014/main" id="{04DA5B1F-4D9E-0545-AABB-E4329ABCAE17}"/>
+                  </a:ext>
+                </a:extLst>
+              </p:cNvPr>
+              <p:cNvSpPr txBox="1"/>
+              <p:nvPr/>
+            </p:nvSpPr>
+            <p:spPr>
+              <a:xfrm>
+                <a:off x="791678" y="991469"/>
+                <a:ext cx="428964" cy="477054"/>
+              </a:xfrm>
+              <a:prstGeom prst="rect">
+                <a:avLst/>
+              </a:prstGeom>
+              <a:noFill/>
+            </p:spPr>
+            <p:txBody>
+              <a:bodyPr wrap="none" rtlCol="0">
+                <a:spAutoFit/>
+              </a:bodyPr>
+              <a:lstStyle/>
+              <a:p>
+                <a:pPr/>
+                <a14:m>
+                  <m:oMathPara xmlns:m="http://schemas.openxmlformats.org/officeDocument/2006/math">
+                    <m:oMathParaPr>
+                      <m:jc m:val="centerGroup"/>
+                    </m:oMathParaPr>
+                    <m:oMath xmlns:m="http://schemas.openxmlformats.org/officeDocument/2006/math">
+                      <m:r>
+                        <a:rPr lang="en-US" sz="2500" i="1" smtClean="0">
+                          <a:latin typeface="Cambria Math"/>
+                          <a:ea typeface="Cambria Math"/>
+                        </a:rPr>
+                        <m:t>𝜆</m:t>
+                      </m:r>
+                    </m:oMath>
+                  </m:oMathPara>
+                </a14:m>
+                <a:endParaRPr lang="en-US" sz="2500" dirty="0"/>
+              </a:p>
+            </p:txBody>
+          </p:sp>
+        </mc:Choice>
+        <mc:Fallback>
+          <p:sp>
+            <p:nvSpPr>
+              <p:cNvPr id="14" name="TextBox 13">
+                <a:extLst>
+                  <a:ext uri="{FF2B5EF4-FFF2-40B4-BE49-F238E27FC236}">
+                    <a16:creationId xmlns:a16="http://schemas.microsoft.com/office/drawing/2014/main" id="{04DA5B1F-4D9E-0545-AABB-E4329ABCAE17}"/>
+                  </a:ext>
+                </a:extLst>
+              </p:cNvPr>
+              <p:cNvSpPr txBox="1">
+                <a:spLocks noRot="1" noChangeAspect="1" noMove="1" noResize="1" noEditPoints="1" noAdjustHandles="1" noChangeArrowheads="1" noChangeShapeType="1" noTextEdit="1"/>
+              </p:cNvSpPr>
+              <p:nvPr/>
+            </p:nvSpPr>
+            <p:spPr>
+              <a:xfrm>
+                <a:off x="791678" y="991469"/>
+                <a:ext cx="428964" cy="477054"/>
+              </a:xfrm>
+              <a:prstGeom prst="rect">
+                <a:avLst/>
+              </a:prstGeom>
+              <a:blipFill>
+                <a:blip r:embed="rId4"/>
+                <a:stretch>
+                  <a:fillRect/>
+                </a:stretch>
+              </a:blipFill>
+            </p:spPr>
+            <p:txBody>
+              <a:bodyPr/>
+              <a:lstStyle/>
+              <a:p>
+                <a:r>
+                  <a:rPr lang="en-US">
+                    <a:noFill/>
+                  </a:rPr>
+                  <a:t> </a:t>
+                </a:r>
+              </a:p>
+            </p:txBody>
+          </p:sp>
+        </mc:Fallback>
+      </mc:AlternateContent>
     </p:spTree>
     <p:extLst>
       <p:ext uri="{BB962C8B-B14F-4D97-AF65-F5344CB8AC3E}">
@@ -17783,7 +18749,7 @@
           <p:spPr>
             <a:xfrm>
               <a:off x="2041558" y="2090299"/>
-              <a:ext cx="1676400" cy="533480"/>
+              <a:ext cx="1676400" cy="636072"/>
             </a:xfrm>
             <a:prstGeom prst="rect">
               <a:avLst/>
@@ -17798,7 +18764,7 @@
             <a:p>
               <a:pPr algn="ctr"/>
               <a:r>
-                <a:rPr lang="en-US" sz="2000" b="1" dirty="0">
+                <a:rPr lang="en-US" sz="2500" b="1" dirty="0">
                   <a:solidFill>
                     <a:schemeClr val="accent3">
                       <a:lumMod val="50000"/>
@@ -17807,13 +18773,6 @@
                 </a:rPr>
                 <a:t>births</a:t>
               </a:r>
-              <a:endParaRPr lang="en-US" sz="2400" b="1" dirty="0">
-                <a:solidFill>
-                  <a:schemeClr val="accent3">
-                    <a:lumMod val="50000"/>
-                  </a:schemeClr>
-                </a:solidFill>
-              </a:endParaRPr>
             </a:p>
           </p:txBody>
         </p:sp>
@@ -17826,7 +18785,7 @@
           <p:spPr>
             <a:xfrm>
               <a:off x="5730840" y="2090299"/>
-              <a:ext cx="1676400" cy="533480"/>
+              <a:ext cx="1676400" cy="636072"/>
             </a:xfrm>
             <a:prstGeom prst="rect">
               <a:avLst/>
@@ -17841,7 +18800,7 @@
             <a:p>
               <a:pPr algn="ctr"/>
               <a:r>
-                <a:rPr lang="en-US" sz="2000" b="1" dirty="0">
+                <a:rPr lang="en-US" sz="2500" b="1" dirty="0">
                   <a:solidFill>
                     <a:schemeClr val="accent2">
                       <a:lumMod val="75000"/>
@@ -17850,13 +18809,6 @@
                 </a:rPr>
                 <a:t>deaths</a:t>
               </a:r>
-              <a:endParaRPr lang="en-US" sz="2400" b="1" dirty="0">
-                <a:solidFill>
-                  <a:schemeClr val="accent2">
-                    <a:lumMod val="75000"/>
-                  </a:schemeClr>
-                </a:solidFill>
-              </a:endParaRPr>
             </a:p>
           </p:txBody>
         </p:sp>
@@ -17869,7 +18821,7 @@
           <p:spPr>
             <a:xfrm>
               <a:off x="3778316" y="2090299"/>
-              <a:ext cx="1892166" cy="533480"/>
+              <a:ext cx="1892166" cy="636072"/>
             </a:xfrm>
             <a:prstGeom prst="rect">
               <a:avLst/>
@@ -17884,7 +18836,7 @@
             <a:p>
               <a:pPr algn="ctr"/>
               <a:r>
-                <a:rPr lang="en-US" sz="2000" b="1" dirty="0">
+                <a:rPr lang="en-US" sz="2500" b="1" dirty="0">
                   <a:solidFill>
                     <a:schemeClr val="accent3">
                       <a:lumMod val="50000"/>
@@ -17905,7 +18857,7 @@
           <p:spPr>
             <a:xfrm>
               <a:off x="7467600" y="2090299"/>
-              <a:ext cx="1676400" cy="533480"/>
+              <a:ext cx="1676400" cy="636072"/>
             </a:xfrm>
             <a:prstGeom prst="rect">
               <a:avLst/>
@@ -17920,7 +18872,7 @@
             <a:p>
               <a:pPr algn="ctr"/>
               <a:r>
-                <a:rPr lang="en-US" sz="2000" b="1" dirty="0">
+                <a:rPr lang="en-US" sz="2500" b="1" dirty="0">
                   <a:solidFill>
                     <a:schemeClr val="accent2">
                       <a:lumMod val="75000"/>
@@ -17970,7 +18922,7 @@
           </p:nvSpPr>
           <p:spPr>
             <a:xfrm>
-              <a:off x="3505200" y="2090299"/>
+              <a:off x="3429000" y="2090299"/>
               <a:ext cx="304800" cy="615553"/>
             </a:xfrm>
             <a:prstGeom prst="rect">
@@ -18030,7 +18982,7 @@
           </p:nvSpPr>
           <p:spPr>
             <a:xfrm>
-              <a:off x="7239000" y="2102347"/>
+              <a:off x="7162800" y="2102347"/>
               <a:ext cx="304800" cy="615553"/>
             </a:xfrm>
             <a:prstGeom prst="rect">
@@ -18190,8 +19142,8 @@
         </p:nvCxnSpPr>
         <p:spPr>
           <a:xfrm flipH="1">
-            <a:off x="2209801" y="875965"/>
-            <a:ext cx="669957" cy="932356"/>
+            <a:off x="2209801" y="952909"/>
+            <a:ext cx="669957" cy="855412"/>
           </a:xfrm>
           <a:prstGeom prst="straightConnector1">
             <a:avLst/>
@@ -18231,8 +19183,8 @@
         </p:nvCxnSpPr>
         <p:spPr>
           <a:xfrm>
-            <a:off x="6569040" y="875965"/>
-            <a:ext cx="395842" cy="932356"/>
+            <a:off x="6569040" y="952909"/>
+            <a:ext cx="395842" cy="855412"/>
           </a:xfrm>
           <a:prstGeom prst="straightConnector1">
             <a:avLst/>
@@ -18271,8 +19223,8 @@
         </p:nvCxnSpPr>
         <p:spPr>
           <a:xfrm flipH="1">
-            <a:off x="7239000" y="875965"/>
-            <a:ext cx="1066800" cy="932356"/>
+            <a:off x="7239000" y="952909"/>
+            <a:ext cx="1066800" cy="855412"/>
           </a:xfrm>
           <a:prstGeom prst="straightConnector1">
             <a:avLst/>
@@ -18365,7 +19317,7 @@
         </p:nvSpPr>
         <p:spPr>
           <a:xfrm>
-            <a:off x="3810000" y="383823"/>
+            <a:off x="3796150" y="438150"/>
             <a:ext cx="1812958" cy="553319"/>
           </a:xfrm>
           <a:prstGeom prst="ellipse">
@@ -18414,7 +19366,7 @@
         </p:nvSpPr>
         <p:spPr>
           <a:xfrm>
-            <a:off x="7331042" y="358369"/>
+            <a:off x="7407242" y="438150"/>
             <a:ext cx="1812958" cy="553319"/>
           </a:xfrm>
           <a:prstGeom prst="ellipse">
@@ -18455,6 +19407,103 @@
           </a:p>
         </p:txBody>
       </p:sp>
+      <mc:AlternateContent xmlns:mc="http://schemas.openxmlformats.org/markup-compatibility/2006">
+        <mc:Choice xmlns:a14="http://schemas.microsoft.com/office/drawing/2010/main" Requires="a14">
+          <p:sp>
+            <p:nvSpPr>
+              <p:cNvPr id="21" name="TextBox 20">
+                <a:extLst>
+                  <a:ext uri="{FF2B5EF4-FFF2-40B4-BE49-F238E27FC236}">
+                    <a16:creationId xmlns:a16="http://schemas.microsoft.com/office/drawing/2014/main" id="{0EC950D6-327B-814E-BFA3-60E2892712DE}"/>
+                  </a:ext>
+                </a:extLst>
+              </p:cNvPr>
+              <p:cNvSpPr txBox="1"/>
+              <p:nvPr/>
+            </p:nvSpPr>
+            <p:spPr>
+              <a:xfrm>
+                <a:off x="791678" y="991469"/>
+                <a:ext cx="428964" cy="477054"/>
+              </a:xfrm>
+              <a:prstGeom prst="rect">
+                <a:avLst/>
+              </a:prstGeom>
+              <a:noFill/>
+            </p:spPr>
+            <p:txBody>
+              <a:bodyPr wrap="none" rtlCol="0">
+                <a:spAutoFit/>
+              </a:bodyPr>
+              <a:lstStyle/>
+              <a:p>
+                <a:pPr/>
+                <a14:m>
+                  <m:oMathPara xmlns:m="http://schemas.openxmlformats.org/officeDocument/2006/math">
+                    <m:oMathParaPr>
+                      <m:jc m:val="centerGroup"/>
+                    </m:oMathParaPr>
+                    <m:oMath xmlns:m="http://schemas.openxmlformats.org/officeDocument/2006/math">
+                      <m:r>
+                        <a:rPr lang="en-US" sz="2500" i="1" smtClean="0">
+                          <a:latin typeface="Cambria Math"/>
+                          <a:ea typeface="Cambria Math"/>
+                        </a:rPr>
+                        <m:t>𝜆</m:t>
+                      </m:r>
+                    </m:oMath>
+                  </m:oMathPara>
+                </a14:m>
+                <a:endParaRPr lang="en-US" sz="2500" dirty="0"/>
+              </a:p>
+            </p:txBody>
+          </p:sp>
+        </mc:Choice>
+        <mc:Fallback>
+          <p:sp>
+            <p:nvSpPr>
+              <p:cNvPr id="21" name="TextBox 20">
+                <a:extLst>
+                  <a:ext uri="{FF2B5EF4-FFF2-40B4-BE49-F238E27FC236}">
+                    <a16:creationId xmlns:a16="http://schemas.microsoft.com/office/drawing/2014/main" id="{0EC950D6-327B-814E-BFA3-60E2892712DE}"/>
+                  </a:ext>
+                </a:extLst>
+              </p:cNvPr>
+              <p:cNvSpPr txBox="1">
+                <a:spLocks noRot="1" noChangeAspect="1" noMove="1" noResize="1" noEditPoints="1" noAdjustHandles="1" noChangeArrowheads="1" noChangeShapeType="1" noTextEdit="1"/>
+              </p:cNvSpPr>
+              <p:nvPr/>
+            </p:nvSpPr>
+            <p:spPr>
+              <a:xfrm>
+                <a:off x="791678" y="991469"/>
+                <a:ext cx="428964" cy="477054"/>
+              </a:xfrm>
+              <a:prstGeom prst="rect">
+                <a:avLst/>
+              </a:prstGeom>
+              <a:blipFill>
+                <a:blip r:embed="rId3"/>
+                <a:stretch>
+                  <a:fillRect/>
+                </a:stretch>
+              </a:blipFill>
+            </p:spPr>
+            <p:txBody>
+              <a:bodyPr/>
+              <a:lstStyle/>
+              <a:p>
+                <a:r>
+                  <a:rPr lang="en-US">
+                    <a:noFill/>
+                  </a:rPr>
+                  <a:t> </a:t>
+                </a:r>
+              </a:p>
+            </p:txBody>
+          </p:sp>
+        </mc:Fallback>
+      </mc:AlternateContent>
     </p:spTree>
     <p:extLst>
       <p:ext uri="{BB962C8B-B14F-4D97-AF65-F5344CB8AC3E}">
